--- a/11. NAT/Packter Tracer - NAT.pptx
+++ b/11. NAT/Packter Tracer - NAT.pptx
@@ -6,7 +6,21 @@
   </p:sldMasterIdLst>
   <p:sldIdLst>
     <p:sldId id="256" r:id="rId2"/>
-    <p:sldId id="257" r:id="rId3"/>
+    <p:sldId id="262" r:id="rId3"/>
+    <p:sldId id="258" r:id="rId4"/>
+    <p:sldId id="263" r:id="rId5"/>
+    <p:sldId id="257" r:id="rId6"/>
+    <p:sldId id="265" r:id="rId7"/>
+    <p:sldId id="264" r:id="rId8"/>
+    <p:sldId id="260" r:id="rId9"/>
+    <p:sldId id="267" r:id="rId10"/>
+    <p:sldId id="269" r:id="rId11"/>
+    <p:sldId id="266" r:id="rId12"/>
+    <p:sldId id="268" r:id="rId13"/>
+    <p:sldId id="273" r:id="rId14"/>
+    <p:sldId id="259" r:id="rId15"/>
+    <p:sldId id="271" r:id="rId16"/>
+    <p:sldId id="274" r:id="rId17"/>
   </p:sldIdLst>
   <p:sldSz cx="12192000" cy="6858000"/>
   <p:notesSz cx="6858000" cy="9144000"/>
@@ -105,6 +119,11 @@
       </a:defRPr>
     </a:lvl9pPr>
   </p:defaultTextStyle>
+  <p:extLst>
+    <p:ext uri="{EFAFB233-063F-42B5-8137-9DF3F51BA10A}">
+      <p15:sldGuideLst xmlns:p15="http://schemas.microsoft.com/office/powerpoint/2012/main"/>
+    </p:ext>
+  </p:extLst>
 </p:presentation>
 </file>
 
@@ -3441,6 +3460,2729 @@
 </p:sld>
 </file>
 
+<file path=ppt/slides/slide10.xml><?xml version="1.0" encoding="utf-8"?>
+<p:sld xmlns:a="http://schemas.openxmlformats.org/drawingml/2006/main" xmlns:r="http://schemas.openxmlformats.org/officeDocument/2006/relationships" xmlns:p="http://schemas.openxmlformats.org/presentationml/2006/main">
+  <p:cSld>
+    <p:bg>
+      <p:bgPr>
+        <a:solidFill>
+          <a:schemeClr val="tx1"/>
+        </a:solidFill>
+        <a:effectLst/>
+      </p:bgPr>
+    </p:bg>
+    <p:spTree>
+      <p:nvGrpSpPr>
+        <p:cNvPr id="1" name=""/>
+        <p:cNvGrpSpPr/>
+        <p:nvPr/>
+      </p:nvGrpSpPr>
+      <p:grpSpPr>
+        <a:xfrm>
+          <a:off x="0" y="0"/>
+          <a:ext cx="0" cy="0"/>
+          <a:chOff x="0" y="0"/>
+          <a:chExt cx="0" cy="0"/>
+        </a:xfrm>
+      </p:grpSpPr>
+      <p:sp>
+        <p:nvSpPr>
+          <p:cNvPr id="2" name="제목 1">
+            <a:extLst>
+              <a:ext uri="{FF2B5EF4-FFF2-40B4-BE49-F238E27FC236}">
+                <a16:creationId xmlns:a16="http://schemas.microsoft.com/office/drawing/2014/main" id="{993AA972-8F70-42DA-61C6-C82D61F031EA}"/>
+              </a:ext>
+            </a:extLst>
+          </p:cNvPr>
+          <p:cNvSpPr>
+            <a:spLocks noGrp="1"/>
+          </p:cNvSpPr>
+          <p:nvPr>
+            <p:ph type="title"/>
+          </p:nvPr>
+        </p:nvSpPr>
+        <p:spPr/>
+        <p:txBody>
+          <a:bodyPr>
+            <a:normAutofit/>
+          </a:bodyPr>
+          <a:lstStyle/>
+          <a:p>
+            <a:pPr algn="ctr"/>
+            <a:r>
+              <a:rPr lang="en-US" altLang="ko-KR" sz="3800" b="1" dirty="0">
+                <a:solidFill>
+                  <a:schemeClr val="bg1"/>
+                </a:solidFill>
+              </a:rPr>
+              <a:t>Static</a:t>
+            </a:r>
+            <a:r>
+              <a:rPr lang="ko-KR" altLang="en-US" sz="3800" b="1" dirty="0">
+                <a:solidFill>
+                  <a:schemeClr val="bg1"/>
+                </a:solidFill>
+              </a:rPr>
+              <a:t> </a:t>
+            </a:r>
+            <a:r>
+              <a:rPr lang="en-US" altLang="ko-KR" sz="3800" b="1" dirty="0">
+                <a:solidFill>
+                  <a:schemeClr val="bg1"/>
+                </a:solidFill>
+              </a:rPr>
+              <a:t>NAT(Network Address Translation)</a:t>
+            </a:r>
+            <a:endParaRPr lang="ko-KR" altLang="en-US" sz="3800" b="1" dirty="0">
+              <a:solidFill>
+                <a:schemeClr val="bg1"/>
+              </a:solidFill>
+            </a:endParaRPr>
+          </a:p>
+        </p:txBody>
+      </p:sp>
+      <p:sp>
+        <p:nvSpPr>
+          <p:cNvPr id="3" name="내용 개체 틀 2">
+            <a:extLst>
+              <a:ext uri="{FF2B5EF4-FFF2-40B4-BE49-F238E27FC236}">
+                <a16:creationId xmlns:a16="http://schemas.microsoft.com/office/drawing/2014/main" id="{87A0DF69-10B8-0D20-D0FD-6D1E744CF1E4}"/>
+              </a:ext>
+            </a:extLst>
+          </p:cNvPr>
+          <p:cNvSpPr>
+            <a:spLocks noGrp="1"/>
+          </p:cNvSpPr>
+          <p:nvPr>
+            <p:ph idx="1"/>
+          </p:nvPr>
+        </p:nvSpPr>
+        <p:spPr>
+          <a:xfrm>
+            <a:off x="504824" y="3134107"/>
+            <a:ext cx="3143250" cy="369332"/>
+          </a:xfrm>
+        </p:spPr>
+        <p:txBody>
+          <a:bodyPr>
+            <a:normAutofit/>
+          </a:bodyPr>
+          <a:lstStyle/>
+          <a:p>
+            <a:pPr marL="0" indent="0" algn="ctr">
+              <a:buNone/>
+            </a:pPr>
+            <a:r>
+              <a:rPr lang="ko-KR" altLang="en-US" sz="2000" b="1" dirty="0">
+                <a:solidFill>
+                  <a:schemeClr val="bg1"/>
+                </a:solidFill>
+              </a:rPr>
+              <a:t>정적 </a:t>
+            </a:r>
+            <a:r>
+              <a:rPr lang="en-US" altLang="ko-KR" sz="2000" b="1" dirty="0">
+                <a:solidFill>
+                  <a:schemeClr val="bg1"/>
+                </a:solidFill>
+              </a:rPr>
+              <a:t>NAT </a:t>
+            </a:r>
+            <a:r>
+              <a:rPr lang="ko-KR" altLang="en-US" sz="2000" b="1" dirty="0">
+                <a:solidFill>
+                  <a:schemeClr val="bg1"/>
+                </a:solidFill>
+              </a:rPr>
+              <a:t>명령어</a:t>
+            </a:r>
+            <a:endParaRPr lang="en-US" altLang="ko-KR" sz="2000" b="1" dirty="0">
+              <a:solidFill>
+                <a:schemeClr val="bg1"/>
+              </a:solidFill>
+            </a:endParaRPr>
+          </a:p>
+        </p:txBody>
+      </p:sp>
+      <p:pic>
+        <p:nvPicPr>
+          <p:cNvPr id="7" name="그림 6">
+            <a:extLst>
+              <a:ext uri="{FF2B5EF4-FFF2-40B4-BE49-F238E27FC236}">
+                <a16:creationId xmlns:a16="http://schemas.microsoft.com/office/drawing/2014/main" id="{D6B2A1CA-9907-CEBE-D4A6-835E6B039373}"/>
+              </a:ext>
+            </a:extLst>
+          </p:cNvPr>
+          <p:cNvPicPr>
+            <a:picLocks noChangeAspect="1"/>
+          </p:cNvPicPr>
+          <p:nvPr/>
+        </p:nvPicPr>
+        <p:blipFill>
+          <a:blip r:embed="rId2"/>
+          <a:stretch>
+            <a:fillRect/>
+          </a:stretch>
+        </p:blipFill>
+        <p:spPr>
+          <a:xfrm>
+            <a:off x="3867150" y="2003424"/>
+            <a:ext cx="7715250" cy="2261367"/>
+          </a:xfrm>
+          <a:prstGeom prst="rect">
+            <a:avLst/>
+          </a:prstGeom>
+        </p:spPr>
+      </p:pic>
+      <p:sp>
+        <p:nvSpPr>
+          <p:cNvPr id="8" name="내용 개체 틀 2">
+            <a:extLst>
+              <a:ext uri="{FF2B5EF4-FFF2-40B4-BE49-F238E27FC236}">
+                <a16:creationId xmlns:a16="http://schemas.microsoft.com/office/drawing/2014/main" id="{B087E41E-4957-CE82-AD37-5AD3DF17AF8E}"/>
+              </a:ext>
+            </a:extLst>
+          </p:cNvPr>
+          <p:cNvSpPr txBox="1">
+            <a:spLocks/>
+          </p:cNvSpPr>
+          <p:nvPr/>
+        </p:nvSpPr>
+        <p:spPr>
+          <a:xfrm>
+            <a:off x="214312" y="5349333"/>
+            <a:ext cx="3724275" cy="603249"/>
+          </a:xfrm>
+          <a:prstGeom prst="rect">
+            <a:avLst/>
+          </a:prstGeom>
+        </p:spPr>
+        <p:txBody>
+          <a:bodyPr vert="horz" lIns="91440" tIns="45720" rIns="91440" bIns="45720" rtlCol="0">
+            <a:normAutofit/>
+          </a:bodyPr>
+          <a:lstStyle>
+            <a:lvl1pPr marL="228600" indent="-228600" algn="l" defTabSz="914400" rtl="0" eaLnBrk="1" latinLnBrk="1" hangingPunct="1">
+              <a:lnSpc>
+                <a:spcPct val="90000"/>
+              </a:lnSpc>
+              <a:spcBef>
+                <a:spcPts val="1000"/>
+              </a:spcBef>
+              <a:buFont typeface="Arial" panose="020B0604020202020204" pitchFamily="34" charset="0"/>
+              <a:buChar char="•"/>
+              <a:defRPr sz="2800" kern="1200">
+                <a:solidFill>
+                  <a:schemeClr val="tx1"/>
+                </a:solidFill>
+                <a:latin typeface="+mn-lt"/>
+                <a:ea typeface="+mn-ea"/>
+                <a:cs typeface="+mn-cs"/>
+              </a:defRPr>
+            </a:lvl1pPr>
+            <a:lvl2pPr marL="685800" indent="-228600" algn="l" defTabSz="914400" rtl="0" eaLnBrk="1" latinLnBrk="1" hangingPunct="1">
+              <a:lnSpc>
+                <a:spcPct val="90000"/>
+              </a:lnSpc>
+              <a:spcBef>
+                <a:spcPts val="500"/>
+              </a:spcBef>
+              <a:buFont typeface="Arial" panose="020B0604020202020204" pitchFamily="34" charset="0"/>
+              <a:buChar char="•"/>
+              <a:defRPr sz="2400" kern="1200">
+                <a:solidFill>
+                  <a:schemeClr val="tx1"/>
+                </a:solidFill>
+                <a:latin typeface="+mn-lt"/>
+                <a:ea typeface="+mn-ea"/>
+                <a:cs typeface="+mn-cs"/>
+              </a:defRPr>
+            </a:lvl2pPr>
+            <a:lvl3pPr marL="1143000" indent="-228600" algn="l" defTabSz="914400" rtl="0" eaLnBrk="1" latinLnBrk="1" hangingPunct="1">
+              <a:lnSpc>
+                <a:spcPct val="90000"/>
+              </a:lnSpc>
+              <a:spcBef>
+                <a:spcPts val="500"/>
+              </a:spcBef>
+              <a:buFont typeface="Arial" panose="020B0604020202020204" pitchFamily="34" charset="0"/>
+              <a:buChar char="•"/>
+              <a:defRPr sz="2000" kern="1200">
+                <a:solidFill>
+                  <a:schemeClr val="tx1"/>
+                </a:solidFill>
+                <a:latin typeface="+mn-lt"/>
+                <a:ea typeface="+mn-ea"/>
+                <a:cs typeface="+mn-cs"/>
+              </a:defRPr>
+            </a:lvl3pPr>
+            <a:lvl4pPr marL="1600200" indent="-228600" algn="l" defTabSz="914400" rtl="0" eaLnBrk="1" latinLnBrk="1" hangingPunct="1">
+              <a:lnSpc>
+                <a:spcPct val="90000"/>
+              </a:lnSpc>
+              <a:spcBef>
+                <a:spcPts val="500"/>
+              </a:spcBef>
+              <a:buFont typeface="Arial" panose="020B0604020202020204" pitchFamily="34" charset="0"/>
+              <a:buChar char="•"/>
+              <a:defRPr sz="1800" kern="1200">
+                <a:solidFill>
+                  <a:schemeClr val="tx1"/>
+                </a:solidFill>
+                <a:latin typeface="+mn-lt"/>
+                <a:ea typeface="+mn-ea"/>
+                <a:cs typeface="+mn-cs"/>
+              </a:defRPr>
+            </a:lvl4pPr>
+            <a:lvl5pPr marL="2057400" indent="-228600" algn="l" defTabSz="914400" rtl="0" eaLnBrk="1" latinLnBrk="1" hangingPunct="1">
+              <a:lnSpc>
+                <a:spcPct val="90000"/>
+              </a:lnSpc>
+              <a:spcBef>
+                <a:spcPts val="500"/>
+              </a:spcBef>
+              <a:buFont typeface="Arial" panose="020B0604020202020204" pitchFamily="34" charset="0"/>
+              <a:buChar char="•"/>
+              <a:defRPr sz="1800" kern="1200">
+                <a:solidFill>
+                  <a:schemeClr val="tx1"/>
+                </a:solidFill>
+                <a:latin typeface="+mn-lt"/>
+                <a:ea typeface="+mn-ea"/>
+                <a:cs typeface="+mn-cs"/>
+              </a:defRPr>
+            </a:lvl5pPr>
+            <a:lvl6pPr marL="2514600" indent="-228600" algn="l" defTabSz="914400" rtl="0" eaLnBrk="1" latinLnBrk="1" hangingPunct="1">
+              <a:lnSpc>
+                <a:spcPct val="90000"/>
+              </a:lnSpc>
+              <a:spcBef>
+                <a:spcPts val="500"/>
+              </a:spcBef>
+              <a:buFont typeface="Arial" panose="020B0604020202020204" pitchFamily="34" charset="0"/>
+              <a:buChar char="•"/>
+              <a:defRPr sz="1800" kern="1200">
+                <a:solidFill>
+                  <a:schemeClr val="tx1"/>
+                </a:solidFill>
+                <a:latin typeface="+mn-lt"/>
+                <a:ea typeface="+mn-ea"/>
+                <a:cs typeface="+mn-cs"/>
+              </a:defRPr>
+            </a:lvl6pPr>
+            <a:lvl7pPr marL="2971800" indent="-228600" algn="l" defTabSz="914400" rtl="0" eaLnBrk="1" latinLnBrk="1" hangingPunct="1">
+              <a:lnSpc>
+                <a:spcPct val="90000"/>
+              </a:lnSpc>
+              <a:spcBef>
+                <a:spcPts val="500"/>
+              </a:spcBef>
+              <a:buFont typeface="Arial" panose="020B0604020202020204" pitchFamily="34" charset="0"/>
+              <a:buChar char="•"/>
+              <a:defRPr sz="1800" kern="1200">
+                <a:solidFill>
+                  <a:schemeClr val="tx1"/>
+                </a:solidFill>
+                <a:latin typeface="+mn-lt"/>
+                <a:ea typeface="+mn-ea"/>
+                <a:cs typeface="+mn-cs"/>
+              </a:defRPr>
+            </a:lvl7pPr>
+            <a:lvl8pPr marL="3429000" indent="-228600" algn="l" defTabSz="914400" rtl="0" eaLnBrk="1" latinLnBrk="1" hangingPunct="1">
+              <a:lnSpc>
+                <a:spcPct val="90000"/>
+              </a:lnSpc>
+              <a:spcBef>
+                <a:spcPts val="500"/>
+              </a:spcBef>
+              <a:buFont typeface="Arial" panose="020B0604020202020204" pitchFamily="34" charset="0"/>
+              <a:buChar char="•"/>
+              <a:defRPr sz="1800" kern="1200">
+                <a:solidFill>
+                  <a:schemeClr val="tx1"/>
+                </a:solidFill>
+                <a:latin typeface="+mn-lt"/>
+                <a:ea typeface="+mn-ea"/>
+                <a:cs typeface="+mn-cs"/>
+              </a:defRPr>
+            </a:lvl8pPr>
+            <a:lvl9pPr marL="3886200" indent="-228600" algn="l" defTabSz="914400" rtl="0" eaLnBrk="1" latinLnBrk="1" hangingPunct="1">
+              <a:lnSpc>
+                <a:spcPct val="90000"/>
+              </a:lnSpc>
+              <a:spcBef>
+                <a:spcPts val="500"/>
+              </a:spcBef>
+              <a:buFont typeface="Arial" panose="020B0604020202020204" pitchFamily="34" charset="0"/>
+              <a:buChar char="•"/>
+              <a:defRPr sz="1800" kern="1200">
+                <a:solidFill>
+                  <a:schemeClr val="tx1"/>
+                </a:solidFill>
+                <a:latin typeface="+mn-lt"/>
+                <a:ea typeface="+mn-ea"/>
+                <a:cs typeface="+mn-cs"/>
+              </a:defRPr>
+            </a:lvl9pPr>
+          </a:lstStyle>
+          <a:p>
+            <a:pPr marL="0" indent="0" algn="ctr">
+              <a:buFont typeface="Arial" panose="020B0604020202020204" pitchFamily="34" charset="0"/>
+              <a:buNone/>
+            </a:pPr>
+            <a:r>
+              <a:rPr lang="ko-KR" altLang="en-US" sz="2000" b="1" dirty="0">
+                <a:solidFill>
+                  <a:schemeClr val="bg1"/>
+                </a:solidFill>
+              </a:rPr>
+              <a:t>정적 </a:t>
+            </a:r>
+            <a:r>
+              <a:rPr lang="en-US" altLang="ko-KR" sz="2000" b="1" dirty="0">
+                <a:solidFill>
+                  <a:schemeClr val="bg1"/>
+                </a:solidFill>
+              </a:rPr>
+              <a:t>NAT </a:t>
+            </a:r>
+            <a:r>
+              <a:rPr lang="ko-KR" altLang="en-US" sz="2000" b="1" dirty="0">
+                <a:solidFill>
+                  <a:schemeClr val="bg1"/>
+                </a:solidFill>
+              </a:rPr>
+              <a:t>토폴로지</a:t>
+            </a:r>
+            <a:r>
+              <a:rPr lang="en-US" altLang="ko-KR" sz="2000" b="1" dirty="0">
+                <a:solidFill>
+                  <a:schemeClr val="bg1"/>
+                </a:solidFill>
+              </a:rPr>
+              <a:t> </a:t>
+            </a:r>
+            <a:r>
+              <a:rPr lang="ko-KR" altLang="en-US" sz="2000" b="1" dirty="0">
+                <a:solidFill>
+                  <a:schemeClr val="bg1"/>
+                </a:solidFill>
+              </a:rPr>
+              <a:t>명령어</a:t>
+            </a:r>
+            <a:endParaRPr lang="en-US" altLang="ko-KR" sz="2000" b="1" dirty="0">
+              <a:solidFill>
+                <a:schemeClr val="bg1"/>
+              </a:solidFill>
+            </a:endParaRPr>
+          </a:p>
+        </p:txBody>
+      </p:sp>
+      <p:pic>
+        <p:nvPicPr>
+          <p:cNvPr id="10" name="그림 9">
+            <a:extLst>
+              <a:ext uri="{FF2B5EF4-FFF2-40B4-BE49-F238E27FC236}">
+                <a16:creationId xmlns:a16="http://schemas.microsoft.com/office/drawing/2014/main" id="{E9B076C9-547F-C6A9-EB99-8D9C8BB5237C}"/>
+              </a:ext>
+            </a:extLst>
+          </p:cNvPr>
+          <p:cNvPicPr>
+            <a:picLocks noChangeAspect="1"/>
+          </p:cNvPicPr>
+          <p:nvPr/>
+        </p:nvPicPr>
+        <p:blipFill>
+          <a:blip r:embed="rId3"/>
+          <a:stretch>
+            <a:fillRect/>
+          </a:stretch>
+        </p:blipFill>
+        <p:spPr>
+          <a:xfrm>
+            <a:off x="3867150" y="4335843"/>
+            <a:ext cx="7715250" cy="2261366"/>
+          </a:xfrm>
+          <a:prstGeom prst="rect">
+            <a:avLst/>
+          </a:prstGeom>
+        </p:spPr>
+      </p:pic>
+    </p:spTree>
+    <p:extLst>
+      <p:ext uri="{BB962C8B-B14F-4D97-AF65-F5344CB8AC3E}">
+        <p14:creationId xmlns:p14="http://schemas.microsoft.com/office/powerpoint/2010/main" val="3552982779"/>
+      </p:ext>
+    </p:extLst>
+  </p:cSld>
+  <p:clrMapOvr>
+    <a:masterClrMapping/>
+  </p:clrMapOvr>
+</p:sld>
+</file>
+
+<file path=ppt/slides/slide11.xml><?xml version="1.0" encoding="utf-8"?>
+<p:sld xmlns:a="http://schemas.openxmlformats.org/drawingml/2006/main" xmlns:r="http://schemas.openxmlformats.org/officeDocument/2006/relationships" xmlns:p="http://schemas.openxmlformats.org/presentationml/2006/main">
+  <p:cSld>
+    <p:bg>
+      <p:bgPr>
+        <a:solidFill>
+          <a:schemeClr val="tx1"/>
+        </a:solidFill>
+        <a:effectLst/>
+      </p:bgPr>
+    </p:bg>
+    <p:spTree>
+      <p:nvGrpSpPr>
+        <p:cNvPr id="1" name=""/>
+        <p:cNvGrpSpPr/>
+        <p:nvPr/>
+      </p:nvGrpSpPr>
+      <p:grpSpPr>
+        <a:xfrm>
+          <a:off x="0" y="0"/>
+          <a:ext cx="0" cy="0"/>
+          <a:chOff x="0" y="0"/>
+          <a:chExt cx="0" cy="0"/>
+        </a:xfrm>
+      </p:grpSpPr>
+      <p:sp>
+        <p:nvSpPr>
+          <p:cNvPr id="2" name="제목 1">
+            <a:extLst>
+              <a:ext uri="{FF2B5EF4-FFF2-40B4-BE49-F238E27FC236}">
+                <a16:creationId xmlns:a16="http://schemas.microsoft.com/office/drawing/2014/main" id="{993AA972-8F70-42DA-61C6-C82D61F031EA}"/>
+              </a:ext>
+            </a:extLst>
+          </p:cNvPr>
+          <p:cNvSpPr>
+            <a:spLocks noGrp="1"/>
+          </p:cNvSpPr>
+          <p:nvPr>
+            <p:ph type="title"/>
+          </p:nvPr>
+        </p:nvSpPr>
+        <p:spPr/>
+        <p:txBody>
+          <a:bodyPr>
+            <a:normAutofit/>
+          </a:bodyPr>
+          <a:lstStyle/>
+          <a:p>
+            <a:pPr algn="ctr"/>
+            <a:r>
+              <a:rPr lang="en-US" altLang="ko-KR" sz="3800" b="1" dirty="0">
+                <a:solidFill>
+                  <a:schemeClr val="bg1"/>
+                </a:solidFill>
+              </a:rPr>
+              <a:t>Dynamic NAT(Network Address Translation)</a:t>
+            </a:r>
+            <a:endParaRPr lang="ko-KR" altLang="en-US" sz="3800" b="1" dirty="0">
+              <a:solidFill>
+                <a:schemeClr val="bg1"/>
+              </a:solidFill>
+            </a:endParaRPr>
+          </a:p>
+        </p:txBody>
+      </p:sp>
+      <p:sp>
+        <p:nvSpPr>
+          <p:cNvPr id="3" name="내용 개체 틀 2">
+            <a:extLst>
+              <a:ext uri="{FF2B5EF4-FFF2-40B4-BE49-F238E27FC236}">
+                <a16:creationId xmlns:a16="http://schemas.microsoft.com/office/drawing/2014/main" id="{87A0DF69-10B8-0D20-D0FD-6D1E744CF1E4}"/>
+              </a:ext>
+            </a:extLst>
+          </p:cNvPr>
+          <p:cNvSpPr>
+            <a:spLocks noGrp="1"/>
+          </p:cNvSpPr>
+          <p:nvPr>
+            <p:ph idx="1"/>
+          </p:nvPr>
+        </p:nvSpPr>
+        <p:spPr>
+          <a:xfrm>
+            <a:off x="838200" y="1825625"/>
+            <a:ext cx="10515600" cy="464235"/>
+          </a:xfrm>
+        </p:spPr>
+        <p:txBody>
+          <a:bodyPr>
+            <a:normAutofit/>
+          </a:bodyPr>
+          <a:lstStyle/>
+          <a:p>
+            <a:pPr marL="0" indent="0" algn="ctr">
+              <a:buNone/>
+            </a:pPr>
+            <a:r>
+              <a:rPr lang="ko-KR" altLang="en-US" sz="2000" b="1" dirty="0">
+                <a:solidFill>
+                  <a:schemeClr val="bg1"/>
+                </a:solidFill>
+              </a:rPr>
+              <a:t>여러 개의</a:t>
+            </a:r>
+            <a:r>
+              <a:rPr lang="en-US" altLang="ko-KR" sz="2000" b="1" dirty="0">
+                <a:solidFill>
+                  <a:schemeClr val="bg1"/>
+                </a:solidFill>
+              </a:rPr>
+              <a:t> </a:t>
+            </a:r>
+            <a:r>
+              <a:rPr lang="ko-KR" altLang="en-US" sz="2000" b="1" dirty="0">
+                <a:solidFill>
+                  <a:schemeClr val="bg1"/>
+                </a:solidFill>
+              </a:rPr>
+              <a:t>내부 </a:t>
+            </a:r>
+            <a:r>
+              <a:rPr lang="en-US" altLang="ko-KR" sz="2000" b="1" dirty="0">
+                <a:solidFill>
+                  <a:schemeClr val="bg1"/>
+                </a:solidFill>
+              </a:rPr>
+              <a:t>IP </a:t>
+            </a:r>
+            <a:r>
+              <a:rPr lang="ko-KR" altLang="en-US" sz="2000" b="1" dirty="0">
+                <a:solidFill>
+                  <a:schemeClr val="bg1"/>
+                </a:solidFill>
+              </a:rPr>
+              <a:t>주소와 여러 개의 외부 </a:t>
+            </a:r>
+            <a:r>
+              <a:rPr lang="en-US" altLang="ko-KR" sz="2000" b="1" dirty="0">
+                <a:solidFill>
+                  <a:schemeClr val="bg1"/>
+                </a:solidFill>
+              </a:rPr>
+              <a:t>IP</a:t>
+            </a:r>
+            <a:r>
+              <a:rPr lang="ko-KR" altLang="en-US" sz="2000" b="1" dirty="0">
+                <a:solidFill>
+                  <a:schemeClr val="bg1"/>
+                </a:solidFill>
+              </a:rPr>
+              <a:t>주소를 동적으로 매핑 시키는 방식</a:t>
+            </a:r>
+          </a:p>
+        </p:txBody>
+      </p:sp>
+      <p:pic>
+        <p:nvPicPr>
+          <p:cNvPr id="5" name="그래픽 4" descr="컴퓨터 단색으로 채워진">
+            <a:extLst>
+              <a:ext uri="{FF2B5EF4-FFF2-40B4-BE49-F238E27FC236}">
+                <a16:creationId xmlns:a16="http://schemas.microsoft.com/office/drawing/2014/main" id="{EFB11422-617A-2A5C-501C-FEFFA111286E}"/>
+              </a:ext>
+            </a:extLst>
+          </p:cNvPr>
+          <p:cNvPicPr>
+            <a:picLocks noChangeAspect="1"/>
+          </p:cNvPicPr>
+          <p:nvPr/>
+        </p:nvPicPr>
+        <p:blipFill>
+          <a:blip r:embed="rId2">
+            <a:extLst>
+              <a:ext uri="{28A0092B-C50C-407E-A947-70E740481C1C}">
+                <a14:useLocalDpi xmlns:a14="http://schemas.microsoft.com/office/drawing/2010/main" val="0"/>
+              </a:ext>
+              <a:ext uri="{96DAC541-7B7A-43D3-8B79-37D633B846F1}">
+                <asvg:svgBlip xmlns:asvg="http://schemas.microsoft.com/office/drawing/2016/SVG/main" r:embed="rId3"/>
+              </a:ext>
+            </a:extLst>
+          </a:blip>
+          <a:stretch>
+            <a:fillRect/>
+          </a:stretch>
+        </p:blipFill>
+        <p:spPr>
+          <a:xfrm>
+            <a:off x="1813282" y="3401833"/>
+            <a:ext cx="1298896" cy="1298896"/>
+          </a:xfrm>
+          <a:prstGeom prst="rect">
+            <a:avLst/>
+          </a:prstGeom>
+        </p:spPr>
+      </p:pic>
+      <p:pic>
+        <p:nvPicPr>
+          <p:cNvPr id="6" name="그래픽 5" descr="구름 윤곽선">
+            <a:extLst>
+              <a:ext uri="{FF2B5EF4-FFF2-40B4-BE49-F238E27FC236}">
+                <a16:creationId xmlns:a16="http://schemas.microsoft.com/office/drawing/2014/main" id="{744E1162-2A17-B893-8066-97B3AA8130D6}"/>
+              </a:ext>
+            </a:extLst>
+          </p:cNvPr>
+          <p:cNvPicPr>
+            <a:picLocks noChangeAspect="1"/>
+          </p:cNvPicPr>
+          <p:nvPr/>
+        </p:nvPicPr>
+        <p:blipFill>
+          <a:blip r:embed="rId4">
+            <a:extLst>
+              <a:ext uri="{28A0092B-C50C-407E-A947-70E740481C1C}">
+                <a14:useLocalDpi xmlns:a14="http://schemas.microsoft.com/office/drawing/2010/main" val="0"/>
+              </a:ext>
+              <a:ext uri="{96DAC541-7B7A-43D3-8B79-37D633B846F1}">
+                <asvg:svgBlip xmlns:asvg="http://schemas.microsoft.com/office/drawing/2016/SVG/main" r:embed="rId5"/>
+              </a:ext>
+            </a:extLst>
+          </a:blip>
+          <a:stretch>
+            <a:fillRect/>
+          </a:stretch>
+        </p:blipFill>
+        <p:spPr>
+          <a:xfrm>
+            <a:off x="4737819" y="1882142"/>
+            <a:ext cx="2717684" cy="2717684"/>
+          </a:xfrm>
+          <a:prstGeom prst="rect">
+            <a:avLst/>
+          </a:prstGeom>
+        </p:spPr>
+      </p:pic>
+      <p:sp>
+        <p:nvSpPr>
+          <p:cNvPr id="7" name="TextBox 6">
+            <a:extLst>
+              <a:ext uri="{FF2B5EF4-FFF2-40B4-BE49-F238E27FC236}">
+                <a16:creationId xmlns:a16="http://schemas.microsoft.com/office/drawing/2014/main" id="{CD17A3D8-9ACE-F391-7E8B-F10C71C8F4CB}"/>
+              </a:ext>
+            </a:extLst>
+          </p:cNvPr>
+          <p:cNvSpPr txBox="1"/>
+          <p:nvPr/>
+        </p:nvSpPr>
+        <p:spPr>
+          <a:xfrm>
+            <a:off x="5436251" y="3122036"/>
+            <a:ext cx="1463096" cy="477054"/>
+          </a:xfrm>
+          <a:prstGeom prst="rect">
+            <a:avLst/>
+          </a:prstGeom>
+          <a:noFill/>
+        </p:spPr>
+        <p:txBody>
+          <a:bodyPr wrap="square" rtlCol="0">
+            <a:spAutoFit/>
+          </a:bodyPr>
+          <a:lstStyle/>
+          <a:p>
+            <a:r>
+              <a:rPr lang="en-US" altLang="ko-KR" sz="2500" b="1" dirty="0">
+                <a:solidFill>
+                  <a:schemeClr val="bg1"/>
+                </a:solidFill>
+              </a:rPr>
+              <a:t>Internet</a:t>
+            </a:r>
+            <a:endParaRPr lang="ko-KR" altLang="en-US" sz="2500" b="1" dirty="0">
+              <a:solidFill>
+                <a:schemeClr val="bg1"/>
+              </a:solidFill>
+            </a:endParaRPr>
+          </a:p>
+        </p:txBody>
+      </p:sp>
+      <p:pic>
+        <p:nvPicPr>
+          <p:cNvPr id="8" name="그래픽 7" descr="컴퓨터 단색으로 채워진">
+            <a:extLst>
+              <a:ext uri="{FF2B5EF4-FFF2-40B4-BE49-F238E27FC236}">
+                <a16:creationId xmlns:a16="http://schemas.microsoft.com/office/drawing/2014/main" id="{3332BA90-A31C-0B45-83D6-5AC5CFB749D6}"/>
+              </a:ext>
+            </a:extLst>
+          </p:cNvPr>
+          <p:cNvPicPr>
+            <a:picLocks noChangeAspect="1"/>
+          </p:cNvPicPr>
+          <p:nvPr/>
+        </p:nvPicPr>
+        <p:blipFill>
+          <a:blip r:embed="rId2">
+            <a:extLst>
+              <a:ext uri="{28A0092B-C50C-407E-A947-70E740481C1C}">
+                <a14:useLocalDpi xmlns:a14="http://schemas.microsoft.com/office/drawing/2010/main" val="0"/>
+              </a:ext>
+              <a:ext uri="{96DAC541-7B7A-43D3-8B79-37D633B846F1}">
+                <asvg:svgBlip xmlns:asvg="http://schemas.microsoft.com/office/drawing/2016/SVG/main" r:embed="rId3"/>
+              </a:ext>
+            </a:extLst>
+          </a:blip>
+          <a:stretch>
+            <a:fillRect/>
+          </a:stretch>
+        </p:blipFill>
+        <p:spPr>
+          <a:xfrm>
+            <a:off x="9168354" y="2755570"/>
+            <a:ext cx="1298896" cy="1298896"/>
+          </a:xfrm>
+          <a:prstGeom prst="rect">
+            <a:avLst/>
+          </a:prstGeom>
+        </p:spPr>
+      </p:pic>
+      <p:cxnSp>
+        <p:nvCxnSpPr>
+          <p:cNvPr id="12" name="직선 연결선 11">
+            <a:extLst>
+              <a:ext uri="{FF2B5EF4-FFF2-40B4-BE49-F238E27FC236}">
+                <a16:creationId xmlns:a16="http://schemas.microsoft.com/office/drawing/2014/main" id="{9D955ABF-CF2D-003C-0A1C-606E724701AB}"/>
+              </a:ext>
+            </a:extLst>
+          </p:cNvPr>
+          <p:cNvCxnSpPr>
+            <a:cxnSpLocks/>
+          </p:cNvCxnSpPr>
+          <p:nvPr/>
+        </p:nvCxnSpPr>
+        <p:spPr>
+          <a:xfrm>
+            <a:off x="6196668" y="4692422"/>
+            <a:ext cx="0" cy="1758610"/>
+          </a:xfrm>
+          <a:prstGeom prst="line">
+            <a:avLst/>
+          </a:prstGeom>
+          <a:ln w="38100">
+            <a:solidFill>
+              <a:schemeClr val="bg1"/>
+            </a:solidFill>
+          </a:ln>
+        </p:spPr>
+        <p:style>
+          <a:lnRef idx="1">
+            <a:schemeClr val="accent1"/>
+          </a:lnRef>
+          <a:fillRef idx="0">
+            <a:schemeClr val="accent1"/>
+          </a:fillRef>
+          <a:effectRef idx="0">
+            <a:schemeClr val="accent1"/>
+          </a:effectRef>
+          <a:fontRef idx="minor">
+            <a:schemeClr val="tx1"/>
+          </a:fontRef>
+        </p:style>
+      </p:cxnSp>
+      <p:cxnSp>
+        <p:nvCxnSpPr>
+          <p:cNvPr id="10" name="직선 연결선 9">
+            <a:extLst>
+              <a:ext uri="{FF2B5EF4-FFF2-40B4-BE49-F238E27FC236}">
+                <a16:creationId xmlns:a16="http://schemas.microsoft.com/office/drawing/2014/main" id="{BEA4FD4C-133F-1F0F-BDF1-53AD58A9DDE3}"/>
+              </a:ext>
+            </a:extLst>
+          </p:cNvPr>
+          <p:cNvCxnSpPr>
+            <a:cxnSpLocks/>
+          </p:cNvCxnSpPr>
+          <p:nvPr/>
+        </p:nvCxnSpPr>
+        <p:spPr>
+          <a:xfrm>
+            <a:off x="4387088" y="5291594"/>
+            <a:ext cx="3749379" cy="0"/>
+          </a:xfrm>
+          <a:prstGeom prst="line">
+            <a:avLst/>
+          </a:prstGeom>
+          <a:ln w="38100">
+            <a:solidFill>
+              <a:schemeClr val="bg1"/>
+            </a:solidFill>
+          </a:ln>
+        </p:spPr>
+        <p:style>
+          <a:lnRef idx="1">
+            <a:schemeClr val="accent1"/>
+          </a:lnRef>
+          <a:fillRef idx="0">
+            <a:schemeClr val="accent1"/>
+          </a:fillRef>
+          <a:effectRef idx="0">
+            <a:schemeClr val="accent1"/>
+          </a:effectRef>
+          <a:fontRef idx="minor">
+            <a:schemeClr val="tx1"/>
+          </a:fontRef>
+        </p:style>
+      </p:cxnSp>
+      <p:sp>
+        <p:nvSpPr>
+          <p:cNvPr id="26" name="TextBox 25">
+            <a:extLst>
+              <a:ext uri="{FF2B5EF4-FFF2-40B4-BE49-F238E27FC236}">
+                <a16:creationId xmlns:a16="http://schemas.microsoft.com/office/drawing/2014/main" id="{729DC8B5-20FD-FB81-3A56-05E427EB6270}"/>
+              </a:ext>
+            </a:extLst>
+          </p:cNvPr>
+          <p:cNvSpPr txBox="1"/>
+          <p:nvPr/>
+        </p:nvSpPr>
+        <p:spPr>
+          <a:xfrm>
+            <a:off x="4292591" y="4802733"/>
+            <a:ext cx="1875208" cy="369332"/>
+          </a:xfrm>
+          <a:prstGeom prst="rect">
+            <a:avLst/>
+          </a:prstGeom>
+          <a:noFill/>
+        </p:spPr>
+        <p:txBody>
+          <a:bodyPr wrap="square" rtlCol="0">
+            <a:spAutoFit/>
+          </a:bodyPr>
+          <a:lstStyle/>
+          <a:p>
+            <a:r>
+              <a:rPr lang="en-US" altLang="ko-KR" b="1" dirty="0">
+                <a:solidFill>
+                  <a:schemeClr val="bg1"/>
+                </a:solidFill>
+              </a:rPr>
+              <a:t>Public Network</a:t>
+            </a:r>
+            <a:endParaRPr lang="ko-KR" altLang="en-US" b="1" dirty="0">
+              <a:solidFill>
+                <a:schemeClr val="bg1"/>
+              </a:solidFill>
+            </a:endParaRPr>
+          </a:p>
+        </p:txBody>
+      </p:sp>
+      <p:sp>
+        <p:nvSpPr>
+          <p:cNvPr id="27" name="TextBox 26">
+            <a:extLst>
+              <a:ext uri="{FF2B5EF4-FFF2-40B4-BE49-F238E27FC236}">
+                <a16:creationId xmlns:a16="http://schemas.microsoft.com/office/drawing/2014/main" id="{3BCC75CD-7479-FA26-C8EC-EB050E570E83}"/>
+              </a:ext>
+            </a:extLst>
+          </p:cNvPr>
+          <p:cNvSpPr txBox="1"/>
+          <p:nvPr/>
+        </p:nvSpPr>
+        <p:spPr>
+          <a:xfrm>
+            <a:off x="6232736" y="4802733"/>
+            <a:ext cx="1991039" cy="369332"/>
+          </a:xfrm>
+          <a:prstGeom prst="rect">
+            <a:avLst/>
+          </a:prstGeom>
+          <a:noFill/>
+        </p:spPr>
+        <p:txBody>
+          <a:bodyPr wrap="square" rtlCol="0">
+            <a:spAutoFit/>
+          </a:bodyPr>
+          <a:lstStyle/>
+          <a:p>
+            <a:r>
+              <a:rPr lang="en-US" altLang="ko-KR" b="1" dirty="0">
+                <a:solidFill>
+                  <a:schemeClr val="bg1"/>
+                </a:solidFill>
+              </a:rPr>
+              <a:t>Private Network</a:t>
+            </a:r>
+            <a:endParaRPr lang="ko-KR" altLang="en-US" b="1" dirty="0">
+              <a:solidFill>
+                <a:schemeClr val="bg1"/>
+              </a:solidFill>
+            </a:endParaRPr>
+          </a:p>
+        </p:txBody>
+      </p:sp>
+      <p:cxnSp>
+        <p:nvCxnSpPr>
+          <p:cNvPr id="31" name="직선 화살표 연결선 30">
+            <a:extLst>
+              <a:ext uri="{FF2B5EF4-FFF2-40B4-BE49-F238E27FC236}">
+                <a16:creationId xmlns:a16="http://schemas.microsoft.com/office/drawing/2014/main" id="{64037C16-9085-3268-075D-DA82BFA2835A}"/>
+              </a:ext>
+            </a:extLst>
+          </p:cNvPr>
+          <p:cNvCxnSpPr>
+            <a:cxnSpLocks/>
+          </p:cNvCxnSpPr>
+          <p:nvPr/>
+        </p:nvCxnSpPr>
+        <p:spPr>
+          <a:xfrm>
+            <a:off x="3171825" y="2971800"/>
+            <a:ext cx="1637132" cy="406719"/>
+          </a:xfrm>
+          <a:prstGeom prst="straightConnector1">
+            <a:avLst/>
+          </a:prstGeom>
+          <a:ln w="38100">
+            <a:solidFill>
+              <a:schemeClr val="bg1"/>
+            </a:solidFill>
+            <a:headEnd type="triangle"/>
+            <a:tailEnd type="triangle"/>
+          </a:ln>
+        </p:spPr>
+        <p:style>
+          <a:lnRef idx="1">
+            <a:schemeClr val="accent1"/>
+          </a:lnRef>
+          <a:fillRef idx="0">
+            <a:schemeClr val="accent1"/>
+          </a:fillRef>
+          <a:effectRef idx="0">
+            <a:schemeClr val="accent1"/>
+          </a:effectRef>
+          <a:fontRef idx="minor">
+            <a:schemeClr val="tx1"/>
+          </a:fontRef>
+        </p:style>
+      </p:cxnSp>
+      <p:cxnSp>
+        <p:nvCxnSpPr>
+          <p:cNvPr id="34" name="직선 화살표 연결선 33">
+            <a:extLst>
+              <a:ext uri="{FF2B5EF4-FFF2-40B4-BE49-F238E27FC236}">
+                <a16:creationId xmlns:a16="http://schemas.microsoft.com/office/drawing/2014/main" id="{94E58C3D-C795-98B3-4786-0478E7E70447}"/>
+              </a:ext>
+            </a:extLst>
+          </p:cNvPr>
+          <p:cNvCxnSpPr>
+            <a:cxnSpLocks/>
+          </p:cNvCxnSpPr>
+          <p:nvPr/>
+        </p:nvCxnSpPr>
+        <p:spPr>
+          <a:xfrm>
+            <a:off x="7454111" y="3378519"/>
+            <a:ext cx="1646653" cy="0"/>
+          </a:xfrm>
+          <a:prstGeom prst="straightConnector1">
+            <a:avLst/>
+          </a:prstGeom>
+          <a:ln w="38100">
+            <a:solidFill>
+              <a:schemeClr val="bg1"/>
+            </a:solidFill>
+            <a:headEnd type="triangle"/>
+            <a:tailEnd type="triangle"/>
+          </a:ln>
+        </p:spPr>
+        <p:style>
+          <a:lnRef idx="1">
+            <a:schemeClr val="accent1"/>
+          </a:lnRef>
+          <a:fillRef idx="0">
+            <a:schemeClr val="accent1"/>
+          </a:fillRef>
+          <a:effectRef idx="0">
+            <a:schemeClr val="accent1"/>
+          </a:effectRef>
+          <a:fontRef idx="minor">
+            <a:schemeClr val="tx1"/>
+          </a:fontRef>
+        </p:style>
+      </p:cxnSp>
+      <p:sp>
+        <p:nvSpPr>
+          <p:cNvPr id="36" name="TextBox 35">
+            <a:extLst>
+              <a:ext uri="{FF2B5EF4-FFF2-40B4-BE49-F238E27FC236}">
+                <a16:creationId xmlns:a16="http://schemas.microsoft.com/office/drawing/2014/main" id="{D5B7F67F-5695-6D48-E559-903EDFC8DA52}"/>
+              </a:ext>
+            </a:extLst>
+          </p:cNvPr>
+          <p:cNvSpPr txBox="1"/>
+          <p:nvPr/>
+        </p:nvSpPr>
+        <p:spPr>
+          <a:xfrm>
+            <a:off x="1625794" y="4699041"/>
+            <a:ext cx="1673872" cy="323165"/>
+          </a:xfrm>
+          <a:prstGeom prst="rect">
+            <a:avLst/>
+          </a:prstGeom>
+          <a:noFill/>
+        </p:spPr>
+        <p:txBody>
+          <a:bodyPr wrap="square" rtlCol="0">
+            <a:spAutoFit/>
+          </a:bodyPr>
+          <a:lstStyle/>
+          <a:p>
+            <a:r>
+              <a:rPr lang="en-US" altLang="ko-KR" sz="1500" b="1" dirty="0">
+                <a:solidFill>
+                  <a:schemeClr val="bg1"/>
+                </a:solidFill>
+              </a:rPr>
+              <a:t>Public Network</a:t>
+            </a:r>
+            <a:endParaRPr lang="ko-KR" altLang="en-US" sz="1500" b="1" dirty="0">
+              <a:solidFill>
+                <a:schemeClr val="bg1"/>
+              </a:solidFill>
+            </a:endParaRPr>
+          </a:p>
+        </p:txBody>
+      </p:sp>
+      <p:sp>
+        <p:nvSpPr>
+          <p:cNvPr id="37" name="TextBox 36">
+            <a:extLst>
+              <a:ext uri="{FF2B5EF4-FFF2-40B4-BE49-F238E27FC236}">
+                <a16:creationId xmlns:a16="http://schemas.microsoft.com/office/drawing/2014/main" id="{82A02DCA-2CAF-4B9C-94D0-B08EBCB28F1E}"/>
+              </a:ext>
+            </a:extLst>
+          </p:cNvPr>
+          <p:cNvSpPr txBox="1"/>
+          <p:nvPr/>
+        </p:nvSpPr>
+        <p:spPr>
+          <a:xfrm>
+            <a:off x="8981319" y="3892883"/>
+            <a:ext cx="1673872" cy="323165"/>
+          </a:xfrm>
+          <a:prstGeom prst="rect">
+            <a:avLst/>
+          </a:prstGeom>
+          <a:noFill/>
+        </p:spPr>
+        <p:txBody>
+          <a:bodyPr wrap="square" rtlCol="0">
+            <a:spAutoFit/>
+          </a:bodyPr>
+          <a:lstStyle/>
+          <a:p>
+            <a:r>
+              <a:rPr lang="en-US" altLang="ko-KR" sz="1500" b="1" dirty="0">
+                <a:solidFill>
+                  <a:schemeClr val="bg1"/>
+                </a:solidFill>
+              </a:rPr>
+              <a:t>Private Network</a:t>
+            </a:r>
+            <a:endParaRPr lang="ko-KR" altLang="en-US" sz="1500" b="1" dirty="0">
+              <a:solidFill>
+                <a:schemeClr val="bg1"/>
+              </a:solidFill>
+            </a:endParaRPr>
+          </a:p>
+        </p:txBody>
+      </p:sp>
+      <p:sp>
+        <p:nvSpPr>
+          <p:cNvPr id="39" name="TextBox 38">
+            <a:extLst>
+              <a:ext uri="{FF2B5EF4-FFF2-40B4-BE49-F238E27FC236}">
+                <a16:creationId xmlns:a16="http://schemas.microsoft.com/office/drawing/2014/main" id="{076AA634-B2F2-949A-CA8A-2C24951082A6}"/>
+              </a:ext>
+            </a:extLst>
+          </p:cNvPr>
+          <p:cNvSpPr txBox="1"/>
+          <p:nvPr/>
+        </p:nvSpPr>
+        <p:spPr>
+          <a:xfrm>
+            <a:off x="6304011" y="5679167"/>
+            <a:ext cx="1832456" cy="369332"/>
+          </a:xfrm>
+          <a:prstGeom prst="rect">
+            <a:avLst/>
+          </a:prstGeom>
+          <a:noFill/>
+        </p:spPr>
+        <p:txBody>
+          <a:bodyPr wrap="square" rtlCol="0">
+            <a:spAutoFit/>
+          </a:bodyPr>
+          <a:lstStyle/>
+          <a:p>
+            <a:r>
+              <a:rPr lang="en-US" altLang="ko-KR" b="1" dirty="0">
+                <a:solidFill>
+                  <a:schemeClr val="bg1"/>
+                </a:solidFill>
+              </a:rPr>
+              <a:t>192.168.10.101</a:t>
+            </a:r>
+            <a:endParaRPr lang="ko-KR" altLang="en-US" b="1" dirty="0">
+              <a:solidFill>
+                <a:schemeClr val="bg1"/>
+              </a:solidFill>
+            </a:endParaRPr>
+          </a:p>
+        </p:txBody>
+      </p:sp>
+      <p:sp>
+        <p:nvSpPr>
+          <p:cNvPr id="40" name="TextBox 39">
+            <a:extLst>
+              <a:ext uri="{FF2B5EF4-FFF2-40B4-BE49-F238E27FC236}">
+                <a16:creationId xmlns:a16="http://schemas.microsoft.com/office/drawing/2014/main" id="{3D598344-29AA-A8E3-DB2C-0EB0418BB3B3}"/>
+              </a:ext>
+            </a:extLst>
+          </p:cNvPr>
+          <p:cNvSpPr txBox="1"/>
+          <p:nvPr/>
+        </p:nvSpPr>
+        <p:spPr>
+          <a:xfrm>
+            <a:off x="4514647" y="5397851"/>
+            <a:ext cx="1480686" cy="369332"/>
+          </a:xfrm>
+          <a:prstGeom prst="rect">
+            <a:avLst/>
+          </a:prstGeom>
+          <a:noFill/>
+        </p:spPr>
+        <p:txBody>
+          <a:bodyPr wrap="square" rtlCol="0">
+            <a:spAutoFit/>
+          </a:bodyPr>
+          <a:lstStyle/>
+          <a:p>
+            <a:r>
+              <a:rPr lang="en-US" altLang="ko-KR" b="1" dirty="0">
+                <a:solidFill>
+                  <a:schemeClr val="bg1"/>
+                </a:solidFill>
+              </a:rPr>
+              <a:t>210.123.3.4</a:t>
+            </a:r>
+            <a:endParaRPr lang="ko-KR" altLang="en-US" b="1" dirty="0">
+              <a:solidFill>
+                <a:schemeClr val="bg1"/>
+              </a:solidFill>
+            </a:endParaRPr>
+          </a:p>
+        </p:txBody>
+      </p:sp>
+      <p:sp>
+        <p:nvSpPr>
+          <p:cNvPr id="41" name="TextBox 40">
+            <a:extLst>
+              <a:ext uri="{FF2B5EF4-FFF2-40B4-BE49-F238E27FC236}">
+                <a16:creationId xmlns:a16="http://schemas.microsoft.com/office/drawing/2014/main" id="{EC87C30F-C57F-098C-49CC-183683F48932}"/>
+              </a:ext>
+            </a:extLst>
+          </p:cNvPr>
+          <p:cNvSpPr txBox="1"/>
+          <p:nvPr/>
+        </p:nvSpPr>
+        <p:spPr>
+          <a:xfrm>
+            <a:off x="4540739" y="5957605"/>
+            <a:ext cx="1428501" cy="369332"/>
+          </a:xfrm>
+          <a:prstGeom prst="rect">
+            <a:avLst/>
+          </a:prstGeom>
+          <a:noFill/>
+        </p:spPr>
+        <p:txBody>
+          <a:bodyPr wrap="square" rtlCol="0">
+            <a:spAutoFit/>
+          </a:bodyPr>
+          <a:lstStyle/>
+          <a:p>
+            <a:r>
+              <a:rPr lang="en-US" altLang="ko-KR" b="1" dirty="0">
+                <a:solidFill>
+                  <a:schemeClr val="bg1"/>
+                </a:solidFill>
+              </a:rPr>
+              <a:t>210.123.3.5</a:t>
+            </a:r>
+            <a:endParaRPr lang="ko-KR" altLang="en-US" b="1" dirty="0">
+              <a:solidFill>
+                <a:schemeClr val="bg1"/>
+              </a:solidFill>
+            </a:endParaRPr>
+          </a:p>
+        </p:txBody>
+      </p:sp>
+      <p:sp>
+        <p:nvSpPr>
+          <p:cNvPr id="44" name="TextBox 43">
+            <a:extLst>
+              <a:ext uri="{FF2B5EF4-FFF2-40B4-BE49-F238E27FC236}">
+                <a16:creationId xmlns:a16="http://schemas.microsoft.com/office/drawing/2014/main" id="{494C3609-AA3B-F8A2-C09D-A37F3FE1CC8B}"/>
+              </a:ext>
+            </a:extLst>
+          </p:cNvPr>
+          <p:cNvSpPr txBox="1"/>
+          <p:nvPr/>
+        </p:nvSpPr>
+        <p:spPr>
+          <a:xfrm>
+            <a:off x="8636116" y="5293642"/>
+            <a:ext cx="2717684" cy="707886"/>
+          </a:xfrm>
+          <a:prstGeom prst="rect">
+            <a:avLst/>
+          </a:prstGeom>
+          <a:noFill/>
+        </p:spPr>
+        <p:txBody>
+          <a:bodyPr wrap="square" rtlCol="0">
+            <a:spAutoFit/>
+          </a:bodyPr>
+          <a:lstStyle/>
+          <a:p>
+            <a:r>
+              <a:rPr lang="en-US" altLang="ko-KR" sz="4000" b="1" dirty="0">
+                <a:solidFill>
+                  <a:schemeClr val="bg1"/>
+                </a:solidFill>
+              </a:rPr>
+              <a:t>NAT</a:t>
+            </a:r>
+            <a:r>
+              <a:rPr lang="ko-KR" altLang="en-US" sz="4000" b="1" dirty="0">
+                <a:solidFill>
+                  <a:schemeClr val="bg1"/>
+                </a:solidFill>
+              </a:rPr>
+              <a:t> </a:t>
+            </a:r>
+            <a:r>
+              <a:rPr lang="en-US" altLang="ko-KR" sz="4000" b="1" dirty="0">
+                <a:solidFill>
+                  <a:schemeClr val="bg1"/>
+                </a:solidFill>
+              </a:rPr>
+              <a:t>Table</a:t>
+            </a:r>
+            <a:endParaRPr lang="ko-KR" altLang="en-US" sz="4000" b="1" dirty="0">
+              <a:solidFill>
+                <a:schemeClr val="bg1"/>
+              </a:solidFill>
+            </a:endParaRPr>
+          </a:p>
+        </p:txBody>
+      </p:sp>
+      <p:cxnSp>
+        <p:nvCxnSpPr>
+          <p:cNvPr id="49" name="직선 연결선 48">
+            <a:extLst>
+              <a:ext uri="{FF2B5EF4-FFF2-40B4-BE49-F238E27FC236}">
+                <a16:creationId xmlns:a16="http://schemas.microsoft.com/office/drawing/2014/main" id="{66C8D924-5C6C-9203-3952-A3304362F586}"/>
+              </a:ext>
+            </a:extLst>
+          </p:cNvPr>
+          <p:cNvCxnSpPr>
+            <a:cxnSpLocks/>
+          </p:cNvCxnSpPr>
+          <p:nvPr/>
+        </p:nvCxnSpPr>
+        <p:spPr>
+          <a:xfrm>
+            <a:off x="4387088" y="5866832"/>
+            <a:ext cx="1809580" cy="0"/>
+          </a:xfrm>
+          <a:prstGeom prst="line">
+            <a:avLst/>
+          </a:prstGeom>
+          <a:ln w="38100">
+            <a:solidFill>
+              <a:schemeClr val="bg1"/>
+            </a:solidFill>
+          </a:ln>
+        </p:spPr>
+        <p:style>
+          <a:lnRef idx="1">
+            <a:schemeClr val="accent1"/>
+          </a:lnRef>
+          <a:fillRef idx="0">
+            <a:schemeClr val="accent1"/>
+          </a:fillRef>
+          <a:effectRef idx="0">
+            <a:schemeClr val="accent1"/>
+          </a:effectRef>
+          <a:fontRef idx="minor">
+            <a:schemeClr val="tx1"/>
+          </a:fontRef>
+        </p:style>
+      </p:cxnSp>
+      <p:cxnSp>
+        <p:nvCxnSpPr>
+          <p:cNvPr id="50" name="직선 연결선 49">
+            <a:extLst>
+              <a:ext uri="{FF2B5EF4-FFF2-40B4-BE49-F238E27FC236}">
+                <a16:creationId xmlns:a16="http://schemas.microsoft.com/office/drawing/2014/main" id="{8430748E-2559-E9DA-3CFF-7B1354A7449C}"/>
+              </a:ext>
+            </a:extLst>
+          </p:cNvPr>
+          <p:cNvCxnSpPr>
+            <a:cxnSpLocks/>
+          </p:cNvCxnSpPr>
+          <p:nvPr/>
+        </p:nvCxnSpPr>
+        <p:spPr>
+          <a:xfrm>
+            <a:off x="4387088" y="6451032"/>
+            <a:ext cx="3749379" cy="0"/>
+          </a:xfrm>
+          <a:prstGeom prst="line">
+            <a:avLst/>
+          </a:prstGeom>
+          <a:ln w="38100">
+            <a:solidFill>
+              <a:schemeClr val="bg1"/>
+            </a:solidFill>
+          </a:ln>
+        </p:spPr>
+        <p:style>
+          <a:lnRef idx="1">
+            <a:schemeClr val="accent1"/>
+          </a:lnRef>
+          <a:fillRef idx="0">
+            <a:schemeClr val="accent1"/>
+          </a:fillRef>
+          <a:effectRef idx="0">
+            <a:schemeClr val="accent1"/>
+          </a:effectRef>
+          <a:fontRef idx="minor">
+            <a:schemeClr val="tx1"/>
+          </a:fontRef>
+        </p:style>
+      </p:cxnSp>
+      <p:pic>
+        <p:nvPicPr>
+          <p:cNvPr id="13" name="그래픽 12" descr="컴퓨터 단색으로 채워진">
+            <a:extLst>
+              <a:ext uri="{FF2B5EF4-FFF2-40B4-BE49-F238E27FC236}">
+                <a16:creationId xmlns:a16="http://schemas.microsoft.com/office/drawing/2014/main" id="{9DF87A65-45D8-CCC3-8092-5426D8C99028}"/>
+              </a:ext>
+            </a:extLst>
+          </p:cNvPr>
+          <p:cNvPicPr>
+            <a:picLocks noChangeAspect="1"/>
+          </p:cNvPicPr>
+          <p:nvPr/>
+        </p:nvPicPr>
+        <p:blipFill>
+          <a:blip r:embed="rId2">
+            <a:extLst>
+              <a:ext uri="{28A0092B-C50C-407E-A947-70E740481C1C}">
+                <a14:useLocalDpi xmlns:a14="http://schemas.microsoft.com/office/drawing/2010/main" val="0"/>
+              </a:ext>
+              <a:ext uri="{96DAC541-7B7A-43D3-8B79-37D633B846F1}">
+                <asvg:svgBlip xmlns:asvg="http://schemas.microsoft.com/office/drawing/2016/SVG/main" r:embed="rId3"/>
+              </a:ext>
+            </a:extLst>
+          </a:blip>
+          <a:stretch>
+            <a:fillRect/>
+          </a:stretch>
+        </p:blipFill>
+        <p:spPr>
+          <a:xfrm>
+            <a:off x="1793662" y="2322352"/>
+            <a:ext cx="1298896" cy="1298896"/>
+          </a:xfrm>
+          <a:prstGeom prst="rect">
+            <a:avLst/>
+          </a:prstGeom>
+        </p:spPr>
+      </p:pic>
+      <p:cxnSp>
+        <p:nvCxnSpPr>
+          <p:cNvPr id="14" name="직선 화살표 연결선 13">
+            <a:extLst>
+              <a:ext uri="{FF2B5EF4-FFF2-40B4-BE49-F238E27FC236}">
+                <a16:creationId xmlns:a16="http://schemas.microsoft.com/office/drawing/2014/main" id="{EE0D88DA-B61E-8165-5940-F53CD6827A01}"/>
+              </a:ext>
+            </a:extLst>
+          </p:cNvPr>
+          <p:cNvCxnSpPr>
+            <a:cxnSpLocks/>
+          </p:cNvCxnSpPr>
+          <p:nvPr/>
+        </p:nvCxnSpPr>
+        <p:spPr>
+          <a:xfrm flipV="1">
+            <a:off x="3200018" y="3620410"/>
+            <a:ext cx="1625011" cy="539368"/>
+          </a:xfrm>
+          <a:prstGeom prst="straightConnector1">
+            <a:avLst/>
+          </a:prstGeom>
+          <a:ln w="38100">
+            <a:solidFill>
+              <a:schemeClr val="bg1"/>
+            </a:solidFill>
+            <a:headEnd type="triangle"/>
+            <a:tailEnd type="triangle"/>
+          </a:ln>
+        </p:spPr>
+        <p:style>
+          <a:lnRef idx="1">
+            <a:schemeClr val="accent1"/>
+          </a:lnRef>
+          <a:fillRef idx="0">
+            <a:schemeClr val="accent1"/>
+          </a:fillRef>
+          <a:effectRef idx="0">
+            <a:schemeClr val="accent1"/>
+          </a:effectRef>
+          <a:fontRef idx="minor">
+            <a:schemeClr val="tx1"/>
+          </a:fontRef>
+        </p:style>
+      </p:cxnSp>
+    </p:spTree>
+    <p:extLst>
+      <p:ext uri="{BB962C8B-B14F-4D97-AF65-F5344CB8AC3E}">
+        <p14:creationId xmlns:p14="http://schemas.microsoft.com/office/powerpoint/2010/main" val="823090988"/>
+      </p:ext>
+    </p:extLst>
+  </p:cSld>
+  <p:clrMapOvr>
+    <a:masterClrMapping/>
+  </p:clrMapOvr>
+</p:sld>
+</file>
+
+<file path=ppt/slides/slide12.xml><?xml version="1.0" encoding="utf-8"?>
+<p:sld xmlns:a="http://schemas.openxmlformats.org/drawingml/2006/main" xmlns:r="http://schemas.openxmlformats.org/officeDocument/2006/relationships" xmlns:p="http://schemas.openxmlformats.org/presentationml/2006/main">
+  <p:cSld>
+    <p:bg>
+      <p:bgPr>
+        <a:solidFill>
+          <a:schemeClr val="tx1"/>
+        </a:solidFill>
+        <a:effectLst/>
+      </p:bgPr>
+    </p:bg>
+    <p:spTree>
+      <p:nvGrpSpPr>
+        <p:cNvPr id="1" name=""/>
+        <p:cNvGrpSpPr/>
+        <p:nvPr/>
+      </p:nvGrpSpPr>
+      <p:grpSpPr>
+        <a:xfrm>
+          <a:off x="0" y="0"/>
+          <a:ext cx="0" cy="0"/>
+          <a:chOff x="0" y="0"/>
+          <a:chExt cx="0" cy="0"/>
+        </a:xfrm>
+      </p:grpSpPr>
+      <p:sp>
+        <p:nvSpPr>
+          <p:cNvPr id="2" name="제목 1">
+            <a:extLst>
+              <a:ext uri="{FF2B5EF4-FFF2-40B4-BE49-F238E27FC236}">
+                <a16:creationId xmlns:a16="http://schemas.microsoft.com/office/drawing/2014/main" id="{993AA972-8F70-42DA-61C6-C82D61F031EA}"/>
+              </a:ext>
+            </a:extLst>
+          </p:cNvPr>
+          <p:cNvSpPr>
+            <a:spLocks noGrp="1"/>
+          </p:cNvSpPr>
+          <p:nvPr>
+            <p:ph type="title"/>
+          </p:nvPr>
+        </p:nvSpPr>
+        <p:spPr>
+          <a:xfrm>
+            <a:off x="704850" y="365125"/>
+            <a:ext cx="10782300" cy="1325563"/>
+          </a:xfrm>
+        </p:spPr>
+        <p:txBody>
+          <a:bodyPr>
+            <a:normAutofit/>
+          </a:bodyPr>
+          <a:lstStyle/>
+          <a:p>
+            <a:pPr algn="ctr"/>
+            <a:r>
+              <a:rPr lang="en-US" altLang="ko-KR" sz="3800" b="1" dirty="0">
+                <a:solidFill>
+                  <a:schemeClr val="bg1"/>
+                </a:solidFill>
+              </a:rPr>
+              <a:t>Dynamic</a:t>
+            </a:r>
+            <a:r>
+              <a:rPr lang="ko-KR" altLang="en-US" sz="3800" b="1" dirty="0">
+                <a:solidFill>
+                  <a:schemeClr val="bg1"/>
+                </a:solidFill>
+              </a:rPr>
+              <a:t> </a:t>
+            </a:r>
+            <a:r>
+              <a:rPr lang="en-US" altLang="ko-KR" sz="3800" b="1" dirty="0">
+                <a:solidFill>
+                  <a:schemeClr val="bg1"/>
+                </a:solidFill>
+              </a:rPr>
+              <a:t>NAT(Network Address Translation)</a:t>
+            </a:r>
+            <a:endParaRPr lang="ko-KR" altLang="en-US" sz="3800" b="1" dirty="0">
+              <a:solidFill>
+                <a:schemeClr val="bg1"/>
+              </a:solidFill>
+            </a:endParaRPr>
+          </a:p>
+        </p:txBody>
+      </p:sp>
+      <p:sp>
+        <p:nvSpPr>
+          <p:cNvPr id="3" name="내용 개체 틀 2">
+            <a:extLst>
+              <a:ext uri="{FF2B5EF4-FFF2-40B4-BE49-F238E27FC236}">
+                <a16:creationId xmlns:a16="http://schemas.microsoft.com/office/drawing/2014/main" id="{87A0DF69-10B8-0D20-D0FD-6D1E744CF1E4}"/>
+              </a:ext>
+            </a:extLst>
+          </p:cNvPr>
+          <p:cNvSpPr>
+            <a:spLocks noGrp="1"/>
+          </p:cNvSpPr>
+          <p:nvPr>
+            <p:ph idx="1"/>
+          </p:nvPr>
+        </p:nvSpPr>
+        <p:spPr>
+          <a:xfrm>
+            <a:off x="838200" y="1825626"/>
+            <a:ext cx="10515600" cy="369332"/>
+          </a:xfrm>
+        </p:spPr>
+        <p:txBody>
+          <a:bodyPr>
+            <a:normAutofit/>
+          </a:bodyPr>
+          <a:lstStyle/>
+          <a:p>
+            <a:pPr marL="0" indent="0" algn="ctr">
+              <a:buNone/>
+            </a:pPr>
+            <a:r>
+              <a:rPr lang="ko-KR" altLang="en-US" sz="2000" b="1" dirty="0">
+                <a:solidFill>
+                  <a:schemeClr val="bg1"/>
+                </a:solidFill>
+              </a:rPr>
+              <a:t>동적 </a:t>
+            </a:r>
+            <a:r>
+              <a:rPr lang="en-US" altLang="ko-KR" sz="2000" b="1" dirty="0">
+                <a:solidFill>
+                  <a:schemeClr val="bg1"/>
+                </a:solidFill>
+              </a:rPr>
+              <a:t>NAT </a:t>
+            </a:r>
+            <a:r>
+              <a:rPr lang="ko-KR" altLang="en-US" sz="2000" b="1" dirty="0">
+                <a:solidFill>
+                  <a:schemeClr val="bg1"/>
+                </a:solidFill>
+              </a:rPr>
+              <a:t>토폴로지</a:t>
+            </a:r>
+            <a:endParaRPr lang="en-US" altLang="ko-KR" sz="2000" b="1" dirty="0">
+              <a:solidFill>
+                <a:schemeClr val="bg1"/>
+              </a:solidFill>
+            </a:endParaRPr>
+          </a:p>
+        </p:txBody>
+      </p:sp>
+      <p:pic>
+        <p:nvPicPr>
+          <p:cNvPr id="5" name="그림 4">
+            <a:extLst>
+              <a:ext uri="{FF2B5EF4-FFF2-40B4-BE49-F238E27FC236}">
+                <a16:creationId xmlns:a16="http://schemas.microsoft.com/office/drawing/2014/main" id="{823602C0-DAFD-BD2A-C632-B3048A2196D0}"/>
+              </a:ext>
+            </a:extLst>
+          </p:cNvPr>
+          <p:cNvPicPr>
+            <a:picLocks noChangeAspect="1"/>
+          </p:cNvPicPr>
+          <p:nvPr/>
+        </p:nvPicPr>
+        <p:blipFill>
+          <a:blip r:embed="rId2"/>
+          <a:stretch>
+            <a:fillRect/>
+          </a:stretch>
+        </p:blipFill>
+        <p:spPr>
+          <a:xfrm>
+            <a:off x="-2243" y="2890352"/>
+            <a:ext cx="12194243" cy="2182266"/>
+          </a:xfrm>
+          <a:prstGeom prst="rect">
+            <a:avLst/>
+          </a:prstGeom>
+        </p:spPr>
+      </p:pic>
+    </p:spTree>
+    <p:extLst>
+      <p:ext uri="{BB962C8B-B14F-4D97-AF65-F5344CB8AC3E}">
+        <p14:creationId xmlns:p14="http://schemas.microsoft.com/office/powerpoint/2010/main" val="974662498"/>
+      </p:ext>
+    </p:extLst>
+  </p:cSld>
+  <p:clrMapOvr>
+    <a:masterClrMapping/>
+  </p:clrMapOvr>
+</p:sld>
+</file>
+
+<file path=ppt/slides/slide13.xml><?xml version="1.0" encoding="utf-8"?>
+<p:sld xmlns:a="http://schemas.openxmlformats.org/drawingml/2006/main" xmlns:r="http://schemas.openxmlformats.org/officeDocument/2006/relationships" xmlns:p="http://schemas.openxmlformats.org/presentationml/2006/main">
+  <p:cSld>
+    <p:bg>
+      <p:bgPr>
+        <a:solidFill>
+          <a:schemeClr val="tx1"/>
+        </a:solidFill>
+        <a:effectLst/>
+      </p:bgPr>
+    </p:bg>
+    <p:spTree>
+      <p:nvGrpSpPr>
+        <p:cNvPr id="1" name=""/>
+        <p:cNvGrpSpPr/>
+        <p:nvPr/>
+      </p:nvGrpSpPr>
+      <p:grpSpPr>
+        <a:xfrm>
+          <a:off x="0" y="0"/>
+          <a:ext cx="0" cy="0"/>
+          <a:chOff x="0" y="0"/>
+          <a:chExt cx="0" cy="0"/>
+        </a:xfrm>
+      </p:grpSpPr>
+      <p:sp>
+        <p:nvSpPr>
+          <p:cNvPr id="2" name="제목 1">
+            <a:extLst>
+              <a:ext uri="{FF2B5EF4-FFF2-40B4-BE49-F238E27FC236}">
+                <a16:creationId xmlns:a16="http://schemas.microsoft.com/office/drawing/2014/main" id="{993AA972-8F70-42DA-61C6-C82D61F031EA}"/>
+              </a:ext>
+            </a:extLst>
+          </p:cNvPr>
+          <p:cNvSpPr>
+            <a:spLocks noGrp="1"/>
+          </p:cNvSpPr>
+          <p:nvPr>
+            <p:ph type="title"/>
+          </p:nvPr>
+        </p:nvSpPr>
+        <p:spPr/>
+        <p:txBody>
+          <a:bodyPr>
+            <a:normAutofit/>
+          </a:bodyPr>
+          <a:lstStyle/>
+          <a:p>
+            <a:pPr algn="ctr"/>
+            <a:r>
+              <a:rPr lang="en-US" altLang="ko-KR" sz="3800" b="1" dirty="0">
+                <a:solidFill>
+                  <a:schemeClr val="bg1"/>
+                </a:solidFill>
+              </a:rPr>
+              <a:t>Dynamic</a:t>
+            </a:r>
+            <a:r>
+              <a:rPr lang="ko-KR" altLang="en-US" sz="3800" b="1" dirty="0">
+                <a:solidFill>
+                  <a:schemeClr val="bg1"/>
+                </a:solidFill>
+              </a:rPr>
+              <a:t> </a:t>
+            </a:r>
+            <a:r>
+              <a:rPr lang="en-US" altLang="ko-KR" sz="3800" b="1" dirty="0">
+                <a:solidFill>
+                  <a:schemeClr val="bg1"/>
+                </a:solidFill>
+              </a:rPr>
+              <a:t>NAT(Network Address Translation)</a:t>
+            </a:r>
+            <a:endParaRPr lang="ko-KR" altLang="en-US" sz="3800" b="1" dirty="0">
+              <a:solidFill>
+                <a:schemeClr val="bg1"/>
+              </a:solidFill>
+            </a:endParaRPr>
+          </a:p>
+        </p:txBody>
+      </p:sp>
+      <p:sp>
+        <p:nvSpPr>
+          <p:cNvPr id="3" name="내용 개체 틀 2">
+            <a:extLst>
+              <a:ext uri="{FF2B5EF4-FFF2-40B4-BE49-F238E27FC236}">
+                <a16:creationId xmlns:a16="http://schemas.microsoft.com/office/drawing/2014/main" id="{87A0DF69-10B8-0D20-D0FD-6D1E744CF1E4}"/>
+              </a:ext>
+            </a:extLst>
+          </p:cNvPr>
+          <p:cNvSpPr>
+            <a:spLocks noGrp="1"/>
+          </p:cNvSpPr>
+          <p:nvPr>
+            <p:ph idx="1"/>
+          </p:nvPr>
+        </p:nvSpPr>
+        <p:spPr>
+          <a:xfrm>
+            <a:off x="504824" y="3134107"/>
+            <a:ext cx="3143250" cy="369332"/>
+          </a:xfrm>
+        </p:spPr>
+        <p:txBody>
+          <a:bodyPr>
+            <a:normAutofit/>
+          </a:bodyPr>
+          <a:lstStyle/>
+          <a:p>
+            <a:pPr marL="0" indent="0" algn="ctr">
+              <a:buNone/>
+            </a:pPr>
+            <a:r>
+              <a:rPr lang="ko-KR" altLang="en-US" sz="2000" b="1" dirty="0">
+                <a:solidFill>
+                  <a:schemeClr val="bg1"/>
+                </a:solidFill>
+              </a:rPr>
+              <a:t>동적 </a:t>
+            </a:r>
+            <a:r>
+              <a:rPr lang="en-US" altLang="ko-KR" sz="2000" b="1" dirty="0">
+                <a:solidFill>
+                  <a:schemeClr val="bg1"/>
+                </a:solidFill>
+              </a:rPr>
+              <a:t>NAT </a:t>
+            </a:r>
+            <a:r>
+              <a:rPr lang="ko-KR" altLang="en-US" sz="2000" b="1" dirty="0">
+                <a:solidFill>
+                  <a:schemeClr val="bg1"/>
+                </a:solidFill>
+              </a:rPr>
+              <a:t>명령어</a:t>
+            </a:r>
+            <a:endParaRPr lang="en-US" altLang="ko-KR" sz="2000" b="1" dirty="0">
+              <a:solidFill>
+                <a:schemeClr val="bg1"/>
+              </a:solidFill>
+            </a:endParaRPr>
+          </a:p>
+        </p:txBody>
+      </p:sp>
+      <p:sp>
+        <p:nvSpPr>
+          <p:cNvPr id="8" name="내용 개체 틀 2">
+            <a:extLst>
+              <a:ext uri="{FF2B5EF4-FFF2-40B4-BE49-F238E27FC236}">
+                <a16:creationId xmlns:a16="http://schemas.microsoft.com/office/drawing/2014/main" id="{B087E41E-4957-CE82-AD37-5AD3DF17AF8E}"/>
+              </a:ext>
+            </a:extLst>
+          </p:cNvPr>
+          <p:cNvSpPr txBox="1">
+            <a:spLocks/>
+          </p:cNvSpPr>
+          <p:nvPr/>
+        </p:nvSpPr>
+        <p:spPr>
+          <a:xfrm>
+            <a:off x="214312" y="5349333"/>
+            <a:ext cx="3724275" cy="603249"/>
+          </a:xfrm>
+          <a:prstGeom prst="rect">
+            <a:avLst/>
+          </a:prstGeom>
+        </p:spPr>
+        <p:txBody>
+          <a:bodyPr vert="horz" lIns="91440" tIns="45720" rIns="91440" bIns="45720" rtlCol="0">
+            <a:normAutofit/>
+          </a:bodyPr>
+          <a:lstStyle>
+            <a:lvl1pPr marL="228600" indent="-228600" algn="l" defTabSz="914400" rtl="0" eaLnBrk="1" latinLnBrk="1" hangingPunct="1">
+              <a:lnSpc>
+                <a:spcPct val="90000"/>
+              </a:lnSpc>
+              <a:spcBef>
+                <a:spcPts val="1000"/>
+              </a:spcBef>
+              <a:buFont typeface="Arial" panose="020B0604020202020204" pitchFamily="34" charset="0"/>
+              <a:buChar char="•"/>
+              <a:defRPr sz="2800" kern="1200">
+                <a:solidFill>
+                  <a:schemeClr val="tx1"/>
+                </a:solidFill>
+                <a:latin typeface="+mn-lt"/>
+                <a:ea typeface="+mn-ea"/>
+                <a:cs typeface="+mn-cs"/>
+              </a:defRPr>
+            </a:lvl1pPr>
+            <a:lvl2pPr marL="685800" indent="-228600" algn="l" defTabSz="914400" rtl="0" eaLnBrk="1" latinLnBrk="1" hangingPunct="1">
+              <a:lnSpc>
+                <a:spcPct val="90000"/>
+              </a:lnSpc>
+              <a:spcBef>
+                <a:spcPts val="500"/>
+              </a:spcBef>
+              <a:buFont typeface="Arial" panose="020B0604020202020204" pitchFamily="34" charset="0"/>
+              <a:buChar char="•"/>
+              <a:defRPr sz="2400" kern="1200">
+                <a:solidFill>
+                  <a:schemeClr val="tx1"/>
+                </a:solidFill>
+                <a:latin typeface="+mn-lt"/>
+                <a:ea typeface="+mn-ea"/>
+                <a:cs typeface="+mn-cs"/>
+              </a:defRPr>
+            </a:lvl2pPr>
+            <a:lvl3pPr marL="1143000" indent="-228600" algn="l" defTabSz="914400" rtl="0" eaLnBrk="1" latinLnBrk="1" hangingPunct="1">
+              <a:lnSpc>
+                <a:spcPct val="90000"/>
+              </a:lnSpc>
+              <a:spcBef>
+                <a:spcPts val="500"/>
+              </a:spcBef>
+              <a:buFont typeface="Arial" panose="020B0604020202020204" pitchFamily="34" charset="0"/>
+              <a:buChar char="•"/>
+              <a:defRPr sz="2000" kern="1200">
+                <a:solidFill>
+                  <a:schemeClr val="tx1"/>
+                </a:solidFill>
+                <a:latin typeface="+mn-lt"/>
+                <a:ea typeface="+mn-ea"/>
+                <a:cs typeface="+mn-cs"/>
+              </a:defRPr>
+            </a:lvl3pPr>
+            <a:lvl4pPr marL="1600200" indent="-228600" algn="l" defTabSz="914400" rtl="0" eaLnBrk="1" latinLnBrk="1" hangingPunct="1">
+              <a:lnSpc>
+                <a:spcPct val="90000"/>
+              </a:lnSpc>
+              <a:spcBef>
+                <a:spcPts val="500"/>
+              </a:spcBef>
+              <a:buFont typeface="Arial" panose="020B0604020202020204" pitchFamily="34" charset="0"/>
+              <a:buChar char="•"/>
+              <a:defRPr sz="1800" kern="1200">
+                <a:solidFill>
+                  <a:schemeClr val="tx1"/>
+                </a:solidFill>
+                <a:latin typeface="+mn-lt"/>
+                <a:ea typeface="+mn-ea"/>
+                <a:cs typeface="+mn-cs"/>
+              </a:defRPr>
+            </a:lvl4pPr>
+            <a:lvl5pPr marL="2057400" indent="-228600" algn="l" defTabSz="914400" rtl="0" eaLnBrk="1" latinLnBrk="1" hangingPunct="1">
+              <a:lnSpc>
+                <a:spcPct val="90000"/>
+              </a:lnSpc>
+              <a:spcBef>
+                <a:spcPts val="500"/>
+              </a:spcBef>
+              <a:buFont typeface="Arial" panose="020B0604020202020204" pitchFamily="34" charset="0"/>
+              <a:buChar char="•"/>
+              <a:defRPr sz="1800" kern="1200">
+                <a:solidFill>
+                  <a:schemeClr val="tx1"/>
+                </a:solidFill>
+                <a:latin typeface="+mn-lt"/>
+                <a:ea typeface="+mn-ea"/>
+                <a:cs typeface="+mn-cs"/>
+              </a:defRPr>
+            </a:lvl5pPr>
+            <a:lvl6pPr marL="2514600" indent="-228600" algn="l" defTabSz="914400" rtl="0" eaLnBrk="1" latinLnBrk="1" hangingPunct="1">
+              <a:lnSpc>
+                <a:spcPct val="90000"/>
+              </a:lnSpc>
+              <a:spcBef>
+                <a:spcPts val="500"/>
+              </a:spcBef>
+              <a:buFont typeface="Arial" panose="020B0604020202020204" pitchFamily="34" charset="0"/>
+              <a:buChar char="•"/>
+              <a:defRPr sz="1800" kern="1200">
+                <a:solidFill>
+                  <a:schemeClr val="tx1"/>
+                </a:solidFill>
+                <a:latin typeface="+mn-lt"/>
+                <a:ea typeface="+mn-ea"/>
+                <a:cs typeface="+mn-cs"/>
+              </a:defRPr>
+            </a:lvl6pPr>
+            <a:lvl7pPr marL="2971800" indent="-228600" algn="l" defTabSz="914400" rtl="0" eaLnBrk="1" latinLnBrk="1" hangingPunct="1">
+              <a:lnSpc>
+                <a:spcPct val="90000"/>
+              </a:lnSpc>
+              <a:spcBef>
+                <a:spcPts val="500"/>
+              </a:spcBef>
+              <a:buFont typeface="Arial" panose="020B0604020202020204" pitchFamily="34" charset="0"/>
+              <a:buChar char="•"/>
+              <a:defRPr sz="1800" kern="1200">
+                <a:solidFill>
+                  <a:schemeClr val="tx1"/>
+                </a:solidFill>
+                <a:latin typeface="+mn-lt"/>
+                <a:ea typeface="+mn-ea"/>
+                <a:cs typeface="+mn-cs"/>
+              </a:defRPr>
+            </a:lvl7pPr>
+            <a:lvl8pPr marL="3429000" indent="-228600" algn="l" defTabSz="914400" rtl="0" eaLnBrk="1" latinLnBrk="1" hangingPunct="1">
+              <a:lnSpc>
+                <a:spcPct val="90000"/>
+              </a:lnSpc>
+              <a:spcBef>
+                <a:spcPts val="500"/>
+              </a:spcBef>
+              <a:buFont typeface="Arial" panose="020B0604020202020204" pitchFamily="34" charset="0"/>
+              <a:buChar char="•"/>
+              <a:defRPr sz="1800" kern="1200">
+                <a:solidFill>
+                  <a:schemeClr val="tx1"/>
+                </a:solidFill>
+                <a:latin typeface="+mn-lt"/>
+                <a:ea typeface="+mn-ea"/>
+                <a:cs typeface="+mn-cs"/>
+              </a:defRPr>
+            </a:lvl8pPr>
+            <a:lvl9pPr marL="3886200" indent="-228600" algn="l" defTabSz="914400" rtl="0" eaLnBrk="1" latinLnBrk="1" hangingPunct="1">
+              <a:lnSpc>
+                <a:spcPct val="90000"/>
+              </a:lnSpc>
+              <a:spcBef>
+                <a:spcPts val="500"/>
+              </a:spcBef>
+              <a:buFont typeface="Arial" panose="020B0604020202020204" pitchFamily="34" charset="0"/>
+              <a:buChar char="•"/>
+              <a:defRPr sz="1800" kern="1200">
+                <a:solidFill>
+                  <a:schemeClr val="tx1"/>
+                </a:solidFill>
+                <a:latin typeface="+mn-lt"/>
+                <a:ea typeface="+mn-ea"/>
+                <a:cs typeface="+mn-cs"/>
+              </a:defRPr>
+            </a:lvl9pPr>
+          </a:lstStyle>
+          <a:p>
+            <a:pPr marL="0" indent="0" algn="ctr">
+              <a:buFont typeface="Arial" panose="020B0604020202020204" pitchFamily="34" charset="0"/>
+              <a:buNone/>
+            </a:pPr>
+            <a:r>
+              <a:rPr lang="ko-KR" altLang="en-US" sz="2000" b="1" dirty="0">
+                <a:solidFill>
+                  <a:schemeClr val="bg1"/>
+                </a:solidFill>
+              </a:rPr>
+              <a:t>동적 </a:t>
+            </a:r>
+            <a:r>
+              <a:rPr lang="en-US" altLang="ko-KR" sz="2000" b="1" dirty="0">
+                <a:solidFill>
+                  <a:schemeClr val="bg1"/>
+                </a:solidFill>
+              </a:rPr>
+              <a:t>NAT </a:t>
+            </a:r>
+            <a:r>
+              <a:rPr lang="ko-KR" altLang="en-US" sz="2000" b="1" dirty="0">
+                <a:solidFill>
+                  <a:schemeClr val="bg1"/>
+                </a:solidFill>
+              </a:rPr>
+              <a:t>토폴로지</a:t>
+            </a:r>
+            <a:r>
+              <a:rPr lang="en-US" altLang="ko-KR" sz="2000" b="1" dirty="0">
+                <a:solidFill>
+                  <a:schemeClr val="bg1"/>
+                </a:solidFill>
+              </a:rPr>
+              <a:t> </a:t>
+            </a:r>
+            <a:r>
+              <a:rPr lang="ko-KR" altLang="en-US" sz="2000" b="1" dirty="0">
+                <a:solidFill>
+                  <a:schemeClr val="bg1"/>
+                </a:solidFill>
+              </a:rPr>
+              <a:t>명령어</a:t>
+            </a:r>
+            <a:endParaRPr lang="en-US" altLang="ko-KR" sz="2000" b="1" dirty="0">
+              <a:solidFill>
+                <a:schemeClr val="bg1"/>
+              </a:solidFill>
+            </a:endParaRPr>
+          </a:p>
+        </p:txBody>
+      </p:sp>
+    </p:spTree>
+    <p:extLst>
+      <p:ext uri="{BB962C8B-B14F-4D97-AF65-F5344CB8AC3E}">
+        <p14:creationId xmlns:p14="http://schemas.microsoft.com/office/powerpoint/2010/main" val="1798982057"/>
+      </p:ext>
+    </p:extLst>
+  </p:cSld>
+  <p:clrMapOvr>
+    <a:masterClrMapping/>
+  </p:clrMapOvr>
+</p:sld>
+</file>
+
+<file path=ppt/slides/slide14.xml><?xml version="1.0" encoding="utf-8"?>
+<p:sld xmlns:a="http://schemas.openxmlformats.org/drawingml/2006/main" xmlns:r="http://schemas.openxmlformats.org/officeDocument/2006/relationships" xmlns:p="http://schemas.openxmlformats.org/presentationml/2006/main">
+  <p:cSld>
+    <p:bg>
+      <p:bgPr>
+        <a:solidFill>
+          <a:schemeClr val="tx1"/>
+        </a:solidFill>
+        <a:effectLst/>
+      </p:bgPr>
+    </p:bg>
+    <p:spTree>
+      <p:nvGrpSpPr>
+        <p:cNvPr id="1" name=""/>
+        <p:cNvGrpSpPr/>
+        <p:nvPr/>
+      </p:nvGrpSpPr>
+      <p:grpSpPr>
+        <a:xfrm>
+          <a:off x="0" y="0"/>
+          <a:ext cx="0" cy="0"/>
+          <a:chOff x="0" y="0"/>
+          <a:chExt cx="0" cy="0"/>
+        </a:xfrm>
+      </p:grpSpPr>
+      <p:sp>
+        <p:nvSpPr>
+          <p:cNvPr id="2" name="제목 1">
+            <a:extLst>
+              <a:ext uri="{FF2B5EF4-FFF2-40B4-BE49-F238E27FC236}">
+                <a16:creationId xmlns:a16="http://schemas.microsoft.com/office/drawing/2014/main" id="{993AA972-8F70-42DA-61C6-C82D61F031EA}"/>
+              </a:ext>
+            </a:extLst>
+          </p:cNvPr>
+          <p:cNvSpPr>
+            <a:spLocks noGrp="1"/>
+          </p:cNvSpPr>
+          <p:nvPr>
+            <p:ph type="title"/>
+          </p:nvPr>
+        </p:nvSpPr>
+        <p:spPr/>
+        <p:txBody>
+          <a:bodyPr>
+            <a:normAutofit/>
+          </a:bodyPr>
+          <a:lstStyle/>
+          <a:p>
+            <a:pPr algn="ctr"/>
+            <a:r>
+              <a:rPr lang="en-US" altLang="ko-KR" sz="4000" b="1" dirty="0">
+                <a:solidFill>
+                  <a:schemeClr val="bg1"/>
+                </a:solidFill>
+              </a:rPr>
+              <a:t>PAT(Port Address Translation)</a:t>
+            </a:r>
+            <a:endParaRPr lang="ko-KR" altLang="en-US" sz="4000" b="1" dirty="0">
+              <a:solidFill>
+                <a:schemeClr val="bg1"/>
+              </a:solidFill>
+            </a:endParaRPr>
+          </a:p>
+        </p:txBody>
+      </p:sp>
+      <p:sp>
+        <p:nvSpPr>
+          <p:cNvPr id="3" name="내용 개체 틀 2">
+            <a:extLst>
+              <a:ext uri="{FF2B5EF4-FFF2-40B4-BE49-F238E27FC236}">
+                <a16:creationId xmlns:a16="http://schemas.microsoft.com/office/drawing/2014/main" id="{87A0DF69-10B8-0D20-D0FD-6D1E744CF1E4}"/>
+              </a:ext>
+            </a:extLst>
+          </p:cNvPr>
+          <p:cNvSpPr>
+            <a:spLocks noGrp="1"/>
+          </p:cNvSpPr>
+          <p:nvPr>
+            <p:ph idx="1"/>
+          </p:nvPr>
+        </p:nvSpPr>
+        <p:spPr/>
+        <p:txBody>
+          <a:bodyPr/>
+          <a:lstStyle/>
+          <a:p>
+            <a:endParaRPr lang="ko-KR" altLang="en-US" dirty="0"/>
+          </a:p>
+        </p:txBody>
+      </p:sp>
+    </p:spTree>
+    <p:extLst>
+      <p:ext uri="{BB962C8B-B14F-4D97-AF65-F5344CB8AC3E}">
+        <p14:creationId xmlns:p14="http://schemas.microsoft.com/office/powerpoint/2010/main" val="4052428994"/>
+      </p:ext>
+    </p:extLst>
+  </p:cSld>
+  <p:clrMapOvr>
+    <a:masterClrMapping/>
+  </p:clrMapOvr>
+</p:sld>
+</file>
+
+<file path=ppt/slides/slide15.xml><?xml version="1.0" encoding="utf-8"?>
+<p:sld xmlns:a="http://schemas.openxmlformats.org/drawingml/2006/main" xmlns:r="http://schemas.openxmlformats.org/officeDocument/2006/relationships" xmlns:p="http://schemas.openxmlformats.org/presentationml/2006/main">
+  <p:cSld>
+    <p:bg>
+      <p:bgPr>
+        <a:solidFill>
+          <a:schemeClr val="tx1"/>
+        </a:solidFill>
+        <a:effectLst/>
+      </p:bgPr>
+    </p:bg>
+    <p:spTree>
+      <p:nvGrpSpPr>
+        <p:cNvPr id="1" name=""/>
+        <p:cNvGrpSpPr/>
+        <p:nvPr/>
+      </p:nvGrpSpPr>
+      <p:grpSpPr>
+        <a:xfrm>
+          <a:off x="0" y="0"/>
+          <a:ext cx="0" cy="0"/>
+          <a:chOff x="0" y="0"/>
+          <a:chExt cx="0" cy="0"/>
+        </a:xfrm>
+      </p:grpSpPr>
+      <p:sp>
+        <p:nvSpPr>
+          <p:cNvPr id="2" name="제목 1">
+            <a:extLst>
+              <a:ext uri="{FF2B5EF4-FFF2-40B4-BE49-F238E27FC236}">
+                <a16:creationId xmlns:a16="http://schemas.microsoft.com/office/drawing/2014/main" id="{993AA972-8F70-42DA-61C6-C82D61F031EA}"/>
+              </a:ext>
+            </a:extLst>
+          </p:cNvPr>
+          <p:cNvSpPr>
+            <a:spLocks noGrp="1"/>
+          </p:cNvSpPr>
+          <p:nvPr>
+            <p:ph type="title"/>
+          </p:nvPr>
+        </p:nvSpPr>
+        <p:spPr>
+          <a:xfrm>
+            <a:off x="704850" y="365125"/>
+            <a:ext cx="10782300" cy="1325563"/>
+          </a:xfrm>
+        </p:spPr>
+        <p:txBody>
+          <a:bodyPr>
+            <a:normAutofit/>
+          </a:bodyPr>
+          <a:lstStyle/>
+          <a:p>
+            <a:pPr algn="ctr"/>
+            <a:r>
+              <a:rPr lang="en-US" altLang="ko-KR" sz="3800" b="1" dirty="0">
+                <a:solidFill>
+                  <a:schemeClr val="bg1"/>
+                </a:solidFill>
+              </a:rPr>
+              <a:t>PAT(Port Address Translation)</a:t>
+            </a:r>
+            <a:endParaRPr lang="ko-KR" altLang="en-US" sz="3800" b="1" dirty="0">
+              <a:solidFill>
+                <a:schemeClr val="bg1"/>
+              </a:solidFill>
+            </a:endParaRPr>
+          </a:p>
+        </p:txBody>
+      </p:sp>
+      <p:sp>
+        <p:nvSpPr>
+          <p:cNvPr id="3" name="내용 개체 틀 2">
+            <a:extLst>
+              <a:ext uri="{FF2B5EF4-FFF2-40B4-BE49-F238E27FC236}">
+                <a16:creationId xmlns:a16="http://schemas.microsoft.com/office/drawing/2014/main" id="{87A0DF69-10B8-0D20-D0FD-6D1E744CF1E4}"/>
+              </a:ext>
+            </a:extLst>
+          </p:cNvPr>
+          <p:cNvSpPr>
+            <a:spLocks noGrp="1"/>
+          </p:cNvSpPr>
+          <p:nvPr>
+            <p:ph idx="1"/>
+          </p:nvPr>
+        </p:nvSpPr>
+        <p:spPr>
+          <a:xfrm>
+            <a:off x="838200" y="1825626"/>
+            <a:ext cx="10515600" cy="369332"/>
+          </a:xfrm>
+        </p:spPr>
+        <p:txBody>
+          <a:bodyPr>
+            <a:normAutofit/>
+          </a:bodyPr>
+          <a:lstStyle/>
+          <a:p>
+            <a:pPr marL="0" indent="0" algn="ctr">
+              <a:buNone/>
+            </a:pPr>
+            <a:r>
+              <a:rPr lang="en-US" altLang="ko-KR" sz="2000" b="1" dirty="0">
+                <a:solidFill>
+                  <a:schemeClr val="bg1"/>
+                </a:solidFill>
+              </a:rPr>
+              <a:t>PAT </a:t>
+            </a:r>
+            <a:r>
+              <a:rPr lang="ko-KR" altLang="en-US" sz="2000" b="1" dirty="0">
+                <a:solidFill>
+                  <a:schemeClr val="bg1"/>
+                </a:solidFill>
+              </a:rPr>
+              <a:t>토폴로지</a:t>
+            </a:r>
+            <a:endParaRPr lang="en-US" altLang="ko-KR" sz="2000" b="1" dirty="0">
+              <a:solidFill>
+                <a:schemeClr val="bg1"/>
+              </a:solidFill>
+            </a:endParaRPr>
+          </a:p>
+        </p:txBody>
+      </p:sp>
+    </p:spTree>
+    <p:extLst>
+      <p:ext uri="{BB962C8B-B14F-4D97-AF65-F5344CB8AC3E}">
+        <p14:creationId xmlns:p14="http://schemas.microsoft.com/office/powerpoint/2010/main" val="1366044513"/>
+      </p:ext>
+    </p:extLst>
+  </p:cSld>
+  <p:clrMapOvr>
+    <a:masterClrMapping/>
+  </p:clrMapOvr>
+</p:sld>
+</file>
+
+<file path=ppt/slides/slide16.xml><?xml version="1.0" encoding="utf-8"?>
+<p:sld xmlns:a="http://schemas.openxmlformats.org/drawingml/2006/main" xmlns:r="http://schemas.openxmlformats.org/officeDocument/2006/relationships" xmlns:p="http://schemas.openxmlformats.org/presentationml/2006/main">
+  <p:cSld>
+    <p:bg>
+      <p:bgPr>
+        <a:solidFill>
+          <a:schemeClr val="tx1"/>
+        </a:solidFill>
+        <a:effectLst/>
+      </p:bgPr>
+    </p:bg>
+    <p:spTree>
+      <p:nvGrpSpPr>
+        <p:cNvPr id="1" name=""/>
+        <p:cNvGrpSpPr/>
+        <p:nvPr/>
+      </p:nvGrpSpPr>
+      <p:grpSpPr>
+        <a:xfrm>
+          <a:off x="0" y="0"/>
+          <a:ext cx="0" cy="0"/>
+          <a:chOff x="0" y="0"/>
+          <a:chExt cx="0" cy="0"/>
+        </a:xfrm>
+      </p:grpSpPr>
+      <p:sp>
+        <p:nvSpPr>
+          <p:cNvPr id="2" name="제목 1">
+            <a:extLst>
+              <a:ext uri="{FF2B5EF4-FFF2-40B4-BE49-F238E27FC236}">
+                <a16:creationId xmlns:a16="http://schemas.microsoft.com/office/drawing/2014/main" id="{993AA972-8F70-42DA-61C6-C82D61F031EA}"/>
+              </a:ext>
+            </a:extLst>
+          </p:cNvPr>
+          <p:cNvSpPr>
+            <a:spLocks noGrp="1"/>
+          </p:cNvSpPr>
+          <p:nvPr>
+            <p:ph type="title"/>
+          </p:nvPr>
+        </p:nvSpPr>
+        <p:spPr/>
+        <p:txBody>
+          <a:bodyPr>
+            <a:normAutofit/>
+          </a:bodyPr>
+          <a:lstStyle/>
+          <a:p>
+            <a:pPr algn="ctr"/>
+            <a:r>
+              <a:rPr lang="en-US" altLang="ko-KR" sz="3800" b="1" dirty="0">
+                <a:solidFill>
+                  <a:schemeClr val="bg1"/>
+                </a:solidFill>
+              </a:rPr>
+              <a:t>PAT(Port Address Translation)</a:t>
+            </a:r>
+            <a:endParaRPr lang="ko-KR" altLang="en-US" sz="3800" b="1" dirty="0">
+              <a:solidFill>
+                <a:schemeClr val="bg1"/>
+              </a:solidFill>
+            </a:endParaRPr>
+          </a:p>
+        </p:txBody>
+      </p:sp>
+      <p:sp>
+        <p:nvSpPr>
+          <p:cNvPr id="3" name="내용 개체 틀 2">
+            <a:extLst>
+              <a:ext uri="{FF2B5EF4-FFF2-40B4-BE49-F238E27FC236}">
+                <a16:creationId xmlns:a16="http://schemas.microsoft.com/office/drawing/2014/main" id="{87A0DF69-10B8-0D20-D0FD-6D1E744CF1E4}"/>
+              </a:ext>
+            </a:extLst>
+          </p:cNvPr>
+          <p:cNvSpPr>
+            <a:spLocks noGrp="1"/>
+          </p:cNvSpPr>
+          <p:nvPr>
+            <p:ph idx="1"/>
+          </p:nvPr>
+        </p:nvSpPr>
+        <p:spPr>
+          <a:xfrm>
+            <a:off x="504824" y="3134107"/>
+            <a:ext cx="3143250" cy="369332"/>
+          </a:xfrm>
+        </p:spPr>
+        <p:txBody>
+          <a:bodyPr>
+            <a:normAutofit/>
+          </a:bodyPr>
+          <a:lstStyle/>
+          <a:p>
+            <a:pPr marL="0" indent="0" algn="ctr">
+              <a:buNone/>
+            </a:pPr>
+            <a:r>
+              <a:rPr lang="ko-KR" altLang="en-US" sz="2000" b="1" dirty="0">
+                <a:solidFill>
+                  <a:schemeClr val="bg1"/>
+                </a:solidFill>
+              </a:rPr>
+              <a:t> </a:t>
+            </a:r>
+            <a:r>
+              <a:rPr lang="en-US" altLang="ko-KR" sz="2000" b="1" dirty="0">
+                <a:solidFill>
+                  <a:schemeClr val="bg1"/>
+                </a:solidFill>
+              </a:rPr>
+              <a:t>PAT </a:t>
+            </a:r>
+            <a:r>
+              <a:rPr lang="ko-KR" altLang="en-US" sz="2000" b="1" dirty="0">
+                <a:solidFill>
+                  <a:schemeClr val="bg1"/>
+                </a:solidFill>
+              </a:rPr>
+              <a:t>명령어</a:t>
+            </a:r>
+            <a:endParaRPr lang="en-US" altLang="ko-KR" sz="2000" b="1" dirty="0">
+              <a:solidFill>
+                <a:schemeClr val="bg1"/>
+              </a:solidFill>
+            </a:endParaRPr>
+          </a:p>
+        </p:txBody>
+      </p:sp>
+      <p:sp>
+        <p:nvSpPr>
+          <p:cNvPr id="8" name="내용 개체 틀 2">
+            <a:extLst>
+              <a:ext uri="{FF2B5EF4-FFF2-40B4-BE49-F238E27FC236}">
+                <a16:creationId xmlns:a16="http://schemas.microsoft.com/office/drawing/2014/main" id="{B087E41E-4957-CE82-AD37-5AD3DF17AF8E}"/>
+              </a:ext>
+            </a:extLst>
+          </p:cNvPr>
+          <p:cNvSpPr txBox="1">
+            <a:spLocks/>
+          </p:cNvSpPr>
+          <p:nvPr/>
+        </p:nvSpPr>
+        <p:spPr>
+          <a:xfrm>
+            <a:off x="214312" y="5349333"/>
+            <a:ext cx="3724275" cy="603249"/>
+          </a:xfrm>
+          <a:prstGeom prst="rect">
+            <a:avLst/>
+          </a:prstGeom>
+        </p:spPr>
+        <p:txBody>
+          <a:bodyPr vert="horz" lIns="91440" tIns="45720" rIns="91440" bIns="45720" rtlCol="0">
+            <a:normAutofit/>
+          </a:bodyPr>
+          <a:lstStyle>
+            <a:lvl1pPr marL="228600" indent="-228600" algn="l" defTabSz="914400" rtl="0" eaLnBrk="1" latinLnBrk="1" hangingPunct="1">
+              <a:lnSpc>
+                <a:spcPct val="90000"/>
+              </a:lnSpc>
+              <a:spcBef>
+                <a:spcPts val="1000"/>
+              </a:spcBef>
+              <a:buFont typeface="Arial" panose="020B0604020202020204" pitchFamily="34" charset="0"/>
+              <a:buChar char="•"/>
+              <a:defRPr sz="2800" kern="1200">
+                <a:solidFill>
+                  <a:schemeClr val="tx1"/>
+                </a:solidFill>
+                <a:latin typeface="+mn-lt"/>
+                <a:ea typeface="+mn-ea"/>
+                <a:cs typeface="+mn-cs"/>
+              </a:defRPr>
+            </a:lvl1pPr>
+            <a:lvl2pPr marL="685800" indent="-228600" algn="l" defTabSz="914400" rtl="0" eaLnBrk="1" latinLnBrk="1" hangingPunct="1">
+              <a:lnSpc>
+                <a:spcPct val="90000"/>
+              </a:lnSpc>
+              <a:spcBef>
+                <a:spcPts val="500"/>
+              </a:spcBef>
+              <a:buFont typeface="Arial" panose="020B0604020202020204" pitchFamily="34" charset="0"/>
+              <a:buChar char="•"/>
+              <a:defRPr sz="2400" kern="1200">
+                <a:solidFill>
+                  <a:schemeClr val="tx1"/>
+                </a:solidFill>
+                <a:latin typeface="+mn-lt"/>
+                <a:ea typeface="+mn-ea"/>
+                <a:cs typeface="+mn-cs"/>
+              </a:defRPr>
+            </a:lvl2pPr>
+            <a:lvl3pPr marL="1143000" indent="-228600" algn="l" defTabSz="914400" rtl="0" eaLnBrk="1" latinLnBrk="1" hangingPunct="1">
+              <a:lnSpc>
+                <a:spcPct val="90000"/>
+              </a:lnSpc>
+              <a:spcBef>
+                <a:spcPts val="500"/>
+              </a:spcBef>
+              <a:buFont typeface="Arial" panose="020B0604020202020204" pitchFamily="34" charset="0"/>
+              <a:buChar char="•"/>
+              <a:defRPr sz="2000" kern="1200">
+                <a:solidFill>
+                  <a:schemeClr val="tx1"/>
+                </a:solidFill>
+                <a:latin typeface="+mn-lt"/>
+                <a:ea typeface="+mn-ea"/>
+                <a:cs typeface="+mn-cs"/>
+              </a:defRPr>
+            </a:lvl3pPr>
+            <a:lvl4pPr marL="1600200" indent="-228600" algn="l" defTabSz="914400" rtl="0" eaLnBrk="1" latinLnBrk="1" hangingPunct="1">
+              <a:lnSpc>
+                <a:spcPct val="90000"/>
+              </a:lnSpc>
+              <a:spcBef>
+                <a:spcPts val="500"/>
+              </a:spcBef>
+              <a:buFont typeface="Arial" panose="020B0604020202020204" pitchFamily="34" charset="0"/>
+              <a:buChar char="•"/>
+              <a:defRPr sz="1800" kern="1200">
+                <a:solidFill>
+                  <a:schemeClr val="tx1"/>
+                </a:solidFill>
+                <a:latin typeface="+mn-lt"/>
+                <a:ea typeface="+mn-ea"/>
+                <a:cs typeface="+mn-cs"/>
+              </a:defRPr>
+            </a:lvl4pPr>
+            <a:lvl5pPr marL="2057400" indent="-228600" algn="l" defTabSz="914400" rtl="0" eaLnBrk="1" latinLnBrk="1" hangingPunct="1">
+              <a:lnSpc>
+                <a:spcPct val="90000"/>
+              </a:lnSpc>
+              <a:spcBef>
+                <a:spcPts val="500"/>
+              </a:spcBef>
+              <a:buFont typeface="Arial" panose="020B0604020202020204" pitchFamily="34" charset="0"/>
+              <a:buChar char="•"/>
+              <a:defRPr sz="1800" kern="1200">
+                <a:solidFill>
+                  <a:schemeClr val="tx1"/>
+                </a:solidFill>
+                <a:latin typeface="+mn-lt"/>
+                <a:ea typeface="+mn-ea"/>
+                <a:cs typeface="+mn-cs"/>
+              </a:defRPr>
+            </a:lvl5pPr>
+            <a:lvl6pPr marL="2514600" indent="-228600" algn="l" defTabSz="914400" rtl="0" eaLnBrk="1" latinLnBrk="1" hangingPunct="1">
+              <a:lnSpc>
+                <a:spcPct val="90000"/>
+              </a:lnSpc>
+              <a:spcBef>
+                <a:spcPts val="500"/>
+              </a:spcBef>
+              <a:buFont typeface="Arial" panose="020B0604020202020204" pitchFamily="34" charset="0"/>
+              <a:buChar char="•"/>
+              <a:defRPr sz="1800" kern="1200">
+                <a:solidFill>
+                  <a:schemeClr val="tx1"/>
+                </a:solidFill>
+                <a:latin typeface="+mn-lt"/>
+                <a:ea typeface="+mn-ea"/>
+                <a:cs typeface="+mn-cs"/>
+              </a:defRPr>
+            </a:lvl6pPr>
+            <a:lvl7pPr marL="2971800" indent="-228600" algn="l" defTabSz="914400" rtl="0" eaLnBrk="1" latinLnBrk="1" hangingPunct="1">
+              <a:lnSpc>
+                <a:spcPct val="90000"/>
+              </a:lnSpc>
+              <a:spcBef>
+                <a:spcPts val="500"/>
+              </a:spcBef>
+              <a:buFont typeface="Arial" panose="020B0604020202020204" pitchFamily="34" charset="0"/>
+              <a:buChar char="•"/>
+              <a:defRPr sz="1800" kern="1200">
+                <a:solidFill>
+                  <a:schemeClr val="tx1"/>
+                </a:solidFill>
+                <a:latin typeface="+mn-lt"/>
+                <a:ea typeface="+mn-ea"/>
+                <a:cs typeface="+mn-cs"/>
+              </a:defRPr>
+            </a:lvl7pPr>
+            <a:lvl8pPr marL="3429000" indent="-228600" algn="l" defTabSz="914400" rtl="0" eaLnBrk="1" latinLnBrk="1" hangingPunct="1">
+              <a:lnSpc>
+                <a:spcPct val="90000"/>
+              </a:lnSpc>
+              <a:spcBef>
+                <a:spcPts val="500"/>
+              </a:spcBef>
+              <a:buFont typeface="Arial" panose="020B0604020202020204" pitchFamily="34" charset="0"/>
+              <a:buChar char="•"/>
+              <a:defRPr sz="1800" kern="1200">
+                <a:solidFill>
+                  <a:schemeClr val="tx1"/>
+                </a:solidFill>
+                <a:latin typeface="+mn-lt"/>
+                <a:ea typeface="+mn-ea"/>
+                <a:cs typeface="+mn-cs"/>
+              </a:defRPr>
+            </a:lvl8pPr>
+            <a:lvl9pPr marL="3886200" indent="-228600" algn="l" defTabSz="914400" rtl="0" eaLnBrk="1" latinLnBrk="1" hangingPunct="1">
+              <a:lnSpc>
+                <a:spcPct val="90000"/>
+              </a:lnSpc>
+              <a:spcBef>
+                <a:spcPts val="500"/>
+              </a:spcBef>
+              <a:buFont typeface="Arial" panose="020B0604020202020204" pitchFamily="34" charset="0"/>
+              <a:buChar char="•"/>
+              <a:defRPr sz="1800" kern="1200">
+                <a:solidFill>
+                  <a:schemeClr val="tx1"/>
+                </a:solidFill>
+                <a:latin typeface="+mn-lt"/>
+                <a:ea typeface="+mn-ea"/>
+                <a:cs typeface="+mn-cs"/>
+              </a:defRPr>
+            </a:lvl9pPr>
+          </a:lstStyle>
+          <a:p>
+            <a:pPr marL="0" indent="0" algn="ctr">
+              <a:buFont typeface="Arial" panose="020B0604020202020204" pitchFamily="34" charset="0"/>
+              <a:buNone/>
+            </a:pPr>
+            <a:r>
+              <a:rPr lang="ko-KR" altLang="en-US" sz="2000" b="1" dirty="0">
+                <a:solidFill>
+                  <a:schemeClr val="bg1"/>
+                </a:solidFill>
+              </a:rPr>
+              <a:t> </a:t>
+            </a:r>
+            <a:r>
+              <a:rPr lang="en-US" altLang="ko-KR" sz="2000" b="1" dirty="0">
+                <a:solidFill>
+                  <a:schemeClr val="bg1"/>
+                </a:solidFill>
+              </a:rPr>
+              <a:t>PAT </a:t>
+            </a:r>
+            <a:r>
+              <a:rPr lang="ko-KR" altLang="en-US" sz="2000" b="1" dirty="0">
+                <a:solidFill>
+                  <a:schemeClr val="bg1"/>
+                </a:solidFill>
+              </a:rPr>
+              <a:t>토폴로지</a:t>
+            </a:r>
+            <a:r>
+              <a:rPr lang="en-US" altLang="ko-KR" sz="2000" b="1" dirty="0">
+                <a:solidFill>
+                  <a:schemeClr val="bg1"/>
+                </a:solidFill>
+              </a:rPr>
+              <a:t> </a:t>
+            </a:r>
+            <a:r>
+              <a:rPr lang="ko-KR" altLang="en-US" sz="2000" b="1" dirty="0">
+                <a:solidFill>
+                  <a:schemeClr val="bg1"/>
+                </a:solidFill>
+              </a:rPr>
+              <a:t>명령어</a:t>
+            </a:r>
+            <a:endParaRPr lang="en-US" altLang="ko-KR" sz="2000" b="1" dirty="0">
+              <a:solidFill>
+                <a:schemeClr val="bg1"/>
+              </a:solidFill>
+            </a:endParaRPr>
+          </a:p>
+        </p:txBody>
+      </p:sp>
+    </p:spTree>
+    <p:extLst>
+      <p:ext uri="{BB962C8B-B14F-4D97-AF65-F5344CB8AC3E}">
+        <p14:creationId xmlns:p14="http://schemas.microsoft.com/office/powerpoint/2010/main" val="2813256696"/>
+      </p:ext>
+    </p:extLst>
+  </p:cSld>
+  <p:clrMapOvr>
+    <a:masterClrMapping/>
+  </p:clrMapOvr>
+</p:sld>
+</file>
+
 <file path=ppt/slides/slide2.xml><?xml version="1.0" encoding="utf-8"?>
 <p:sld xmlns:a="http://schemas.openxmlformats.org/drawingml/2006/main" xmlns:r="http://schemas.openxmlformats.org/officeDocument/2006/relationships" xmlns:p="http://schemas.openxmlformats.org/presentationml/2006/main">
   <p:cSld>
@@ -3466,6 +6208,50 @@
           <a:chExt cx="0" cy="0"/>
         </a:xfrm>
       </p:grpSpPr>
+      <p:cxnSp>
+        <p:nvCxnSpPr>
+          <p:cNvPr id="21" name="직선 화살표 연결선 20">
+            <a:extLst>
+              <a:ext uri="{FF2B5EF4-FFF2-40B4-BE49-F238E27FC236}">
+                <a16:creationId xmlns:a16="http://schemas.microsoft.com/office/drawing/2014/main" id="{4A0CA0FE-8F92-2E86-ECAB-75C0927331F1}"/>
+              </a:ext>
+            </a:extLst>
+          </p:cNvPr>
+          <p:cNvCxnSpPr>
+            <a:cxnSpLocks/>
+          </p:cNvCxnSpPr>
+          <p:nvPr/>
+        </p:nvCxnSpPr>
+        <p:spPr>
+          <a:xfrm flipH="1">
+            <a:off x="4663292" y="4427042"/>
+            <a:ext cx="1101600" cy="0"/>
+          </a:xfrm>
+          <a:prstGeom prst="straightConnector1">
+            <a:avLst/>
+          </a:prstGeom>
+          <a:ln w="53975">
+            <a:solidFill>
+              <a:schemeClr val="bg1"/>
+            </a:solidFill>
+            <a:tailEnd type="triangle"/>
+          </a:ln>
+        </p:spPr>
+        <p:style>
+          <a:lnRef idx="1">
+            <a:schemeClr val="accent1"/>
+          </a:lnRef>
+          <a:fillRef idx="0">
+            <a:schemeClr val="accent1"/>
+          </a:fillRef>
+          <a:effectRef idx="0">
+            <a:schemeClr val="accent1"/>
+          </a:effectRef>
+          <a:fontRef idx="minor">
+            <a:schemeClr val="tx1"/>
+          </a:fontRef>
+        </p:style>
+      </p:cxnSp>
       <p:sp>
         <p:nvSpPr>
           <p:cNvPr id="2" name="제목 1">
@@ -3484,22 +6270,28 @@
         </p:nvSpPr>
         <p:spPr/>
         <p:txBody>
-          <a:bodyPr/>
-          <a:lstStyle/>
-          <a:p>
-            <a:r>
-              <a:rPr lang="en-US" altLang="ko-KR" b="1">
-                <a:solidFill>
-                  <a:schemeClr val="bg1"/>
-                </a:solidFill>
-              </a:rPr>
-              <a:t>NAT</a:t>
-            </a:r>
-            <a:endParaRPr lang="ko-KR" altLang="en-US" b="1" dirty="0">
-              <a:solidFill>
-                <a:schemeClr val="bg1"/>
-              </a:solidFill>
-            </a:endParaRPr>
+          <a:bodyPr>
+            <a:normAutofit/>
+          </a:bodyPr>
+          <a:lstStyle/>
+          <a:p>
+            <a:pPr algn="ctr"/>
+            <a:r>
+              <a:rPr lang="en-US" altLang="ko-KR" sz="4000" b="1" dirty="0">
+                <a:solidFill>
+                  <a:schemeClr val="bg1"/>
+                </a:solidFill>
+              </a:rPr>
+              <a:t>IP </a:t>
+            </a:r>
+            <a:r>
+              <a:rPr lang="ko-KR" altLang="en-US" sz="4000" b="1" dirty="0">
+                <a:solidFill>
+                  <a:schemeClr val="bg1"/>
+                </a:solidFill>
+              </a:rPr>
+              <a:t>주소 고갈 문제</a:t>
+            </a:r>
           </a:p>
         </p:txBody>
       </p:sp>
@@ -3519,11 +6311,2606 @@
             <p:ph idx="1"/>
           </p:nvPr>
         </p:nvSpPr>
+        <p:spPr>
+          <a:xfrm>
+            <a:off x="838200" y="1825625"/>
+            <a:ext cx="10515600" cy="1428646"/>
+          </a:xfrm>
+        </p:spPr>
+        <p:txBody>
+          <a:bodyPr>
+            <a:normAutofit/>
+          </a:bodyPr>
+          <a:lstStyle/>
+          <a:p>
+            <a:pPr marL="0" indent="0">
+              <a:buNone/>
+            </a:pPr>
+            <a:r>
+              <a:rPr lang="ko-KR" altLang="en-US" sz="2000" b="1" dirty="0">
+                <a:solidFill>
+                  <a:schemeClr val="bg1"/>
+                </a:solidFill>
+              </a:rPr>
+              <a:t>현제 </a:t>
+            </a:r>
+            <a:r>
+              <a:rPr lang="en-US" altLang="ko-KR" sz="2000" b="1" dirty="0">
+                <a:solidFill>
+                  <a:schemeClr val="bg1"/>
+                </a:solidFill>
+              </a:rPr>
+              <a:t>21</a:t>
+            </a:r>
+            <a:r>
+              <a:rPr lang="ko-KR" altLang="en-US" sz="2000" b="1" dirty="0">
+                <a:solidFill>
+                  <a:schemeClr val="bg1"/>
+                </a:solidFill>
+              </a:rPr>
+              <a:t>세기에서 사용하는 </a:t>
+            </a:r>
+            <a:r>
+              <a:rPr lang="en-US" altLang="ko-KR" sz="2000" b="1" dirty="0">
+                <a:solidFill>
+                  <a:schemeClr val="bg1"/>
+                </a:solidFill>
+              </a:rPr>
+              <a:t>IP </a:t>
+            </a:r>
+            <a:r>
+              <a:rPr lang="ko-KR" altLang="en-US" sz="2000" b="1" dirty="0">
+                <a:solidFill>
+                  <a:schemeClr val="bg1"/>
+                </a:solidFill>
+              </a:rPr>
+              <a:t>주소의 버전은 </a:t>
+            </a:r>
+            <a:r>
+              <a:rPr lang="en-US" altLang="ko-KR" sz="2000" b="1" dirty="0">
+                <a:solidFill>
+                  <a:schemeClr val="bg1"/>
+                </a:solidFill>
+              </a:rPr>
+              <a:t>IPv4</a:t>
+            </a:r>
+            <a:r>
+              <a:rPr lang="ko-KR" altLang="en-US" sz="2000" b="1" dirty="0">
+                <a:solidFill>
+                  <a:schemeClr val="bg1"/>
+                </a:solidFill>
+              </a:rPr>
+              <a:t>이다</a:t>
+            </a:r>
+            <a:r>
+              <a:rPr lang="en-US" altLang="ko-KR" sz="2000" b="1" dirty="0">
+                <a:solidFill>
+                  <a:schemeClr val="bg1"/>
+                </a:solidFill>
+              </a:rPr>
+              <a:t>. IPv4 </a:t>
+            </a:r>
+            <a:r>
+              <a:rPr lang="ko-KR" altLang="en-US" sz="2000" b="1" dirty="0">
+                <a:solidFill>
+                  <a:schemeClr val="bg1"/>
+                </a:solidFill>
+              </a:rPr>
+              <a:t>체계의 </a:t>
+            </a:r>
+            <a:r>
+              <a:rPr lang="en-US" altLang="ko-KR" sz="2000" b="1" dirty="0">
+                <a:solidFill>
+                  <a:schemeClr val="bg1"/>
+                </a:solidFill>
+              </a:rPr>
+              <a:t>IP</a:t>
+            </a:r>
+            <a:r>
+              <a:rPr lang="ko-KR" altLang="en-US" sz="2000" b="1" dirty="0">
+                <a:solidFill>
+                  <a:schemeClr val="bg1"/>
+                </a:solidFill>
+              </a:rPr>
+              <a:t>주소의 크기는 </a:t>
+            </a:r>
+            <a:endParaRPr lang="en-US" altLang="ko-KR" sz="2000" b="1" dirty="0">
+              <a:solidFill>
+                <a:schemeClr val="bg1"/>
+              </a:solidFill>
+            </a:endParaRPr>
+          </a:p>
+          <a:p>
+            <a:pPr marL="0" indent="0">
+              <a:buNone/>
+            </a:pPr>
+            <a:r>
+              <a:rPr lang="en-US" altLang="ko-KR" sz="2000" b="1" dirty="0">
+                <a:solidFill>
+                  <a:schemeClr val="bg1"/>
+                </a:solidFill>
+              </a:rPr>
+              <a:t>2^32 </a:t>
+            </a:r>
+            <a:r>
+              <a:rPr lang="ko-KR" altLang="en-US" sz="2000" b="1" dirty="0">
+                <a:solidFill>
+                  <a:schemeClr val="bg1"/>
+                </a:solidFill>
+              </a:rPr>
+              <a:t>개이다</a:t>
+            </a:r>
+            <a:r>
+              <a:rPr lang="en-US" altLang="ko-KR" sz="2000" b="1" dirty="0">
+                <a:solidFill>
+                  <a:schemeClr val="bg1"/>
+                </a:solidFill>
+              </a:rPr>
+              <a:t>. </a:t>
+            </a:r>
+            <a:r>
+              <a:rPr lang="ko-KR" altLang="en-US" sz="2000" b="1" dirty="0">
+                <a:solidFill>
+                  <a:schemeClr val="bg1"/>
+                </a:solidFill>
+              </a:rPr>
+              <a:t>하지만 시대의 발전의 따라서 </a:t>
+            </a:r>
+            <a:r>
+              <a:rPr lang="en-US" altLang="ko-KR" sz="2000" b="1" dirty="0">
+                <a:solidFill>
+                  <a:schemeClr val="bg1"/>
+                </a:solidFill>
+              </a:rPr>
+              <a:t>2^32</a:t>
+            </a:r>
+            <a:r>
+              <a:rPr lang="ko-KR" altLang="en-US" sz="2000" b="1" dirty="0">
+                <a:solidFill>
+                  <a:schemeClr val="bg1"/>
+                </a:solidFill>
+              </a:rPr>
+              <a:t>개가 부족한 시대가 왔기 때문에 이를 </a:t>
+            </a:r>
+            <a:endParaRPr lang="en-US" altLang="ko-KR" sz="2000" b="1" dirty="0">
+              <a:solidFill>
+                <a:schemeClr val="bg1"/>
+              </a:solidFill>
+            </a:endParaRPr>
+          </a:p>
+          <a:p>
+            <a:pPr marL="0" indent="0">
+              <a:buNone/>
+            </a:pPr>
+            <a:r>
+              <a:rPr lang="ko-KR" altLang="en-US" sz="2000" b="1" dirty="0">
+                <a:solidFill>
+                  <a:schemeClr val="bg1"/>
+                </a:solidFill>
+              </a:rPr>
+              <a:t>대처하는 방안이 </a:t>
+            </a:r>
+            <a:r>
+              <a:rPr lang="en-US" altLang="ko-KR" sz="2000" b="1" dirty="0">
+                <a:solidFill>
+                  <a:schemeClr val="bg1"/>
+                </a:solidFill>
+              </a:rPr>
+              <a:t>2</a:t>
+            </a:r>
+            <a:r>
+              <a:rPr lang="ko-KR" altLang="en-US" sz="2000" b="1" dirty="0">
+                <a:solidFill>
+                  <a:schemeClr val="bg1"/>
+                </a:solidFill>
+              </a:rPr>
+              <a:t>가지가 있다</a:t>
+            </a:r>
+            <a:r>
+              <a:rPr lang="en-US" altLang="ko-KR" sz="2000" b="1" dirty="0">
+                <a:solidFill>
+                  <a:schemeClr val="bg1"/>
+                </a:solidFill>
+              </a:rPr>
+              <a:t>.</a:t>
+            </a:r>
+            <a:endParaRPr lang="ko-KR" altLang="en-US" sz="2000" b="1" dirty="0">
+              <a:solidFill>
+                <a:schemeClr val="bg1"/>
+              </a:solidFill>
+            </a:endParaRPr>
+          </a:p>
+        </p:txBody>
+      </p:sp>
+      <p:pic>
+        <p:nvPicPr>
+          <p:cNvPr id="5" name="그림 4">
+            <a:extLst>
+              <a:ext uri="{FF2B5EF4-FFF2-40B4-BE49-F238E27FC236}">
+                <a16:creationId xmlns:a16="http://schemas.microsoft.com/office/drawing/2014/main" id="{6733197A-1206-430F-3008-3CD49E7CC714}"/>
+              </a:ext>
+            </a:extLst>
+          </p:cNvPr>
+          <p:cNvPicPr>
+            <a:picLocks noChangeAspect="1"/>
+          </p:cNvPicPr>
+          <p:nvPr/>
+        </p:nvPicPr>
+        <p:blipFill>
+          <a:blip r:embed="rId2"/>
+          <a:stretch>
+            <a:fillRect/>
+          </a:stretch>
+        </p:blipFill>
+        <p:spPr>
+          <a:xfrm>
+            <a:off x="4379127" y="5021128"/>
+            <a:ext cx="5279097" cy="1183753"/>
+          </a:xfrm>
+          <a:prstGeom prst="rect">
+            <a:avLst/>
+          </a:prstGeom>
+        </p:spPr>
+      </p:pic>
+      <p:pic>
+        <p:nvPicPr>
+          <p:cNvPr id="9" name="그래픽 8" descr="구름 단색으로 채워진">
+            <a:extLst>
+              <a:ext uri="{FF2B5EF4-FFF2-40B4-BE49-F238E27FC236}">
+                <a16:creationId xmlns:a16="http://schemas.microsoft.com/office/drawing/2014/main" id="{7F9F78B4-C7F0-FF64-546F-0F36B71BBB07}"/>
+              </a:ext>
+            </a:extLst>
+          </p:cNvPr>
+          <p:cNvPicPr>
+            <a:picLocks noChangeAspect="1"/>
+          </p:cNvPicPr>
+          <p:nvPr/>
+        </p:nvPicPr>
+        <p:blipFill>
+          <a:blip r:embed="rId3">
+            <a:extLst>
+              <a:ext uri="{28A0092B-C50C-407E-A947-70E740481C1C}">
+                <a14:useLocalDpi xmlns:a14="http://schemas.microsoft.com/office/drawing/2010/main" val="0"/>
+              </a:ext>
+              <a:ext uri="{96DAC541-7B7A-43D3-8B79-37D633B846F1}">
+                <asvg:svgBlip xmlns:asvg="http://schemas.microsoft.com/office/drawing/2016/SVG/main" r:embed="rId4"/>
+              </a:ext>
+            </a:extLst>
+          </a:blip>
+          <a:stretch>
+            <a:fillRect/>
+          </a:stretch>
+        </p:blipFill>
+        <p:spPr>
+          <a:xfrm>
+            <a:off x="6044879" y="3135511"/>
+            <a:ext cx="1947594" cy="1947594"/>
+          </a:xfrm>
+          <a:prstGeom prst="rect">
+            <a:avLst/>
+          </a:prstGeom>
+        </p:spPr>
+      </p:pic>
+      <p:sp>
+        <p:nvSpPr>
+          <p:cNvPr id="10" name="제목 1">
+            <a:extLst>
+              <a:ext uri="{FF2B5EF4-FFF2-40B4-BE49-F238E27FC236}">
+                <a16:creationId xmlns:a16="http://schemas.microsoft.com/office/drawing/2014/main" id="{0FF0406B-2F36-AB20-5DFE-2FF7921F30D2}"/>
+              </a:ext>
+            </a:extLst>
+          </p:cNvPr>
+          <p:cNvSpPr txBox="1">
+            <a:spLocks/>
+          </p:cNvSpPr>
+          <p:nvPr/>
+        </p:nvSpPr>
+        <p:spPr>
+          <a:xfrm>
+            <a:off x="838200" y="3638781"/>
+            <a:ext cx="1744133" cy="1325563"/>
+          </a:xfrm>
+          <a:prstGeom prst="rect">
+            <a:avLst/>
+          </a:prstGeom>
+        </p:spPr>
+        <p:txBody>
+          <a:bodyPr vert="horz" lIns="91440" tIns="45720" rIns="91440" bIns="45720" rtlCol="0" anchor="ctr">
+            <a:normAutofit/>
+          </a:bodyPr>
+          <a:lstStyle>
+            <a:lvl1pPr algn="l" defTabSz="914400" rtl="0" eaLnBrk="1" latinLnBrk="1" hangingPunct="1">
+              <a:lnSpc>
+                <a:spcPct val="90000"/>
+              </a:lnSpc>
+              <a:spcBef>
+                <a:spcPct val="0"/>
+              </a:spcBef>
+              <a:buNone/>
+              <a:defRPr sz="4400" kern="1200">
+                <a:solidFill>
+                  <a:schemeClr val="tx1"/>
+                </a:solidFill>
+                <a:latin typeface="+mj-lt"/>
+                <a:ea typeface="+mj-ea"/>
+                <a:cs typeface="+mj-cs"/>
+              </a:defRPr>
+            </a:lvl1pPr>
+          </a:lstStyle>
+          <a:p>
+            <a:pPr algn="ctr"/>
+            <a:r>
+              <a:rPr lang="en-US" altLang="ko-KR" sz="4000" b="1" dirty="0">
+                <a:solidFill>
+                  <a:schemeClr val="bg1"/>
+                </a:solidFill>
+              </a:rPr>
+              <a:t>NAT</a:t>
+            </a:r>
+            <a:endParaRPr lang="ko-KR" altLang="en-US" sz="4000" b="1" dirty="0">
+              <a:solidFill>
+                <a:schemeClr val="bg1"/>
+              </a:solidFill>
+            </a:endParaRPr>
+          </a:p>
+        </p:txBody>
+      </p:sp>
+      <p:sp>
+        <p:nvSpPr>
+          <p:cNvPr id="11" name="제목 1">
+            <a:extLst>
+              <a:ext uri="{FF2B5EF4-FFF2-40B4-BE49-F238E27FC236}">
+                <a16:creationId xmlns:a16="http://schemas.microsoft.com/office/drawing/2014/main" id="{D7D1DC87-F1F6-D260-E577-AF8BD6137F04}"/>
+              </a:ext>
+            </a:extLst>
+          </p:cNvPr>
+          <p:cNvSpPr txBox="1">
+            <a:spLocks/>
+          </p:cNvSpPr>
+          <p:nvPr/>
+        </p:nvSpPr>
+        <p:spPr>
+          <a:xfrm>
+            <a:off x="838199" y="4964344"/>
+            <a:ext cx="1744133" cy="1325563"/>
+          </a:xfrm>
+          <a:prstGeom prst="rect">
+            <a:avLst/>
+          </a:prstGeom>
+        </p:spPr>
+        <p:txBody>
+          <a:bodyPr vert="horz" lIns="91440" tIns="45720" rIns="91440" bIns="45720" rtlCol="0" anchor="ctr">
+            <a:normAutofit/>
+          </a:bodyPr>
+          <a:lstStyle>
+            <a:lvl1pPr algn="l" defTabSz="914400" rtl="0" eaLnBrk="1" latinLnBrk="1" hangingPunct="1">
+              <a:lnSpc>
+                <a:spcPct val="90000"/>
+              </a:lnSpc>
+              <a:spcBef>
+                <a:spcPct val="0"/>
+              </a:spcBef>
+              <a:buNone/>
+              <a:defRPr sz="4400" kern="1200">
+                <a:solidFill>
+                  <a:schemeClr val="tx1"/>
+                </a:solidFill>
+                <a:latin typeface="+mj-lt"/>
+                <a:ea typeface="+mj-ea"/>
+                <a:cs typeface="+mj-cs"/>
+              </a:defRPr>
+            </a:lvl1pPr>
+          </a:lstStyle>
+          <a:p>
+            <a:pPr algn="ctr"/>
+            <a:r>
+              <a:rPr lang="en-US" altLang="ko-KR" sz="4000" b="1" dirty="0">
+                <a:solidFill>
+                  <a:schemeClr val="bg1"/>
+                </a:solidFill>
+              </a:rPr>
+              <a:t>IPv6</a:t>
+            </a:r>
+            <a:endParaRPr lang="ko-KR" altLang="en-US" sz="4000" b="1" dirty="0">
+              <a:solidFill>
+                <a:schemeClr val="bg1"/>
+              </a:solidFill>
+            </a:endParaRPr>
+          </a:p>
+        </p:txBody>
+      </p:sp>
+      <p:pic>
+        <p:nvPicPr>
+          <p:cNvPr id="13" name="그래픽 12" descr="컴퓨터 단색으로 채워진">
+            <a:extLst>
+              <a:ext uri="{FF2B5EF4-FFF2-40B4-BE49-F238E27FC236}">
+                <a16:creationId xmlns:a16="http://schemas.microsoft.com/office/drawing/2014/main" id="{87CE665A-B7DD-A099-2D8B-7F683D3E165D}"/>
+              </a:ext>
+            </a:extLst>
+          </p:cNvPr>
+          <p:cNvPicPr>
+            <a:picLocks noChangeAspect="1"/>
+          </p:cNvPicPr>
+          <p:nvPr/>
+        </p:nvPicPr>
+        <p:blipFill>
+          <a:blip r:embed="rId5">
+            <a:extLst>
+              <a:ext uri="{28A0092B-C50C-407E-A947-70E740481C1C}">
+                <a14:useLocalDpi xmlns:a14="http://schemas.microsoft.com/office/drawing/2010/main" val="0"/>
+              </a:ext>
+              <a:ext uri="{96DAC541-7B7A-43D3-8B79-37D633B846F1}">
+                <asvg:svgBlip xmlns:asvg="http://schemas.microsoft.com/office/drawing/2016/SVG/main" r:embed="rId6"/>
+              </a:ext>
+            </a:extLst>
+          </a:blip>
+          <a:stretch>
+            <a:fillRect/>
+          </a:stretch>
+        </p:blipFill>
+        <p:spPr>
+          <a:xfrm>
+            <a:off x="9586522" y="3542179"/>
+            <a:ext cx="1325779" cy="1325779"/>
+          </a:xfrm>
+          <a:prstGeom prst="rect">
+            <a:avLst/>
+          </a:prstGeom>
+        </p:spPr>
+      </p:pic>
+      <p:cxnSp>
+        <p:nvCxnSpPr>
+          <p:cNvPr id="15" name="직선 화살표 연결선 14">
+            <a:extLst>
+              <a:ext uri="{FF2B5EF4-FFF2-40B4-BE49-F238E27FC236}">
+                <a16:creationId xmlns:a16="http://schemas.microsoft.com/office/drawing/2014/main" id="{18EC7269-204D-9E3C-4601-C4F13E53265C}"/>
+              </a:ext>
+            </a:extLst>
+          </p:cNvPr>
+          <p:cNvCxnSpPr>
+            <a:cxnSpLocks/>
+          </p:cNvCxnSpPr>
+          <p:nvPr/>
+        </p:nvCxnSpPr>
+        <p:spPr>
+          <a:xfrm>
+            <a:off x="4732866" y="4205068"/>
+            <a:ext cx="1101600" cy="0"/>
+          </a:xfrm>
+          <a:prstGeom prst="straightConnector1">
+            <a:avLst/>
+          </a:prstGeom>
+          <a:ln w="53975">
+            <a:solidFill>
+              <a:schemeClr val="bg1"/>
+            </a:solidFill>
+            <a:tailEnd type="triangle"/>
+          </a:ln>
+        </p:spPr>
+        <p:style>
+          <a:lnRef idx="1">
+            <a:schemeClr val="accent1"/>
+          </a:lnRef>
+          <a:fillRef idx="0">
+            <a:schemeClr val="accent1"/>
+          </a:fillRef>
+          <a:effectRef idx="0">
+            <a:schemeClr val="accent1"/>
+          </a:effectRef>
+          <a:fontRef idx="minor">
+            <a:schemeClr val="tx1"/>
+          </a:fontRef>
+        </p:style>
+      </p:cxnSp>
+      <p:cxnSp>
+        <p:nvCxnSpPr>
+          <p:cNvPr id="22" name="직선 화살표 연결선 21">
+            <a:extLst>
+              <a:ext uri="{FF2B5EF4-FFF2-40B4-BE49-F238E27FC236}">
+                <a16:creationId xmlns:a16="http://schemas.microsoft.com/office/drawing/2014/main" id="{D0F80030-1A2D-2E5E-3CCF-1C993CFC34F6}"/>
+              </a:ext>
+            </a:extLst>
+          </p:cNvPr>
+          <p:cNvCxnSpPr>
+            <a:cxnSpLocks/>
+          </p:cNvCxnSpPr>
+          <p:nvPr/>
+        </p:nvCxnSpPr>
+        <p:spPr>
+          <a:xfrm>
+            <a:off x="8204935" y="4205068"/>
+            <a:ext cx="1101600" cy="0"/>
+          </a:xfrm>
+          <a:prstGeom prst="straightConnector1">
+            <a:avLst/>
+          </a:prstGeom>
+          <a:ln w="53975">
+            <a:solidFill>
+              <a:schemeClr val="bg1"/>
+            </a:solidFill>
+            <a:tailEnd type="triangle"/>
+          </a:ln>
+        </p:spPr>
+        <p:style>
+          <a:lnRef idx="1">
+            <a:schemeClr val="accent1"/>
+          </a:lnRef>
+          <a:fillRef idx="0">
+            <a:schemeClr val="accent1"/>
+          </a:fillRef>
+          <a:effectRef idx="0">
+            <a:schemeClr val="accent1"/>
+          </a:effectRef>
+          <a:fontRef idx="minor">
+            <a:schemeClr val="tx1"/>
+          </a:fontRef>
+        </p:style>
+      </p:cxnSp>
+      <p:cxnSp>
+        <p:nvCxnSpPr>
+          <p:cNvPr id="23" name="직선 화살표 연결선 22">
+            <a:extLst>
+              <a:ext uri="{FF2B5EF4-FFF2-40B4-BE49-F238E27FC236}">
+                <a16:creationId xmlns:a16="http://schemas.microsoft.com/office/drawing/2014/main" id="{EEEC64CE-410C-7E95-E840-86878673A1E0}"/>
+              </a:ext>
+            </a:extLst>
+          </p:cNvPr>
+          <p:cNvCxnSpPr>
+            <a:cxnSpLocks/>
+          </p:cNvCxnSpPr>
+          <p:nvPr/>
+        </p:nvCxnSpPr>
+        <p:spPr>
+          <a:xfrm flipH="1">
+            <a:off x="8204935" y="4427042"/>
+            <a:ext cx="1101600" cy="0"/>
+          </a:xfrm>
+          <a:prstGeom prst="straightConnector1">
+            <a:avLst/>
+          </a:prstGeom>
+          <a:ln w="53975">
+            <a:solidFill>
+              <a:schemeClr val="bg1"/>
+            </a:solidFill>
+            <a:tailEnd type="triangle"/>
+          </a:ln>
+        </p:spPr>
+        <p:style>
+          <a:lnRef idx="1">
+            <a:schemeClr val="accent1"/>
+          </a:lnRef>
+          <a:fillRef idx="0">
+            <a:schemeClr val="accent1"/>
+          </a:fillRef>
+          <a:effectRef idx="0">
+            <a:schemeClr val="accent1"/>
+          </a:effectRef>
+          <a:fontRef idx="minor">
+            <a:schemeClr val="tx1"/>
+          </a:fontRef>
+        </p:style>
+      </p:cxnSp>
+      <p:pic>
+        <p:nvPicPr>
+          <p:cNvPr id="24" name="그래픽 23" descr="컴퓨터 단색으로 채워진">
+            <a:extLst>
+              <a:ext uri="{FF2B5EF4-FFF2-40B4-BE49-F238E27FC236}">
+                <a16:creationId xmlns:a16="http://schemas.microsoft.com/office/drawing/2014/main" id="{0AEFB5D3-D370-D0FF-19F6-24DB2E2DAED6}"/>
+              </a:ext>
+            </a:extLst>
+          </p:cNvPr>
+          <p:cNvPicPr>
+            <a:picLocks noChangeAspect="1"/>
+          </p:cNvPicPr>
+          <p:nvPr/>
+        </p:nvPicPr>
+        <p:blipFill>
+          <a:blip r:embed="rId5">
+            <a:extLst>
+              <a:ext uri="{28A0092B-C50C-407E-A947-70E740481C1C}">
+                <a14:useLocalDpi xmlns:a14="http://schemas.microsoft.com/office/drawing/2010/main" val="0"/>
+              </a:ext>
+              <a:ext uri="{96DAC541-7B7A-43D3-8B79-37D633B846F1}">
+                <asvg:svgBlip xmlns:asvg="http://schemas.microsoft.com/office/drawing/2016/SVG/main" r:embed="rId6"/>
+              </a:ext>
+            </a:extLst>
+          </a:blip>
+          <a:stretch>
+            <a:fillRect/>
+          </a:stretch>
+        </p:blipFill>
+        <p:spPr>
+          <a:xfrm>
+            <a:off x="3127100" y="3542179"/>
+            <a:ext cx="1325779" cy="1325779"/>
+          </a:xfrm>
+          <a:prstGeom prst="rect">
+            <a:avLst/>
+          </a:prstGeom>
+        </p:spPr>
+      </p:pic>
+      <p:cxnSp>
+        <p:nvCxnSpPr>
+          <p:cNvPr id="26" name="직선 연결선 25">
+            <a:extLst>
+              <a:ext uri="{FF2B5EF4-FFF2-40B4-BE49-F238E27FC236}">
+                <a16:creationId xmlns:a16="http://schemas.microsoft.com/office/drawing/2014/main" id="{A314F875-B0D4-AD66-3FAD-674FFFF5C500}"/>
+              </a:ext>
+            </a:extLst>
+          </p:cNvPr>
+          <p:cNvCxnSpPr>
+            <a:cxnSpLocks/>
+          </p:cNvCxnSpPr>
+          <p:nvPr/>
+        </p:nvCxnSpPr>
+        <p:spPr>
+          <a:xfrm>
+            <a:off x="2683565" y="3684291"/>
+            <a:ext cx="0" cy="1062316"/>
+          </a:xfrm>
+          <a:prstGeom prst="line">
+            <a:avLst/>
+          </a:prstGeom>
+          <a:ln w="38100">
+            <a:solidFill>
+              <a:schemeClr val="bg1"/>
+            </a:solidFill>
+          </a:ln>
+        </p:spPr>
+        <p:style>
+          <a:lnRef idx="1">
+            <a:schemeClr val="accent1"/>
+          </a:lnRef>
+          <a:fillRef idx="0">
+            <a:schemeClr val="accent1"/>
+          </a:fillRef>
+          <a:effectRef idx="0">
+            <a:schemeClr val="accent1"/>
+          </a:effectRef>
+          <a:fontRef idx="minor">
+            <a:schemeClr val="tx1"/>
+          </a:fontRef>
+        </p:style>
+      </p:cxnSp>
+      <p:cxnSp>
+        <p:nvCxnSpPr>
+          <p:cNvPr id="29" name="직선 연결선 28">
+            <a:extLst>
+              <a:ext uri="{FF2B5EF4-FFF2-40B4-BE49-F238E27FC236}">
+                <a16:creationId xmlns:a16="http://schemas.microsoft.com/office/drawing/2014/main" id="{0EF14CFA-A5DA-826E-BB36-4E0A849998D5}"/>
+              </a:ext>
+            </a:extLst>
+          </p:cNvPr>
+          <p:cNvCxnSpPr>
+            <a:cxnSpLocks/>
+          </p:cNvCxnSpPr>
+          <p:nvPr/>
+        </p:nvCxnSpPr>
+        <p:spPr>
+          <a:xfrm>
+            <a:off x="2683565" y="5081846"/>
+            <a:ext cx="0" cy="1062316"/>
+          </a:xfrm>
+          <a:prstGeom prst="line">
+            <a:avLst/>
+          </a:prstGeom>
+          <a:ln w="38100">
+            <a:solidFill>
+              <a:schemeClr val="bg1"/>
+            </a:solidFill>
+          </a:ln>
+        </p:spPr>
+        <p:style>
+          <a:lnRef idx="1">
+            <a:schemeClr val="accent1"/>
+          </a:lnRef>
+          <a:fillRef idx="0">
+            <a:schemeClr val="accent1"/>
+          </a:fillRef>
+          <a:effectRef idx="0">
+            <a:schemeClr val="accent1"/>
+          </a:effectRef>
+          <a:fontRef idx="minor">
+            <a:schemeClr val="tx1"/>
+          </a:fontRef>
+        </p:style>
+      </p:cxnSp>
+      <p:sp>
+        <p:nvSpPr>
+          <p:cNvPr id="30" name="TextBox 29">
+            <a:extLst>
+              <a:ext uri="{FF2B5EF4-FFF2-40B4-BE49-F238E27FC236}">
+                <a16:creationId xmlns:a16="http://schemas.microsoft.com/office/drawing/2014/main" id="{3D8B978B-7437-8D91-A6D6-CE5473E11A3F}"/>
+              </a:ext>
+            </a:extLst>
+          </p:cNvPr>
+          <p:cNvSpPr txBox="1"/>
+          <p:nvPr/>
+        </p:nvSpPr>
+        <p:spPr>
+          <a:xfrm>
+            <a:off x="5090871" y="3691641"/>
+            <a:ext cx="397565" cy="369332"/>
+          </a:xfrm>
+          <a:prstGeom prst="rect">
+            <a:avLst/>
+          </a:prstGeom>
+          <a:noFill/>
+        </p:spPr>
+        <p:txBody>
+          <a:bodyPr wrap="square" rtlCol="0">
+            <a:spAutoFit/>
+          </a:bodyPr>
+          <a:lstStyle/>
+          <a:p>
+            <a:r>
+              <a:rPr lang="en-US" altLang="ko-KR" b="1" dirty="0">
+                <a:solidFill>
+                  <a:schemeClr val="bg1"/>
+                </a:solidFill>
+              </a:rPr>
+              <a:t>IP</a:t>
+            </a:r>
+            <a:endParaRPr lang="ko-KR" altLang="en-US" b="1" dirty="0">
+              <a:solidFill>
+                <a:schemeClr val="bg1"/>
+              </a:solidFill>
+            </a:endParaRPr>
+          </a:p>
+        </p:txBody>
+      </p:sp>
+      <p:sp>
+        <p:nvSpPr>
+          <p:cNvPr id="31" name="TextBox 30">
+            <a:extLst>
+              <a:ext uri="{FF2B5EF4-FFF2-40B4-BE49-F238E27FC236}">
+                <a16:creationId xmlns:a16="http://schemas.microsoft.com/office/drawing/2014/main" id="{A89759EF-E1EC-20CA-FB5E-601101F65615}"/>
+              </a:ext>
+            </a:extLst>
+          </p:cNvPr>
+          <p:cNvSpPr txBox="1"/>
+          <p:nvPr/>
+        </p:nvSpPr>
+        <p:spPr>
+          <a:xfrm>
+            <a:off x="8556952" y="3695455"/>
+            <a:ext cx="397565" cy="369332"/>
+          </a:xfrm>
+          <a:prstGeom prst="rect">
+            <a:avLst/>
+          </a:prstGeom>
+          <a:noFill/>
+        </p:spPr>
+        <p:txBody>
+          <a:bodyPr wrap="square" rtlCol="0">
+            <a:spAutoFit/>
+          </a:bodyPr>
+          <a:lstStyle/>
+          <a:p>
+            <a:r>
+              <a:rPr lang="en-US" altLang="ko-KR" b="1" dirty="0">
+                <a:solidFill>
+                  <a:schemeClr val="bg1"/>
+                </a:solidFill>
+              </a:rPr>
+              <a:t>IP</a:t>
+            </a:r>
+            <a:endParaRPr lang="ko-KR" altLang="en-US" b="1" dirty="0">
+              <a:solidFill>
+                <a:schemeClr val="bg1"/>
+              </a:solidFill>
+            </a:endParaRPr>
+          </a:p>
+        </p:txBody>
+      </p:sp>
+    </p:spTree>
+    <p:extLst>
+      <p:ext uri="{BB962C8B-B14F-4D97-AF65-F5344CB8AC3E}">
+        <p14:creationId xmlns:p14="http://schemas.microsoft.com/office/powerpoint/2010/main" val="2688570953"/>
+      </p:ext>
+    </p:extLst>
+  </p:cSld>
+  <p:clrMapOvr>
+    <a:masterClrMapping/>
+  </p:clrMapOvr>
+</p:sld>
+</file>
+
+<file path=ppt/slides/slide3.xml><?xml version="1.0" encoding="utf-8"?>
+<p:sld xmlns:a="http://schemas.openxmlformats.org/drawingml/2006/main" xmlns:r="http://schemas.openxmlformats.org/officeDocument/2006/relationships" xmlns:p="http://schemas.openxmlformats.org/presentationml/2006/main">
+  <p:cSld>
+    <p:bg>
+      <p:bgPr>
+        <a:solidFill>
+          <a:schemeClr val="tx1"/>
+        </a:solidFill>
+        <a:effectLst/>
+      </p:bgPr>
+    </p:bg>
+    <p:spTree>
+      <p:nvGrpSpPr>
+        <p:cNvPr id="1" name=""/>
+        <p:cNvGrpSpPr/>
+        <p:nvPr/>
+      </p:nvGrpSpPr>
+      <p:grpSpPr>
+        <a:xfrm>
+          <a:off x="0" y="0"/>
+          <a:ext cx="0" cy="0"/>
+          <a:chOff x="0" y="0"/>
+          <a:chExt cx="0" cy="0"/>
+        </a:xfrm>
+      </p:grpSpPr>
+      <p:sp>
+        <p:nvSpPr>
+          <p:cNvPr id="2" name="제목 1">
+            <a:extLst>
+              <a:ext uri="{FF2B5EF4-FFF2-40B4-BE49-F238E27FC236}">
+                <a16:creationId xmlns:a16="http://schemas.microsoft.com/office/drawing/2014/main" id="{993AA972-8F70-42DA-61C6-C82D61F031EA}"/>
+              </a:ext>
+            </a:extLst>
+          </p:cNvPr>
+          <p:cNvSpPr>
+            <a:spLocks noGrp="1"/>
+          </p:cNvSpPr>
+          <p:nvPr>
+            <p:ph type="title"/>
+          </p:nvPr>
+        </p:nvSpPr>
         <p:spPr/>
         <p:txBody>
-          <a:bodyPr/>
-          <a:lstStyle/>
-          <a:p>
+          <a:bodyPr>
+            <a:normAutofit/>
+          </a:bodyPr>
+          <a:lstStyle/>
+          <a:p>
+            <a:pPr algn="ctr"/>
+            <a:r>
+              <a:rPr lang="en-US" altLang="ko-KR" sz="4000" b="1" dirty="0">
+                <a:solidFill>
+                  <a:schemeClr val="bg1"/>
+                </a:solidFill>
+              </a:rPr>
+              <a:t>Public IP , Private IP </a:t>
+            </a:r>
+            <a:endParaRPr lang="ko-KR" altLang="en-US" sz="4000" b="1" dirty="0">
+              <a:solidFill>
+                <a:schemeClr val="bg1"/>
+              </a:solidFill>
+            </a:endParaRPr>
+          </a:p>
+        </p:txBody>
+      </p:sp>
+      <p:sp>
+        <p:nvSpPr>
+          <p:cNvPr id="3" name="내용 개체 틀 2">
+            <a:extLst>
+              <a:ext uri="{FF2B5EF4-FFF2-40B4-BE49-F238E27FC236}">
+                <a16:creationId xmlns:a16="http://schemas.microsoft.com/office/drawing/2014/main" id="{87A0DF69-10B8-0D20-D0FD-6D1E744CF1E4}"/>
+              </a:ext>
+            </a:extLst>
+          </p:cNvPr>
+          <p:cNvSpPr>
+            <a:spLocks noGrp="1"/>
+          </p:cNvSpPr>
+          <p:nvPr>
+            <p:ph idx="1"/>
+          </p:nvPr>
+        </p:nvSpPr>
+        <p:spPr>
+          <a:xfrm>
+            <a:off x="838200" y="1825624"/>
+            <a:ext cx="10515600" cy="4187550"/>
+          </a:xfrm>
+        </p:spPr>
+        <p:txBody>
+          <a:bodyPr>
+            <a:normAutofit/>
+          </a:bodyPr>
+          <a:lstStyle/>
+          <a:p>
+            <a:pPr marL="0" indent="0">
+              <a:buNone/>
+            </a:pPr>
+            <a:r>
+              <a:rPr lang="en-US" altLang="ko-KR" sz="2000" b="1" dirty="0">
+                <a:solidFill>
+                  <a:schemeClr val="bg1"/>
+                </a:solidFill>
+              </a:rPr>
+              <a:t>Public IP(</a:t>
+            </a:r>
+            <a:r>
+              <a:rPr lang="ko-KR" altLang="en-US" sz="2000" b="1" dirty="0">
+                <a:solidFill>
+                  <a:schemeClr val="bg1"/>
+                </a:solidFill>
+              </a:rPr>
+              <a:t>공인 </a:t>
+            </a:r>
+            <a:r>
+              <a:rPr lang="en-US" altLang="ko-KR" sz="2000" b="1" dirty="0">
+                <a:solidFill>
+                  <a:schemeClr val="bg1"/>
+                </a:solidFill>
+              </a:rPr>
+              <a:t>IP) : </a:t>
+            </a:r>
+            <a:r>
+              <a:rPr lang="ko-KR" altLang="en-US" sz="2000" b="1" dirty="0">
+                <a:solidFill>
+                  <a:schemeClr val="bg1"/>
+                </a:solidFill>
+              </a:rPr>
+              <a:t>인터넷 사용자의 로컬 네트워크를 식별하기 위해 사용하는 </a:t>
+            </a:r>
+            <a:r>
+              <a:rPr lang="en-US" altLang="ko-KR" sz="2000" b="1" dirty="0">
+                <a:solidFill>
+                  <a:schemeClr val="bg1"/>
+                </a:solidFill>
+              </a:rPr>
+              <a:t>IP</a:t>
+            </a:r>
+            <a:r>
+              <a:rPr lang="ko-KR" altLang="en-US" sz="2000" b="1" dirty="0">
+                <a:solidFill>
+                  <a:schemeClr val="bg1"/>
+                </a:solidFill>
+              </a:rPr>
+              <a:t>주소로 </a:t>
+            </a:r>
+            <a:endParaRPr lang="en-US" altLang="ko-KR" sz="2000" b="1" dirty="0">
+              <a:solidFill>
+                <a:schemeClr val="bg1"/>
+              </a:solidFill>
+            </a:endParaRPr>
+          </a:p>
+          <a:p>
+            <a:pPr marL="0" indent="0">
+              <a:buNone/>
+            </a:pPr>
+            <a:r>
+              <a:rPr lang="ko-KR" altLang="en-US" sz="2000" b="1" dirty="0">
+                <a:solidFill>
+                  <a:schemeClr val="bg1"/>
+                </a:solidFill>
+              </a:rPr>
+              <a:t>국가 기관 단위에서 제공하는</a:t>
+            </a:r>
+            <a:r>
+              <a:rPr lang="en-US" altLang="ko-KR" sz="2000" b="1" dirty="0">
+                <a:solidFill>
+                  <a:schemeClr val="bg1"/>
+                </a:solidFill>
+              </a:rPr>
+              <a:t> IP</a:t>
+            </a:r>
+            <a:r>
+              <a:rPr lang="ko-KR" altLang="en-US" sz="2000" b="1" dirty="0">
+                <a:solidFill>
+                  <a:schemeClr val="bg1"/>
+                </a:solidFill>
+              </a:rPr>
+              <a:t>이다</a:t>
+            </a:r>
+            <a:r>
+              <a:rPr lang="en-US" altLang="ko-KR" sz="2000" b="1" dirty="0">
+                <a:solidFill>
+                  <a:schemeClr val="bg1"/>
+                </a:solidFill>
+              </a:rPr>
+              <a:t>.(</a:t>
+            </a:r>
+            <a:r>
+              <a:rPr lang="ko-KR" altLang="en-US" sz="2000" b="1" dirty="0">
+                <a:solidFill>
+                  <a:schemeClr val="bg1"/>
+                </a:solidFill>
+              </a:rPr>
+              <a:t>이 </a:t>
+            </a:r>
+            <a:r>
+              <a:rPr lang="en-US" altLang="ko-KR" sz="2000" b="1" dirty="0">
+                <a:solidFill>
+                  <a:schemeClr val="bg1"/>
+                </a:solidFill>
+              </a:rPr>
+              <a:t>Public</a:t>
+            </a:r>
+            <a:r>
+              <a:rPr lang="ko-KR" altLang="en-US" sz="2000" b="1" dirty="0">
+                <a:solidFill>
+                  <a:schemeClr val="bg1"/>
+                </a:solidFill>
+              </a:rPr>
+              <a:t> </a:t>
+            </a:r>
+            <a:r>
+              <a:rPr lang="en-US" altLang="ko-KR" sz="2000" b="1" dirty="0">
+                <a:solidFill>
+                  <a:schemeClr val="bg1"/>
+                </a:solidFill>
+              </a:rPr>
+              <a:t>IP</a:t>
+            </a:r>
+            <a:r>
+              <a:rPr lang="ko-KR" altLang="en-US" sz="2000" b="1" dirty="0">
+                <a:solidFill>
+                  <a:schemeClr val="bg1"/>
+                </a:solidFill>
+              </a:rPr>
+              <a:t>주소는 사용 할 수가 없다</a:t>
+            </a:r>
+            <a:r>
+              <a:rPr lang="en-US" altLang="ko-KR" sz="2000" b="1" dirty="0">
+                <a:solidFill>
+                  <a:schemeClr val="bg1"/>
+                </a:solidFill>
+              </a:rPr>
+              <a:t>.)</a:t>
+            </a:r>
+          </a:p>
+          <a:p>
+            <a:pPr marL="0" indent="0">
+              <a:buNone/>
+            </a:pPr>
+            <a:endParaRPr lang="en-US" altLang="ko-KR" sz="2000" b="1" dirty="0">
+              <a:solidFill>
+                <a:schemeClr val="bg1"/>
+              </a:solidFill>
+            </a:endParaRPr>
+          </a:p>
+          <a:p>
+            <a:pPr marL="0" indent="0">
+              <a:buNone/>
+            </a:pPr>
+            <a:r>
+              <a:rPr lang="en-US" altLang="ko-KR" sz="2000" b="1" dirty="0">
+                <a:solidFill>
+                  <a:schemeClr val="bg1"/>
+                </a:solidFill>
+              </a:rPr>
+              <a:t>Private IP(</a:t>
+            </a:r>
+            <a:r>
+              <a:rPr lang="ko-KR" altLang="en-US" sz="2000" b="1" dirty="0">
+                <a:solidFill>
+                  <a:schemeClr val="bg1"/>
+                </a:solidFill>
+              </a:rPr>
+              <a:t>사설 </a:t>
+            </a:r>
+            <a:r>
+              <a:rPr lang="en-US" altLang="ko-KR" sz="2000" b="1" dirty="0">
+                <a:solidFill>
+                  <a:schemeClr val="bg1"/>
+                </a:solidFill>
+              </a:rPr>
+              <a:t>IP) : </a:t>
+            </a:r>
+            <a:r>
+              <a:rPr lang="ko-KR" altLang="en-US" sz="2000" b="1" dirty="0">
+                <a:solidFill>
+                  <a:schemeClr val="bg1"/>
+                </a:solidFill>
+              </a:rPr>
+              <a:t>일반 가정이나 회사 내부에서 사용하는 </a:t>
+            </a:r>
+            <a:r>
+              <a:rPr lang="en-US" altLang="ko-KR" sz="2000" b="1" dirty="0">
+                <a:solidFill>
+                  <a:schemeClr val="bg1"/>
+                </a:solidFill>
+              </a:rPr>
+              <a:t>IP </a:t>
+            </a:r>
+            <a:r>
+              <a:rPr lang="ko-KR" altLang="en-US" sz="2000" b="1" dirty="0">
+                <a:solidFill>
+                  <a:schemeClr val="bg1"/>
+                </a:solidFill>
+              </a:rPr>
+              <a:t>주소이다</a:t>
+            </a:r>
+            <a:r>
+              <a:rPr lang="en-US" altLang="ko-KR" sz="2000" b="1" dirty="0">
+                <a:solidFill>
+                  <a:schemeClr val="bg1"/>
+                </a:solidFill>
+              </a:rPr>
+              <a:t>. </a:t>
+            </a:r>
+          </a:p>
+          <a:p>
+            <a:pPr marL="0" indent="0">
+              <a:buNone/>
+            </a:pPr>
+            <a:r>
+              <a:rPr lang="ko-KR" altLang="en-US" sz="2000" b="1" dirty="0">
+                <a:solidFill>
+                  <a:schemeClr val="bg1"/>
+                </a:solidFill>
+              </a:rPr>
+              <a:t>사설 </a:t>
+            </a:r>
+            <a:r>
+              <a:rPr lang="en-US" altLang="ko-KR" sz="2000" b="1" dirty="0">
+                <a:solidFill>
+                  <a:schemeClr val="bg1"/>
+                </a:solidFill>
+              </a:rPr>
+              <a:t>IP </a:t>
+            </a:r>
+            <a:r>
+              <a:rPr lang="ko-KR" altLang="en-US" sz="2000" b="1" dirty="0">
+                <a:solidFill>
+                  <a:schemeClr val="bg1"/>
+                </a:solidFill>
+              </a:rPr>
+              <a:t>대역 </a:t>
+            </a:r>
+            <a:endParaRPr lang="en-US" altLang="ko-KR" sz="2000" b="1" dirty="0">
+              <a:solidFill>
+                <a:schemeClr val="bg1"/>
+              </a:solidFill>
+            </a:endParaRPr>
+          </a:p>
+          <a:p>
+            <a:r>
+              <a:rPr lang="en-US" altLang="ko-KR" sz="2000" b="1" dirty="0">
+                <a:solidFill>
+                  <a:schemeClr val="bg1"/>
+                </a:solidFill>
+              </a:rPr>
+              <a:t>CLASS A : 10.0.0.0 ~ 10.255.255.255</a:t>
+            </a:r>
+          </a:p>
+          <a:p>
+            <a:r>
+              <a:rPr lang="en-US" altLang="ko-KR" sz="2000" b="1" dirty="0">
+                <a:solidFill>
+                  <a:schemeClr val="bg1"/>
+                </a:solidFill>
+              </a:rPr>
+              <a:t>CLASS B : 172.16.0.0 ~ 192.168.0.0</a:t>
+            </a:r>
+          </a:p>
+          <a:p>
+            <a:r>
+              <a:rPr lang="en-US" altLang="ko-KR" sz="2000" b="1" dirty="0">
+                <a:solidFill>
+                  <a:schemeClr val="bg1"/>
+                </a:solidFill>
+              </a:rPr>
+              <a:t>CLASS C : 192.168.0.0 ~ 192.168.255.255</a:t>
+            </a:r>
+          </a:p>
+          <a:p>
+            <a:pPr marL="0" indent="0">
+              <a:buNone/>
+            </a:pPr>
+            <a:endParaRPr lang="en-US" altLang="ko-KR" sz="2000" b="1" dirty="0">
+              <a:solidFill>
+                <a:schemeClr val="bg1"/>
+              </a:solidFill>
+            </a:endParaRPr>
+          </a:p>
+          <a:p>
+            <a:pPr marL="0" indent="0">
+              <a:buNone/>
+            </a:pPr>
+            <a:endParaRPr lang="en-US" altLang="ko-KR" sz="2000" b="1" dirty="0">
+              <a:solidFill>
+                <a:schemeClr val="bg1"/>
+              </a:solidFill>
+            </a:endParaRPr>
+          </a:p>
+          <a:p>
+            <a:endParaRPr lang="en-US" altLang="ko-KR" sz="2000" b="1" dirty="0">
+              <a:solidFill>
+                <a:schemeClr val="bg1"/>
+              </a:solidFill>
+            </a:endParaRPr>
+          </a:p>
+          <a:p>
+            <a:endParaRPr lang="en-US" altLang="ko-KR" sz="2000" b="1" dirty="0">
+              <a:solidFill>
+                <a:schemeClr val="bg1"/>
+              </a:solidFill>
+            </a:endParaRPr>
+          </a:p>
+          <a:p>
+            <a:pPr marL="0" indent="0">
+              <a:buNone/>
+            </a:pPr>
+            <a:endParaRPr lang="en-US" altLang="ko-KR" sz="2000" b="1" dirty="0">
+              <a:solidFill>
+                <a:schemeClr val="bg1"/>
+              </a:solidFill>
+            </a:endParaRPr>
+          </a:p>
+          <a:p>
+            <a:pPr marL="0" indent="0">
+              <a:buNone/>
+            </a:pPr>
+            <a:endParaRPr lang="ko-KR" altLang="en-US" sz="2000" b="1" dirty="0">
+              <a:solidFill>
+                <a:schemeClr val="bg1"/>
+              </a:solidFill>
+            </a:endParaRPr>
+          </a:p>
+          <a:p>
+            <a:pPr marL="0" indent="0">
+              <a:buNone/>
+            </a:pPr>
+            <a:endParaRPr lang="ko-KR" altLang="en-US" sz="2000" b="1" dirty="0">
+              <a:solidFill>
+                <a:schemeClr val="bg1"/>
+              </a:solidFill>
+            </a:endParaRPr>
+          </a:p>
+        </p:txBody>
+      </p:sp>
+    </p:spTree>
+    <p:extLst>
+      <p:ext uri="{BB962C8B-B14F-4D97-AF65-F5344CB8AC3E}">
+        <p14:creationId xmlns:p14="http://schemas.microsoft.com/office/powerpoint/2010/main" val="360461740"/>
+      </p:ext>
+    </p:extLst>
+  </p:cSld>
+  <p:clrMapOvr>
+    <a:masterClrMapping/>
+  </p:clrMapOvr>
+</p:sld>
+</file>
+
+<file path=ppt/slides/slide4.xml><?xml version="1.0" encoding="utf-8"?>
+<p:sld xmlns:a="http://schemas.openxmlformats.org/drawingml/2006/main" xmlns:r="http://schemas.openxmlformats.org/officeDocument/2006/relationships" xmlns:p="http://schemas.openxmlformats.org/presentationml/2006/main">
+  <p:cSld>
+    <p:bg>
+      <p:bgPr>
+        <a:solidFill>
+          <a:schemeClr val="tx1"/>
+        </a:solidFill>
+        <a:effectLst/>
+      </p:bgPr>
+    </p:bg>
+    <p:spTree>
+      <p:nvGrpSpPr>
+        <p:cNvPr id="1" name=""/>
+        <p:cNvGrpSpPr/>
+        <p:nvPr/>
+      </p:nvGrpSpPr>
+      <p:grpSpPr>
+        <a:xfrm>
+          <a:off x="0" y="0"/>
+          <a:ext cx="0" cy="0"/>
+          <a:chOff x="0" y="0"/>
+          <a:chExt cx="0" cy="0"/>
+        </a:xfrm>
+      </p:grpSpPr>
+      <p:sp>
+        <p:nvSpPr>
+          <p:cNvPr id="2" name="제목 1">
+            <a:extLst>
+              <a:ext uri="{FF2B5EF4-FFF2-40B4-BE49-F238E27FC236}">
+                <a16:creationId xmlns:a16="http://schemas.microsoft.com/office/drawing/2014/main" id="{993AA972-8F70-42DA-61C6-C82D61F031EA}"/>
+              </a:ext>
+            </a:extLst>
+          </p:cNvPr>
+          <p:cNvSpPr>
+            <a:spLocks noGrp="1"/>
+          </p:cNvSpPr>
+          <p:nvPr>
+            <p:ph type="title"/>
+          </p:nvPr>
+        </p:nvSpPr>
+        <p:spPr/>
+        <p:txBody>
+          <a:bodyPr>
+            <a:normAutofit/>
+          </a:bodyPr>
+          <a:lstStyle/>
+          <a:p>
+            <a:pPr algn="ctr"/>
+            <a:r>
+              <a:rPr lang="en-US" altLang="ko-KR" sz="4000" b="1" dirty="0">
+                <a:solidFill>
+                  <a:schemeClr val="bg1"/>
+                </a:solidFill>
+              </a:rPr>
+              <a:t>Public IP , Private IP </a:t>
+            </a:r>
+            <a:endParaRPr lang="ko-KR" altLang="en-US" sz="4000" b="1" dirty="0">
+              <a:solidFill>
+                <a:schemeClr val="bg1"/>
+              </a:solidFill>
+            </a:endParaRPr>
+          </a:p>
+        </p:txBody>
+      </p:sp>
+      <p:pic>
+        <p:nvPicPr>
+          <p:cNvPr id="15" name="내용 개체 틀 14" descr="건물 단색으로 채워진">
+            <a:extLst>
+              <a:ext uri="{FF2B5EF4-FFF2-40B4-BE49-F238E27FC236}">
+                <a16:creationId xmlns:a16="http://schemas.microsoft.com/office/drawing/2014/main" id="{2D5F9C12-9783-B9E0-AB81-C5A3796E4DC8}"/>
+              </a:ext>
+            </a:extLst>
+          </p:cNvPr>
+          <p:cNvPicPr>
+            <a:picLocks noGrp="1" noChangeAspect="1"/>
+          </p:cNvPicPr>
+          <p:nvPr>
+            <p:ph idx="1"/>
+          </p:nvPr>
+        </p:nvPicPr>
+        <p:blipFill>
+          <a:blip r:embed="rId2">
+            <a:extLst>
+              <a:ext uri="{28A0092B-C50C-407E-A947-70E740481C1C}">
+                <a14:useLocalDpi xmlns:a14="http://schemas.microsoft.com/office/drawing/2010/main" val="0"/>
+              </a:ext>
+              <a:ext uri="{96DAC541-7B7A-43D3-8B79-37D633B846F1}">
+                <asvg:svgBlip xmlns:asvg="http://schemas.microsoft.com/office/drawing/2016/SVG/main" r:embed="rId3"/>
+              </a:ext>
+            </a:extLst>
+          </a:blip>
+          <a:stretch>
+            <a:fillRect/>
+          </a:stretch>
+        </p:blipFill>
+        <p:spPr>
+          <a:xfrm>
+            <a:off x="10182833" y="2828001"/>
+            <a:ext cx="1553361" cy="1553361"/>
+          </a:xfrm>
+        </p:spPr>
+      </p:pic>
+      <p:sp>
+        <p:nvSpPr>
+          <p:cNvPr id="16" name="TextBox 15">
+            <a:extLst>
+              <a:ext uri="{FF2B5EF4-FFF2-40B4-BE49-F238E27FC236}">
+                <a16:creationId xmlns:a16="http://schemas.microsoft.com/office/drawing/2014/main" id="{5B80D66A-1778-041A-F20F-965DE3D9478A}"/>
+              </a:ext>
+            </a:extLst>
+          </p:cNvPr>
+          <p:cNvSpPr txBox="1"/>
+          <p:nvPr/>
+        </p:nvSpPr>
+        <p:spPr>
+          <a:xfrm>
+            <a:off x="10072617" y="4339413"/>
+            <a:ext cx="1808529" cy="369332"/>
+          </a:xfrm>
+          <a:prstGeom prst="rect">
+            <a:avLst/>
+          </a:prstGeom>
+          <a:noFill/>
+        </p:spPr>
+        <p:txBody>
+          <a:bodyPr wrap="square" rtlCol="0">
+            <a:spAutoFit/>
+          </a:bodyPr>
+          <a:lstStyle/>
+          <a:p>
+            <a:r>
+              <a:rPr lang="en-US" altLang="ko-KR" b="1" dirty="0">
+                <a:solidFill>
+                  <a:schemeClr val="bg1"/>
+                </a:solidFill>
+              </a:rPr>
+              <a:t>LG</a:t>
+            </a:r>
+            <a:r>
+              <a:rPr lang="ko-KR" altLang="en-US" b="1" dirty="0">
+                <a:solidFill>
+                  <a:schemeClr val="bg1"/>
+                </a:solidFill>
+              </a:rPr>
+              <a:t> </a:t>
+            </a:r>
+            <a:r>
+              <a:rPr lang="en-US" altLang="ko-KR" b="1" dirty="0">
+                <a:solidFill>
+                  <a:schemeClr val="bg1"/>
+                </a:solidFill>
+              </a:rPr>
+              <a:t>,</a:t>
+            </a:r>
+            <a:r>
+              <a:rPr lang="ko-KR" altLang="en-US" b="1" dirty="0">
+                <a:solidFill>
+                  <a:schemeClr val="bg1"/>
+                </a:solidFill>
+              </a:rPr>
+              <a:t> </a:t>
+            </a:r>
+            <a:r>
+              <a:rPr lang="en-US" altLang="ko-KR" b="1" dirty="0">
+                <a:solidFill>
+                  <a:schemeClr val="bg1"/>
+                </a:solidFill>
+              </a:rPr>
+              <a:t>KT</a:t>
+            </a:r>
+            <a:r>
+              <a:rPr lang="ko-KR" altLang="en-US" b="1" dirty="0">
+                <a:solidFill>
+                  <a:schemeClr val="bg1"/>
+                </a:solidFill>
+              </a:rPr>
+              <a:t> </a:t>
+            </a:r>
+            <a:r>
+              <a:rPr lang="en-US" altLang="ko-KR" b="1" dirty="0">
+                <a:solidFill>
+                  <a:schemeClr val="bg1"/>
+                </a:solidFill>
+              </a:rPr>
+              <a:t>,</a:t>
+            </a:r>
+            <a:r>
+              <a:rPr lang="ko-KR" altLang="en-US" b="1" dirty="0">
+                <a:solidFill>
+                  <a:schemeClr val="bg1"/>
+                </a:solidFill>
+              </a:rPr>
+              <a:t> </a:t>
+            </a:r>
+            <a:r>
+              <a:rPr lang="en-US" altLang="ko-KR" b="1" dirty="0">
+                <a:solidFill>
+                  <a:schemeClr val="bg1"/>
+                </a:solidFill>
+              </a:rPr>
+              <a:t>SKT…</a:t>
+            </a:r>
+            <a:endParaRPr lang="ko-KR" altLang="en-US" b="1" dirty="0">
+              <a:solidFill>
+                <a:schemeClr val="bg1"/>
+              </a:solidFill>
+            </a:endParaRPr>
+          </a:p>
+        </p:txBody>
+      </p:sp>
+      <p:pic>
+        <p:nvPicPr>
+          <p:cNvPr id="20" name="그래픽 19" descr="구름 윤곽선">
+            <a:extLst>
+              <a:ext uri="{FF2B5EF4-FFF2-40B4-BE49-F238E27FC236}">
+                <a16:creationId xmlns:a16="http://schemas.microsoft.com/office/drawing/2014/main" id="{E10291BE-4010-312B-2376-4D73DA059CBE}"/>
+              </a:ext>
+            </a:extLst>
+          </p:cNvPr>
+          <p:cNvPicPr>
+            <a:picLocks noChangeAspect="1"/>
+          </p:cNvPicPr>
+          <p:nvPr/>
+        </p:nvPicPr>
+        <p:blipFill>
+          <a:blip r:embed="rId4">
+            <a:extLst>
+              <a:ext uri="{28A0092B-C50C-407E-A947-70E740481C1C}">
+                <a14:useLocalDpi xmlns:a14="http://schemas.microsoft.com/office/drawing/2010/main" val="0"/>
+              </a:ext>
+              <a:ext uri="{96DAC541-7B7A-43D3-8B79-37D633B846F1}">
+                <asvg:svgBlip xmlns:asvg="http://schemas.microsoft.com/office/drawing/2016/SVG/main" r:embed="rId5"/>
+              </a:ext>
+            </a:extLst>
+          </a:blip>
+          <a:stretch>
+            <a:fillRect/>
+          </a:stretch>
+        </p:blipFill>
+        <p:spPr>
+          <a:xfrm>
+            <a:off x="6688466" y="2463297"/>
+            <a:ext cx="2208403" cy="2208403"/>
+          </a:xfrm>
+          <a:prstGeom prst="rect">
+            <a:avLst/>
+          </a:prstGeom>
+        </p:spPr>
+      </p:pic>
+      <p:sp>
+        <p:nvSpPr>
+          <p:cNvPr id="21" name="TextBox 20">
+            <a:extLst>
+              <a:ext uri="{FF2B5EF4-FFF2-40B4-BE49-F238E27FC236}">
+                <a16:creationId xmlns:a16="http://schemas.microsoft.com/office/drawing/2014/main" id="{B05F60D2-DB12-7B97-56AB-0E22EDBE86FE}"/>
+              </a:ext>
+            </a:extLst>
+          </p:cNvPr>
+          <p:cNvSpPr txBox="1"/>
+          <p:nvPr/>
+        </p:nvSpPr>
+        <p:spPr>
+          <a:xfrm>
+            <a:off x="7246769" y="3559873"/>
+            <a:ext cx="1091798" cy="369332"/>
+          </a:xfrm>
+          <a:prstGeom prst="rect">
+            <a:avLst/>
+          </a:prstGeom>
+          <a:noFill/>
+        </p:spPr>
+        <p:txBody>
+          <a:bodyPr wrap="square" rtlCol="0">
+            <a:spAutoFit/>
+          </a:bodyPr>
+          <a:lstStyle/>
+          <a:p>
+            <a:r>
+              <a:rPr lang="en-US" altLang="ko-KR" b="1" dirty="0">
+                <a:solidFill>
+                  <a:schemeClr val="bg1"/>
+                </a:solidFill>
+              </a:rPr>
+              <a:t>Internet</a:t>
+            </a:r>
+            <a:endParaRPr lang="ko-KR" altLang="en-US" b="1" dirty="0">
+              <a:solidFill>
+                <a:schemeClr val="bg1"/>
+              </a:solidFill>
+            </a:endParaRPr>
+          </a:p>
+        </p:txBody>
+      </p:sp>
+      <p:cxnSp>
+        <p:nvCxnSpPr>
+          <p:cNvPr id="23" name="직선 화살표 연결선 22">
+            <a:extLst>
+              <a:ext uri="{FF2B5EF4-FFF2-40B4-BE49-F238E27FC236}">
+                <a16:creationId xmlns:a16="http://schemas.microsoft.com/office/drawing/2014/main" id="{187A0459-0A3D-82EA-A058-6B7E2631E484}"/>
+              </a:ext>
+            </a:extLst>
+          </p:cNvPr>
+          <p:cNvCxnSpPr>
+            <a:cxnSpLocks/>
+          </p:cNvCxnSpPr>
+          <p:nvPr/>
+        </p:nvCxnSpPr>
+        <p:spPr>
+          <a:xfrm>
+            <a:off x="5774633" y="3790314"/>
+            <a:ext cx="1002112" cy="0"/>
+          </a:xfrm>
+          <a:prstGeom prst="straightConnector1">
+            <a:avLst/>
+          </a:prstGeom>
+          <a:ln w="38100">
+            <a:solidFill>
+              <a:schemeClr val="bg1"/>
+            </a:solidFill>
+            <a:headEnd type="triangle"/>
+            <a:tailEnd type="triangle"/>
+          </a:ln>
+        </p:spPr>
+        <p:style>
+          <a:lnRef idx="1">
+            <a:schemeClr val="accent1"/>
+          </a:lnRef>
+          <a:fillRef idx="0">
+            <a:schemeClr val="accent1"/>
+          </a:fillRef>
+          <a:effectRef idx="0">
+            <a:schemeClr val="accent1"/>
+          </a:effectRef>
+          <a:fontRef idx="minor">
+            <a:schemeClr val="tx1"/>
+          </a:fontRef>
+        </p:style>
+      </p:cxnSp>
+      <p:pic>
+        <p:nvPicPr>
+          <p:cNvPr id="30" name="그래픽 29" descr="컴퓨터 단색으로 채워진">
+            <a:extLst>
+              <a:ext uri="{FF2B5EF4-FFF2-40B4-BE49-F238E27FC236}">
+                <a16:creationId xmlns:a16="http://schemas.microsoft.com/office/drawing/2014/main" id="{203A0E0E-A383-B9A5-0D37-EAB35E0842AA}"/>
+              </a:ext>
+            </a:extLst>
+          </p:cNvPr>
+          <p:cNvPicPr>
+            <a:picLocks noChangeAspect="1"/>
+          </p:cNvPicPr>
+          <p:nvPr/>
+        </p:nvPicPr>
+        <p:blipFill>
+          <a:blip r:embed="rId6">
+            <a:extLst>
+              <a:ext uri="{28A0092B-C50C-407E-A947-70E740481C1C}">
+                <a14:useLocalDpi xmlns:a14="http://schemas.microsoft.com/office/drawing/2010/main" val="0"/>
+              </a:ext>
+              <a:ext uri="{96DAC541-7B7A-43D3-8B79-37D633B846F1}">
+                <asvg:svgBlip xmlns:asvg="http://schemas.microsoft.com/office/drawing/2016/SVG/main" r:embed="rId7"/>
+              </a:ext>
+            </a:extLst>
+          </a:blip>
+          <a:stretch>
+            <a:fillRect/>
+          </a:stretch>
+        </p:blipFill>
+        <p:spPr>
+          <a:xfrm>
+            <a:off x="1244895" y="1690688"/>
+            <a:ext cx="1298896" cy="1298896"/>
+          </a:xfrm>
+          <a:prstGeom prst="rect">
+            <a:avLst/>
+          </a:prstGeom>
+        </p:spPr>
+      </p:pic>
+      <p:pic>
+        <p:nvPicPr>
+          <p:cNvPr id="31" name="그래픽 30" descr="컴퓨터 단색으로 채워진">
+            <a:extLst>
+              <a:ext uri="{FF2B5EF4-FFF2-40B4-BE49-F238E27FC236}">
+                <a16:creationId xmlns:a16="http://schemas.microsoft.com/office/drawing/2014/main" id="{467FEF32-5573-E1C5-ED17-0800F66995BF}"/>
+              </a:ext>
+            </a:extLst>
+          </p:cNvPr>
+          <p:cNvPicPr>
+            <a:picLocks noChangeAspect="1"/>
+          </p:cNvPicPr>
+          <p:nvPr/>
+        </p:nvPicPr>
+        <p:blipFill>
+          <a:blip r:embed="rId6">
+            <a:extLst>
+              <a:ext uri="{28A0092B-C50C-407E-A947-70E740481C1C}">
+                <a14:useLocalDpi xmlns:a14="http://schemas.microsoft.com/office/drawing/2010/main" val="0"/>
+              </a:ext>
+              <a:ext uri="{96DAC541-7B7A-43D3-8B79-37D633B846F1}">
+                <asvg:svgBlip xmlns:asvg="http://schemas.microsoft.com/office/drawing/2016/SVG/main" r:embed="rId7"/>
+              </a:ext>
+            </a:extLst>
+          </a:blip>
+          <a:stretch>
+            <a:fillRect/>
+          </a:stretch>
+        </p:blipFill>
+        <p:spPr>
+          <a:xfrm>
+            <a:off x="1244895" y="3015050"/>
+            <a:ext cx="1298896" cy="1298896"/>
+          </a:xfrm>
+          <a:prstGeom prst="rect">
+            <a:avLst/>
+          </a:prstGeom>
+        </p:spPr>
+      </p:pic>
+      <p:pic>
+        <p:nvPicPr>
+          <p:cNvPr id="32" name="그래픽 31" descr="컴퓨터 단색으로 채워진">
+            <a:extLst>
+              <a:ext uri="{FF2B5EF4-FFF2-40B4-BE49-F238E27FC236}">
+                <a16:creationId xmlns:a16="http://schemas.microsoft.com/office/drawing/2014/main" id="{68537EEA-CEDC-5BE7-D926-1247B91E1F5D}"/>
+              </a:ext>
+            </a:extLst>
+          </p:cNvPr>
+          <p:cNvPicPr>
+            <a:picLocks noChangeAspect="1"/>
+          </p:cNvPicPr>
+          <p:nvPr/>
+        </p:nvPicPr>
+        <p:blipFill>
+          <a:blip r:embed="rId6">
+            <a:extLst>
+              <a:ext uri="{28A0092B-C50C-407E-A947-70E740481C1C}">
+                <a14:useLocalDpi xmlns:a14="http://schemas.microsoft.com/office/drawing/2010/main" val="0"/>
+              </a:ext>
+              <a:ext uri="{96DAC541-7B7A-43D3-8B79-37D633B846F1}">
+                <asvg:svgBlip xmlns:asvg="http://schemas.microsoft.com/office/drawing/2016/SVG/main" r:embed="rId7"/>
+              </a:ext>
+            </a:extLst>
+          </a:blip>
+          <a:stretch>
+            <a:fillRect/>
+          </a:stretch>
+        </p:blipFill>
+        <p:spPr>
+          <a:xfrm>
+            <a:off x="1244895" y="4339413"/>
+            <a:ext cx="1298896" cy="1298896"/>
+          </a:xfrm>
+          <a:prstGeom prst="rect">
+            <a:avLst/>
+          </a:prstGeom>
+        </p:spPr>
+      </p:pic>
+      <p:sp>
+        <p:nvSpPr>
+          <p:cNvPr id="33" name="직사각형 32">
+            <a:extLst>
+              <a:ext uri="{FF2B5EF4-FFF2-40B4-BE49-F238E27FC236}">
+                <a16:creationId xmlns:a16="http://schemas.microsoft.com/office/drawing/2014/main" id="{21B776C7-A59B-793F-1CCB-59EA7EA7E349}"/>
+              </a:ext>
+            </a:extLst>
+          </p:cNvPr>
+          <p:cNvSpPr/>
+          <p:nvPr/>
+        </p:nvSpPr>
+        <p:spPr>
+          <a:xfrm>
+            <a:off x="838200" y="1770082"/>
+            <a:ext cx="3770253" cy="4202877"/>
+          </a:xfrm>
+          <a:prstGeom prst="rect">
+            <a:avLst/>
+          </a:prstGeom>
+          <a:noFill/>
+          <a:ln w="57150">
+            <a:solidFill>
+              <a:schemeClr val="bg1"/>
+            </a:solidFill>
+          </a:ln>
+        </p:spPr>
+        <p:style>
+          <a:lnRef idx="2">
+            <a:schemeClr val="accent1">
+              <a:shade val="15000"/>
+            </a:schemeClr>
+          </a:lnRef>
+          <a:fillRef idx="1">
+            <a:schemeClr val="accent1"/>
+          </a:fillRef>
+          <a:effectRef idx="0">
+            <a:schemeClr val="accent1"/>
+          </a:effectRef>
+          <a:fontRef idx="minor">
+            <a:schemeClr val="lt1"/>
+          </a:fontRef>
+        </p:style>
+        <p:txBody>
+          <a:bodyPr rtlCol="0" anchor="ctr"/>
+          <a:lstStyle/>
+          <a:p>
+            <a:pPr algn="ctr"/>
+            <a:endParaRPr lang="ko-KR" altLang="en-US"/>
+          </a:p>
+        </p:txBody>
+      </p:sp>
+      <p:sp>
+        <p:nvSpPr>
+          <p:cNvPr id="34" name="TextBox 33">
+            <a:extLst>
+              <a:ext uri="{FF2B5EF4-FFF2-40B4-BE49-F238E27FC236}">
+                <a16:creationId xmlns:a16="http://schemas.microsoft.com/office/drawing/2014/main" id="{D5EDE744-A4FE-A773-9004-6F01D8B02D59}"/>
+              </a:ext>
+            </a:extLst>
+          </p:cNvPr>
+          <p:cNvSpPr txBox="1"/>
+          <p:nvPr/>
+        </p:nvSpPr>
+        <p:spPr>
+          <a:xfrm>
+            <a:off x="1892597" y="1330160"/>
+            <a:ext cx="1958124" cy="369332"/>
+          </a:xfrm>
+          <a:prstGeom prst="rect">
+            <a:avLst/>
+          </a:prstGeom>
+          <a:noFill/>
+        </p:spPr>
+        <p:txBody>
+          <a:bodyPr wrap="square" rtlCol="0">
+            <a:spAutoFit/>
+          </a:bodyPr>
+          <a:lstStyle/>
+          <a:p>
+            <a:r>
+              <a:rPr lang="en-US" altLang="ko-KR" b="1" dirty="0">
+                <a:solidFill>
+                  <a:schemeClr val="bg1"/>
+                </a:solidFill>
+              </a:rPr>
+              <a:t>Private Network</a:t>
+            </a:r>
+            <a:endParaRPr lang="ko-KR" altLang="en-US" b="1" dirty="0">
+              <a:solidFill>
+                <a:schemeClr val="bg1"/>
+              </a:solidFill>
+            </a:endParaRPr>
+          </a:p>
+        </p:txBody>
+      </p:sp>
+      <p:sp>
+        <p:nvSpPr>
+          <p:cNvPr id="35" name="TextBox 34">
+            <a:extLst>
+              <a:ext uri="{FF2B5EF4-FFF2-40B4-BE49-F238E27FC236}">
+                <a16:creationId xmlns:a16="http://schemas.microsoft.com/office/drawing/2014/main" id="{C663A7E5-2C8D-C6D3-FB37-7B51CA331ABA}"/>
+              </a:ext>
+            </a:extLst>
+          </p:cNvPr>
+          <p:cNvSpPr txBox="1"/>
+          <p:nvPr/>
+        </p:nvSpPr>
+        <p:spPr>
+          <a:xfrm>
+            <a:off x="1281383" y="2828001"/>
+            <a:ext cx="1225920" cy="323165"/>
+          </a:xfrm>
+          <a:prstGeom prst="rect">
+            <a:avLst/>
+          </a:prstGeom>
+          <a:noFill/>
+        </p:spPr>
+        <p:txBody>
+          <a:bodyPr wrap="square" rtlCol="0">
+            <a:spAutoFit/>
+          </a:bodyPr>
+          <a:lstStyle/>
+          <a:p>
+            <a:r>
+              <a:rPr lang="en-US" altLang="ko-KR" sz="1500" b="1" dirty="0">
+                <a:solidFill>
+                  <a:schemeClr val="bg1"/>
+                </a:solidFill>
+              </a:rPr>
+              <a:t>192.168.0.1</a:t>
+            </a:r>
+            <a:endParaRPr lang="ko-KR" altLang="en-US" sz="1500" b="1" dirty="0">
+              <a:solidFill>
+                <a:schemeClr val="bg1"/>
+              </a:solidFill>
+            </a:endParaRPr>
+          </a:p>
+        </p:txBody>
+      </p:sp>
+      <p:sp>
+        <p:nvSpPr>
+          <p:cNvPr id="36" name="TextBox 35">
+            <a:extLst>
+              <a:ext uri="{FF2B5EF4-FFF2-40B4-BE49-F238E27FC236}">
+                <a16:creationId xmlns:a16="http://schemas.microsoft.com/office/drawing/2014/main" id="{ABA9C24D-DA10-2D31-5D08-BFE8BA961E8E}"/>
+              </a:ext>
+            </a:extLst>
+          </p:cNvPr>
+          <p:cNvSpPr txBox="1"/>
+          <p:nvPr/>
+        </p:nvSpPr>
+        <p:spPr>
+          <a:xfrm>
+            <a:off x="1281383" y="4067181"/>
+            <a:ext cx="1225920" cy="323165"/>
+          </a:xfrm>
+          <a:prstGeom prst="rect">
+            <a:avLst/>
+          </a:prstGeom>
+          <a:noFill/>
+        </p:spPr>
+        <p:txBody>
+          <a:bodyPr wrap="square" rtlCol="0">
+            <a:spAutoFit/>
+          </a:bodyPr>
+          <a:lstStyle/>
+          <a:p>
+            <a:r>
+              <a:rPr lang="en-US" altLang="ko-KR" sz="1500" b="1" dirty="0">
+                <a:solidFill>
+                  <a:schemeClr val="bg1"/>
+                </a:solidFill>
+              </a:rPr>
+              <a:t>192.168.0.2</a:t>
+            </a:r>
+            <a:endParaRPr lang="ko-KR" altLang="en-US" sz="1500" b="1" dirty="0">
+              <a:solidFill>
+                <a:schemeClr val="bg1"/>
+              </a:solidFill>
+            </a:endParaRPr>
+          </a:p>
+        </p:txBody>
+      </p:sp>
+      <p:sp>
+        <p:nvSpPr>
+          <p:cNvPr id="37" name="TextBox 36">
+            <a:extLst>
+              <a:ext uri="{FF2B5EF4-FFF2-40B4-BE49-F238E27FC236}">
+                <a16:creationId xmlns:a16="http://schemas.microsoft.com/office/drawing/2014/main" id="{9CB51101-5F9B-709B-C021-C3E32B13AA4B}"/>
+              </a:ext>
+            </a:extLst>
+          </p:cNvPr>
+          <p:cNvSpPr txBox="1"/>
+          <p:nvPr/>
+        </p:nvSpPr>
+        <p:spPr>
+          <a:xfrm>
+            <a:off x="1297156" y="5394538"/>
+            <a:ext cx="1225920" cy="323165"/>
+          </a:xfrm>
+          <a:prstGeom prst="rect">
+            <a:avLst/>
+          </a:prstGeom>
+          <a:noFill/>
+        </p:spPr>
+        <p:txBody>
+          <a:bodyPr wrap="square" rtlCol="0">
+            <a:spAutoFit/>
+          </a:bodyPr>
+          <a:lstStyle/>
+          <a:p>
+            <a:r>
+              <a:rPr lang="en-US" altLang="ko-KR" sz="1500" b="1" dirty="0">
+                <a:solidFill>
+                  <a:schemeClr val="bg1"/>
+                </a:solidFill>
+              </a:rPr>
+              <a:t>192.168.0.3</a:t>
+            </a:r>
+            <a:endParaRPr lang="ko-KR" altLang="en-US" sz="1500" b="1" dirty="0">
+              <a:solidFill>
+                <a:schemeClr val="bg1"/>
+              </a:solidFill>
+            </a:endParaRPr>
+          </a:p>
+        </p:txBody>
+      </p:sp>
+      <p:cxnSp>
+        <p:nvCxnSpPr>
+          <p:cNvPr id="39" name="연결선: 꺾임 38">
+            <a:extLst>
+              <a:ext uri="{FF2B5EF4-FFF2-40B4-BE49-F238E27FC236}">
+                <a16:creationId xmlns:a16="http://schemas.microsoft.com/office/drawing/2014/main" id="{B7FC0D93-C2A3-7C29-4F08-152F6AE91F8C}"/>
+              </a:ext>
+            </a:extLst>
+          </p:cNvPr>
+          <p:cNvCxnSpPr>
+            <a:cxnSpLocks/>
+          </p:cNvCxnSpPr>
+          <p:nvPr/>
+        </p:nvCxnSpPr>
+        <p:spPr>
+          <a:xfrm>
+            <a:off x="2543791" y="2340136"/>
+            <a:ext cx="2023928" cy="1450178"/>
+          </a:xfrm>
+          <a:prstGeom prst="bentConnector3">
+            <a:avLst>
+              <a:gd name="adj1" fmla="val 41711"/>
+            </a:avLst>
+          </a:prstGeom>
+          <a:ln w="38100">
+            <a:solidFill>
+              <a:schemeClr val="bg1"/>
+            </a:solidFill>
+            <a:headEnd type="triangle"/>
+            <a:tailEnd type="triangle"/>
+          </a:ln>
+        </p:spPr>
+        <p:style>
+          <a:lnRef idx="1">
+            <a:schemeClr val="accent1"/>
+          </a:lnRef>
+          <a:fillRef idx="0">
+            <a:schemeClr val="accent1"/>
+          </a:fillRef>
+          <a:effectRef idx="0">
+            <a:schemeClr val="accent1"/>
+          </a:effectRef>
+          <a:fontRef idx="minor">
+            <a:schemeClr val="tx1"/>
+          </a:fontRef>
+        </p:style>
+      </p:cxnSp>
+      <p:cxnSp>
+        <p:nvCxnSpPr>
+          <p:cNvPr id="40" name="직선 화살표 연결선 39">
+            <a:extLst>
+              <a:ext uri="{FF2B5EF4-FFF2-40B4-BE49-F238E27FC236}">
+                <a16:creationId xmlns:a16="http://schemas.microsoft.com/office/drawing/2014/main" id="{2A5E14E6-9DD0-9C58-5C6D-1690F91695AC}"/>
+              </a:ext>
+            </a:extLst>
+          </p:cNvPr>
+          <p:cNvCxnSpPr>
+            <a:cxnSpLocks/>
+          </p:cNvCxnSpPr>
+          <p:nvPr/>
+        </p:nvCxnSpPr>
+        <p:spPr>
+          <a:xfrm>
+            <a:off x="8896869" y="3809033"/>
+            <a:ext cx="1440107" cy="0"/>
+          </a:xfrm>
+          <a:prstGeom prst="straightConnector1">
+            <a:avLst/>
+          </a:prstGeom>
+          <a:ln w="38100">
+            <a:solidFill>
+              <a:schemeClr val="bg1"/>
+            </a:solidFill>
+            <a:headEnd type="triangle"/>
+            <a:tailEnd type="triangle"/>
+          </a:ln>
+        </p:spPr>
+        <p:style>
+          <a:lnRef idx="1">
+            <a:schemeClr val="accent1"/>
+          </a:lnRef>
+          <a:fillRef idx="0">
+            <a:schemeClr val="accent1"/>
+          </a:fillRef>
+          <a:effectRef idx="0">
+            <a:schemeClr val="accent1"/>
+          </a:effectRef>
+          <a:fontRef idx="minor">
+            <a:schemeClr val="tx1"/>
+          </a:fontRef>
+        </p:style>
+      </p:cxnSp>
+      <p:cxnSp>
+        <p:nvCxnSpPr>
+          <p:cNvPr id="41" name="직선 화살표 연결선 40">
+            <a:extLst>
+              <a:ext uri="{FF2B5EF4-FFF2-40B4-BE49-F238E27FC236}">
+                <a16:creationId xmlns:a16="http://schemas.microsoft.com/office/drawing/2014/main" id="{CA197846-E398-34DC-52AF-B86F61E1E47E}"/>
+              </a:ext>
+            </a:extLst>
+          </p:cNvPr>
+          <p:cNvCxnSpPr>
+            <a:cxnSpLocks/>
+          </p:cNvCxnSpPr>
+          <p:nvPr/>
+        </p:nvCxnSpPr>
+        <p:spPr>
+          <a:xfrm>
+            <a:off x="8896870" y="3798331"/>
+            <a:ext cx="1440107" cy="0"/>
+          </a:xfrm>
+          <a:prstGeom prst="straightConnector1">
+            <a:avLst/>
+          </a:prstGeom>
+          <a:ln w="38100">
+            <a:solidFill>
+              <a:schemeClr val="bg1"/>
+            </a:solidFill>
+            <a:headEnd type="triangle"/>
+            <a:tailEnd type="triangle"/>
+          </a:ln>
+        </p:spPr>
+        <p:style>
+          <a:lnRef idx="1">
+            <a:schemeClr val="accent1"/>
+          </a:lnRef>
+          <a:fillRef idx="0">
+            <a:schemeClr val="accent1"/>
+          </a:fillRef>
+          <a:effectRef idx="0">
+            <a:schemeClr val="accent1"/>
+          </a:effectRef>
+          <a:fontRef idx="minor">
+            <a:schemeClr val="tx1"/>
+          </a:fontRef>
+        </p:style>
+      </p:cxnSp>
+      <p:cxnSp>
+        <p:nvCxnSpPr>
+          <p:cNvPr id="43" name="직선 화살표 연결선 42">
+            <a:extLst>
+              <a:ext uri="{FF2B5EF4-FFF2-40B4-BE49-F238E27FC236}">
+                <a16:creationId xmlns:a16="http://schemas.microsoft.com/office/drawing/2014/main" id="{8EF0C8FC-E561-8DE6-8BBC-299D25472D32}"/>
+              </a:ext>
+            </a:extLst>
+          </p:cNvPr>
+          <p:cNvCxnSpPr>
+            <a:cxnSpLocks/>
+          </p:cNvCxnSpPr>
+          <p:nvPr/>
+        </p:nvCxnSpPr>
+        <p:spPr>
+          <a:xfrm flipH="1">
+            <a:off x="2523076" y="3790314"/>
+            <a:ext cx="1032679" cy="8017"/>
+          </a:xfrm>
+          <a:prstGeom prst="straightConnector1">
+            <a:avLst/>
+          </a:prstGeom>
+          <a:ln w="38100">
+            <a:solidFill>
+              <a:schemeClr val="bg1"/>
+            </a:solidFill>
+            <a:tailEnd type="triangle"/>
+          </a:ln>
+        </p:spPr>
+        <p:style>
+          <a:lnRef idx="1">
+            <a:schemeClr val="accent1"/>
+          </a:lnRef>
+          <a:fillRef idx="0">
+            <a:schemeClr val="accent1"/>
+          </a:fillRef>
+          <a:effectRef idx="0">
+            <a:schemeClr val="accent1"/>
+          </a:effectRef>
+          <a:fontRef idx="minor">
+            <a:schemeClr val="tx1"/>
+          </a:fontRef>
+        </p:style>
+      </p:cxnSp>
+      <p:cxnSp>
+        <p:nvCxnSpPr>
+          <p:cNvPr id="44" name="연결선: 꺾임 43">
+            <a:extLst>
+              <a:ext uri="{FF2B5EF4-FFF2-40B4-BE49-F238E27FC236}">
+                <a16:creationId xmlns:a16="http://schemas.microsoft.com/office/drawing/2014/main" id="{DF92749E-F8B9-2B70-2A8C-4A58BC4CD00F}"/>
+              </a:ext>
+            </a:extLst>
+          </p:cNvPr>
+          <p:cNvCxnSpPr>
+            <a:cxnSpLocks/>
+          </p:cNvCxnSpPr>
+          <p:nvPr/>
+        </p:nvCxnSpPr>
+        <p:spPr>
+          <a:xfrm flipV="1">
+            <a:off x="2543791" y="3790314"/>
+            <a:ext cx="2028174" cy="1198547"/>
+          </a:xfrm>
+          <a:prstGeom prst="bentConnector3">
+            <a:avLst>
+              <a:gd name="adj1" fmla="val 41727"/>
+            </a:avLst>
+          </a:prstGeom>
+          <a:ln w="38100">
+            <a:solidFill>
+              <a:schemeClr val="bg1"/>
+            </a:solidFill>
+            <a:headEnd type="triangle"/>
+            <a:tailEnd type="triangle"/>
+          </a:ln>
+        </p:spPr>
+        <p:style>
+          <a:lnRef idx="1">
+            <a:schemeClr val="accent1"/>
+          </a:lnRef>
+          <a:fillRef idx="0">
+            <a:schemeClr val="accent1"/>
+          </a:fillRef>
+          <a:effectRef idx="0">
+            <a:schemeClr val="accent1"/>
+          </a:effectRef>
+          <a:fontRef idx="minor">
+            <a:schemeClr val="tx1"/>
+          </a:fontRef>
+        </p:style>
+      </p:cxnSp>
+      <p:pic>
+        <p:nvPicPr>
+          <p:cNvPr id="50" name="그래픽 49" descr="무선 라우터 윤곽선">
+            <a:extLst>
+              <a:ext uri="{FF2B5EF4-FFF2-40B4-BE49-F238E27FC236}">
+                <a16:creationId xmlns:a16="http://schemas.microsoft.com/office/drawing/2014/main" id="{1B02AA35-87FA-1C2B-DA4F-B470AB32FD4C}"/>
+              </a:ext>
+            </a:extLst>
+          </p:cNvPr>
+          <p:cNvPicPr>
+            <a:picLocks noChangeAspect="1"/>
+          </p:cNvPicPr>
+          <p:nvPr/>
+        </p:nvPicPr>
+        <p:blipFill>
+          <a:blip r:embed="rId8">
+            <a:extLst>
+              <a:ext uri="{28A0092B-C50C-407E-A947-70E740481C1C}">
+                <a14:useLocalDpi xmlns:a14="http://schemas.microsoft.com/office/drawing/2010/main" val="0"/>
+              </a:ext>
+              <a:ext uri="{96DAC541-7B7A-43D3-8B79-37D633B846F1}">
+                <asvg:svgBlip xmlns:asvg="http://schemas.microsoft.com/office/drawing/2016/SVG/main" r:embed="rId9"/>
+              </a:ext>
+            </a:extLst>
+          </a:blip>
+          <a:stretch>
+            <a:fillRect/>
+          </a:stretch>
+        </p:blipFill>
+        <p:spPr>
+          <a:xfrm>
+            <a:off x="4592680" y="2882908"/>
+            <a:ext cx="1232130" cy="1232130"/>
+          </a:xfrm>
+          <a:prstGeom prst="rect">
+            <a:avLst/>
+          </a:prstGeom>
+        </p:spPr>
+      </p:pic>
+      <p:sp>
+        <p:nvSpPr>
+          <p:cNvPr id="59" name="TextBox 58">
+            <a:extLst>
+              <a:ext uri="{FF2B5EF4-FFF2-40B4-BE49-F238E27FC236}">
+                <a16:creationId xmlns:a16="http://schemas.microsoft.com/office/drawing/2014/main" id="{8CEB738B-64E2-F8BF-9E3A-CC4885583F83}"/>
+              </a:ext>
+            </a:extLst>
+          </p:cNvPr>
+          <p:cNvSpPr txBox="1"/>
+          <p:nvPr/>
+        </p:nvSpPr>
+        <p:spPr>
+          <a:xfrm>
+            <a:off x="3375807" y="3429000"/>
+            <a:ext cx="1234769" cy="276999"/>
+          </a:xfrm>
+          <a:prstGeom prst="rect">
+            <a:avLst/>
+          </a:prstGeom>
+          <a:noFill/>
+        </p:spPr>
+        <p:txBody>
+          <a:bodyPr wrap="square" rtlCol="0">
+            <a:spAutoFit/>
+          </a:bodyPr>
+          <a:lstStyle/>
+          <a:p>
+            <a:r>
+              <a:rPr lang="en-US" altLang="ko-KR" sz="1200" b="1" dirty="0">
+                <a:solidFill>
+                  <a:schemeClr val="bg1"/>
+                </a:solidFill>
+              </a:rPr>
+              <a:t>192.168.0.254</a:t>
+            </a:r>
+            <a:endParaRPr lang="ko-KR" altLang="en-US" sz="1200" b="1" dirty="0">
+              <a:solidFill>
+                <a:schemeClr val="bg1"/>
+              </a:solidFill>
+            </a:endParaRPr>
+          </a:p>
+        </p:txBody>
+      </p:sp>
+      <p:sp>
+        <p:nvSpPr>
+          <p:cNvPr id="60" name="TextBox 59">
+            <a:extLst>
+              <a:ext uri="{FF2B5EF4-FFF2-40B4-BE49-F238E27FC236}">
+                <a16:creationId xmlns:a16="http://schemas.microsoft.com/office/drawing/2014/main" id="{434CEEB9-A4B0-118A-5D4D-B6CA1A0C3AA9}"/>
+              </a:ext>
+            </a:extLst>
+          </p:cNvPr>
+          <p:cNvSpPr txBox="1"/>
+          <p:nvPr/>
+        </p:nvSpPr>
+        <p:spPr>
+          <a:xfrm>
+            <a:off x="5658304" y="3429000"/>
+            <a:ext cx="1234769" cy="276999"/>
+          </a:xfrm>
+          <a:prstGeom prst="rect">
+            <a:avLst/>
+          </a:prstGeom>
+          <a:noFill/>
+        </p:spPr>
+        <p:txBody>
+          <a:bodyPr wrap="square" rtlCol="0">
+            <a:spAutoFit/>
+          </a:bodyPr>
+          <a:lstStyle/>
+          <a:p>
+            <a:r>
+              <a:rPr lang="en-US" altLang="ko-KR" sz="1200" b="1" dirty="0">
+                <a:solidFill>
+                  <a:schemeClr val="bg1"/>
+                </a:solidFill>
+              </a:rPr>
+              <a:t>181.236.123.3</a:t>
+            </a:r>
+            <a:endParaRPr lang="ko-KR" altLang="en-US" sz="1200" b="1" dirty="0">
+              <a:solidFill>
+                <a:schemeClr val="bg1"/>
+              </a:solidFill>
+            </a:endParaRPr>
+          </a:p>
+        </p:txBody>
+      </p:sp>
+      <p:sp>
+        <p:nvSpPr>
+          <p:cNvPr id="62" name="TextBox 61">
+            <a:extLst>
+              <a:ext uri="{FF2B5EF4-FFF2-40B4-BE49-F238E27FC236}">
+                <a16:creationId xmlns:a16="http://schemas.microsoft.com/office/drawing/2014/main" id="{8D10ABB3-2611-04B6-C584-F8228B4FBD30}"/>
+              </a:ext>
+            </a:extLst>
+          </p:cNvPr>
+          <p:cNvSpPr txBox="1"/>
+          <p:nvPr/>
+        </p:nvSpPr>
+        <p:spPr>
+          <a:xfrm>
+            <a:off x="4801835" y="3942131"/>
+            <a:ext cx="881532" cy="369332"/>
+          </a:xfrm>
+          <a:prstGeom prst="rect">
+            <a:avLst/>
+          </a:prstGeom>
+          <a:noFill/>
+        </p:spPr>
+        <p:txBody>
+          <a:bodyPr wrap="square" rtlCol="0">
+            <a:spAutoFit/>
+          </a:bodyPr>
+          <a:lstStyle/>
+          <a:p>
+            <a:r>
+              <a:rPr lang="en-US" altLang="ko-KR" b="1" dirty="0">
+                <a:solidFill>
+                  <a:schemeClr val="bg1"/>
+                </a:solidFill>
+              </a:rPr>
+              <a:t>router</a:t>
+            </a:r>
+            <a:endParaRPr lang="ko-KR" altLang="en-US" b="1" dirty="0">
+              <a:solidFill>
+                <a:schemeClr val="bg1"/>
+              </a:solidFill>
+            </a:endParaRPr>
+          </a:p>
+        </p:txBody>
+      </p:sp>
+    </p:spTree>
+    <p:extLst>
+      <p:ext uri="{BB962C8B-B14F-4D97-AF65-F5344CB8AC3E}">
+        <p14:creationId xmlns:p14="http://schemas.microsoft.com/office/powerpoint/2010/main" val="1888000191"/>
+      </p:ext>
+    </p:extLst>
+  </p:cSld>
+  <p:clrMapOvr>
+    <a:masterClrMapping/>
+  </p:clrMapOvr>
+</p:sld>
+</file>
+
+<file path=ppt/slides/slide5.xml><?xml version="1.0" encoding="utf-8"?>
+<p:sld xmlns:a="http://schemas.openxmlformats.org/drawingml/2006/main" xmlns:r="http://schemas.openxmlformats.org/officeDocument/2006/relationships" xmlns:p="http://schemas.openxmlformats.org/presentationml/2006/main">
+  <p:cSld>
+    <p:bg>
+      <p:bgPr>
+        <a:solidFill>
+          <a:schemeClr val="tx1"/>
+        </a:solidFill>
+        <a:effectLst/>
+      </p:bgPr>
+    </p:bg>
+    <p:spTree>
+      <p:nvGrpSpPr>
+        <p:cNvPr id="1" name=""/>
+        <p:cNvGrpSpPr/>
+        <p:nvPr/>
+      </p:nvGrpSpPr>
+      <p:grpSpPr>
+        <a:xfrm>
+          <a:off x="0" y="0"/>
+          <a:ext cx="0" cy="0"/>
+          <a:chOff x="0" y="0"/>
+          <a:chExt cx="0" cy="0"/>
+        </a:xfrm>
+      </p:grpSpPr>
+      <p:sp>
+        <p:nvSpPr>
+          <p:cNvPr id="2" name="제목 1">
+            <a:extLst>
+              <a:ext uri="{FF2B5EF4-FFF2-40B4-BE49-F238E27FC236}">
+                <a16:creationId xmlns:a16="http://schemas.microsoft.com/office/drawing/2014/main" id="{993AA972-8F70-42DA-61C6-C82D61F031EA}"/>
+              </a:ext>
+            </a:extLst>
+          </p:cNvPr>
+          <p:cNvSpPr>
+            <a:spLocks noGrp="1"/>
+          </p:cNvSpPr>
+          <p:nvPr>
+            <p:ph type="title"/>
+          </p:nvPr>
+        </p:nvSpPr>
+        <p:spPr/>
+        <p:txBody>
+          <a:bodyPr>
+            <a:normAutofit/>
+          </a:bodyPr>
+          <a:lstStyle/>
+          <a:p>
+            <a:pPr algn="ctr"/>
+            <a:r>
+              <a:rPr lang="en-US" altLang="ko-KR" sz="4000" b="1" dirty="0">
+                <a:solidFill>
+                  <a:schemeClr val="bg1"/>
+                </a:solidFill>
+              </a:rPr>
+              <a:t>NAT(Network Address Translation)</a:t>
+            </a:r>
+            <a:endParaRPr lang="ko-KR" altLang="en-US" sz="4000" b="1" dirty="0">
+              <a:solidFill>
+                <a:schemeClr val="bg1"/>
+              </a:solidFill>
+            </a:endParaRPr>
+          </a:p>
+        </p:txBody>
+      </p:sp>
+      <p:sp>
+        <p:nvSpPr>
+          <p:cNvPr id="3" name="내용 개체 틀 2">
+            <a:extLst>
+              <a:ext uri="{FF2B5EF4-FFF2-40B4-BE49-F238E27FC236}">
+                <a16:creationId xmlns:a16="http://schemas.microsoft.com/office/drawing/2014/main" id="{87A0DF69-10B8-0D20-D0FD-6D1E744CF1E4}"/>
+              </a:ext>
+            </a:extLst>
+          </p:cNvPr>
+          <p:cNvSpPr>
+            <a:spLocks noGrp="1"/>
+          </p:cNvSpPr>
+          <p:nvPr>
+            <p:ph idx="1"/>
+          </p:nvPr>
+        </p:nvSpPr>
+        <p:spPr>
+          <a:xfrm>
+            <a:off x="838200" y="1825625"/>
+            <a:ext cx="10515600" cy="867241"/>
+          </a:xfrm>
+        </p:spPr>
+        <p:txBody>
+          <a:bodyPr>
+            <a:normAutofit/>
+          </a:bodyPr>
+          <a:lstStyle/>
+          <a:p>
+            <a:pPr marL="0" indent="0" algn="ctr">
+              <a:buNone/>
+            </a:pPr>
+            <a:r>
+              <a:rPr lang="ko-KR" altLang="en-US" sz="2000" b="1" dirty="0">
+                <a:solidFill>
+                  <a:schemeClr val="bg1"/>
+                </a:solidFill>
+              </a:rPr>
+              <a:t>사설 네트워크에 속한 여러 개의 호스트가 하나의 공인 </a:t>
+            </a:r>
+            <a:r>
+              <a:rPr lang="en-US" altLang="ko-KR" sz="2000" b="1" dirty="0">
+                <a:solidFill>
+                  <a:schemeClr val="bg1"/>
+                </a:solidFill>
+              </a:rPr>
+              <a:t>IP</a:t>
+            </a:r>
+            <a:r>
+              <a:rPr lang="ko-KR" altLang="en-US" sz="2000" b="1" dirty="0">
+                <a:solidFill>
+                  <a:schemeClr val="bg1"/>
+                </a:solidFill>
+              </a:rPr>
+              <a:t>로 변환하여 인터넷에 </a:t>
+            </a:r>
+            <a:endParaRPr lang="en-US" altLang="ko-KR" sz="2000" b="1" dirty="0">
+              <a:solidFill>
+                <a:schemeClr val="bg1"/>
+              </a:solidFill>
+            </a:endParaRPr>
+          </a:p>
+          <a:p>
+            <a:pPr marL="0" indent="0" algn="ctr">
+              <a:buNone/>
+            </a:pPr>
+            <a:r>
+              <a:rPr lang="ko-KR" altLang="en-US" sz="2000" b="1" dirty="0">
+                <a:solidFill>
+                  <a:schemeClr val="bg1"/>
+                </a:solidFill>
+              </a:rPr>
+              <a:t>접속하기 위해 사용하는 기술이 </a:t>
+            </a:r>
+            <a:r>
+              <a:rPr lang="en-US" altLang="ko-KR" sz="2000" b="1" dirty="0">
+                <a:solidFill>
+                  <a:schemeClr val="bg1"/>
+                </a:solidFill>
+              </a:rPr>
+              <a:t>NAT</a:t>
+            </a:r>
+            <a:r>
+              <a:rPr lang="ko-KR" altLang="en-US" sz="2000" b="1" dirty="0">
+                <a:solidFill>
+                  <a:schemeClr val="bg1"/>
+                </a:solidFill>
+              </a:rPr>
+              <a:t>이다</a:t>
+            </a:r>
+            <a:r>
+              <a:rPr lang="en-US" altLang="ko-KR" sz="2000" b="1" dirty="0">
+                <a:solidFill>
+                  <a:schemeClr val="bg1"/>
+                </a:solidFill>
+              </a:rPr>
+              <a:t>.</a:t>
+            </a:r>
+            <a:endParaRPr lang="ko-KR" altLang="en-US" sz="2000" b="1" dirty="0">
+              <a:solidFill>
+                <a:schemeClr val="bg1"/>
+              </a:solidFill>
+            </a:endParaRPr>
+          </a:p>
+        </p:txBody>
+      </p:sp>
+      <p:pic>
+        <p:nvPicPr>
+          <p:cNvPr id="4" name="그림 3">
+            <a:extLst>
+              <a:ext uri="{FF2B5EF4-FFF2-40B4-BE49-F238E27FC236}">
+                <a16:creationId xmlns:a16="http://schemas.microsoft.com/office/drawing/2014/main" id="{89A511C0-765F-16B5-8D9E-4ABA82BB1F3D}"/>
+              </a:ext>
+            </a:extLst>
+          </p:cNvPr>
+          <p:cNvPicPr>
+            <a:picLocks noChangeAspect="1"/>
+          </p:cNvPicPr>
+          <p:nvPr/>
+        </p:nvPicPr>
+        <p:blipFill>
+          <a:blip r:embed="rId2"/>
+          <a:stretch>
+            <a:fillRect/>
+          </a:stretch>
+        </p:blipFill>
+        <p:spPr>
+          <a:xfrm>
+            <a:off x="2472565" y="2690769"/>
+            <a:ext cx="7535501" cy="3891509"/>
+          </a:xfrm>
+          <a:prstGeom prst="rect">
+            <a:avLst/>
+          </a:prstGeom>
+        </p:spPr>
+      </p:pic>
+      <p:sp>
+        <p:nvSpPr>
+          <p:cNvPr id="5" name="직사각형 4">
+            <a:extLst>
+              <a:ext uri="{FF2B5EF4-FFF2-40B4-BE49-F238E27FC236}">
+                <a16:creationId xmlns:a16="http://schemas.microsoft.com/office/drawing/2014/main" id="{474A4D86-4DEC-BA73-68EC-12FB3016060A}"/>
+              </a:ext>
+            </a:extLst>
+          </p:cNvPr>
+          <p:cNvSpPr/>
+          <p:nvPr/>
+        </p:nvSpPr>
+        <p:spPr>
+          <a:xfrm>
+            <a:off x="2505903" y="2690769"/>
+            <a:ext cx="2747214" cy="1577130"/>
+          </a:xfrm>
+          <a:prstGeom prst="rect">
+            <a:avLst/>
+          </a:prstGeom>
+          <a:solidFill>
+            <a:schemeClr val="bg1"/>
+          </a:solidFill>
+          <a:ln>
+            <a:solidFill>
+              <a:schemeClr val="bg1"/>
+            </a:solidFill>
+          </a:ln>
+        </p:spPr>
+        <p:style>
+          <a:lnRef idx="2">
+            <a:schemeClr val="accent1">
+              <a:shade val="15000"/>
+            </a:schemeClr>
+          </a:lnRef>
+          <a:fillRef idx="1">
+            <a:schemeClr val="accent1"/>
+          </a:fillRef>
+          <a:effectRef idx="0">
+            <a:schemeClr val="accent1"/>
+          </a:effectRef>
+          <a:fontRef idx="minor">
+            <a:schemeClr val="lt1"/>
+          </a:fontRef>
+        </p:style>
+        <p:txBody>
+          <a:bodyPr rtlCol="0" anchor="ctr"/>
+          <a:lstStyle/>
+          <a:p>
+            <a:pPr algn="ctr"/>
             <a:endParaRPr lang="ko-KR" altLang="en-US"/>
           </a:p>
         </p:txBody>
@@ -3532,6 +8919,3560 @@
     <p:extLst>
       <p:ext uri="{BB962C8B-B14F-4D97-AF65-F5344CB8AC3E}">
         <p14:creationId xmlns:p14="http://schemas.microsoft.com/office/powerpoint/2010/main" val="2916258262"/>
+      </p:ext>
+    </p:extLst>
+  </p:cSld>
+  <p:clrMapOvr>
+    <a:masterClrMapping/>
+  </p:clrMapOvr>
+</p:sld>
+</file>
+
+<file path=ppt/slides/slide6.xml><?xml version="1.0" encoding="utf-8"?>
+<p:sld xmlns:a="http://schemas.openxmlformats.org/drawingml/2006/main" xmlns:r="http://schemas.openxmlformats.org/officeDocument/2006/relationships" xmlns:p="http://schemas.openxmlformats.org/presentationml/2006/main">
+  <p:cSld>
+    <p:bg>
+      <p:bgPr>
+        <a:solidFill>
+          <a:schemeClr val="tx1"/>
+        </a:solidFill>
+        <a:effectLst/>
+      </p:bgPr>
+    </p:bg>
+    <p:spTree>
+      <p:nvGrpSpPr>
+        <p:cNvPr id="1" name=""/>
+        <p:cNvGrpSpPr/>
+        <p:nvPr/>
+      </p:nvGrpSpPr>
+      <p:grpSpPr>
+        <a:xfrm>
+          <a:off x="0" y="0"/>
+          <a:ext cx="0" cy="0"/>
+          <a:chOff x="0" y="0"/>
+          <a:chExt cx="0" cy="0"/>
+        </a:xfrm>
+      </p:grpSpPr>
+      <p:sp>
+        <p:nvSpPr>
+          <p:cNvPr id="2" name="제목 1">
+            <a:extLst>
+              <a:ext uri="{FF2B5EF4-FFF2-40B4-BE49-F238E27FC236}">
+                <a16:creationId xmlns:a16="http://schemas.microsoft.com/office/drawing/2014/main" id="{993AA972-8F70-42DA-61C6-C82D61F031EA}"/>
+              </a:ext>
+            </a:extLst>
+          </p:cNvPr>
+          <p:cNvSpPr>
+            <a:spLocks noGrp="1"/>
+          </p:cNvSpPr>
+          <p:nvPr>
+            <p:ph type="title"/>
+          </p:nvPr>
+        </p:nvSpPr>
+        <p:spPr/>
+        <p:txBody>
+          <a:bodyPr>
+            <a:normAutofit/>
+          </a:bodyPr>
+          <a:lstStyle/>
+          <a:p>
+            <a:pPr algn="ctr"/>
+            <a:r>
+              <a:rPr lang="en-US" altLang="ko-KR" sz="4000" b="1" dirty="0">
+                <a:solidFill>
+                  <a:schemeClr val="bg1"/>
+                </a:solidFill>
+              </a:rPr>
+              <a:t>NAT(Network Address Translation)</a:t>
+            </a:r>
+            <a:endParaRPr lang="ko-KR" altLang="en-US" sz="4000" b="1" dirty="0">
+              <a:solidFill>
+                <a:schemeClr val="bg1"/>
+              </a:solidFill>
+            </a:endParaRPr>
+          </a:p>
+        </p:txBody>
+      </p:sp>
+      <p:sp>
+        <p:nvSpPr>
+          <p:cNvPr id="3" name="내용 개체 틀 2">
+            <a:extLst>
+              <a:ext uri="{FF2B5EF4-FFF2-40B4-BE49-F238E27FC236}">
+                <a16:creationId xmlns:a16="http://schemas.microsoft.com/office/drawing/2014/main" id="{87A0DF69-10B8-0D20-D0FD-6D1E744CF1E4}"/>
+              </a:ext>
+            </a:extLst>
+          </p:cNvPr>
+          <p:cNvSpPr>
+            <a:spLocks noGrp="1"/>
+          </p:cNvSpPr>
+          <p:nvPr>
+            <p:ph idx="1"/>
+          </p:nvPr>
+        </p:nvSpPr>
+        <p:spPr>
+          <a:xfrm>
+            <a:off x="838200" y="1825626"/>
+            <a:ext cx="10515600" cy="433620"/>
+          </a:xfrm>
+        </p:spPr>
+        <p:txBody>
+          <a:bodyPr>
+            <a:normAutofit/>
+          </a:bodyPr>
+          <a:lstStyle/>
+          <a:p>
+            <a:pPr marL="0" indent="0" algn="ctr">
+              <a:buNone/>
+            </a:pPr>
+            <a:r>
+              <a:rPr lang="en-US" altLang="ko-KR" sz="1800" b="1" dirty="0">
+                <a:solidFill>
+                  <a:schemeClr val="bg1"/>
+                </a:solidFill>
+              </a:rPr>
+              <a:t>NAT</a:t>
+            </a:r>
+            <a:r>
+              <a:rPr lang="ko-KR" altLang="en-US" sz="1800" b="1" dirty="0">
+                <a:solidFill>
+                  <a:schemeClr val="bg1"/>
+                </a:solidFill>
+              </a:rPr>
+              <a:t>의 장점은 사설망에서는 중복된 네트워크 대역대를 사용 할 수 있으므로 </a:t>
+            </a:r>
+            <a:r>
+              <a:rPr lang="en-US" altLang="ko-KR" sz="1800" b="1" dirty="0">
+                <a:solidFill>
+                  <a:schemeClr val="bg1"/>
+                </a:solidFill>
+              </a:rPr>
+              <a:t>IP</a:t>
+            </a:r>
+            <a:r>
+              <a:rPr lang="ko-KR" altLang="en-US" sz="1800" b="1" dirty="0">
+                <a:solidFill>
+                  <a:schemeClr val="bg1"/>
+                </a:solidFill>
+              </a:rPr>
+              <a:t>를 절약 할 수 있다</a:t>
+            </a:r>
+            <a:r>
+              <a:rPr lang="en-US" altLang="ko-KR" sz="1800" b="1" dirty="0">
+                <a:solidFill>
+                  <a:schemeClr val="bg1"/>
+                </a:solidFill>
+              </a:rPr>
+              <a:t>.</a:t>
+            </a:r>
+            <a:endParaRPr lang="ko-KR" altLang="en-US" sz="1800" b="1" dirty="0">
+              <a:solidFill>
+                <a:schemeClr val="bg1"/>
+              </a:solidFill>
+            </a:endParaRPr>
+          </a:p>
+        </p:txBody>
+      </p:sp>
+      <p:pic>
+        <p:nvPicPr>
+          <p:cNvPr id="6" name="그래픽 5" descr="구름 윤곽선">
+            <a:extLst>
+              <a:ext uri="{FF2B5EF4-FFF2-40B4-BE49-F238E27FC236}">
+                <a16:creationId xmlns:a16="http://schemas.microsoft.com/office/drawing/2014/main" id="{2C57F69D-D60D-8B50-3090-DBC1861F1B3B}"/>
+              </a:ext>
+            </a:extLst>
+          </p:cNvPr>
+          <p:cNvPicPr>
+            <a:picLocks noChangeAspect="1"/>
+          </p:cNvPicPr>
+          <p:nvPr/>
+        </p:nvPicPr>
+        <p:blipFill>
+          <a:blip r:embed="rId2">
+            <a:extLst>
+              <a:ext uri="{28A0092B-C50C-407E-A947-70E740481C1C}">
+                <a14:useLocalDpi xmlns:a14="http://schemas.microsoft.com/office/drawing/2010/main" val="0"/>
+              </a:ext>
+              <a:ext uri="{96DAC541-7B7A-43D3-8B79-37D633B846F1}">
+                <asvg:svgBlip xmlns:asvg="http://schemas.microsoft.com/office/drawing/2016/SVG/main" r:embed="rId3"/>
+              </a:ext>
+            </a:extLst>
+          </a:blip>
+          <a:stretch>
+            <a:fillRect/>
+          </a:stretch>
+        </p:blipFill>
+        <p:spPr>
+          <a:xfrm>
+            <a:off x="4737158" y="1733278"/>
+            <a:ext cx="2717684" cy="2717684"/>
+          </a:xfrm>
+          <a:prstGeom prst="rect">
+            <a:avLst/>
+          </a:prstGeom>
+        </p:spPr>
+      </p:pic>
+      <p:sp>
+        <p:nvSpPr>
+          <p:cNvPr id="7" name="TextBox 6">
+            <a:extLst>
+              <a:ext uri="{FF2B5EF4-FFF2-40B4-BE49-F238E27FC236}">
+                <a16:creationId xmlns:a16="http://schemas.microsoft.com/office/drawing/2014/main" id="{E7B83A79-A5B3-E929-5B80-FBEE9F0FB278}"/>
+              </a:ext>
+            </a:extLst>
+          </p:cNvPr>
+          <p:cNvSpPr txBox="1"/>
+          <p:nvPr/>
+        </p:nvSpPr>
+        <p:spPr>
+          <a:xfrm>
+            <a:off x="5364452" y="2980305"/>
+            <a:ext cx="1463096" cy="477054"/>
+          </a:xfrm>
+          <a:prstGeom prst="rect">
+            <a:avLst/>
+          </a:prstGeom>
+          <a:noFill/>
+        </p:spPr>
+        <p:txBody>
+          <a:bodyPr wrap="square" rtlCol="0">
+            <a:spAutoFit/>
+          </a:bodyPr>
+          <a:lstStyle/>
+          <a:p>
+            <a:r>
+              <a:rPr lang="en-US" altLang="ko-KR" sz="2500" b="1" dirty="0">
+                <a:solidFill>
+                  <a:schemeClr val="bg1"/>
+                </a:solidFill>
+              </a:rPr>
+              <a:t>Internet</a:t>
+            </a:r>
+            <a:endParaRPr lang="ko-KR" altLang="en-US" sz="2500" b="1" dirty="0">
+              <a:solidFill>
+                <a:schemeClr val="bg1"/>
+              </a:solidFill>
+            </a:endParaRPr>
+          </a:p>
+        </p:txBody>
+      </p:sp>
+      <p:pic>
+        <p:nvPicPr>
+          <p:cNvPr id="8" name="그래픽 7" descr="무선 라우터 윤곽선">
+            <a:extLst>
+              <a:ext uri="{FF2B5EF4-FFF2-40B4-BE49-F238E27FC236}">
+                <a16:creationId xmlns:a16="http://schemas.microsoft.com/office/drawing/2014/main" id="{C1316E5E-0C48-B447-6C44-F70D4A1CF1FE}"/>
+              </a:ext>
+            </a:extLst>
+          </p:cNvPr>
+          <p:cNvPicPr>
+            <a:picLocks noChangeAspect="1"/>
+          </p:cNvPicPr>
+          <p:nvPr/>
+        </p:nvPicPr>
+        <p:blipFill>
+          <a:blip r:embed="rId4">
+            <a:extLst>
+              <a:ext uri="{28A0092B-C50C-407E-A947-70E740481C1C}">
+                <a14:useLocalDpi xmlns:a14="http://schemas.microsoft.com/office/drawing/2010/main" val="0"/>
+              </a:ext>
+              <a:ext uri="{96DAC541-7B7A-43D3-8B79-37D633B846F1}">
+                <asvg:svgBlip xmlns:asvg="http://schemas.microsoft.com/office/drawing/2016/SVG/main" r:embed="rId5"/>
+              </a:ext>
+            </a:extLst>
+          </a:blip>
+          <a:stretch>
+            <a:fillRect/>
+          </a:stretch>
+        </p:blipFill>
+        <p:spPr>
+          <a:xfrm>
+            <a:off x="2956826" y="3312611"/>
+            <a:ext cx="1232130" cy="1232130"/>
+          </a:xfrm>
+          <a:prstGeom prst="rect">
+            <a:avLst/>
+          </a:prstGeom>
+        </p:spPr>
+      </p:pic>
+      <p:pic>
+        <p:nvPicPr>
+          <p:cNvPr id="10" name="그래픽 9" descr="컴퓨터 단색으로 채워진">
+            <a:extLst>
+              <a:ext uri="{FF2B5EF4-FFF2-40B4-BE49-F238E27FC236}">
+                <a16:creationId xmlns:a16="http://schemas.microsoft.com/office/drawing/2014/main" id="{598494DF-00C9-D7BD-DD2C-AA91FE53D64A}"/>
+              </a:ext>
+            </a:extLst>
+          </p:cNvPr>
+          <p:cNvPicPr>
+            <a:picLocks noChangeAspect="1"/>
+          </p:cNvPicPr>
+          <p:nvPr/>
+        </p:nvPicPr>
+        <p:blipFill>
+          <a:blip r:embed="rId6">
+            <a:extLst>
+              <a:ext uri="{28A0092B-C50C-407E-A947-70E740481C1C}">
+                <a14:useLocalDpi xmlns:a14="http://schemas.microsoft.com/office/drawing/2010/main" val="0"/>
+              </a:ext>
+              <a:ext uri="{96DAC541-7B7A-43D3-8B79-37D633B846F1}">
+                <asvg:svgBlip xmlns:asvg="http://schemas.microsoft.com/office/drawing/2016/SVG/main" r:embed="rId7"/>
+              </a:ext>
+            </a:extLst>
+          </a:blip>
+          <a:stretch>
+            <a:fillRect/>
+          </a:stretch>
+        </p:blipFill>
+        <p:spPr>
+          <a:xfrm>
+            <a:off x="2043824" y="5217463"/>
+            <a:ext cx="1298896" cy="1298896"/>
+          </a:xfrm>
+          <a:prstGeom prst="rect">
+            <a:avLst/>
+          </a:prstGeom>
+        </p:spPr>
+      </p:pic>
+      <p:sp>
+        <p:nvSpPr>
+          <p:cNvPr id="12" name="TextBox 11">
+            <a:extLst>
+              <a:ext uri="{FF2B5EF4-FFF2-40B4-BE49-F238E27FC236}">
+                <a16:creationId xmlns:a16="http://schemas.microsoft.com/office/drawing/2014/main" id="{80419635-30B9-F6B2-4440-EAFF505F4548}"/>
+              </a:ext>
+            </a:extLst>
+          </p:cNvPr>
+          <p:cNvSpPr txBox="1"/>
+          <p:nvPr/>
+        </p:nvSpPr>
+        <p:spPr>
+          <a:xfrm>
+            <a:off x="1903106" y="6299389"/>
+            <a:ext cx="1225920" cy="323165"/>
+          </a:xfrm>
+          <a:prstGeom prst="rect">
+            <a:avLst/>
+          </a:prstGeom>
+          <a:noFill/>
+        </p:spPr>
+        <p:txBody>
+          <a:bodyPr wrap="square" rtlCol="0">
+            <a:spAutoFit/>
+          </a:bodyPr>
+          <a:lstStyle/>
+          <a:p>
+            <a:r>
+              <a:rPr lang="en-US" altLang="ko-KR" sz="1500" b="1" dirty="0">
+                <a:solidFill>
+                  <a:schemeClr val="bg1"/>
+                </a:solidFill>
+              </a:rPr>
+              <a:t>192.168.0.1</a:t>
+            </a:r>
+            <a:endParaRPr lang="ko-KR" altLang="en-US" sz="1500" b="1" dirty="0">
+              <a:solidFill>
+                <a:schemeClr val="bg1"/>
+              </a:solidFill>
+            </a:endParaRPr>
+          </a:p>
+        </p:txBody>
+      </p:sp>
+      <p:pic>
+        <p:nvPicPr>
+          <p:cNvPr id="15" name="그래픽 14" descr="스마트폰 단색으로 채워진">
+            <a:extLst>
+              <a:ext uri="{FF2B5EF4-FFF2-40B4-BE49-F238E27FC236}">
+                <a16:creationId xmlns:a16="http://schemas.microsoft.com/office/drawing/2014/main" id="{9150E292-1C7C-8FD2-865D-D23DC9E1D7DC}"/>
+              </a:ext>
+            </a:extLst>
+          </p:cNvPr>
+          <p:cNvPicPr>
+            <a:picLocks noChangeAspect="1"/>
+          </p:cNvPicPr>
+          <p:nvPr/>
+        </p:nvPicPr>
+        <p:blipFill>
+          <a:blip r:embed="rId8">
+            <a:extLst>
+              <a:ext uri="{28A0092B-C50C-407E-A947-70E740481C1C}">
+                <a14:useLocalDpi xmlns:a14="http://schemas.microsoft.com/office/drawing/2010/main" val="0"/>
+              </a:ext>
+              <a:ext uri="{96DAC541-7B7A-43D3-8B79-37D633B846F1}">
+                <asvg:svgBlip xmlns:asvg="http://schemas.microsoft.com/office/drawing/2016/SVG/main" r:embed="rId9"/>
+              </a:ext>
+            </a:extLst>
+          </a:blip>
+          <a:stretch>
+            <a:fillRect/>
+          </a:stretch>
+        </p:blipFill>
+        <p:spPr>
+          <a:xfrm>
+            <a:off x="745921" y="4997010"/>
+            <a:ext cx="914400" cy="914400"/>
+          </a:xfrm>
+          <a:prstGeom prst="rect">
+            <a:avLst/>
+          </a:prstGeom>
+        </p:spPr>
+      </p:pic>
+      <p:sp>
+        <p:nvSpPr>
+          <p:cNvPr id="16" name="TextBox 15">
+            <a:extLst>
+              <a:ext uri="{FF2B5EF4-FFF2-40B4-BE49-F238E27FC236}">
+                <a16:creationId xmlns:a16="http://schemas.microsoft.com/office/drawing/2014/main" id="{E2E1EF36-D4DB-4E6C-9405-6C44B7EFA241}"/>
+              </a:ext>
+            </a:extLst>
+          </p:cNvPr>
+          <p:cNvSpPr txBox="1"/>
+          <p:nvPr/>
+        </p:nvSpPr>
+        <p:spPr>
+          <a:xfrm>
+            <a:off x="663257" y="5907497"/>
+            <a:ext cx="1225920" cy="323165"/>
+          </a:xfrm>
+          <a:prstGeom prst="rect">
+            <a:avLst/>
+          </a:prstGeom>
+          <a:noFill/>
+        </p:spPr>
+        <p:txBody>
+          <a:bodyPr wrap="square" rtlCol="0">
+            <a:spAutoFit/>
+          </a:bodyPr>
+          <a:lstStyle/>
+          <a:p>
+            <a:r>
+              <a:rPr lang="en-US" altLang="ko-KR" sz="1500" b="1" dirty="0">
+                <a:solidFill>
+                  <a:schemeClr val="bg1"/>
+                </a:solidFill>
+              </a:rPr>
+              <a:t>192.168.0.2</a:t>
+            </a:r>
+            <a:endParaRPr lang="ko-KR" altLang="en-US" sz="1500" b="1" dirty="0">
+              <a:solidFill>
+                <a:schemeClr val="bg1"/>
+              </a:solidFill>
+            </a:endParaRPr>
+          </a:p>
+        </p:txBody>
+      </p:sp>
+      <p:cxnSp>
+        <p:nvCxnSpPr>
+          <p:cNvPr id="21" name="직선 연결선 20">
+            <a:extLst>
+              <a:ext uri="{FF2B5EF4-FFF2-40B4-BE49-F238E27FC236}">
+                <a16:creationId xmlns:a16="http://schemas.microsoft.com/office/drawing/2014/main" id="{A856E4FC-41EE-53C7-A0F0-D4EFB445213F}"/>
+              </a:ext>
+            </a:extLst>
+          </p:cNvPr>
+          <p:cNvCxnSpPr>
+            <a:cxnSpLocks/>
+          </p:cNvCxnSpPr>
+          <p:nvPr/>
+        </p:nvCxnSpPr>
+        <p:spPr>
+          <a:xfrm flipV="1">
+            <a:off x="1387366" y="4303323"/>
+            <a:ext cx="1741660" cy="794194"/>
+          </a:xfrm>
+          <a:prstGeom prst="line">
+            <a:avLst/>
+          </a:prstGeom>
+          <a:ln w="38100" cap="flat" cmpd="sng" algn="ctr">
+            <a:solidFill>
+              <a:schemeClr val="bg1"/>
+            </a:solidFill>
+            <a:prstDash val="sysDot"/>
+            <a:round/>
+            <a:headEnd type="none" w="med" len="med"/>
+            <a:tailEnd type="none" w="med" len="med"/>
+          </a:ln>
+        </p:spPr>
+        <p:style>
+          <a:lnRef idx="0">
+            <a:scrgbClr r="0" g="0" b="0"/>
+          </a:lnRef>
+          <a:fillRef idx="0">
+            <a:scrgbClr r="0" g="0" b="0"/>
+          </a:fillRef>
+          <a:effectRef idx="0">
+            <a:scrgbClr r="0" g="0" b="0"/>
+          </a:effectRef>
+          <a:fontRef idx="minor">
+            <a:schemeClr val="tx1"/>
+          </a:fontRef>
+        </p:style>
+      </p:cxnSp>
+      <p:cxnSp>
+        <p:nvCxnSpPr>
+          <p:cNvPr id="31" name="직선 화살표 연결선 30">
+            <a:extLst>
+              <a:ext uri="{FF2B5EF4-FFF2-40B4-BE49-F238E27FC236}">
+                <a16:creationId xmlns:a16="http://schemas.microsoft.com/office/drawing/2014/main" id="{D74DE725-C8C1-F03E-4049-6B6439E16C24}"/>
+              </a:ext>
+            </a:extLst>
+          </p:cNvPr>
+          <p:cNvCxnSpPr>
+            <a:cxnSpLocks/>
+          </p:cNvCxnSpPr>
+          <p:nvPr/>
+        </p:nvCxnSpPr>
+        <p:spPr>
+          <a:xfrm flipV="1">
+            <a:off x="2543503" y="4363872"/>
+            <a:ext cx="1030014" cy="1119480"/>
+          </a:xfrm>
+          <a:prstGeom prst="straightConnector1">
+            <a:avLst/>
+          </a:prstGeom>
+          <a:ln w="38100">
+            <a:solidFill>
+              <a:schemeClr val="bg1"/>
+            </a:solidFill>
+            <a:headEnd type="triangle"/>
+            <a:tailEnd type="triangle"/>
+          </a:ln>
+        </p:spPr>
+        <p:style>
+          <a:lnRef idx="1">
+            <a:schemeClr val="accent1"/>
+          </a:lnRef>
+          <a:fillRef idx="0">
+            <a:schemeClr val="accent1"/>
+          </a:fillRef>
+          <a:effectRef idx="0">
+            <a:schemeClr val="accent1"/>
+          </a:effectRef>
+          <a:fontRef idx="minor">
+            <a:schemeClr val="tx1"/>
+          </a:fontRef>
+        </p:style>
+      </p:cxnSp>
+      <p:cxnSp>
+        <p:nvCxnSpPr>
+          <p:cNvPr id="39" name="직선 연결선 38">
+            <a:extLst>
+              <a:ext uri="{FF2B5EF4-FFF2-40B4-BE49-F238E27FC236}">
+                <a16:creationId xmlns:a16="http://schemas.microsoft.com/office/drawing/2014/main" id="{E613921C-6A3A-AD7E-AA5B-8A7BD903FF82}"/>
+              </a:ext>
+            </a:extLst>
+          </p:cNvPr>
+          <p:cNvCxnSpPr>
+            <a:cxnSpLocks/>
+          </p:cNvCxnSpPr>
+          <p:nvPr/>
+        </p:nvCxnSpPr>
+        <p:spPr>
+          <a:xfrm flipH="1" flipV="1">
+            <a:off x="9106655" y="4303323"/>
+            <a:ext cx="1697979" cy="794194"/>
+          </a:xfrm>
+          <a:prstGeom prst="line">
+            <a:avLst/>
+          </a:prstGeom>
+          <a:ln w="38100" cap="flat" cmpd="sng" algn="ctr">
+            <a:solidFill>
+              <a:schemeClr val="bg1"/>
+            </a:solidFill>
+            <a:prstDash val="sysDot"/>
+            <a:round/>
+            <a:headEnd type="none" w="med" len="med"/>
+            <a:tailEnd type="none" w="med" len="med"/>
+          </a:ln>
+        </p:spPr>
+        <p:style>
+          <a:lnRef idx="0">
+            <a:scrgbClr r="0" g="0" b="0"/>
+          </a:lnRef>
+          <a:fillRef idx="0">
+            <a:scrgbClr r="0" g="0" b="0"/>
+          </a:fillRef>
+          <a:effectRef idx="0">
+            <a:scrgbClr r="0" g="0" b="0"/>
+          </a:effectRef>
+          <a:fontRef idx="minor">
+            <a:schemeClr val="tx1"/>
+          </a:fontRef>
+        </p:style>
+      </p:cxnSp>
+      <p:cxnSp>
+        <p:nvCxnSpPr>
+          <p:cNvPr id="40" name="직선 화살표 연결선 39">
+            <a:extLst>
+              <a:ext uri="{FF2B5EF4-FFF2-40B4-BE49-F238E27FC236}">
+                <a16:creationId xmlns:a16="http://schemas.microsoft.com/office/drawing/2014/main" id="{DB8F6091-F48A-850F-B7E7-3845AA7CAAE0}"/>
+              </a:ext>
+            </a:extLst>
+          </p:cNvPr>
+          <p:cNvCxnSpPr>
+            <a:cxnSpLocks/>
+          </p:cNvCxnSpPr>
+          <p:nvPr/>
+        </p:nvCxnSpPr>
+        <p:spPr>
+          <a:xfrm flipH="1" flipV="1">
+            <a:off x="8658866" y="4363872"/>
+            <a:ext cx="660550" cy="1119480"/>
+          </a:xfrm>
+          <a:prstGeom prst="straightConnector1">
+            <a:avLst/>
+          </a:prstGeom>
+          <a:ln w="38100">
+            <a:solidFill>
+              <a:schemeClr val="bg1"/>
+            </a:solidFill>
+            <a:headEnd type="triangle"/>
+            <a:tailEnd type="triangle"/>
+          </a:ln>
+        </p:spPr>
+        <p:style>
+          <a:lnRef idx="1">
+            <a:schemeClr val="accent1"/>
+          </a:lnRef>
+          <a:fillRef idx="0">
+            <a:schemeClr val="accent1"/>
+          </a:fillRef>
+          <a:effectRef idx="0">
+            <a:schemeClr val="accent1"/>
+          </a:effectRef>
+          <a:fontRef idx="minor">
+            <a:schemeClr val="tx1"/>
+          </a:fontRef>
+        </p:style>
+      </p:cxnSp>
+      <p:pic>
+        <p:nvPicPr>
+          <p:cNvPr id="41" name="그래픽 40" descr="무선 라우터 윤곽선">
+            <a:extLst>
+              <a:ext uri="{FF2B5EF4-FFF2-40B4-BE49-F238E27FC236}">
+                <a16:creationId xmlns:a16="http://schemas.microsoft.com/office/drawing/2014/main" id="{7A57B363-3C2D-DA2E-CD8E-DFC599C6E148}"/>
+              </a:ext>
+            </a:extLst>
+          </p:cNvPr>
+          <p:cNvPicPr>
+            <a:picLocks noChangeAspect="1"/>
+          </p:cNvPicPr>
+          <p:nvPr/>
+        </p:nvPicPr>
+        <p:blipFill>
+          <a:blip r:embed="rId4">
+            <a:extLst>
+              <a:ext uri="{28A0092B-C50C-407E-A947-70E740481C1C}">
+                <a14:useLocalDpi xmlns:a14="http://schemas.microsoft.com/office/drawing/2010/main" val="0"/>
+              </a:ext>
+              <a:ext uri="{96DAC541-7B7A-43D3-8B79-37D633B846F1}">
+                <asvg:svgBlip xmlns:asvg="http://schemas.microsoft.com/office/drawing/2016/SVG/main" r:embed="rId5"/>
+              </a:ext>
+            </a:extLst>
+          </a:blip>
+          <a:stretch>
+            <a:fillRect/>
+          </a:stretch>
+        </p:blipFill>
+        <p:spPr>
+          <a:xfrm>
+            <a:off x="8008575" y="3312611"/>
+            <a:ext cx="1232130" cy="1232130"/>
+          </a:xfrm>
+          <a:prstGeom prst="rect">
+            <a:avLst/>
+          </a:prstGeom>
+        </p:spPr>
+      </p:pic>
+      <p:pic>
+        <p:nvPicPr>
+          <p:cNvPr id="42" name="그래픽 41" descr="컴퓨터 단색으로 채워진">
+            <a:extLst>
+              <a:ext uri="{FF2B5EF4-FFF2-40B4-BE49-F238E27FC236}">
+                <a16:creationId xmlns:a16="http://schemas.microsoft.com/office/drawing/2014/main" id="{ECFD2341-3DD5-B800-3D73-6777B6EEF2D6}"/>
+              </a:ext>
+            </a:extLst>
+          </p:cNvPr>
+          <p:cNvPicPr>
+            <a:picLocks noChangeAspect="1"/>
+          </p:cNvPicPr>
+          <p:nvPr/>
+        </p:nvPicPr>
+        <p:blipFill>
+          <a:blip r:embed="rId6">
+            <a:extLst>
+              <a:ext uri="{28A0092B-C50C-407E-A947-70E740481C1C}">
+                <a14:useLocalDpi xmlns:a14="http://schemas.microsoft.com/office/drawing/2010/main" val="0"/>
+              </a:ext>
+              <a:ext uri="{96DAC541-7B7A-43D3-8B79-37D633B846F1}">
+                <asvg:svgBlip xmlns:asvg="http://schemas.microsoft.com/office/drawing/2016/SVG/main" r:embed="rId7"/>
+              </a:ext>
+            </a:extLst>
+          </a:blip>
+          <a:stretch>
+            <a:fillRect/>
+          </a:stretch>
+        </p:blipFill>
+        <p:spPr>
+          <a:xfrm>
+            <a:off x="8849282" y="5193978"/>
+            <a:ext cx="1298896" cy="1298896"/>
+          </a:xfrm>
+          <a:prstGeom prst="rect">
+            <a:avLst/>
+          </a:prstGeom>
+        </p:spPr>
+      </p:pic>
+      <p:sp>
+        <p:nvSpPr>
+          <p:cNvPr id="43" name="TextBox 42">
+            <a:extLst>
+              <a:ext uri="{FF2B5EF4-FFF2-40B4-BE49-F238E27FC236}">
+                <a16:creationId xmlns:a16="http://schemas.microsoft.com/office/drawing/2014/main" id="{D28D6946-D4D3-EAC3-0FD7-962264ECF768}"/>
+              </a:ext>
+            </a:extLst>
+          </p:cNvPr>
+          <p:cNvSpPr txBox="1"/>
+          <p:nvPr/>
+        </p:nvSpPr>
+        <p:spPr>
+          <a:xfrm>
+            <a:off x="8922258" y="6331291"/>
+            <a:ext cx="1225920" cy="323165"/>
+          </a:xfrm>
+          <a:prstGeom prst="rect">
+            <a:avLst/>
+          </a:prstGeom>
+          <a:noFill/>
+        </p:spPr>
+        <p:txBody>
+          <a:bodyPr wrap="square" rtlCol="0">
+            <a:spAutoFit/>
+          </a:bodyPr>
+          <a:lstStyle/>
+          <a:p>
+            <a:r>
+              <a:rPr lang="en-US" altLang="ko-KR" sz="1500" b="1" dirty="0">
+                <a:solidFill>
+                  <a:schemeClr val="bg1"/>
+                </a:solidFill>
+              </a:rPr>
+              <a:t>192.168.0.1</a:t>
+            </a:r>
+            <a:endParaRPr lang="ko-KR" altLang="en-US" sz="1500" b="1" dirty="0">
+              <a:solidFill>
+                <a:schemeClr val="bg1"/>
+              </a:solidFill>
+            </a:endParaRPr>
+          </a:p>
+        </p:txBody>
+      </p:sp>
+      <p:pic>
+        <p:nvPicPr>
+          <p:cNvPr id="44" name="그래픽 43" descr="스마트폰 단색으로 채워진">
+            <a:extLst>
+              <a:ext uri="{FF2B5EF4-FFF2-40B4-BE49-F238E27FC236}">
+                <a16:creationId xmlns:a16="http://schemas.microsoft.com/office/drawing/2014/main" id="{57C29B58-6F3D-12EA-550A-02AB5F098AED}"/>
+              </a:ext>
+            </a:extLst>
+          </p:cNvPr>
+          <p:cNvPicPr>
+            <a:picLocks noChangeAspect="1"/>
+          </p:cNvPicPr>
+          <p:nvPr/>
+        </p:nvPicPr>
+        <p:blipFill>
+          <a:blip r:embed="rId8">
+            <a:extLst>
+              <a:ext uri="{28A0092B-C50C-407E-A947-70E740481C1C}">
+                <a14:useLocalDpi xmlns:a14="http://schemas.microsoft.com/office/drawing/2010/main" val="0"/>
+              </a:ext>
+              <a:ext uri="{96DAC541-7B7A-43D3-8B79-37D633B846F1}">
+                <asvg:svgBlip xmlns:asvg="http://schemas.microsoft.com/office/drawing/2016/SVG/main" r:embed="rId9"/>
+              </a:ext>
+            </a:extLst>
+          </a:blip>
+          <a:stretch>
+            <a:fillRect/>
+          </a:stretch>
+        </p:blipFill>
+        <p:spPr>
+          <a:xfrm>
+            <a:off x="10531679" y="5003984"/>
+            <a:ext cx="914400" cy="914400"/>
+          </a:xfrm>
+          <a:prstGeom prst="rect">
+            <a:avLst/>
+          </a:prstGeom>
+        </p:spPr>
+      </p:pic>
+      <p:sp>
+        <p:nvSpPr>
+          <p:cNvPr id="45" name="TextBox 44">
+            <a:extLst>
+              <a:ext uri="{FF2B5EF4-FFF2-40B4-BE49-F238E27FC236}">
+                <a16:creationId xmlns:a16="http://schemas.microsoft.com/office/drawing/2014/main" id="{9AF58266-A612-619D-EA9A-C298BCA96EF0}"/>
+              </a:ext>
+            </a:extLst>
+          </p:cNvPr>
+          <p:cNvSpPr txBox="1"/>
+          <p:nvPr/>
+        </p:nvSpPr>
+        <p:spPr>
+          <a:xfrm>
+            <a:off x="10381834" y="5967019"/>
+            <a:ext cx="1225920" cy="323165"/>
+          </a:xfrm>
+          <a:prstGeom prst="rect">
+            <a:avLst/>
+          </a:prstGeom>
+          <a:noFill/>
+        </p:spPr>
+        <p:txBody>
+          <a:bodyPr wrap="square" rtlCol="0">
+            <a:spAutoFit/>
+          </a:bodyPr>
+          <a:lstStyle/>
+          <a:p>
+            <a:r>
+              <a:rPr lang="en-US" altLang="ko-KR" sz="1500" b="1" dirty="0">
+                <a:solidFill>
+                  <a:schemeClr val="bg1"/>
+                </a:solidFill>
+              </a:rPr>
+              <a:t>192.168.0.2</a:t>
+            </a:r>
+            <a:endParaRPr lang="ko-KR" altLang="en-US" sz="1500" b="1" dirty="0">
+              <a:solidFill>
+                <a:schemeClr val="bg1"/>
+              </a:solidFill>
+            </a:endParaRPr>
+          </a:p>
+        </p:txBody>
+      </p:sp>
+      <p:cxnSp>
+        <p:nvCxnSpPr>
+          <p:cNvPr id="46" name="직선 화살표 연결선 45">
+            <a:extLst>
+              <a:ext uri="{FF2B5EF4-FFF2-40B4-BE49-F238E27FC236}">
+                <a16:creationId xmlns:a16="http://schemas.microsoft.com/office/drawing/2014/main" id="{BFC765F1-2291-91FA-2940-FBCE3F17BB5A}"/>
+              </a:ext>
+            </a:extLst>
+          </p:cNvPr>
+          <p:cNvCxnSpPr>
+            <a:cxnSpLocks/>
+          </p:cNvCxnSpPr>
+          <p:nvPr/>
+        </p:nvCxnSpPr>
+        <p:spPr>
+          <a:xfrm flipH="1" flipV="1">
+            <a:off x="7325266" y="3528465"/>
+            <a:ext cx="529892" cy="297301"/>
+          </a:xfrm>
+          <a:prstGeom prst="straightConnector1">
+            <a:avLst/>
+          </a:prstGeom>
+          <a:ln w="38100">
+            <a:solidFill>
+              <a:schemeClr val="bg1"/>
+            </a:solidFill>
+            <a:headEnd type="triangle"/>
+            <a:tailEnd type="triangle"/>
+          </a:ln>
+        </p:spPr>
+        <p:style>
+          <a:lnRef idx="1">
+            <a:schemeClr val="accent1"/>
+          </a:lnRef>
+          <a:fillRef idx="0">
+            <a:schemeClr val="accent1"/>
+          </a:fillRef>
+          <a:effectRef idx="0">
+            <a:schemeClr val="accent1"/>
+          </a:effectRef>
+          <a:fontRef idx="minor">
+            <a:schemeClr val="tx1"/>
+          </a:fontRef>
+        </p:style>
+      </p:cxnSp>
+      <p:cxnSp>
+        <p:nvCxnSpPr>
+          <p:cNvPr id="49" name="직선 화살표 연결선 48">
+            <a:extLst>
+              <a:ext uri="{FF2B5EF4-FFF2-40B4-BE49-F238E27FC236}">
+                <a16:creationId xmlns:a16="http://schemas.microsoft.com/office/drawing/2014/main" id="{787EC6CF-6C17-BF70-2B3A-5F046131B562}"/>
+              </a:ext>
+            </a:extLst>
+          </p:cNvPr>
+          <p:cNvCxnSpPr>
+            <a:cxnSpLocks/>
+          </p:cNvCxnSpPr>
+          <p:nvPr/>
+        </p:nvCxnSpPr>
+        <p:spPr>
+          <a:xfrm flipH="1">
+            <a:off x="4343603" y="3563007"/>
+            <a:ext cx="527117" cy="262759"/>
+          </a:xfrm>
+          <a:prstGeom prst="straightConnector1">
+            <a:avLst/>
+          </a:prstGeom>
+          <a:ln w="38100">
+            <a:solidFill>
+              <a:schemeClr val="bg1"/>
+            </a:solidFill>
+            <a:headEnd type="triangle"/>
+            <a:tailEnd type="triangle"/>
+          </a:ln>
+        </p:spPr>
+        <p:style>
+          <a:lnRef idx="1">
+            <a:schemeClr val="accent1"/>
+          </a:lnRef>
+          <a:fillRef idx="0">
+            <a:schemeClr val="accent1"/>
+          </a:fillRef>
+          <a:effectRef idx="0">
+            <a:schemeClr val="accent1"/>
+          </a:effectRef>
+          <a:fontRef idx="minor">
+            <a:schemeClr val="tx1"/>
+          </a:fontRef>
+        </p:style>
+      </p:cxnSp>
+      <p:sp>
+        <p:nvSpPr>
+          <p:cNvPr id="52" name="타원 51">
+            <a:extLst>
+              <a:ext uri="{FF2B5EF4-FFF2-40B4-BE49-F238E27FC236}">
+                <a16:creationId xmlns:a16="http://schemas.microsoft.com/office/drawing/2014/main" id="{3CD2BCAB-D84F-33C1-9B47-E5B79D020D84}"/>
+              </a:ext>
+            </a:extLst>
+          </p:cNvPr>
+          <p:cNvSpPr/>
+          <p:nvPr/>
+        </p:nvSpPr>
+        <p:spPr>
+          <a:xfrm>
+            <a:off x="1" y="2924340"/>
+            <a:ext cx="4582510" cy="3823301"/>
+          </a:xfrm>
+          <a:prstGeom prst="ellipse">
+            <a:avLst/>
+          </a:prstGeom>
+          <a:noFill/>
+          <a:ln w="38100">
+            <a:solidFill>
+              <a:schemeClr val="bg1"/>
+            </a:solidFill>
+          </a:ln>
+        </p:spPr>
+        <p:style>
+          <a:lnRef idx="2">
+            <a:schemeClr val="accent1">
+              <a:shade val="15000"/>
+            </a:schemeClr>
+          </a:lnRef>
+          <a:fillRef idx="1">
+            <a:schemeClr val="accent1"/>
+          </a:fillRef>
+          <a:effectRef idx="0">
+            <a:schemeClr val="accent1"/>
+          </a:effectRef>
+          <a:fontRef idx="minor">
+            <a:schemeClr val="lt1"/>
+          </a:fontRef>
+        </p:style>
+        <p:txBody>
+          <a:bodyPr rtlCol="0" anchor="ctr"/>
+          <a:lstStyle/>
+          <a:p>
+            <a:pPr algn="ctr"/>
+            <a:endParaRPr lang="ko-KR" altLang="en-US"/>
+          </a:p>
+        </p:txBody>
+      </p:sp>
+      <p:sp>
+        <p:nvSpPr>
+          <p:cNvPr id="54" name="타원 53">
+            <a:extLst>
+              <a:ext uri="{FF2B5EF4-FFF2-40B4-BE49-F238E27FC236}">
+                <a16:creationId xmlns:a16="http://schemas.microsoft.com/office/drawing/2014/main" id="{21AC0E60-1074-AD3F-35AA-0E29A910E23A}"/>
+              </a:ext>
+            </a:extLst>
+          </p:cNvPr>
+          <p:cNvSpPr/>
+          <p:nvPr/>
+        </p:nvSpPr>
+        <p:spPr>
+          <a:xfrm>
+            <a:off x="7607100" y="2959907"/>
+            <a:ext cx="4582510" cy="3823301"/>
+          </a:xfrm>
+          <a:prstGeom prst="ellipse">
+            <a:avLst/>
+          </a:prstGeom>
+          <a:noFill/>
+          <a:ln w="38100">
+            <a:solidFill>
+              <a:schemeClr val="bg1"/>
+            </a:solidFill>
+          </a:ln>
+        </p:spPr>
+        <p:style>
+          <a:lnRef idx="2">
+            <a:schemeClr val="accent1">
+              <a:shade val="15000"/>
+            </a:schemeClr>
+          </a:lnRef>
+          <a:fillRef idx="1">
+            <a:schemeClr val="accent1"/>
+          </a:fillRef>
+          <a:effectRef idx="0">
+            <a:schemeClr val="accent1"/>
+          </a:effectRef>
+          <a:fontRef idx="minor">
+            <a:schemeClr val="lt1"/>
+          </a:fontRef>
+        </p:style>
+        <p:txBody>
+          <a:bodyPr rtlCol="0" anchor="ctr"/>
+          <a:lstStyle/>
+          <a:p>
+            <a:pPr algn="ctr"/>
+            <a:endParaRPr lang="ko-KR" altLang="en-US"/>
+          </a:p>
+        </p:txBody>
+      </p:sp>
+      <p:sp>
+        <p:nvSpPr>
+          <p:cNvPr id="57" name="TextBox 56">
+            <a:extLst>
+              <a:ext uri="{FF2B5EF4-FFF2-40B4-BE49-F238E27FC236}">
+                <a16:creationId xmlns:a16="http://schemas.microsoft.com/office/drawing/2014/main" id="{25735F35-6290-CD47-2356-A8FB0DFD7F46}"/>
+              </a:ext>
+            </a:extLst>
+          </p:cNvPr>
+          <p:cNvSpPr txBox="1"/>
+          <p:nvPr/>
+        </p:nvSpPr>
+        <p:spPr>
+          <a:xfrm>
+            <a:off x="9535218" y="3459987"/>
+            <a:ext cx="1755617" cy="323165"/>
+          </a:xfrm>
+          <a:prstGeom prst="rect">
+            <a:avLst/>
+          </a:prstGeom>
+          <a:noFill/>
+        </p:spPr>
+        <p:txBody>
+          <a:bodyPr wrap="square" rtlCol="0">
+            <a:spAutoFit/>
+          </a:bodyPr>
+          <a:lstStyle/>
+          <a:p>
+            <a:r>
+              <a:rPr lang="en-US" altLang="ko-KR" sz="1500" b="1" dirty="0">
+                <a:solidFill>
+                  <a:schemeClr val="bg1"/>
+                </a:solidFill>
+              </a:rPr>
+              <a:t>Private Network</a:t>
+            </a:r>
+            <a:endParaRPr lang="ko-KR" altLang="en-US" sz="1500" b="1" dirty="0">
+              <a:solidFill>
+                <a:schemeClr val="bg1"/>
+              </a:solidFill>
+            </a:endParaRPr>
+          </a:p>
+        </p:txBody>
+      </p:sp>
+      <p:sp>
+        <p:nvSpPr>
+          <p:cNvPr id="58" name="TextBox 57">
+            <a:extLst>
+              <a:ext uri="{FF2B5EF4-FFF2-40B4-BE49-F238E27FC236}">
+                <a16:creationId xmlns:a16="http://schemas.microsoft.com/office/drawing/2014/main" id="{6A834A9E-BD8F-E9B8-BB49-DDF8D2231E7B}"/>
+              </a:ext>
+            </a:extLst>
+          </p:cNvPr>
+          <p:cNvSpPr txBox="1"/>
+          <p:nvPr/>
+        </p:nvSpPr>
+        <p:spPr>
+          <a:xfrm>
+            <a:off x="1046562" y="3489758"/>
+            <a:ext cx="1755617" cy="323165"/>
+          </a:xfrm>
+          <a:prstGeom prst="rect">
+            <a:avLst/>
+          </a:prstGeom>
+          <a:noFill/>
+        </p:spPr>
+        <p:txBody>
+          <a:bodyPr wrap="square" rtlCol="0">
+            <a:spAutoFit/>
+          </a:bodyPr>
+          <a:lstStyle/>
+          <a:p>
+            <a:r>
+              <a:rPr lang="en-US" altLang="ko-KR" sz="1500" b="1" dirty="0">
+                <a:solidFill>
+                  <a:schemeClr val="bg1"/>
+                </a:solidFill>
+              </a:rPr>
+              <a:t>Private Network</a:t>
+            </a:r>
+            <a:endParaRPr lang="ko-KR" altLang="en-US" sz="1500" b="1" dirty="0">
+              <a:solidFill>
+                <a:schemeClr val="bg1"/>
+              </a:solidFill>
+            </a:endParaRPr>
+          </a:p>
+        </p:txBody>
+      </p:sp>
+      <p:sp>
+        <p:nvSpPr>
+          <p:cNvPr id="68" name="TextBox 67">
+            <a:extLst>
+              <a:ext uri="{FF2B5EF4-FFF2-40B4-BE49-F238E27FC236}">
+                <a16:creationId xmlns:a16="http://schemas.microsoft.com/office/drawing/2014/main" id="{6B2DD06E-CD96-6DF9-8251-7DFD2F843537}"/>
+              </a:ext>
+            </a:extLst>
+          </p:cNvPr>
+          <p:cNvSpPr txBox="1"/>
+          <p:nvPr/>
+        </p:nvSpPr>
+        <p:spPr>
+          <a:xfrm>
+            <a:off x="3342929" y="2633891"/>
+            <a:ext cx="1755617" cy="323165"/>
+          </a:xfrm>
+          <a:prstGeom prst="rect">
+            <a:avLst/>
+          </a:prstGeom>
+          <a:noFill/>
+        </p:spPr>
+        <p:txBody>
+          <a:bodyPr wrap="square" rtlCol="0">
+            <a:spAutoFit/>
+          </a:bodyPr>
+          <a:lstStyle/>
+          <a:p>
+            <a:r>
+              <a:rPr lang="en-US" altLang="ko-KR" sz="1500" b="1" dirty="0">
+                <a:solidFill>
+                  <a:schemeClr val="bg1"/>
+                </a:solidFill>
+              </a:rPr>
+              <a:t>Public Network</a:t>
+            </a:r>
+            <a:endParaRPr lang="ko-KR" altLang="en-US" sz="1500" b="1" dirty="0">
+              <a:solidFill>
+                <a:schemeClr val="bg1"/>
+              </a:solidFill>
+            </a:endParaRPr>
+          </a:p>
+        </p:txBody>
+      </p:sp>
+      <p:sp>
+        <p:nvSpPr>
+          <p:cNvPr id="69" name="TextBox 68">
+            <a:extLst>
+              <a:ext uri="{FF2B5EF4-FFF2-40B4-BE49-F238E27FC236}">
+                <a16:creationId xmlns:a16="http://schemas.microsoft.com/office/drawing/2014/main" id="{98372650-C4D1-549A-F7E4-5CB722BA5E70}"/>
+              </a:ext>
+            </a:extLst>
+          </p:cNvPr>
+          <p:cNvSpPr txBox="1"/>
+          <p:nvPr/>
+        </p:nvSpPr>
+        <p:spPr>
+          <a:xfrm>
+            <a:off x="7093454" y="2633891"/>
+            <a:ext cx="1755617" cy="323165"/>
+          </a:xfrm>
+          <a:prstGeom prst="rect">
+            <a:avLst/>
+          </a:prstGeom>
+          <a:noFill/>
+        </p:spPr>
+        <p:txBody>
+          <a:bodyPr wrap="square" rtlCol="0">
+            <a:spAutoFit/>
+          </a:bodyPr>
+          <a:lstStyle/>
+          <a:p>
+            <a:r>
+              <a:rPr lang="en-US" altLang="ko-KR" sz="1500" b="1" dirty="0">
+                <a:solidFill>
+                  <a:schemeClr val="bg1"/>
+                </a:solidFill>
+              </a:rPr>
+              <a:t>Public Network</a:t>
+            </a:r>
+            <a:endParaRPr lang="ko-KR" altLang="en-US" sz="1500" b="1" dirty="0">
+              <a:solidFill>
+                <a:schemeClr val="bg1"/>
+              </a:solidFill>
+            </a:endParaRPr>
+          </a:p>
+        </p:txBody>
+      </p:sp>
+    </p:spTree>
+    <p:extLst>
+      <p:ext uri="{BB962C8B-B14F-4D97-AF65-F5344CB8AC3E}">
+        <p14:creationId xmlns:p14="http://schemas.microsoft.com/office/powerpoint/2010/main" val="2845174430"/>
+      </p:ext>
+    </p:extLst>
+  </p:cSld>
+  <p:clrMapOvr>
+    <a:masterClrMapping/>
+  </p:clrMapOvr>
+</p:sld>
+</file>
+
+<file path=ppt/slides/slide7.xml><?xml version="1.0" encoding="utf-8"?>
+<p:sld xmlns:a="http://schemas.openxmlformats.org/drawingml/2006/main" xmlns:r="http://schemas.openxmlformats.org/officeDocument/2006/relationships" xmlns:p="http://schemas.openxmlformats.org/presentationml/2006/main">
+  <p:cSld>
+    <p:bg>
+      <p:bgPr>
+        <a:solidFill>
+          <a:schemeClr val="tx1"/>
+        </a:solidFill>
+        <a:effectLst/>
+      </p:bgPr>
+    </p:bg>
+    <p:spTree>
+      <p:nvGrpSpPr>
+        <p:cNvPr id="1" name=""/>
+        <p:cNvGrpSpPr/>
+        <p:nvPr/>
+      </p:nvGrpSpPr>
+      <p:grpSpPr>
+        <a:xfrm>
+          <a:off x="0" y="0"/>
+          <a:ext cx="0" cy="0"/>
+          <a:chOff x="0" y="0"/>
+          <a:chExt cx="0" cy="0"/>
+        </a:xfrm>
+      </p:grpSpPr>
+      <p:sp>
+        <p:nvSpPr>
+          <p:cNvPr id="2" name="제목 1">
+            <a:extLst>
+              <a:ext uri="{FF2B5EF4-FFF2-40B4-BE49-F238E27FC236}">
+                <a16:creationId xmlns:a16="http://schemas.microsoft.com/office/drawing/2014/main" id="{993AA972-8F70-42DA-61C6-C82D61F031EA}"/>
+              </a:ext>
+            </a:extLst>
+          </p:cNvPr>
+          <p:cNvSpPr>
+            <a:spLocks noGrp="1"/>
+          </p:cNvSpPr>
+          <p:nvPr>
+            <p:ph type="title"/>
+          </p:nvPr>
+        </p:nvSpPr>
+        <p:spPr/>
+        <p:txBody>
+          <a:bodyPr>
+            <a:normAutofit/>
+          </a:bodyPr>
+          <a:lstStyle/>
+          <a:p>
+            <a:pPr algn="ctr"/>
+            <a:r>
+              <a:rPr lang="en-US" altLang="ko-KR" sz="4000" b="1" dirty="0">
+                <a:solidFill>
+                  <a:schemeClr val="bg1"/>
+                </a:solidFill>
+              </a:rPr>
+              <a:t>NAT Table</a:t>
+            </a:r>
+            <a:endParaRPr lang="ko-KR" altLang="en-US" sz="4000" b="1" dirty="0">
+              <a:solidFill>
+                <a:schemeClr val="bg1"/>
+              </a:solidFill>
+            </a:endParaRPr>
+          </a:p>
+        </p:txBody>
+      </p:sp>
+      <p:sp>
+        <p:nvSpPr>
+          <p:cNvPr id="3" name="내용 개체 틀 2">
+            <a:extLst>
+              <a:ext uri="{FF2B5EF4-FFF2-40B4-BE49-F238E27FC236}">
+                <a16:creationId xmlns:a16="http://schemas.microsoft.com/office/drawing/2014/main" id="{87A0DF69-10B8-0D20-D0FD-6D1E744CF1E4}"/>
+              </a:ext>
+            </a:extLst>
+          </p:cNvPr>
+          <p:cNvSpPr>
+            <a:spLocks noGrp="1"/>
+          </p:cNvSpPr>
+          <p:nvPr>
+            <p:ph idx="1"/>
+          </p:nvPr>
+        </p:nvSpPr>
+        <p:spPr>
+          <a:xfrm>
+            <a:off x="838200" y="1825625"/>
+            <a:ext cx="10515600" cy="867241"/>
+          </a:xfrm>
+        </p:spPr>
+        <p:txBody>
+          <a:bodyPr>
+            <a:normAutofit/>
+          </a:bodyPr>
+          <a:lstStyle/>
+          <a:p>
+            <a:pPr marL="0" indent="0" algn="ctr">
+              <a:buNone/>
+            </a:pPr>
+            <a:r>
+              <a:rPr lang="en-US" altLang="ko-KR" sz="2000" b="1" dirty="0">
+                <a:solidFill>
+                  <a:schemeClr val="bg1"/>
+                </a:solidFill>
+              </a:rPr>
+              <a:t>NAT</a:t>
+            </a:r>
+            <a:r>
+              <a:rPr lang="ko-KR" altLang="en-US" sz="2000" b="1" dirty="0">
+                <a:solidFill>
+                  <a:schemeClr val="bg1"/>
+                </a:solidFill>
+              </a:rPr>
+              <a:t> </a:t>
+            </a:r>
+            <a:r>
+              <a:rPr lang="en-US" altLang="ko-KR" sz="2000" b="1" dirty="0">
+                <a:solidFill>
+                  <a:schemeClr val="bg1"/>
+                </a:solidFill>
+              </a:rPr>
+              <a:t>Table</a:t>
+            </a:r>
+            <a:r>
+              <a:rPr lang="ko-KR" altLang="en-US" sz="2000" b="1" dirty="0">
+                <a:solidFill>
+                  <a:schemeClr val="bg1"/>
+                </a:solidFill>
+              </a:rPr>
+              <a:t>은 </a:t>
+            </a:r>
+            <a:r>
+              <a:rPr lang="en-US" altLang="ko-KR" sz="2000" b="1" dirty="0">
+                <a:solidFill>
+                  <a:schemeClr val="bg1"/>
+                </a:solidFill>
+              </a:rPr>
+              <a:t>Public</a:t>
+            </a:r>
+            <a:r>
+              <a:rPr lang="ko-KR" altLang="en-US" sz="2000" b="1" dirty="0">
+                <a:solidFill>
+                  <a:schemeClr val="bg1"/>
+                </a:solidFill>
+              </a:rPr>
+              <a:t> </a:t>
+            </a:r>
+            <a:r>
+              <a:rPr lang="en-US" altLang="ko-KR" sz="2000" b="1" dirty="0">
+                <a:solidFill>
+                  <a:schemeClr val="bg1"/>
+                </a:solidFill>
+              </a:rPr>
+              <a:t>IP</a:t>
+            </a:r>
+            <a:r>
+              <a:rPr lang="ko-KR" altLang="en-US" sz="2000" b="1" dirty="0">
+                <a:solidFill>
+                  <a:schemeClr val="bg1"/>
+                </a:solidFill>
+              </a:rPr>
+              <a:t>와 </a:t>
+            </a:r>
+            <a:r>
+              <a:rPr lang="en-US" altLang="ko-KR" sz="2000" b="1" dirty="0">
+                <a:solidFill>
+                  <a:schemeClr val="bg1"/>
+                </a:solidFill>
+              </a:rPr>
+              <a:t>Private IP</a:t>
+            </a:r>
+            <a:r>
+              <a:rPr lang="ko-KR" altLang="en-US" sz="2000" b="1" dirty="0">
+                <a:solidFill>
+                  <a:schemeClr val="bg1"/>
+                </a:solidFill>
+              </a:rPr>
+              <a:t>을 변환 할 때 기록 하는 </a:t>
+            </a:r>
+            <a:r>
+              <a:rPr lang="en-US" altLang="ko-KR" sz="2000" b="1" dirty="0">
+                <a:solidFill>
+                  <a:schemeClr val="bg1"/>
+                </a:solidFill>
+              </a:rPr>
+              <a:t>Table</a:t>
+            </a:r>
+            <a:r>
+              <a:rPr lang="ko-KR" altLang="en-US" sz="2000" b="1" dirty="0">
+                <a:solidFill>
+                  <a:schemeClr val="bg1"/>
+                </a:solidFill>
+              </a:rPr>
+              <a:t>이다</a:t>
+            </a:r>
+            <a:r>
+              <a:rPr lang="en-US" altLang="ko-KR" sz="2000" b="1" dirty="0">
+                <a:solidFill>
+                  <a:schemeClr val="bg1"/>
+                </a:solidFill>
+              </a:rPr>
+              <a:t>.</a:t>
+            </a:r>
+          </a:p>
+          <a:p>
+            <a:pPr marL="0" indent="0" algn="ctr">
+              <a:buNone/>
+            </a:pPr>
+            <a:r>
+              <a:rPr lang="en-US" altLang="ko-KR" sz="2000" b="1" dirty="0">
+                <a:solidFill>
+                  <a:schemeClr val="bg1"/>
+                </a:solidFill>
+              </a:rPr>
+              <a:t>Table</a:t>
+            </a:r>
+            <a:r>
+              <a:rPr lang="ko-KR" altLang="en-US" sz="2000" b="1" dirty="0">
+                <a:solidFill>
+                  <a:schemeClr val="bg1"/>
+                </a:solidFill>
+              </a:rPr>
+              <a:t>에 기록된 </a:t>
+            </a:r>
+            <a:r>
+              <a:rPr lang="en-US" altLang="ko-KR" sz="2000" b="1" dirty="0">
+                <a:solidFill>
+                  <a:schemeClr val="bg1"/>
+                </a:solidFill>
+              </a:rPr>
+              <a:t>Public IP</a:t>
+            </a:r>
+            <a:r>
+              <a:rPr lang="ko-KR" altLang="en-US" sz="2000" b="1" dirty="0">
+                <a:solidFill>
+                  <a:schemeClr val="bg1"/>
+                </a:solidFill>
+              </a:rPr>
+              <a:t>와  </a:t>
+            </a:r>
+            <a:r>
+              <a:rPr lang="en-US" altLang="ko-KR" sz="2000" b="1" dirty="0">
+                <a:solidFill>
+                  <a:schemeClr val="bg1"/>
+                </a:solidFill>
+              </a:rPr>
+              <a:t>Private</a:t>
+            </a:r>
+            <a:r>
+              <a:rPr lang="ko-KR" altLang="en-US" sz="2000" b="1" dirty="0">
+                <a:solidFill>
+                  <a:schemeClr val="bg1"/>
+                </a:solidFill>
+              </a:rPr>
+              <a:t> </a:t>
+            </a:r>
+            <a:r>
+              <a:rPr lang="en-US" altLang="ko-KR" sz="2000" b="1" dirty="0">
+                <a:solidFill>
+                  <a:schemeClr val="bg1"/>
+                </a:solidFill>
+              </a:rPr>
+              <a:t>IP</a:t>
+            </a:r>
+            <a:r>
+              <a:rPr lang="ko-KR" altLang="en-US" sz="2000" b="1" dirty="0">
+                <a:solidFill>
+                  <a:schemeClr val="bg1"/>
+                </a:solidFill>
+              </a:rPr>
+              <a:t>를 바탕으로 </a:t>
+            </a:r>
+            <a:r>
+              <a:rPr lang="en-US" altLang="ko-KR" sz="2000" b="1" dirty="0">
+                <a:solidFill>
+                  <a:schemeClr val="bg1"/>
+                </a:solidFill>
+              </a:rPr>
+              <a:t>NAT</a:t>
+            </a:r>
+            <a:r>
+              <a:rPr lang="ko-KR" altLang="en-US" sz="2000" b="1" dirty="0">
+                <a:solidFill>
+                  <a:schemeClr val="bg1"/>
+                </a:solidFill>
+              </a:rPr>
+              <a:t>를 수행한다</a:t>
+            </a:r>
+            <a:r>
+              <a:rPr lang="en-US" altLang="ko-KR" sz="2000" b="1" dirty="0">
+                <a:solidFill>
+                  <a:schemeClr val="bg1"/>
+                </a:solidFill>
+              </a:rPr>
+              <a:t>.</a:t>
+            </a:r>
+          </a:p>
+        </p:txBody>
+      </p:sp>
+      <p:pic>
+        <p:nvPicPr>
+          <p:cNvPr id="23" name="그래픽 22" descr="컴퓨터 단색으로 채워진">
+            <a:extLst>
+              <a:ext uri="{FF2B5EF4-FFF2-40B4-BE49-F238E27FC236}">
+                <a16:creationId xmlns:a16="http://schemas.microsoft.com/office/drawing/2014/main" id="{EC56C828-F79D-FBE5-BF0B-96FD2C42E4C7}"/>
+              </a:ext>
+            </a:extLst>
+          </p:cNvPr>
+          <p:cNvPicPr>
+            <a:picLocks noChangeAspect="1"/>
+          </p:cNvPicPr>
+          <p:nvPr/>
+        </p:nvPicPr>
+        <p:blipFill>
+          <a:blip r:embed="rId2">
+            <a:extLst>
+              <a:ext uri="{28A0092B-C50C-407E-A947-70E740481C1C}">
+                <a14:useLocalDpi xmlns:a14="http://schemas.microsoft.com/office/drawing/2010/main" val="0"/>
+              </a:ext>
+              <a:ext uri="{96DAC541-7B7A-43D3-8B79-37D633B846F1}">
+                <asvg:svgBlip xmlns:asvg="http://schemas.microsoft.com/office/drawing/2016/SVG/main" r:embed="rId3"/>
+              </a:ext>
+            </a:extLst>
+          </a:blip>
+          <a:stretch>
+            <a:fillRect/>
+          </a:stretch>
+        </p:blipFill>
+        <p:spPr>
+          <a:xfrm>
+            <a:off x="1720572" y="2714130"/>
+            <a:ext cx="1298896" cy="1298896"/>
+          </a:xfrm>
+          <a:prstGeom prst="rect">
+            <a:avLst/>
+          </a:prstGeom>
+        </p:spPr>
+      </p:pic>
+      <p:sp>
+        <p:nvSpPr>
+          <p:cNvPr id="24" name="TextBox 23">
+            <a:extLst>
+              <a:ext uri="{FF2B5EF4-FFF2-40B4-BE49-F238E27FC236}">
+                <a16:creationId xmlns:a16="http://schemas.microsoft.com/office/drawing/2014/main" id="{522593F9-C3F4-CCB3-3E3F-E482CF5CD4E6}"/>
+              </a:ext>
+            </a:extLst>
+          </p:cNvPr>
+          <p:cNvSpPr txBox="1"/>
+          <p:nvPr/>
+        </p:nvSpPr>
+        <p:spPr>
+          <a:xfrm>
+            <a:off x="5436251" y="3122036"/>
+            <a:ext cx="1463096" cy="477054"/>
+          </a:xfrm>
+          <a:prstGeom prst="rect">
+            <a:avLst/>
+          </a:prstGeom>
+          <a:noFill/>
+        </p:spPr>
+        <p:txBody>
+          <a:bodyPr wrap="square" rtlCol="0">
+            <a:spAutoFit/>
+          </a:bodyPr>
+          <a:lstStyle/>
+          <a:p>
+            <a:r>
+              <a:rPr lang="en-US" altLang="ko-KR" sz="2500" b="1" dirty="0">
+                <a:solidFill>
+                  <a:schemeClr val="bg1"/>
+                </a:solidFill>
+              </a:rPr>
+              <a:t>Internet</a:t>
+            </a:r>
+            <a:endParaRPr lang="ko-KR" altLang="en-US" sz="2500" b="1" dirty="0">
+              <a:solidFill>
+                <a:schemeClr val="bg1"/>
+              </a:solidFill>
+            </a:endParaRPr>
+          </a:p>
+        </p:txBody>
+      </p:sp>
+      <p:pic>
+        <p:nvPicPr>
+          <p:cNvPr id="25" name="그래픽 24" descr="컴퓨터 단색으로 채워진">
+            <a:extLst>
+              <a:ext uri="{FF2B5EF4-FFF2-40B4-BE49-F238E27FC236}">
+                <a16:creationId xmlns:a16="http://schemas.microsoft.com/office/drawing/2014/main" id="{7236D111-FF6B-9502-770C-192DC9616D3B}"/>
+              </a:ext>
+            </a:extLst>
+          </p:cNvPr>
+          <p:cNvPicPr>
+            <a:picLocks noChangeAspect="1"/>
+          </p:cNvPicPr>
+          <p:nvPr/>
+        </p:nvPicPr>
+        <p:blipFill>
+          <a:blip r:embed="rId2">
+            <a:extLst>
+              <a:ext uri="{28A0092B-C50C-407E-A947-70E740481C1C}">
+                <a14:useLocalDpi xmlns:a14="http://schemas.microsoft.com/office/drawing/2010/main" val="0"/>
+              </a:ext>
+              <a:ext uri="{96DAC541-7B7A-43D3-8B79-37D633B846F1}">
+                <asvg:svgBlip xmlns:asvg="http://schemas.microsoft.com/office/drawing/2016/SVG/main" r:embed="rId3"/>
+              </a:ext>
+            </a:extLst>
+          </a:blip>
+          <a:stretch>
+            <a:fillRect/>
+          </a:stretch>
+        </p:blipFill>
+        <p:spPr>
+          <a:xfrm>
+            <a:off x="9168354" y="2755570"/>
+            <a:ext cx="1298896" cy="1298896"/>
+          </a:xfrm>
+          <a:prstGeom prst="rect">
+            <a:avLst/>
+          </a:prstGeom>
+        </p:spPr>
+      </p:pic>
+      <p:cxnSp>
+        <p:nvCxnSpPr>
+          <p:cNvPr id="26" name="직선 연결선 25">
+            <a:extLst>
+              <a:ext uri="{FF2B5EF4-FFF2-40B4-BE49-F238E27FC236}">
+                <a16:creationId xmlns:a16="http://schemas.microsoft.com/office/drawing/2014/main" id="{68895F5D-CAE8-BBB3-4984-5646D567035D}"/>
+              </a:ext>
+            </a:extLst>
+          </p:cNvPr>
+          <p:cNvCxnSpPr>
+            <a:cxnSpLocks/>
+          </p:cNvCxnSpPr>
+          <p:nvPr/>
+        </p:nvCxnSpPr>
+        <p:spPr>
+          <a:xfrm>
+            <a:off x="6196668" y="4692422"/>
+            <a:ext cx="0" cy="1758610"/>
+          </a:xfrm>
+          <a:prstGeom prst="line">
+            <a:avLst/>
+          </a:prstGeom>
+          <a:ln w="38100">
+            <a:solidFill>
+              <a:schemeClr val="bg1"/>
+            </a:solidFill>
+          </a:ln>
+        </p:spPr>
+        <p:style>
+          <a:lnRef idx="1">
+            <a:schemeClr val="accent1"/>
+          </a:lnRef>
+          <a:fillRef idx="0">
+            <a:schemeClr val="accent1"/>
+          </a:fillRef>
+          <a:effectRef idx="0">
+            <a:schemeClr val="accent1"/>
+          </a:effectRef>
+          <a:fontRef idx="minor">
+            <a:schemeClr val="tx1"/>
+          </a:fontRef>
+        </p:style>
+      </p:cxnSp>
+      <p:cxnSp>
+        <p:nvCxnSpPr>
+          <p:cNvPr id="27" name="직선 연결선 26">
+            <a:extLst>
+              <a:ext uri="{FF2B5EF4-FFF2-40B4-BE49-F238E27FC236}">
+                <a16:creationId xmlns:a16="http://schemas.microsoft.com/office/drawing/2014/main" id="{219D463B-6FFA-ED0A-B2F4-1122C50E6040}"/>
+              </a:ext>
+            </a:extLst>
+          </p:cNvPr>
+          <p:cNvCxnSpPr>
+            <a:cxnSpLocks/>
+          </p:cNvCxnSpPr>
+          <p:nvPr/>
+        </p:nvCxnSpPr>
+        <p:spPr>
+          <a:xfrm>
+            <a:off x="4387088" y="5291594"/>
+            <a:ext cx="3749379" cy="0"/>
+          </a:xfrm>
+          <a:prstGeom prst="line">
+            <a:avLst/>
+          </a:prstGeom>
+          <a:ln w="38100">
+            <a:solidFill>
+              <a:schemeClr val="bg1"/>
+            </a:solidFill>
+          </a:ln>
+        </p:spPr>
+        <p:style>
+          <a:lnRef idx="1">
+            <a:schemeClr val="accent1"/>
+          </a:lnRef>
+          <a:fillRef idx="0">
+            <a:schemeClr val="accent1"/>
+          </a:fillRef>
+          <a:effectRef idx="0">
+            <a:schemeClr val="accent1"/>
+          </a:effectRef>
+          <a:fontRef idx="minor">
+            <a:schemeClr val="tx1"/>
+          </a:fontRef>
+        </p:style>
+      </p:cxnSp>
+      <p:sp>
+        <p:nvSpPr>
+          <p:cNvPr id="28" name="TextBox 27">
+            <a:extLst>
+              <a:ext uri="{FF2B5EF4-FFF2-40B4-BE49-F238E27FC236}">
+                <a16:creationId xmlns:a16="http://schemas.microsoft.com/office/drawing/2014/main" id="{44B0C3A0-BDEE-CF5A-0852-DE3A70E679D9}"/>
+              </a:ext>
+            </a:extLst>
+          </p:cNvPr>
+          <p:cNvSpPr txBox="1"/>
+          <p:nvPr/>
+        </p:nvSpPr>
+        <p:spPr>
+          <a:xfrm>
+            <a:off x="4292591" y="4802733"/>
+            <a:ext cx="1875208" cy="369332"/>
+          </a:xfrm>
+          <a:prstGeom prst="rect">
+            <a:avLst/>
+          </a:prstGeom>
+          <a:noFill/>
+        </p:spPr>
+        <p:txBody>
+          <a:bodyPr wrap="square" rtlCol="0">
+            <a:spAutoFit/>
+          </a:bodyPr>
+          <a:lstStyle/>
+          <a:p>
+            <a:r>
+              <a:rPr lang="en-US" altLang="ko-KR" b="1" dirty="0">
+                <a:solidFill>
+                  <a:schemeClr val="bg1"/>
+                </a:solidFill>
+              </a:rPr>
+              <a:t>Public Network</a:t>
+            </a:r>
+            <a:endParaRPr lang="ko-KR" altLang="en-US" b="1" dirty="0">
+              <a:solidFill>
+                <a:schemeClr val="bg1"/>
+              </a:solidFill>
+            </a:endParaRPr>
+          </a:p>
+        </p:txBody>
+      </p:sp>
+      <p:sp>
+        <p:nvSpPr>
+          <p:cNvPr id="29" name="TextBox 28">
+            <a:extLst>
+              <a:ext uri="{FF2B5EF4-FFF2-40B4-BE49-F238E27FC236}">
+                <a16:creationId xmlns:a16="http://schemas.microsoft.com/office/drawing/2014/main" id="{FEF49684-39BE-9044-C401-BCCD197529C9}"/>
+              </a:ext>
+            </a:extLst>
+          </p:cNvPr>
+          <p:cNvSpPr txBox="1"/>
+          <p:nvPr/>
+        </p:nvSpPr>
+        <p:spPr>
+          <a:xfrm>
+            <a:off x="6232736" y="4802733"/>
+            <a:ext cx="1991039" cy="369332"/>
+          </a:xfrm>
+          <a:prstGeom prst="rect">
+            <a:avLst/>
+          </a:prstGeom>
+          <a:noFill/>
+        </p:spPr>
+        <p:txBody>
+          <a:bodyPr wrap="square" rtlCol="0">
+            <a:spAutoFit/>
+          </a:bodyPr>
+          <a:lstStyle/>
+          <a:p>
+            <a:r>
+              <a:rPr lang="en-US" altLang="ko-KR" b="1" dirty="0">
+                <a:solidFill>
+                  <a:schemeClr val="bg1"/>
+                </a:solidFill>
+              </a:rPr>
+              <a:t>Private Network</a:t>
+            </a:r>
+            <a:endParaRPr lang="ko-KR" altLang="en-US" b="1" dirty="0">
+              <a:solidFill>
+                <a:schemeClr val="bg1"/>
+              </a:solidFill>
+            </a:endParaRPr>
+          </a:p>
+        </p:txBody>
+      </p:sp>
+      <p:cxnSp>
+        <p:nvCxnSpPr>
+          <p:cNvPr id="30" name="직선 화살표 연결선 29">
+            <a:extLst>
+              <a:ext uri="{FF2B5EF4-FFF2-40B4-BE49-F238E27FC236}">
+                <a16:creationId xmlns:a16="http://schemas.microsoft.com/office/drawing/2014/main" id="{58FF419E-3ACB-D972-F7D0-AB9952830349}"/>
+              </a:ext>
+            </a:extLst>
+          </p:cNvPr>
+          <p:cNvCxnSpPr>
+            <a:cxnSpLocks/>
+          </p:cNvCxnSpPr>
+          <p:nvPr/>
+        </p:nvCxnSpPr>
+        <p:spPr>
+          <a:xfrm>
+            <a:off x="3226445" y="3378519"/>
+            <a:ext cx="1582512" cy="0"/>
+          </a:xfrm>
+          <a:prstGeom prst="straightConnector1">
+            <a:avLst/>
+          </a:prstGeom>
+          <a:ln w="38100">
+            <a:solidFill>
+              <a:schemeClr val="bg1"/>
+            </a:solidFill>
+            <a:headEnd type="triangle"/>
+            <a:tailEnd type="triangle"/>
+          </a:ln>
+        </p:spPr>
+        <p:style>
+          <a:lnRef idx="1">
+            <a:schemeClr val="accent1"/>
+          </a:lnRef>
+          <a:fillRef idx="0">
+            <a:schemeClr val="accent1"/>
+          </a:fillRef>
+          <a:effectRef idx="0">
+            <a:schemeClr val="accent1"/>
+          </a:effectRef>
+          <a:fontRef idx="minor">
+            <a:schemeClr val="tx1"/>
+          </a:fontRef>
+        </p:style>
+      </p:cxnSp>
+      <p:cxnSp>
+        <p:nvCxnSpPr>
+          <p:cNvPr id="31" name="직선 화살표 연결선 30">
+            <a:extLst>
+              <a:ext uri="{FF2B5EF4-FFF2-40B4-BE49-F238E27FC236}">
+                <a16:creationId xmlns:a16="http://schemas.microsoft.com/office/drawing/2014/main" id="{90C8CA8C-4714-937E-1464-D08084307D51}"/>
+              </a:ext>
+            </a:extLst>
+          </p:cNvPr>
+          <p:cNvCxnSpPr>
+            <a:cxnSpLocks/>
+          </p:cNvCxnSpPr>
+          <p:nvPr/>
+        </p:nvCxnSpPr>
+        <p:spPr>
+          <a:xfrm>
+            <a:off x="7454111" y="3378519"/>
+            <a:ext cx="1646653" cy="0"/>
+          </a:xfrm>
+          <a:prstGeom prst="straightConnector1">
+            <a:avLst/>
+          </a:prstGeom>
+          <a:ln w="38100">
+            <a:solidFill>
+              <a:schemeClr val="bg1"/>
+            </a:solidFill>
+            <a:headEnd type="triangle"/>
+            <a:tailEnd type="triangle"/>
+          </a:ln>
+        </p:spPr>
+        <p:style>
+          <a:lnRef idx="1">
+            <a:schemeClr val="accent1"/>
+          </a:lnRef>
+          <a:fillRef idx="0">
+            <a:schemeClr val="accent1"/>
+          </a:fillRef>
+          <a:effectRef idx="0">
+            <a:schemeClr val="accent1"/>
+          </a:effectRef>
+          <a:fontRef idx="minor">
+            <a:schemeClr val="tx1"/>
+          </a:fontRef>
+        </p:style>
+      </p:cxnSp>
+      <p:sp>
+        <p:nvSpPr>
+          <p:cNvPr id="32" name="TextBox 31">
+            <a:extLst>
+              <a:ext uri="{FF2B5EF4-FFF2-40B4-BE49-F238E27FC236}">
+                <a16:creationId xmlns:a16="http://schemas.microsoft.com/office/drawing/2014/main" id="{21DC211F-BB05-42BC-0888-FEB6B781FD18}"/>
+              </a:ext>
+            </a:extLst>
+          </p:cNvPr>
+          <p:cNvSpPr txBox="1"/>
+          <p:nvPr/>
+        </p:nvSpPr>
+        <p:spPr>
+          <a:xfrm>
+            <a:off x="1589114" y="3892883"/>
+            <a:ext cx="1673872" cy="323165"/>
+          </a:xfrm>
+          <a:prstGeom prst="rect">
+            <a:avLst/>
+          </a:prstGeom>
+          <a:noFill/>
+        </p:spPr>
+        <p:txBody>
+          <a:bodyPr wrap="square" rtlCol="0">
+            <a:spAutoFit/>
+          </a:bodyPr>
+          <a:lstStyle/>
+          <a:p>
+            <a:r>
+              <a:rPr lang="en-US" altLang="ko-KR" sz="1500" b="1" dirty="0">
+                <a:solidFill>
+                  <a:schemeClr val="bg1"/>
+                </a:solidFill>
+              </a:rPr>
+              <a:t>Public Network</a:t>
+            </a:r>
+            <a:endParaRPr lang="ko-KR" altLang="en-US" sz="1500" b="1" dirty="0">
+              <a:solidFill>
+                <a:schemeClr val="bg1"/>
+              </a:solidFill>
+            </a:endParaRPr>
+          </a:p>
+        </p:txBody>
+      </p:sp>
+      <p:sp>
+        <p:nvSpPr>
+          <p:cNvPr id="33" name="TextBox 32">
+            <a:extLst>
+              <a:ext uri="{FF2B5EF4-FFF2-40B4-BE49-F238E27FC236}">
+                <a16:creationId xmlns:a16="http://schemas.microsoft.com/office/drawing/2014/main" id="{BBB0C956-D5A9-BE07-9357-F5D03B534B93}"/>
+              </a:ext>
+            </a:extLst>
+          </p:cNvPr>
+          <p:cNvSpPr txBox="1"/>
+          <p:nvPr/>
+        </p:nvSpPr>
+        <p:spPr>
+          <a:xfrm>
+            <a:off x="8981319" y="3892883"/>
+            <a:ext cx="1673872" cy="323165"/>
+          </a:xfrm>
+          <a:prstGeom prst="rect">
+            <a:avLst/>
+          </a:prstGeom>
+          <a:noFill/>
+        </p:spPr>
+        <p:txBody>
+          <a:bodyPr wrap="square" rtlCol="0">
+            <a:spAutoFit/>
+          </a:bodyPr>
+          <a:lstStyle/>
+          <a:p>
+            <a:r>
+              <a:rPr lang="en-US" altLang="ko-KR" sz="1500" b="1" dirty="0">
+                <a:solidFill>
+                  <a:schemeClr val="bg1"/>
+                </a:solidFill>
+              </a:rPr>
+              <a:t>Private Network</a:t>
+            </a:r>
+            <a:endParaRPr lang="ko-KR" altLang="en-US" sz="1500" b="1" dirty="0">
+              <a:solidFill>
+                <a:schemeClr val="bg1"/>
+              </a:solidFill>
+            </a:endParaRPr>
+          </a:p>
+        </p:txBody>
+      </p:sp>
+      <p:sp>
+        <p:nvSpPr>
+          <p:cNvPr id="34" name="TextBox 33">
+            <a:extLst>
+              <a:ext uri="{FF2B5EF4-FFF2-40B4-BE49-F238E27FC236}">
+                <a16:creationId xmlns:a16="http://schemas.microsoft.com/office/drawing/2014/main" id="{D3D3999E-AD8A-6836-9C28-BD7448EEBF06}"/>
+              </a:ext>
+            </a:extLst>
+          </p:cNvPr>
+          <p:cNvSpPr txBox="1"/>
+          <p:nvPr/>
+        </p:nvSpPr>
+        <p:spPr>
+          <a:xfrm>
+            <a:off x="6304016" y="5405076"/>
+            <a:ext cx="1832451" cy="369332"/>
+          </a:xfrm>
+          <a:prstGeom prst="rect">
+            <a:avLst/>
+          </a:prstGeom>
+          <a:noFill/>
+        </p:spPr>
+        <p:txBody>
+          <a:bodyPr wrap="square" rtlCol="0">
+            <a:spAutoFit/>
+          </a:bodyPr>
+          <a:lstStyle/>
+          <a:p>
+            <a:r>
+              <a:rPr lang="en-US" altLang="ko-KR" b="1" dirty="0">
+                <a:solidFill>
+                  <a:schemeClr val="bg1"/>
+                </a:solidFill>
+              </a:rPr>
+              <a:t>192.168.10.100</a:t>
+            </a:r>
+            <a:endParaRPr lang="ko-KR" altLang="en-US" b="1" dirty="0">
+              <a:solidFill>
+                <a:schemeClr val="bg1"/>
+              </a:solidFill>
+            </a:endParaRPr>
+          </a:p>
+        </p:txBody>
+      </p:sp>
+      <p:sp>
+        <p:nvSpPr>
+          <p:cNvPr id="35" name="TextBox 34">
+            <a:extLst>
+              <a:ext uri="{FF2B5EF4-FFF2-40B4-BE49-F238E27FC236}">
+                <a16:creationId xmlns:a16="http://schemas.microsoft.com/office/drawing/2014/main" id="{381BBBB7-C570-D0B8-7687-F2FA53094396}"/>
+              </a:ext>
+            </a:extLst>
+          </p:cNvPr>
+          <p:cNvSpPr txBox="1"/>
+          <p:nvPr/>
+        </p:nvSpPr>
+        <p:spPr>
+          <a:xfrm>
+            <a:off x="6312027" y="5959600"/>
+            <a:ext cx="1832456" cy="369332"/>
+          </a:xfrm>
+          <a:prstGeom prst="rect">
+            <a:avLst/>
+          </a:prstGeom>
+          <a:noFill/>
+        </p:spPr>
+        <p:txBody>
+          <a:bodyPr wrap="square" rtlCol="0">
+            <a:spAutoFit/>
+          </a:bodyPr>
+          <a:lstStyle/>
+          <a:p>
+            <a:r>
+              <a:rPr lang="en-US" altLang="ko-KR" b="1" dirty="0">
+                <a:solidFill>
+                  <a:schemeClr val="bg1"/>
+                </a:solidFill>
+              </a:rPr>
+              <a:t>192.168.10.101</a:t>
+            </a:r>
+            <a:endParaRPr lang="ko-KR" altLang="en-US" b="1" dirty="0">
+              <a:solidFill>
+                <a:schemeClr val="bg1"/>
+              </a:solidFill>
+            </a:endParaRPr>
+          </a:p>
+        </p:txBody>
+      </p:sp>
+      <p:sp>
+        <p:nvSpPr>
+          <p:cNvPr id="36" name="TextBox 35">
+            <a:extLst>
+              <a:ext uri="{FF2B5EF4-FFF2-40B4-BE49-F238E27FC236}">
+                <a16:creationId xmlns:a16="http://schemas.microsoft.com/office/drawing/2014/main" id="{C35005FF-3274-20FC-BFC5-5052CA04DBE4}"/>
+              </a:ext>
+            </a:extLst>
+          </p:cNvPr>
+          <p:cNvSpPr txBox="1"/>
+          <p:nvPr/>
+        </p:nvSpPr>
+        <p:spPr>
+          <a:xfrm>
+            <a:off x="4514647" y="5397851"/>
+            <a:ext cx="1480686" cy="369332"/>
+          </a:xfrm>
+          <a:prstGeom prst="rect">
+            <a:avLst/>
+          </a:prstGeom>
+          <a:noFill/>
+        </p:spPr>
+        <p:txBody>
+          <a:bodyPr wrap="square" rtlCol="0">
+            <a:spAutoFit/>
+          </a:bodyPr>
+          <a:lstStyle/>
+          <a:p>
+            <a:r>
+              <a:rPr lang="en-US" altLang="ko-KR" b="1" dirty="0">
+                <a:solidFill>
+                  <a:schemeClr val="bg1"/>
+                </a:solidFill>
+              </a:rPr>
+              <a:t>210.123.3.4</a:t>
+            </a:r>
+            <a:endParaRPr lang="ko-KR" altLang="en-US" b="1" dirty="0">
+              <a:solidFill>
+                <a:schemeClr val="bg1"/>
+              </a:solidFill>
+            </a:endParaRPr>
+          </a:p>
+        </p:txBody>
+      </p:sp>
+      <p:sp>
+        <p:nvSpPr>
+          <p:cNvPr id="37" name="TextBox 36">
+            <a:extLst>
+              <a:ext uri="{FF2B5EF4-FFF2-40B4-BE49-F238E27FC236}">
+                <a16:creationId xmlns:a16="http://schemas.microsoft.com/office/drawing/2014/main" id="{5F164962-58E4-CD47-0F96-187084255191}"/>
+              </a:ext>
+            </a:extLst>
+          </p:cNvPr>
+          <p:cNvSpPr txBox="1"/>
+          <p:nvPr/>
+        </p:nvSpPr>
+        <p:spPr>
+          <a:xfrm>
+            <a:off x="4540739" y="5957605"/>
+            <a:ext cx="1428501" cy="369332"/>
+          </a:xfrm>
+          <a:prstGeom prst="rect">
+            <a:avLst/>
+          </a:prstGeom>
+          <a:noFill/>
+        </p:spPr>
+        <p:txBody>
+          <a:bodyPr wrap="square" rtlCol="0">
+            <a:spAutoFit/>
+          </a:bodyPr>
+          <a:lstStyle/>
+          <a:p>
+            <a:r>
+              <a:rPr lang="en-US" altLang="ko-KR" b="1" dirty="0">
+                <a:solidFill>
+                  <a:schemeClr val="bg1"/>
+                </a:solidFill>
+              </a:rPr>
+              <a:t>210.123.3.5</a:t>
+            </a:r>
+            <a:endParaRPr lang="ko-KR" altLang="en-US" b="1" dirty="0">
+              <a:solidFill>
+                <a:schemeClr val="bg1"/>
+              </a:solidFill>
+            </a:endParaRPr>
+          </a:p>
+        </p:txBody>
+      </p:sp>
+      <p:cxnSp>
+        <p:nvCxnSpPr>
+          <p:cNvPr id="38" name="직선 연결선 37">
+            <a:extLst>
+              <a:ext uri="{FF2B5EF4-FFF2-40B4-BE49-F238E27FC236}">
+                <a16:creationId xmlns:a16="http://schemas.microsoft.com/office/drawing/2014/main" id="{65658A71-3A3E-ABF0-BB32-C7962CBF475B}"/>
+              </a:ext>
+            </a:extLst>
+          </p:cNvPr>
+          <p:cNvCxnSpPr>
+            <a:cxnSpLocks/>
+          </p:cNvCxnSpPr>
+          <p:nvPr/>
+        </p:nvCxnSpPr>
+        <p:spPr>
+          <a:xfrm>
+            <a:off x="4387088" y="5866832"/>
+            <a:ext cx="3749379" cy="0"/>
+          </a:xfrm>
+          <a:prstGeom prst="line">
+            <a:avLst/>
+          </a:prstGeom>
+          <a:ln w="38100">
+            <a:solidFill>
+              <a:schemeClr val="bg1"/>
+            </a:solidFill>
+          </a:ln>
+        </p:spPr>
+        <p:style>
+          <a:lnRef idx="1">
+            <a:schemeClr val="accent1"/>
+          </a:lnRef>
+          <a:fillRef idx="0">
+            <a:schemeClr val="accent1"/>
+          </a:fillRef>
+          <a:effectRef idx="0">
+            <a:schemeClr val="accent1"/>
+          </a:effectRef>
+          <a:fontRef idx="minor">
+            <a:schemeClr val="tx1"/>
+          </a:fontRef>
+        </p:style>
+      </p:cxnSp>
+      <p:cxnSp>
+        <p:nvCxnSpPr>
+          <p:cNvPr id="39" name="직선 연결선 38">
+            <a:extLst>
+              <a:ext uri="{FF2B5EF4-FFF2-40B4-BE49-F238E27FC236}">
+                <a16:creationId xmlns:a16="http://schemas.microsoft.com/office/drawing/2014/main" id="{91C5CF27-A7B7-5577-A275-3517A5709EFE}"/>
+              </a:ext>
+            </a:extLst>
+          </p:cNvPr>
+          <p:cNvCxnSpPr>
+            <a:cxnSpLocks/>
+          </p:cNvCxnSpPr>
+          <p:nvPr/>
+        </p:nvCxnSpPr>
+        <p:spPr>
+          <a:xfrm>
+            <a:off x="4387088" y="6451032"/>
+            <a:ext cx="3749379" cy="0"/>
+          </a:xfrm>
+          <a:prstGeom prst="line">
+            <a:avLst/>
+          </a:prstGeom>
+          <a:ln w="38100">
+            <a:solidFill>
+              <a:schemeClr val="bg1"/>
+            </a:solidFill>
+          </a:ln>
+        </p:spPr>
+        <p:style>
+          <a:lnRef idx="1">
+            <a:schemeClr val="accent1"/>
+          </a:lnRef>
+          <a:fillRef idx="0">
+            <a:schemeClr val="accent1"/>
+          </a:fillRef>
+          <a:effectRef idx="0">
+            <a:schemeClr val="accent1"/>
+          </a:effectRef>
+          <a:fontRef idx="minor">
+            <a:schemeClr val="tx1"/>
+          </a:fontRef>
+        </p:style>
+      </p:cxnSp>
+      <p:pic>
+        <p:nvPicPr>
+          <p:cNvPr id="40" name="그래픽 39" descr="구름 윤곽선">
+            <a:extLst>
+              <a:ext uri="{FF2B5EF4-FFF2-40B4-BE49-F238E27FC236}">
+                <a16:creationId xmlns:a16="http://schemas.microsoft.com/office/drawing/2014/main" id="{BB762530-57B5-AC53-379D-07F392CC9761}"/>
+              </a:ext>
+            </a:extLst>
+          </p:cNvPr>
+          <p:cNvPicPr>
+            <a:picLocks noChangeAspect="1"/>
+          </p:cNvPicPr>
+          <p:nvPr/>
+        </p:nvPicPr>
+        <p:blipFill>
+          <a:blip r:embed="rId4">
+            <a:extLst>
+              <a:ext uri="{28A0092B-C50C-407E-A947-70E740481C1C}">
+                <a14:useLocalDpi xmlns:a14="http://schemas.microsoft.com/office/drawing/2010/main" val="0"/>
+              </a:ext>
+              <a:ext uri="{96DAC541-7B7A-43D3-8B79-37D633B846F1}">
+                <asvg:svgBlip xmlns:asvg="http://schemas.microsoft.com/office/drawing/2016/SVG/main" r:embed="rId5"/>
+              </a:ext>
+            </a:extLst>
+          </a:blip>
+          <a:stretch>
+            <a:fillRect/>
+          </a:stretch>
+        </p:blipFill>
+        <p:spPr>
+          <a:xfrm>
+            <a:off x="4737819" y="1882142"/>
+            <a:ext cx="2717684" cy="2717684"/>
+          </a:xfrm>
+          <a:prstGeom prst="rect">
+            <a:avLst/>
+          </a:prstGeom>
+        </p:spPr>
+      </p:pic>
+      <p:sp>
+        <p:nvSpPr>
+          <p:cNvPr id="42" name="TextBox 41">
+            <a:extLst>
+              <a:ext uri="{FF2B5EF4-FFF2-40B4-BE49-F238E27FC236}">
+                <a16:creationId xmlns:a16="http://schemas.microsoft.com/office/drawing/2014/main" id="{F1A5B4FA-3EE3-5261-E03D-AAA78833E1A1}"/>
+              </a:ext>
+            </a:extLst>
+          </p:cNvPr>
+          <p:cNvSpPr txBox="1"/>
+          <p:nvPr/>
+        </p:nvSpPr>
+        <p:spPr>
+          <a:xfrm>
+            <a:off x="8636116" y="5293642"/>
+            <a:ext cx="2717684" cy="707886"/>
+          </a:xfrm>
+          <a:prstGeom prst="rect">
+            <a:avLst/>
+          </a:prstGeom>
+          <a:noFill/>
+        </p:spPr>
+        <p:txBody>
+          <a:bodyPr wrap="square" rtlCol="0">
+            <a:spAutoFit/>
+          </a:bodyPr>
+          <a:lstStyle/>
+          <a:p>
+            <a:r>
+              <a:rPr lang="en-US" altLang="ko-KR" sz="4000" b="1" dirty="0">
+                <a:solidFill>
+                  <a:schemeClr val="bg1"/>
+                </a:solidFill>
+              </a:rPr>
+              <a:t>NAT</a:t>
+            </a:r>
+            <a:r>
+              <a:rPr lang="ko-KR" altLang="en-US" sz="4000" b="1" dirty="0">
+                <a:solidFill>
+                  <a:schemeClr val="bg1"/>
+                </a:solidFill>
+              </a:rPr>
+              <a:t> </a:t>
+            </a:r>
+            <a:r>
+              <a:rPr lang="en-US" altLang="ko-KR" sz="4000" b="1" dirty="0">
+                <a:solidFill>
+                  <a:schemeClr val="bg1"/>
+                </a:solidFill>
+              </a:rPr>
+              <a:t>Table</a:t>
+            </a:r>
+            <a:endParaRPr lang="ko-KR" altLang="en-US" sz="4000" b="1" dirty="0">
+              <a:solidFill>
+                <a:schemeClr val="bg1"/>
+              </a:solidFill>
+            </a:endParaRPr>
+          </a:p>
+        </p:txBody>
+      </p:sp>
+    </p:spTree>
+    <p:extLst>
+      <p:ext uri="{BB962C8B-B14F-4D97-AF65-F5344CB8AC3E}">
+        <p14:creationId xmlns:p14="http://schemas.microsoft.com/office/powerpoint/2010/main" val="1974592816"/>
+      </p:ext>
+    </p:extLst>
+  </p:cSld>
+  <p:clrMapOvr>
+    <a:masterClrMapping/>
+  </p:clrMapOvr>
+</p:sld>
+</file>
+
+<file path=ppt/slides/slide8.xml><?xml version="1.0" encoding="utf-8"?>
+<p:sld xmlns:a="http://schemas.openxmlformats.org/drawingml/2006/main" xmlns:r="http://schemas.openxmlformats.org/officeDocument/2006/relationships" xmlns:p="http://schemas.openxmlformats.org/presentationml/2006/main">
+  <p:cSld>
+    <p:bg>
+      <p:bgPr>
+        <a:solidFill>
+          <a:schemeClr val="tx1"/>
+        </a:solidFill>
+        <a:effectLst/>
+      </p:bgPr>
+    </p:bg>
+    <p:spTree>
+      <p:nvGrpSpPr>
+        <p:cNvPr id="1" name=""/>
+        <p:cNvGrpSpPr/>
+        <p:nvPr/>
+      </p:nvGrpSpPr>
+      <p:grpSpPr>
+        <a:xfrm>
+          <a:off x="0" y="0"/>
+          <a:ext cx="0" cy="0"/>
+          <a:chOff x="0" y="0"/>
+          <a:chExt cx="0" cy="0"/>
+        </a:xfrm>
+      </p:grpSpPr>
+      <p:sp>
+        <p:nvSpPr>
+          <p:cNvPr id="2" name="제목 1">
+            <a:extLst>
+              <a:ext uri="{FF2B5EF4-FFF2-40B4-BE49-F238E27FC236}">
+                <a16:creationId xmlns:a16="http://schemas.microsoft.com/office/drawing/2014/main" id="{993AA972-8F70-42DA-61C6-C82D61F031EA}"/>
+              </a:ext>
+            </a:extLst>
+          </p:cNvPr>
+          <p:cNvSpPr>
+            <a:spLocks noGrp="1"/>
+          </p:cNvSpPr>
+          <p:nvPr>
+            <p:ph type="title"/>
+          </p:nvPr>
+        </p:nvSpPr>
+        <p:spPr/>
+        <p:txBody>
+          <a:bodyPr>
+            <a:normAutofit/>
+          </a:bodyPr>
+          <a:lstStyle/>
+          <a:p>
+            <a:pPr algn="ctr"/>
+            <a:r>
+              <a:rPr lang="en-US" altLang="ko-KR" sz="3800" b="1" dirty="0">
+                <a:solidFill>
+                  <a:schemeClr val="bg1"/>
+                </a:solidFill>
+              </a:rPr>
+              <a:t>Static NAT(Network Address Translation)</a:t>
+            </a:r>
+            <a:endParaRPr lang="ko-KR" altLang="en-US" sz="3800" b="1" dirty="0">
+              <a:solidFill>
+                <a:schemeClr val="bg1"/>
+              </a:solidFill>
+            </a:endParaRPr>
+          </a:p>
+        </p:txBody>
+      </p:sp>
+      <p:sp>
+        <p:nvSpPr>
+          <p:cNvPr id="3" name="내용 개체 틀 2">
+            <a:extLst>
+              <a:ext uri="{FF2B5EF4-FFF2-40B4-BE49-F238E27FC236}">
+                <a16:creationId xmlns:a16="http://schemas.microsoft.com/office/drawing/2014/main" id="{87A0DF69-10B8-0D20-D0FD-6D1E744CF1E4}"/>
+              </a:ext>
+            </a:extLst>
+          </p:cNvPr>
+          <p:cNvSpPr>
+            <a:spLocks noGrp="1"/>
+          </p:cNvSpPr>
+          <p:nvPr>
+            <p:ph idx="1"/>
+          </p:nvPr>
+        </p:nvSpPr>
+        <p:spPr>
+          <a:xfrm>
+            <a:off x="838200" y="1825625"/>
+            <a:ext cx="10515600" cy="464235"/>
+          </a:xfrm>
+        </p:spPr>
+        <p:txBody>
+          <a:bodyPr>
+            <a:normAutofit/>
+          </a:bodyPr>
+          <a:lstStyle/>
+          <a:p>
+            <a:pPr marL="0" indent="0" algn="ctr">
+              <a:buNone/>
+            </a:pPr>
+            <a:r>
+              <a:rPr lang="ko-KR" altLang="en-US" sz="2000" b="1" dirty="0">
+                <a:solidFill>
+                  <a:schemeClr val="bg1"/>
+                </a:solidFill>
+              </a:rPr>
+              <a:t>하나의</a:t>
+            </a:r>
+            <a:r>
+              <a:rPr lang="en-US" altLang="ko-KR" sz="2000" b="1" dirty="0">
+                <a:solidFill>
+                  <a:schemeClr val="bg1"/>
+                </a:solidFill>
+              </a:rPr>
+              <a:t> </a:t>
+            </a:r>
+            <a:r>
+              <a:rPr lang="ko-KR" altLang="en-US" sz="2000" b="1" dirty="0">
+                <a:solidFill>
+                  <a:schemeClr val="bg1"/>
+                </a:solidFill>
+              </a:rPr>
+              <a:t>내부 </a:t>
+            </a:r>
+            <a:r>
+              <a:rPr lang="en-US" altLang="ko-KR" sz="2000" b="1" dirty="0">
+                <a:solidFill>
+                  <a:schemeClr val="bg1"/>
+                </a:solidFill>
+              </a:rPr>
+              <a:t>IP </a:t>
+            </a:r>
+            <a:r>
+              <a:rPr lang="ko-KR" altLang="en-US" sz="2000" b="1" dirty="0">
+                <a:solidFill>
+                  <a:schemeClr val="bg1"/>
+                </a:solidFill>
+              </a:rPr>
+              <a:t>주소와 하나의 외부 </a:t>
+            </a:r>
+            <a:r>
+              <a:rPr lang="en-US" altLang="ko-KR" sz="2000" b="1" dirty="0">
+                <a:solidFill>
+                  <a:schemeClr val="bg1"/>
+                </a:solidFill>
+              </a:rPr>
+              <a:t>IP</a:t>
+            </a:r>
+            <a:r>
+              <a:rPr lang="ko-KR" altLang="en-US" sz="2000" b="1" dirty="0">
+                <a:solidFill>
+                  <a:schemeClr val="bg1"/>
+                </a:solidFill>
+              </a:rPr>
+              <a:t>주소를 </a:t>
+            </a:r>
+            <a:r>
+              <a:rPr lang="en-US" altLang="ko-KR" sz="2000" b="1" dirty="0">
+                <a:solidFill>
+                  <a:schemeClr val="bg1"/>
+                </a:solidFill>
+              </a:rPr>
+              <a:t>1:1</a:t>
+            </a:r>
+            <a:r>
+              <a:rPr lang="ko-KR" altLang="en-US" sz="2000" b="1" dirty="0">
+                <a:solidFill>
+                  <a:schemeClr val="bg1"/>
+                </a:solidFill>
+              </a:rPr>
+              <a:t>로 매핑 시키는 방식</a:t>
+            </a:r>
+          </a:p>
+        </p:txBody>
+      </p:sp>
+      <p:pic>
+        <p:nvPicPr>
+          <p:cNvPr id="5" name="그래픽 4" descr="컴퓨터 단색으로 채워진">
+            <a:extLst>
+              <a:ext uri="{FF2B5EF4-FFF2-40B4-BE49-F238E27FC236}">
+                <a16:creationId xmlns:a16="http://schemas.microsoft.com/office/drawing/2014/main" id="{EFB11422-617A-2A5C-501C-FEFFA111286E}"/>
+              </a:ext>
+            </a:extLst>
+          </p:cNvPr>
+          <p:cNvPicPr>
+            <a:picLocks noChangeAspect="1"/>
+          </p:cNvPicPr>
+          <p:nvPr/>
+        </p:nvPicPr>
+        <p:blipFill>
+          <a:blip r:embed="rId2">
+            <a:extLst>
+              <a:ext uri="{28A0092B-C50C-407E-A947-70E740481C1C}">
+                <a14:useLocalDpi xmlns:a14="http://schemas.microsoft.com/office/drawing/2010/main" val="0"/>
+              </a:ext>
+              <a:ext uri="{96DAC541-7B7A-43D3-8B79-37D633B846F1}">
+                <asvg:svgBlip xmlns:asvg="http://schemas.microsoft.com/office/drawing/2016/SVG/main" r:embed="rId3"/>
+              </a:ext>
+            </a:extLst>
+          </a:blip>
+          <a:stretch>
+            <a:fillRect/>
+          </a:stretch>
+        </p:blipFill>
+        <p:spPr>
+          <a:xfrm>
+            <a:off x="1720572" y="2714130"/>
+            <a:ext cx="1298896" cy="1298896"/>
+          </a:xfrm>
+          <a:prstGeom prst="rect">
+            <a:avLst/>
+          </a:prstGeom>
+        </p:spPr>
+      </p:pic>
+      <p:pic>
+        <p:nvPicPr>
+          <p:cNvPr id="6" name="그래픽 5" descr="구름 윤곽선">
+            <a:extLst>
+              <a:ext uri="{FF2B5EF4-FFF2-40B4-BE49-F238E27FC236}">
+                <a16:creationId xmlns:a16="http://schemas.microsoft.com/office/drawing/2014/main" id="{744E1162-2A17-B893-8066-97B3AA8130D6}"/>
+              </a:ext>
+            </a:extLst>
+          </p:cNvPr>
+          <p:cNvPicPr>
+            <a:picLocks noChangeAspect="1"/>
+          </p:cNvPicPr>
+          <p:nvPr/>
+        </p:nvPicPr>
+        <p:blipFill>
+          <a:blip r:embed="rId4">
+            <a:extLst>
+              <a:ext uri="{28A0092B-C50C-407E-A947-70E740481C1C}">
+                <a14:useLocalDpi xmlns:a14="http://schemas.microsoft.com/office/drawing/2010/main" val="0"/>
+              </a:ext>
+              <a:ext uri="{96DAC541-7B7A-43D3-8B79-37D633B846F1}">
+                <asvg:svgBlip xmlns:asvg="http://schemas.microsoft.com/office/drawing/2016/SVG/main" r:embed="rId5"/>
+              </a:ext>
+            </a:extLst>
+          </a:blip>
+          <a:stretch>
+            <a:fillRect/>
+          </a:stretch>
+        </p:blipFill>
+        <p:spPr>
+          <a:xfrm>
+            <a:off x="4737819" y="1882142"/>
+            <a:ext cx="2717684" cy="2717684"/>
+          </a:xfrm>
+          <a:prstGeom prst="rect">
+            <a:avLst/>
+          </a:prstGeom>
+        </p:spPr>
+      </p:pic>
+      <p:sp>
+        <p:nvSpPr>
+          <p:cNvPr id="7" name="TextBox 6">
+            <a:extLst>
+              <a:ext uri="{FF2B5EF4-FFF2-40B4-BE49-F238E27FC236}">
+                <a16:creationId xmlns:a16="http://schemas.microsoft.com/office/drawing/2014/main" id="{CD17A3D8-9ACE-F391-7E8B-F10C71C8F4CB}"/>
+              </a:ext>
+            </a:extLst>
+          </p:cNvPr>
+          <p:cNvSpPr txBox="1"/>
+          <p:nvPr/>
+        </p:nvSpPr>
+        <p:spPr>
+          <a:xfrm>
+            <a:off x="5436251" y="3122036"/>
+            <a:ext cx="1463096" cy="477054"/>
+          </a:xfrm>
+          <a:prstGeom prst="rect">
+            <a:avLst/>
+          </a:prstGeom>
+          <a:noFill/>
+        </p:spPr>
+        <p:txBody>
+          <a:bodyPr wrap="square" rtlCol="0">
+            <a:spAutoFit/>
+          </a:bodyPr>
+          <a:lstStyle/>
+          <a:p>
+            <a:r>
+              <a:rPr lang="en-US" altLang="ko-KR" sz="2500" b="1" dirty="0">
+                <a:solidFill>
+                  <a:schemeClr val="bg1"/>
+                </a:solidFill>
+              </a:rPr>
+              <a:t>Internet</a:t>
+            </a:r>
+            <a:endParaRPr lang="ko-KR" altLang="en-US" sz="2500" b="1" dirty="0">
+              <a:solidFill>
+                <a:schemeClr val="bg1"/>
+              </a:solidFill>
+            </a:endParaRPr>
+          </a:p>
+        </p:txBody>
+      </p:sp>
+      <p:pic>
+        <p:nvPicPr>
+          <p:cNvPr id="8" name="그래픽 7" descr="컴퓨터 단색으로 채워진">
+            <a:extLst>
+              <a:ext uri="{FF2B5EF4-FFF2-40B4-BE49-F238E27FC236}">
+                <a16:creationId xmlns:a16="http://schemas.microsoft.com/office/drawing/2014/main" id="{3332BA90-A31C-0B45-83D6-5AC5CFB749D6}"/>
+              </a:ext>
+            </a:extLst>
+          </p:cNvPr>
+          <p:cNvPicPr>
+            <a:picLocks noChangeAspect="1"/>
+          </p:cNvPicPr>
+          <p:nvPr/>
+        </p:nvPicPr>
+        <p:blipFill>
+          <a:blip r:embed="rId2">
+            <a:extLst>
+              <a:ext uri="{28A0092B-C50C-407E-A947-70E740481C1C}">
+                <a14:useLocalDpi xmlns:a14="http://schemas.microsoft.com/office/drawing/2010/main" val="0"/>
+              </a:ext>
+              <a:ext uri="{96DAC541-7B7A-43D3-8B79-37D633B846F1}">
+                <asvg:svgBlip xmlns:asvg="http://schemas.microsoft.com/office/drawing/2016/SVG/main" r:embed="rId3"/>
+              </a:ext>
+            </a:extLst>
+          </a:blip>
+          <a:stretch>
+            <a:fillRect/>
+          </a:stretch>
+        </p:blipFill>
+        <p:spPr>
+          <a:xfrm>
+            <a:off x="9168354" y="2755570"/>
+            <a:ext cx="1298896" cy="1298896"/>
+          </a:xfrm>
+          <a:prstGeom prst="rect">
+            <a:avLst/>
+          </a:prstGeom>
+        </p:spPr>
+      </p:pic>
+      <p:cxnSp>
+        <p:nvCxnSpPr>
+          <p:cNvPr id="12" name="직선 연결선 11">
+            <a:extLst>
+              <a:ext uri="{FF2B5EF4-FFF2-40B4-BE49-F238E27FC236}">
+                <a16:creationId xmlns:a16="http://schemas.microsoft.com/office/drawing/2014/main" id="{9D955ABF-CF2D-003C-0A1C-606E724701AB}"/>
+              </a:ext>
+            </a:extLst>
+          </p:cNvPr>
+          <p:cNvCxnSpPr>
+            <a:cxnSpLocks/>
+          </p:cNvCxnSpPr>
+          <p:nvPr/>
+        </p:nvCxnSpPr>
+        <p:spPr>
+          <a:xfrm>
+            <a:off x="6196668" y="4692422"/>
+            <a:ext cx="0" cy="1758610"/>
+          </a:xfrm>
+          <a:prstGeom prst="line">
+            <a:avLst/>
+          </a:prstGeom>
+          <a:ln w="38100">
+            <a:solidFill>
+              <a:schemeClr val="bg1"/>
+            </a:solidFill>
+          </a:ln>
+        </p:spPr>
+        <p:style>
+          <a:lnRef idx="1">
+            <a:schemeClr val="accent1"/>
+          </a:lnRef>
+          <a:fillRef idx="0">
+            <a:schemeClr val="accent1"/>
+          </a:fillRef>
+          <a:effectRef idx="0">
+            <a:schemeClr val="accent1"/>
+          </a:effectRef>
+          <a:fontRef idx="minor">
+            <a:schemeClr val="tx1"/>
+          </a:fontRef>
+        </p:style>
+      </p:cxnSp>
+      <p:cxnSp>
+        <p:nvCxnSpPr>
+          <p:cNvPr id="10" name="직선 연결선 9">
+            <a:extLst>
+              <a:ext uri="{FF2B5EF4-FFF2-40B4-BE49-F238E27FC236}">
+                <a16:creationId xmlns:a16="http://schemas.microsoft.com/office/drawing/2014/main" id="{BEA4FD4C-133F-1F0F-BDF1-53AD58A9DDE3}"/>
+              </a:ext>
+            </a:extLst>
+          </p:cNvPr>
+          <p:cNvCxnSpPr>
+            <a:cxnSpLocks/>
+          </p:cNvCxnSpPr>
+          <p:nvPr/>
+        </p:nvCxnSpPr>
+        <p:spPr>
+          <a:xfrm>
+            <a:off x="4387088" y="5291594"/>
+            <a:ext cx="3749379" cy="0"/>
+          </a:xfrm>
+          <a:prstGeom prst="line">
+            <a:avLst/>
+          </a:prstGeom>
+          <a:ln w="38100">
+            <a:solidFill>
+              <a:schemeClr val="bg1"/>
+            </a:solidFill>
+          </a:ln>
+        </p:spPr>
+        <p:style>
+          <a:lnRef idx="1">
+            <a:schemeClr val="accent1"/>
+          </a:lnRef>
+          <a:fillRef idx="0">
+            <a:schemeClr val="accent1"/>
+          </a:fillRef>
+          <a:effectRef idx="0">
+            <a:schemeClr val="accent1"/>
+          </a:effectRef>
+          <a:fontRef idx="minor">
+            <a:schemeClr val="tx1"/>
+          </a:fontRef>
+        </p:style>
+      </p:cxnSp>
+      <p:sp>
+        <p:nvSpPr>
+          <p:cNvPr id="26" name="TextBox 25">
+            <a:extLst>
+              <a:ext uri="{FF2B5EF4-FFF2-40B4-BE49-F238E27FC236}">
+                <a16:creationId xmlns:a16="http://schemas.microsoft.com/office/drawing/2014/main" id="{729DC8B5-20FD-FB81-3A56-05E427EB6270}"/>
+              </a:ext>
+            </a:extLst>
+          </p:cNvPr>
+          <p:cNvSpPr txBox="1"/>
+          <p:nvPr/>
+        </p:nvSpPr>
+        <p:spPr>
+          <a:xfrm>
+            <a:off x="4292591" y="4802733"/>
+            <a:ext cx="1875208" cy="369332"/>
+          </a:xfrm>
+          <a:prstGeom prst="rect">
+            <a:avLst/>
+          </a:prstGeom>
+          <a:noFill/>
+        </p:spPr>
+        <p:txBody>
+          <a:bodyPr wrap="square" rtlCol="0">
+            <a:spAutoFit/>
+          </a:bodyPr>
+          <a:lstStyle/>
+          <a:p>
+            <a:r>
+              <a:rPr lang="en-US" altLang="ko-KR" b="1" dirty="0">
+                <a:solidFill>
+                  <a:schemeClr val="bg1"/>
+                </a:solidFill>
+              </a:rPr>
+              <a:t>Public Network</a:t>
+            </a:r>
+            <a:endParaRPr lang="ko-KR" altLang="en-US" b="1" dirty="0">
+              <a:solidFill>
+                <a:schemeClr val="bg1"/>
+              </a:solidFill>
+            </a:endParaRPr>
+          </a:p>
+        </p:txBody>
+      </p:sp>
+      <p:sp>
+        <p:nvSpPr>
+          <p:cNvPr id="27" name="TextBox 26">
+            <a:extLst>
+              <a:ext uri="{FF2B5EF4-FFF2-40B4-BE49-F238E27FC236}">
+                <a16:creationId xmlns:a16="http://schemas.microsoft.com/office/drawing/2014/main" id="{3BCC75CD-7479-FA26-C8EC-EB050E570E83}"/>
+              </a:ext>
+            </a:extLst>
+          </p:cNvPr>
+          <p:cNvSpPr txBox="1"/>
+          <p:nvPr/>
+        </p:nvSpPr>
+        <p:spPr>
+          <a:xfrm>
+            <a:off x="6232736" y="4802733"/>
+            <a:ext cx="1991039" cy="369332"/>
+          </a:xfrm>
+          <a:prstGeom prst="rect">
+            <a:avLst/>
+          </a:prstGeom>
+          <a:noFill/>
+        </p:spPr>
+        <p:txBody>
+          <a:bodyPr wrap="square" rtlCol="0">
+            <a:spAutoFit/>
+          </a:bodyPr>
+          <a:lstStyle/>
+          <a:p>
+            <a:r>
+              <a:rPr lang="en-US" altLang="ko-KR" b="1" dirty="0">
+                <a:solidFill>
+                  <a:schemeClr val="bg1"/>
+                </a:solidFill>
+              </a:rPr>
+              <a:t>Private Network</a:t>
+            </a:r>
+            <a:endParaRPr lang="ko-KR" altLang="en-US" b="1" dirty="0">
+              <a:solidFill>
+                <a:schemeClr val="bg1"/>
+              </a:solidFill>
+            </a:endParaRPr>
+          </a:p>
+        </p:txBody>
+      </p:sp>
+      <p:cxnSp>
+        <p:nvCxnSpPr>
+          <p:cNvPr id="31" name="직선 화살표 연결선 30">
+            <a:extLst>
+              <a:ext uri="{FF2B5EF4-FFF2-40B4-BE49-F238E27FC236}">
+                <a16:creationId xmlns:a16="http://schemas.microsoft.com/office/drawing/2014/main" id="{64037C16-9085-3268-075D-DA82BFA2835A}"/>
+              </a:ext>
+            </a:extLst>
+          </p:cNvPr>
+          <p:cNvCxnSpPr>
+            <a:cxnSpLocks/>
+          </p:cNvCxnSpPr>
+          <p:nvPr/>
+        </p:nvCxnSpPr>
+        <p:spPr>
+          <a:xfrm>
+            <a:off x="3226445" y="3378519"/>
+            <a:ext cx="1582512" cy="0"/>
+          </a:xfrm>
+          <a:prstGeom prst="straightConnector1">
+            <a:avLst/>
+          </a:prstGeom>
+          <a:ln w="38100">
+            <a:solidFill>
+              <a:schemeClr val="bg1"/>
+            </a:solidFill>
+            <a:headEnd type="triangle"/>
+            <a:tailEnd type="triangle"/>
+          </a:ln>
+        </p:spPr>
+        <p:style>
+          <a:lnRef idx="1">
+            <a:schemeClr val="accent1"/>
+          </a:lnRef>
+          <a:fillRef idx="0">
+            <a:schemeClr val="accent1"/>
+          </a:fillRef>
+          <a:effectRef idx="0">
+            <a:schemeClr val="accent1"/>
+          </a:effectRef>
+          <a:fontRef idx="minor">
+            <a:schemeClr val="tx1"/>
+          </a:fontRef>
+        </p:style>
+      </p:cxnSp>
+      <p:cxnSp>
+        <p:nvCxnSpPr>
+          <p:cNvPr id="34" name="직선 화살표 연결선 33">
+            <a:extLst>
+              <a:ext uri="{FF2B5EF4-FFF2-40B4-BE49-F238E27FC236}">
+                <a16:creationId xmlns:a16="http://schemas.microsoft.com/office/drawing/2014/main" id="{94E58C3D-C795-98B3-4786-0478E7E70447}"/>
+              </a:ext>
+            </a:extLst>
+          </p:cNvPr>
+          <p:cNvCxnSpPr>
+            <a:cxnSpLocks/>
+          </p:cNvCxnSpPr>
+          <p:nvPr/>
+        </p:nvCxnSpPr>
+        <p:spPr>
+          <a:xfrm>
+            <a:off x="7454111" y="3378519"/>
+            <a:ext cx="1646653" cy="0"/>
+          </a:xfrm>
+          <a:prstGeom prst="straightConnector1">
+            <a:avLst/>
+          </a:prstGeom>
+          <a:ln w="38100">
+            <a:solidFill>
+              <a:schemeClr val="bg1"/>
+            </a:solidFill>
+            <a:headEnd type="triangle"/>
+            <a:tailEnd type="triangle"/>
+          </a:ln>
+        </p:spPr>
+        <p:style>
+          <a:lnRef idx="1">
+            <a:schemeClr val="accent1"/>
+          </a:lnRef>
+          <a:fillRef idx="0">
+            <a:schemeClr val="accent1"/>
+          </a:fillRef>
+          <a:effectRef idx="0">
+            <a:schemeClr val="accent1"/>
+          </a:effectRef>
+          <a:fontRef idx="minor">
+            <a:schemeClr val="tx1"/>
+          </a:fontRef>
+        </p:style>
+      </p:cxnSp>
+      <p:sp>
+        <p:nvSpPr>
+          <p:cNvPr id="36" name="TextBox 35">
+            <a:extLst>
+              <a:ext uri="{FF2B5EF4-FFF2-40B4-BE49-F238E27FC236}">
+                <a16:creationId xmlns:a16="http://schemas.microsoft.com/office/drawing/2014/main" id="{D5B7F67F-5695-6D48-E559-903EDFC8DA52}"/>
+              </a:ext>
+            </a:extLst>
+          </p:cNvPr>
+          <p:cNvSpPr txBox="1"/>
+          <p:nvPr/>
+        </p:nvSpPr>
+        <p:spPr>
+          <a:xfrm>
+            <a:off x="1589114" y="3892883"/>
+            <a:ext cx="1673872" cy="323165"/>
+          </a:xfrm>
+          <a:prstGeom prst="rect">
+            <a:avLst/>
+          </a:prstGeom>
+          <a:noFill/>
+        </p:spPr>
+        <p:txBody>
+          <a:bodyPr wrap="square" rtlCol="0">
+            <a:spAutoFit/>
+          </a:bodyPr>
+          <a:lstStyle/>
+          <a:p>
+            <a:r>
+              <a:rPr lang="en-US" altLang="ko-KR" sz="1500" b="1" dirty="0">
+                <a:solidFill>
+                  <a:schemeClr val="bg1"/>
+                </a:solidFill>
+              </a:rPr>
+              <a:t>Public Network</a:t>
+            </a:r>
+            <a:endParaRPr lang="ko-KR" altLang="en-US" sz="1500" b="1" dirty="0">
+              <a:solidFill>
+                <a:schemeClr val="bg1"/>
+              </a:solidFill>
+            </a:endParaRPr>
+          </a:p>
+        </p:txBody>
+      </p:sp>
+      <p:sp>
+        <p:nvSpPr>
+          <p:cNvPr id="37" name="TextBox 36">
+            <a:extLst>
+              <a:ext uri="{FF2B5EF4-FFF2-40B4-BE49-F238E27FC236}">
+                <a16:creationId xmlns:a16="http://schemas.microsoft.com/office/drawing/2014/main" id="{82A02DCA-2CAF-4B9C-94D0-B08EBCB28F1E}"/>
+              </a:ext>
+            </a:extLst>
+          </p:cNvPr>
+          <p:cNvSpPr txBox="1"/>
+          <p:nvPr/>
+        </p:nvSpPr>
+        <p:spPr>
+          <a:xfrm>
+            <a:off x="8981319" y="3892883"/>
+            <a:ext cx="1673872" cy="323165"/>
+          </a:xfrm>
+          <a:prstGeom prst="rect">
+            <a:avLst/>
+          </a:prstGeom>
+          <a:noFill/>
+        </p:spPr>
+        <p:txBody>
+          <a:bodyPr wrap="square" rtlCol="0">
+            <a:spAutoFit/>
+          </a:bodyPr>
+          <a:lstStyle/>
+          <a:p>
+            <a:r>
+              <a:rPr lang="en-US" altLang="ko-KR" sz="1500" b="1" dirty="0">
+                <a:solidFill>
+                  <a:schemeClr val="bg1"/>
+                </a:solidFill>
+              </a:rPr>
+              <a:t>Private Network</a:t>
+            </a:r>
+            <a:endParaRPr lang="ko-KR" altLang="en-US" sz="1500" b="1" dirty="0">
+              <a:solidFill>
+                <a:schemeClr val="bg1"/>
+              </a:solidFill>
+            </a:endParaRPr>
+          </a:p>
+        </p:txBody>
+      </p:sp>
+      <p:sp>
+        <p:nvSpPr>
+          <p:cNvPr id="38" name="TextBox 37">
+            <a:extLst>
+              <a:ext uri="{FF2B5EF4-FFF2-40B4-BE49-F238E27FC236}">
+                <a16:creationId xmlns:a16="http://schemas.microsoft.com/office/drawing/2014/main" id="{63A1B8AB-03F3-BC4B-7D9F-9661A048F672}"/>
+              </a:ext>
+            </a:extLst>
+          </p:cNvPr>
+          <p:cNvSpPr txBox="1"/>
+          <p:nvPr/>
+        </p:nvSpPr>
+        <p:spPr>
+          <a:xfrm>
+            <a:off x="6304016" y="5405076"/>
+            <a:ext cx="1832451" cy="369332"/>
+          </a:xfrm>
+          <a:prstGeom prst="rect">
+            <a:avLst/>
+          </a:prstGeom>
+          <a:noFill/>
+        </p:spPr>
+        <p:txBody>
+          <a:bodyPr wrap="square" rtlCol="0">
+            <a:spAutoFit/>
+          </a:bodyPr>
+          <a:lstStyle/>
+          <a:p>
+            <a:r>
+              <a:rPr lang="en-US" altLang="ko-KR" b="1" dirty="0">
+                <a:solidFill>
+                  <a:schemeClr val="bg1"/>
+                </a:solidFill>
+              </a:rPr>
+              <a:t>192.168.10.100</a:t>
+            </a:r>
+            <a:endParaRPr lang="ko-KR" altLang="en-US" b="1" dirty="0">
+              <a:solidFill>
+                <a:schemeClr val="bg1"/>
+              </a:solidFill>
+            </a:endParaRPr>
+          </a:p>
+        </p:txBody>
+      </p:sp>
+      <p:sp>
+        <p:nvSpPr>
+          <p:cNvPr id="39" name="TextBox 38">
+            <a:extLst>
+              <a:ext uri="{FF2B5EF4-FFF2-40B4-BE49-F238E27FC236}">
+                <a16:creationId xmlns:a16="http://schemas.microsoft.com/office/drawing/2014/main" id="{076AA634-B2F2-949A-CA8A-2C24951082A6}"/>
+              </a:ext>
+            </a:extLst>
+          </p:cNvPr>
+          <p:cNvSpPr txBox="1"/>
+          <p:nvPr/>
+        </p:nvSpPr>
+        <p:spPr>
+          <a:xfrm>
+            <a:off x="6312027" y="5959600"/>
+            <a:ext cx="1832456" cy="369332"/>
+          </a:xfrm>
+          <a:prstGeom prst="rect">
+            <a:avLst/>
+          </a:prstGeom>
+          <a:noFill/>
+        </p:spPr>
+        <p:txBody>
+          <a:bodyPr wrap="square" rtlCol="0">
+            <a:spAutoFit/>
+          </a:bodyPr>
+          <a:lstStyle/>
+          <a:p>
+            <a:r>
+              <a:rPr lang="en-US" altLang="ko-KR" b="1" dirty="0">
+                <a:solidFill>
+                  <a:schemeClr val="bg1"/>
+                </a:solidFill>
+              </a:rPr>
+              <a:t>192.168.10.101</a:t>
+            </a:r>
+            <a:endParaRPr lang="ko-KR" altLang="en-US" b="1" dirty="0">
+              <a:solidFill>
+                <a:schemeClr val="bg1"/>
+              </a:solidFill>
+            </a:endParaRPr>
+          </a:p>
+        </p:txBody>
+      </p:sp>
+      <p:sp>
+        <p:nvSpPr>
+          <p:cNvPr id="40" name="TextBox 39">
+            <a:extLst>
+              <a:ext uri="{FF2B5EF4-FFF2-40B4-BE49-F238E27FC236}">
+                <a16:creationId xmlns:a16="http://schemas.microsoft.com/office/drawing/2014/main" id="{3D598344-29AA-A8E3-DB2C-0EB0418BB3B3}"/>
+              </a:ext>
+            </a:extLst>
+          </p:cNvPr>
+          <p:cNvSpPr txBox="1"/>
+          <p:nvPr/>
+        </p:nvSpPr>
+        <p:spPr>
+          <a:xfrm>
+            <a:off x="4514647" y="5397851"/>
+            <a:ext cx="1480686" cy="369332"/>
+          </a:xfrm>
+          <a:prstGeom prst="rect">
+            <a:avLst/>
+          </a:prstGeom>
+          <a:noFill/>
+        </p:spPr>
+        <p:txBody>
+          <a:bodyPr wrap="square" rtlCol="0">
+            <a:spAutoFit/>
+          </a:bodyPr>
+          <a:lstStyle/>
+          <a:p>
+            <a:r>
+              <a:rPr lang="en-US" altLang="ko-KR" b="1" dirty="0">
+                <a:solidFill>
+                  <a:schemeClr val="bg1"/>
+                </a:solidFill>
+              </a:rPr>
+              <a:t>210.123.3.4</a:t>
+            </a:r>
+            <a:endParaRPr lang="ko-KR" altLang="en-US" b="1" dirty="0">
+              <a:solidFill>
+                <a:schemeClr val="bg1"/>
+              </a:solidFill>
+            </a:endParaRPr>
+          </a:p>
+        </p:txBody>
+      </p:sp>
+      <p:sp>
+        <p:nvSpPr>
+          <p:cNvPr id="41" name="TextBox 40">
+            <a:extLst>
+              <a:ext uri="{FF2B5EF4-FFF2-40B4-BE49-F238E27FC236}">
+                <a16:creationId xmlns:a16="http://schemas.microsoft.com/office/drawing/2014/main" id="{EC87C30F-C57F-098C-49CC-183683F48932}"/>
+              </a:ext>
+            </a:extLst>
+          </p:cNvPr>
+          <p:cNvSpPr txBox="1"/>
+          <p:nvPr/>
+        </p:nvSpPr>
+        <p:spPr>
+          <a:xfrm>
+            <a:off x="4540739" y="5957605"/>
+            <a:ext cx="1428501" cy="369332"/>
+          </a:xfrm>
+          <a:prstGeom prst="rect">
+            <a:avLst/>
+          </a:prstGeom>
+          <a:noFill/>
+        </p:spPr>
+        <p:txBody>
+          <a:bodyPr wrap="square" rtlCol="0">
+            <a:spAutoFit/>
+          </a:bodyPr>
+          <a:lstStyle/>
+          <a:p>
+            <a:r>
+              <a:rPr lang="en-US" altLang="ko-KR" b="1" dirty="0">
+                <a:solidFill>
+                  <a:schemeClr val="bg1"/>
+                </a:solidFill>
+              </a:rPr>
+              <a:t>210.123.3.5</a:t>
+            </a:r>
+            <a:endParaRPr lang="ko-KR" altLang="en-US" b="1" dirty="0">
+              <a:solidFill>
+                <a:schemeClr val="bg1"/>
+              </a:solidFill>
+            </a:endParaRPr>
+          </a:p>
+        </p:txBody>
+      </p:sp>
+      <p:cxnSp>
+        <p:nvCxnSpPr>
+          <p:cNvPr id="49" name="직선 연결선 48">
+            <a:extLst>
+              <a:ext uri="{FF2B5EF4-FFF2-40B4-BE49-F238E27FC236}">
+                <a16:creationId xmlns:a16="http://schemas.microsoft.com/office/drawing/2014/main" id="{66C8D924-5C6C-9203-3952-A3304362F586}"/>
+              </a:ext>
+            </a:extLst>
+          </p:cNvPr>
+          <p:cNvCxnSpPr>
+            <a:cxnSpLocks/>
+          </p:cNvCxnSpPr>
+          <p:nvPr/>
+        </p:nvCxnSpPr>
+        <p:spPr>
+          <a:xfrm>
+            <a:off x="4387088" y="5866832"/>
+            <a:ext cx="3749379" cy="0"/>
+          </a:xfrm>
+          <a:prstGeom prst="line">
+            <a:avLst/>
+          </a:prstGeom>
+          <a:ln w="38100">
+            <a:solidFill>
+              <a:schemeClr val="bg1"/>
+            </a:solidFill>
+          </a:ln>
+        </p:spPr>
+        <p:style>
+          <a:lnRef idx="1">
+            <a:schemeClr val="accent1"/>
+          </a:lnRef>
+          <a:fillRef idx="0">
+            <a:schemeClr val="accent1"/>
+          </a:fillRef>
+          <a:effectRef idx="0">
+            <a:schemeClr val="accent1"/>
+          </a:effectRef>
+          <a:fontRef idx="minor">
+            <a:schemeClr val="tx1"/>
+          </a:fontRef>
+        </p:style>
+      </p:cxnSp>
+      <p:cxnSp>
+        <p:nvCxnSpPr>
+          <p:cNvPr id="50" name="직선 연결선 49">
+            <a:extLst>
+              <a:ext uri="{FF2B5EF4-FFF2-40B4-BE49-F238E27FC236}">
+                <a16:creationId xmlns:a16="http://schemas.microsoft.com/office/drawing/2014/main" id="{8430748E-2559-E9DA-3CFF-7B1354A7449C}"/>
+              </a:ext>
+            </a:extLst>
+          </p:cNvPr>
+          <p:cNvCxnSpPr>
+            <a:cxnSpLocks/>
+          </p:cNvCxnSpPr>
+          <p:nvPr/>
+        </p:nvCxnSpPr>
+        <p:spPr>
+          <a:xfrm>
+            <a:off x="4387088" y="6451032"/>
+            <a:ext cx="3749379" cy="0"/>
+          </a:xfrm>
+          <a:prstGeom prst="line">
+            <a:avLst/>
+          </a:prstGeom>
+          <a:ln w="38100">
+            <a:solidFill>
+              <a:schemeClr val="bg1"/>
+            </a:solidFill>
+          </a:ln>
+        </p:spPr>
+        <p:style>
+          <a:lnRef idx="1">
+            <a:schemeClr val="accent1"/>
+          </a:lnRef>
+          <a:fillRef idx="0">
+            <a:schemeClr val="accent1"/>
+          </a:fillRef>
+          <a:effectRef idx="0">
+            <a:schemeClr val="accent1"/>
+          </a:effectRef>
+          <a:fontRef idx="minor">
+            <a:schemeClr val="tx1"/>
+          </a:fontRef>
+        </p:style>
+      </p:cxnSp>
+      <p:sp>
+        <p:nvSpPr>
+          <p:cNvPr id="53" name="TextBox 52">
+            <a:extLst>
+              <a:ext uri="{FF2B5EF4-FFF2-40B4-BE49-F238E27FC236}">
+                <a16:creationId xmlns:a16="http://schemas.microsoft.com/office/drawing/2014/main" id="{7DEB316E-1738-CA5C-2FC5-F459F6C7F4F2}"/>
+              </a:ext>
+            </a:extLst>
+          </p:cNvPr>
+          <p:cNvSpPr txBox="1"/>
+          <p:nvPr/>
+        </p:nvSpPr>
+        <p:spPr>
+          <a:xfrm>
+            <a:off x="8636116" y="5293642"/>
+            <a:ext cx="2717684" cy="707886"/>
+          </a:xfrm>
+          <a:prstGeom prst="rect">
+            <a:avLst/>
+          </a:prstGeom>
+          <a:noFill/>
+        </p:spPr>
+        <p:txBody>
+          <a:bodyPr wrap="square" rtlCol="0">
+            <a:spAutoFit/>
+          </a:bodyPr>
+          <a:lstStyle/>
+          <a:p>
+            <a:r>
+              <a:rPr lang="en-US" altLang="ko-KR" sz="4000" b="1" dirty="0">
+                <a:solidFill>
+                  <a:schemeClr val="bg1"/>
+                </a:solidFill>
+              </a:rPr>
+              <a:t>NAT</a:t>
+            </a:r>
+            <a:r>
+              <a:rPr lang="ko-KR" altLang="en-US" sz="4000" b="1" dirty="0">
+                <a:solidFill>
+                  <a:schemeClr val="bg1"/>
+                </a:solidFill>
+              </a:rPr>
+              <a:t> </a:t>
+            </a:r>
+            <a:r>
+              <a:rPr lang="en-US" altLang="ko-KR" sz="4000" b="1" dirty="0">
+                <a:solidFill>
+                  <a:schemeClr val="bg1"/>
+                </a:solidFill>
+              </a:rPr>
+              <a:t>Table</a:t>
+            </a:r>
+            <a:endParaRPr lang="ko-KR" altLang="en-US" sz="4000" b="1" dirty="0">
+              <a:solidFill>
+                <a:schemeClr val="bg1"/>
+              </a:solidFill>
+            </a:endParaRPr>
+          </a:p>
+        </p:txBody>
+      </p:sp>
+    </p:spTree>
+    <p:extLst>
+      <p:ext uri="{BB962C8B-B14F-4D97-AF65-F5344CB8AC3E}">
+        <p14:creationId xmlns:p14="http://schemas.microsoft.com/office/powerpoint/2010/main" val="3013097834"/>
+      </p:ext>
+    </p:extLst>
+  </p:cSld>
+  <p:clrMapOvr>
+    <a:masterClrMapping/>
+  </p:clrMapOvr>
+</p:sld>
+</file>
+
+<file path=ppt/slides/slide9.xml><?xml version="1.0" encoding="utf-8"?>
+<p:sld xmlns:a="http://schemas.openxmlformats.org/drawingml/2006/main" xmlns:r="http://schemas.openxmlformats.org/officeDocument/2006/relationships" xmlns:p="http://schemas.openxmlformats.org/presentationml/2006/main">
+  <p:cSld>
+    <p:bg>
+      <p:bgPr>
+        <a:solidFill>
+          <a:schemeClr val="tx1"/>
+        </a:solidFill>
+        <a:effectLst/>
+      </p:bgPr>
+    </p:bg>
+    <p:spTree>
+      <p:nvGrpSpPr>
+        <p:cNvPr id="1" name=""/>
+        <p:cNvGrpSpPr/>
+        <p:nvPr/>
+      </p:nvGrpSpPr>
+      <p:grpSpPr>
+        <a:xfrm>
+          <a:off x="0" y="0"/>
+          <a:ext cx="0" cy="0"/>
+          <a:chOff x="0" y="0"/>
+          <a:chExt cx="0" cy="0"/>
+        </a:xfrm>
+      </p:grpSpPr>
+      <p:sp>
+        <p:nvSpPr>
+          <p:cNvPr id="2" name="제목 1">
+            <a:extLst>
+              <a:ext uri="{FF2B5EF4-FFF2-40B4-BE49-F238E27FC236}">
+                <a16:creationId xmlns:a16="http://schemas.microsoft.com/office/drawing/2014/main" id="{993AA972-8F70-42DA-61C6-C82D61F031EA}"/>
+              </a:ext>
+            </a:extLst>
+          </p:cNvPr>
+          <p:cNvSpPr>
+            <a:spLocks noGrp="1"/>
+          </p:cNvSpPr>
+          <p:nvPr>
+            <p:ph type="title"/>
+          </p:nvPr>
+        </p:nvSpPr>
+        <p:spPr/>
+        <p:txBody>
+          <a:bodyPr>
+            <a:normAutofit/>
+          </a:bodyPr>
+          <a:lstStyle/>
+          <a:p>
+            <a:pPr algn="ctr"/>
+            <a:r>
+              <a:rPr lang="en-US" altLang="ko-KR" sz="3800" b="1" dirty="0">
+                <a:solidFill>
+                  <a:schemeClr val="bg1"/>
+                </a:solidFill>
+              </a:rPr>
+              <a:t>Static</a:t>
+            </a:r>
+            <a:r>
+              <a:rPr lang="ko-KR" altLang="en-US" sz="3800" b="1" dirty="0">
+                <a:solidFill>
+                  <a:schemeClr val="bg1"/>
+                </a:solidFill>
+              </a:rPr>
+              <a:t> </a:t>
+            </a:r>
+            <a:r>
+              <a:rPr lang="en-US" altLang="ko-KR" sz="3800" b="1" dirty="0">
+                <a:solidFill>
+                  <a:schemeClr val="bg1"/>
+                </a:solidFill>
+              </a:rPr>
+              <a:t>NAT(Network Address Translation)</a:t>
+            </a:r>
+            <a:endParaRPr lang="ko-KR" altLang="en-US" sz="3800" b="1" dirty="0">
+              <a:solidFill>
+                <a:schemeClr val="bg1"/>
+              </a:solidFill>
+            </a:endParaRPr>
+          </a:p>
+        </p:txBody>
+      </p:sp>
+      <p:sp>
+        <p:nvSpPr>
+          <p:cNvPr id="3" name="내용 개체 틀 2">
+            <a:extLst>
+              <a:ext uri="{FF2B5EF4-FFF2-40B4-BE49-F238E27FC236}">
+                <a16:creationId xmlns:a16="http://schemas.microsoft.com/office/drawing/2014/main" id="{87A0DF69-10B8-0D20-D0FD-6D1E744CF1E4}"/>
+              </a:ext>
+            </a:extLst>
+          </p:cNvPr>
+          <p:cNvSpPr>
+            <a:spLocks noGrp="1"/>
+          </p:cNvSpPr>
+          <p:nvPr>
+            <p:ph idx="1"/>
+          </p:nvPr>
+        </p:nvSpPr>
+        <p:spPr>
+          <a:xfrm>
+            <a:off x="838200" y="1825626"/>
+            <a:ext cx="10515600" cy="369332"/>
+          </a:xfrm>
+        </p:spPr>
+        <p:txBody>
+          <a:bodyPr>
+            <a:normAutofit/>
+          </a:bodyPr>
+          <a:lstStyle/>
+          <a:p>
+            <a:pPr marL="0" indent="0" algn="ctr">
+              <a:buNone/>
+            </a:pPr>
+            <a:r>
+              <a:rPr lang="ko-KR" altLang="en-US" sz="2000" b="1" dirty="0">
+                <a:solidFill>
+                  <a:schemeClr val="bg1"/>
+                </a:solidFill>
+              </a:rPr>
+              <a:t>정적 </a:t>
+            </a:r>
+            <a:r>
+              <a:rPr lang="en-US" altLang="ko-KR" sz="2000" b="1" dirty="0">
+                <a:solidFill>
+                  <a:schemeClr val="bg1"/>
+                </a:solidFill>
+              </a:rPr>
+              <a:t>NAT </a:t>
+            </a:r>
+            <a:r>
+              <a:rPr lang="ko-KR" altLang="en-US" sz="2000" b="1" dirty="0">
+                <a:solidFill>
+                  <a:schemeClr val="bg1"/>
+                </a:solidFill>
+              </a:rPr>
+              <a:t>토폴로지</a:t>
+            </a:r>
+            <a:endParaRPr lang="en-US" altLang="ko-KR" sz="2000" b="1" dirty="0">
+              <a:solidFill>
+                <a:schemeClr val="bg1"/>
+              </a:solidFill>
+            </a:endParaRPr>
+          </a:p>
+        </p:txBody>
+      </p:sp>
+      <p:pic>
+        <p:nvPicPr>
+          <p:cNvPr id="28" name="그림 27">
+            <a:extLst>
+              <a:ext uri="{FF2B5EF4-FFF2-40B4-BE49-F238E27FC236}">
+                <a16:creationId xmlns:a16="http://schemas.microsoft.com/office/drawing/2014/main" id="{2DB2ECA1-E8C7-5FF6-FF7E-E56999E4CEA0}"/>
+              </a:ext>
+            </a:extLst>
+          </p:cNvPr>
+          <p:cNvPicPr>
+            <a:picLocks noChangeAspect="1"/>
+          </p:cNvPicPr>
+          <p:nvPr/>
+        </p:nvPicPr>
+        <p:blipFill>
+          <a:blip r:embed="rId2"/>
+          <a:stretch>
+            <a:fillRect/>
+          </a:stretch>
+        </p:blipFill>
+        <p:spPr>
+          <a:xfrm>
+            <a:off x="0" y="2872096"/>
+            <a:ext cx="12192000" cy="2399489"/>
+          </a:xfrm>
+          <a:prstGeom prst="rect">
+            <a:avLst/>
+          </a:prstGeom>
+        </p:spPr>
+      </p:pic>
+    </p:spTree>
+    <p:extLst>
+      <p:ext uri="{BB962C8B-B14F-4D97-AF65-F5344CB8AC3E}">
+        <p14:creationId xmlns:p14="http://schemas.microsoft.com/office/powerpoint/2010/main" val="1823068760"/>
       </p:ext>
     </p:extLst>
   </p:cSld>

--- a/11. NAT/Packter Tracer - NAT.pptx
+++ b/11. NAT/Packter Tracer - NAT.pptx
@@ -10,17 +10,19 @@
     <p:sldId id="258" r:id="rId4"/>
     <p:sldId id="263" r:id="rId5"/>
     <p:sldId id="257" r:id="rId6"/>
-    <p:sldId id="265" r:id="rId7"/>
-    <p:sldId id="264" r:id="rId8"/>
-    <p:sldId id="260" r:id="rId9"/>
-    <p:sldId id="267" r:id="rId10"/>
-    <p:sldId id="269" r:id="rId11"/>
-    <p:sldId id="266" r:id="rId12"/>
-    <p:sldId id="268" r:id="rId13"/>
-    <p:sldId id="273" r:id="rId14"/>
-    <p:sldId id="259" r:id="rId15"/>
-    <p:sldId id="271" r:id="rId16"/>
-    <p:sldId id="274" r:id="rId17"/>
+    <p:sldId id="276" r:id="rId7"/>
+    <p:sldId id="265" r:id="rId8"/>
+    <p:sldId id="264" r:id="rId9"/>
+    <p:sldId id="275" r:id="rId10"/>
+    <p:sldId id="260" r:id="rId11"/>
+    <p:sldId id="267" r:id="rId12"/>
+    <p:sldId id="269" r:id="rId13"/>
+    <p:sldId id="266" r:id="rId14"/>
+    <p:sldId id="268" r:id="rId15"/>
+    <p:sldId id="273" r:id="rId16"/>
+    <p:sldId id="259" r:id="rId17"/>
+    <p:sldId id="271" r:id="rId18"/>
+    <p:sldId id="274" r:id="rId19"/>
   </p:sldIdLst>
   <p:sldSz cx="12192000" cy="6858000"/>
   <p:notesSz cx="6858000" cy="9144000"/>
@@ -274,7 +276,7 @@
           <a:p>
             <a:fld id="{33040E35-79D0-46C8-8E4A-76A52B87492D}" type="datetimeFigureOut">
               <a:rPr lang="ko-KR" altLang="en-US" smtClean="0"/>
-              <a:t>2023-10-22</a:t>
+              <a:t>2023-10-23</a:t>
             </a:fld>
             <a:endParaRPr lang="ko-KR" altLang="en-US"/>
           </a:p>
@@ -472,7 +474,7 @@
           <a:p>
             <a:fld id="{33040E35-79D0-46C8-8E4A-76A52B87492D}" type="datetimeFigureOut">
               <a:rPr lang="ko-KR" altLang="en-US" smtClean="0"/>
-              <a:t>2023-10-22</a:t>
+              <a:t>2023-10-23</a:t>
             </a:fld>
             <a:endParaRPr lang="ko-KR" altLang="en-US"/>
           </a:p>
@@ -680,7 +682,7 @@
           <a:p>
             <a:fld id="{33040E35-79D0-46C8-8E4A-76A52B87492D}" type="datetimeFigureOut">
               <a:rPr lang="ko-KR" altLang="en-US" smtClean="0"/>
-              <a:t>2023-10-22</a:t>
+              <a:t>2023-10-23</a:t>
             </a:fld>
             <a:endParaRPr lang="ko-KR" altLang="en-US"/>
           </a:p>
@@ -878,7 +880,7 @@
           <a:p>
             <a:fld id="{33040E35-79D0-46C8-8E4A-76A52B87492D}" type="datetimeFigureOut">
               <a:rPr lang="ko-KR" altLang="en-US" smtClean="0"/>
-              <a:t>2023-10-22</a:t>
+              <a:t>2023-10-23</a:t>
             </a:fld>
             <a:endParaRPr lang="ko-KR" altLang="en-US"/>
           </a:p>
@@ -1153,7 +1155,7 @@
           <a:p>
             <a:fld id="{33040E35-79D0-46C8-8E4A-76A52B87492D}" type="datetimeFigureOut">
               <a:rPr lang="ko-KR" altLang="en-US" smtClean="0"/>
-              <a:t>2023-10-22</a:t>
+              <a:t>2023-10-23</a:t>
             </a:fld>
             <a:endParaRPr lang="ko-KR" altLang="en-US"/>
           </a:p>
@@ -1418,7 +1420,7 @@
           <a:p>
             <a:fld id="{33040E35-79D0-46C8-8E4A-76A52B87492D}" type="datetimeFigureOut">
               <a:rPr lang="ko-KR" altLang="en-US" smtClean="0"/>
-              <a:t>2023-10-22</a:t>
+              <a:t>2023-10-23</a:t>
             </a:fld>
             <a:endParaRPr lang="ko-KR" altLang="en-US"/>
           </a:p>
@@ -1830,7 +1832,7 @@
           <a:p>
             <a:fld id="{33040E35-79D0-46C8-8E4A-76A52B87492D}" type="datetimeFigureOut">
               <a:rPr lang="ko-KR" altLang="en-US" smtClean="0"/>
-              <a:t>2023-10-22</a:t>
+              <a:t>2023-10-23</a:t>
             </a:fld>
             <a:endParaRPr lang="ko-KR" altLang="en-US"/>
           </a:p>
@@ -1971,7 +1973,7 @@
           <a:p>
             <a:fld id="{33040E35-79D0-46C8-8E4A-76A52B87492D}" type="datetimeFigureOut">
               <a:rPr lang="ko-KR" altLang="en-US" smtClean="0"/>
-              <a:t>2023-10-22</a:t>
+              <a:t>2023-10-23</a:t>
             </a:fld>
             <a:endParaRPr lang="ko-KR" altLang="en-US"/>
           </a:p>
@@ -2084,7 +2086,7 @@
           <a:p>
             <a:fld id="{33040E35-79D0-46C8-8E4A-76A52B87492D}" type="datetimeFigureOut">
               <a:rPr lang="ko-KR" altLang="en-US" smtClean="0"/>
-              <a:t>2023-10-22</a:t>
+              <a:t>2023-10-23</a:t>
             </a:fld>
             <a:endParaRPr lang="ko-KR" altLang="en-US"/>
           </a:p>
@@ -2395,7 +2397,7 @@
           <a:p>
             <a:fld id="{33040E35-79D0-46C8-8E4A-76A52B87492D}" type="datetimeFigureOut">
               <a:rPr lang="ko-KR" altLang="en-US" smtClean="0"/>
-              <a:t>2023-10-22</a:t>
+              <a:t>2023-10-23</a:t>
             </a:fld>
             <a:endParaRPr lang="ko-KR" altLang="en-US"/>
           </a:p>
@@ -2683,7 +2685,7 @@
           <a:p>
             <a:fld id="{33040E35-79D0-46C8-8E4A-76A52B87492D}" type="datetimeFigureOut">
               <a:rPr lang="ko-KR" altLang="en-US" smtClean="0"/>
-              <a:t>2023-10-22</a:t>
+              <a:t>2023-10-23</a:t>
             </a:fld>
             <a:endParaRPr lang="ko-KR" altLang="en-US"/>
           </a:p>
@@ -2924,7 +2926,7 @@
           <a:p>
             <a:fld id="{33040E35-79D0-46C8-8E4A-76A52B87492D}" type="datetimeFigureOut">
               <a:rPr lang="ko-KR" altLang="en-US" smtClean="0"/>
-              <a:t>2023-10-22</a:t>
+              <a:t>2023-10-23</a:t>
             </a:fld>
             <a:endParaRPr lang="ko-KR" altLang="en-US"/>
           </a:p>
@@ -3515,23 +3517,7 @@
                   <a:schemeClr val="bg1"/>
                 </a:solidFill>
               </a:rPr>
-              <a:t>Static</a:t>
-            </a:r>
-            <a:r>
-              <a:rPr lang="ko-KR" altLang="en-US" sz="3800" b="1" dirty="0">
-                <a:solidFill>
-                  <a:schemeClr val="bg1"/>
-                </a:solidFill>
-              </a:rPr>
-              <a:t> </a:t>
-            </a:r>
-            <a:r>
-              <a:rPr lang="en-US" altLang="ko-KR" sz="3800" b="1" dirty="0">
-                <a:solidFill>
-                  <a:schemeClr val="bg1"/>
-                </a:solidFill>
-              </a:rPr>
-              <a:t>NAT(Network Address Translation)</a:t>
+              <a:t>Static NAT(Network Address Translation)</a:t>
             </a:r>
             <a:endParaRPr lang="ko-KR" altLang="en-US" sz="3800" b="1" dirty="0">
               <a:solidFill>
@@ -3559,8 +3545,8 @@
         </p:nvSpPr>
         <p:spPr>
           <a:xfrm>
-            <a:off x="504824" y="3134107"/>
-            <a:ext cx="3143250" cy="369332"/>
+            <a:off x="838200" y="1825625"/>
+            <a:ext cx="10515600" cy="464235"/>
           </a:xfrm>
         </p:spPr>
         <p:txBody>
@@ -3578,7 +3564,7 @@
                   <a:schemeClr val="bg1"/>
                 </a:solidFill>
               </a:rPr>
-              <a:t>정적 </a:t>
+              <a:t>하나의</a:t>
             </a:r>
             <a:r>
               <a:rPr lang="en-US" altLang="ko-KR" sz="2000" b="1" dirty="0">
@@ -3586,7 +3572,7 @@
                   <a:schemeClr val="bg1"/>
                 </a:solidFill>
               </a:rPr>
-              <a:t>NAT </a:t>
+              <a:t> </a:t>
             </a:r>
             <a:r>
               <a:rPr lang="ko-KR" altLang="en-US" sz="2000" b="1" dirty="0">
@@ -3594,9 +3580,174 @@
                   <a:schemeClr val="bg1"/>
                 </a:solidFill>
               </a:rPr>
-              <a:t>명령어</a:t>
-            </a:r>
-            <a:endParaRPr lang="en-US" altLang="ko-KR" sz="2000" b="1" dirty="0">
+              <a:t>내부 </a:t>
+            </a:r>
+            <a:r>
+              <a:rPr lang="en-US" altLang="ko-KR" sz="2000" b="1" dirty="0">
+                <a:solidFill>
+                  <a:schemeClr val="bg1"/>
+                </a:solidFill>
+              </a:rPr>
+              <a:t>IP </a:t>
+            </a:r>
+            <a:r>
+              <a:rPr lang="ko-KR" altLang="en-US" sz="2000" b="1" dirty="0">
+                <a:solidFill>
+                  <a:schemeClr val="bg1"/>
+                </a:solidFill>
+              </a:rPr>
+              <a:t>주소와 하나의 외부 </a:t>
+            </a:r>
+            <a:r>
+              <a:rPr lang="en-US" altLang="ko-KR" sz="2000" b="1" dirty="0">
+                <a:solidFill>
+                  <a:schemeClr val="bg1"/>
+                </a:solidFill>
+              </a:rPr>
+              <a:t>IP</a:t>
+            </a:r>
+            <a:r>
+              <a:rPr lang="ko-KR" altLang="en-US" sz="2000" b="1" dirty="0">
+                <a:solidFill>
+                  <a:schemeClr val="bg1"/>
+                </a:solidFill>
+              </a:rPr>
+              <a:t>주소를 </a:t>
+            </a:r>
+            <a:r>
+              <a:rPr lang="en-US" altLang="ko-KR" sz="2000" b="1" dirty="0">
+                <a:solidFill>
+                  <a:schemeClr val="bg1"/>
+                </a:solidFill>
+              </a:rPr>
+              <a:t>1:1</a:t>
+            </a:r>
+            <a:r>
+              <a:rPr lang="ko-KR" altLang="en-US" sz="2000" b="1" dirty="0">
+                <a:solidFill>
+                  <a:schemeClr val="bg1"/>
+                </a:solidFill>
+              </a:rPr>
+              <a:t>로 매핑 시키는 방식</a:t>
+            </a:r>
+          </a:p>
+        </p:txBody>
+      </p:sp>
+      <p:pic>
+        <p:nvPicPr>
+          <p:cNvPr id="5" name="그래픽 4" descr="컴퓨터 단색으로 채워진">
+            <a:extLst>
+              <a:ext uri="{FF2B5EF4-FFF2-40B4-BE49-F238E27FC236}">
+                <a16:creationId xmlns:a16="http://schemas.microsoft.com/office/drawing/2014/main" id="{EFB11422-617A-2A5C-501C-FEFFA111286E}"/>
+              </a:ext>
+            </a:extLst>
+          </p:cNvPr>
+          <p:cNvPicPr>
+            <a:picLocks noChangeAspect="1"/>
+          </p:cNvPicPr>
+          <p:nvPr/>
+        </p:nvPicPr>
+        <p:blipFill>
+          <a:blip r:embed="rId2">
+            <a:extLst>
+              <a:ext uri="{28A0092B-C50C-407E-A947-70E740481C1C}">
+                <a14:useLocalDpi xmlns:a14="http://schemas.microsoft.com/office/drawing/2010/main" val="0"/>
+              </a:ext>
+              <a:ext uri="{96DAC541-7B7A-43D3-8B79-37D633B846F1}">
+                <asvg:svgBlip xmlns:asvg="http://schemas.microsoft.com/office/drawing/2016/SVG/main" r:embed="rId3"/>
+              </a:ext>
+            </a:extLst>
+          </a:blip>
+          <a:stretch>
+            <a:fillRect/>
+          </a:stretch>
+        </p:blipFill>
+        <p:spPr>
+          <a:xfrm>
+            <a:off x="1720572" y="2714130"/>
+            <a:ext cx="1298896" cy="1298896"/>
+          </a:xfrm>
+          <a:prstGeom prst="rect">
+            <a:avLst/>
+          </a:prstGeom>
+        </p:spPr>
+      </p:pic>
+      <p:pic>
+        <p:nvPicPr>
+          <p:cNvPr id="6" name="그래픽 5" descr="구름 윤곽선">
+            <a:extLst>
+              <a:ext uri="{FF2B5EF4-FFF2-40B4-BE49-F238E27FC236}">
+                <a16:creationId xmlns:a16="http://schemas.microsoft.com/office/drawing/2014/main" id="{744E1162-2A17-B893-8066-97B3AA8130D6}"/>
+              </a:ext>
+            </a:extLst>
+          </p:cNvPr>
+          <p:cNvPicPr>
+            <a:picLocks noChangeAspect="1"/>
+          </p:cNvPicPr>
+          <p:nvPr/>
+        </p:nvPicPr>
+        <p:blipFill>
+          <a:blip r:embed="rId4">
+            <a:extLst>
+              <a:ext uri="{28A0092B-C50C-407E-A947-70E740481C1C}">
+                <a14:useLocalDpi xmlns:a14="http://schemas.microsoft.com/office/drawing/2010/main" val="0"/>
+              </a:ext>
+              <a:ext uri="{96DAC541-7B7A-43D3-8B79-37D633B846F1}">
+                <asvg:svgBlip xmlns:asvg="http://schemas.microsoft.com/office/drawing/2016/SVG/main" r:embed="rId5"/>
+              </a:ext>
+            </a:extLst>
+          </a:blip>
+          <a:stretch>
+            <a:fillRect/>
+          </a:stretch>
+        </p:blipFill>
+        <p:spPr>
+          <a:xfrm>
+            <a:off x="4737819" y="1882142"/>
+            <a:ext cx="2717684" cy="2717684"/>
+          </a:xfrm>
+          <a:prstGeom prst="rect">
+            <a:avLst/>
+          </a:prstGeom>
+        </p:spPr>
+      </p:pic>
+      <p:sp>
+        <p:nvSpPr>
+          <p:cNvPr id="7" name="TextBox 6">
+            <a:extLst>
+              <a:ext uri="{FF2B5EF4-FFF2-40B4-BE49-F238E27FC236}">
+                <a16:creationId xmlns:a16="http://schemas.microsoft.com/office/drawing/2014/main" id="{CD17A3D8-9ACE-F391-7E8B-F10C71C8F4CB}"/>
+              </a:ext>
+            </a:extLst>
+          </p:cNvPr>
+          <p:cNvSpPr txBox="1"/>
+          <p:nvPr/>
+        </p:nvSpPr>
+        <p:spPr>
+          <a:xfrm>
+            <a:off x="5436251" y="3122036"/>
+            <a:ext cx="1463096" cy="477054"/>
+          </a:xfrm>
+          <a:prstGeom prst="rect">
+            <a:avLst/>
+          </a:prstGeom>
+          <a:noFill/>
+        </p:spPr>
+        <p:txBody>
+          <a:bodyPr wrap="square" rtlCol="0">
+            <a:spAutoFit/>
+          </a:bodyPr>
+          <a:lstStyle/>
+          <a:p>
+            <a:r>
+              <a:rPr lang="en-US" altLang="ko-KR" sz="2500" b="1" dirty="0">
+                <a:solidFill>
+                  <a:schemeClr val="bg1"/>
+                </a:solidFill>
+              </a:rPr>
+              <a:t>Internet</a:t>
+            </a:r>
+            <a:endParaRPr lang="ko-KR" altLang="en-US" sz="2500" b="1" dirty="0">
               <a:solidFill>
                 <a:schemeClr val="bg1"/>
               </a:solidFill>
@@ -3606,10 +3757,10 @@
       </p:sp>
       <p:pic>
         <p:nvPicPr>
-          <p:cNvPr id="7" name="그림 6">
-            <a:extLst>
-              <a:ext uri="{FF2B5EF4-FFF2-40B4-BE49-F238E27FC236}">
-                <a16:creationId xmlns:a16="http://schemas.microsoft.com/office/drawing/2014/main" id="{D6B2A1CA-9907-CEBE-D4A6-835E6B039373}"/>
+          <p:cNvPr id="8" name="그래픽 7" descr="컴퓨터 단색으로 채워진">
+            <a:extLst>
+              <a:ext uri="{FF2B5EF4-FFF2-40B4-BE49-F238E27FC236}">
+                <a16:creationId xmlns:a16="http://schemas.microsoft.com/office/drawing/2014/main" id="{3332BA90-A31C-0B45-83D6-5AC5CFB749D6}"/>
               </a:ext>
             </a:extLst>
           </p:cNvPr>
@@ -3619,258 +3770,153 @@
           <p:nvPr/>
         </p:nvPicPr>
         <p:blipFill>
-          <a:blip r:embed="rId2"/>
+          <a:blip r:embed="rId2">
+            <a:extLst>
+              <a:ext uri="{28A0092B-C50C-407E-A947-70E740481C1C}">
+                <a14:useLocalDpi xmlns:a14="http://schemas.microsoft.com/office/drawing/2010/main" val="0"/>
+              </a:ext>
+              <a:ext uri="{96DAC541-7B7A-43D3-8B79-37D633B846F1}">
+                <asvg:svgBlip xmlns:asvg="http://schemas.microsoft.com/office/drawing/2016/SVG/main" r:embed="rId3"/>
+              </a:ext>
+            </a:extLst>
+          </a:blip>
           <a:stretch>
             <a:fillRect/>
           </a:stretch>
         </p:blipFill>
         <p:spPr>
           <a:xfrm>
-            <a:off x="3867150" y="2003424"/>
-            <a:ext cx="7715250" cy="2261367"/>
+            <a:off x="9168354" y="2755570"/>
+            <a:ext cx="1298896" cy="1298896"/>
           </a:xfrm>
           <a:prstGeom prst="rect">
             <a:avLst/>
           </a:prstGeom>
         </p:spPr>
       </p:pic>
-      <p:sp>
-        <p:nvSpPr>
-          <p:cNvPr id="8" name="내용 개체 틀 2">
-            <a:extLst>
-              <a:ext uri="{FF2B5EF4-FFF2-40B4-BE49-F238E27FC236}">
-                <a16:creationId xmlns:a16="http://schemas.microsoft.com/office/drawing/2014/main" id="{B087E41E-4957-CE82-AD37-5AD3DF17AF8E}"/>
-              </a:ext>
-            </a:extLst>
-          </p:cNvPr>
-          <p:cNvSpPr txBox="1">
-            <a:spLocks/>
-          </p:cNvSpPr>
-          <p:nvPr/>
-        </p:nvSpPr>
-        <p:spPr>
-          <a:xfrm>
-            <a:off x="214312" y="5349333"/>
-            <a:ext cx="3724275" cy="603249"/>
+      <p:cxnSp>
+        <p:nvCxnSpPr>
+          <p:cNvPr id="12" name="직선 연결선 11">
+            <a:extLst>
+              <a:ext uri="{FF2B5EF4-FFF2-40B4-BE49-F238E27FC236}">
+                <a16:creationId xmlns:a16="http://schemas.microsoft.com/office/drawing/2014/main" id="{9D955ABF-CF2D-003C-0A1C-606E724701AB}"/>
+              </a:ext>
+            </a:extLst>
+          </p:cNvPr>
+          <p:cNvCxnSpPr>
+            <a:cxnSpLocks/>
+          </p:cNvCxnSpPr>
+          <p:nvPr/>
+        </p:nvCxnSpPr>
+        <p:spPr>
+          <a:xfrm>
+            <a:off x="6196668" y="4692422"/>
+            <a:ext cx="0" cy="1758610"/>
+          </a:xfrm>
+          <a:prstGeom prst="line">
+            <a:avLst/>
+          </a:prstGeom>
+          <a:ln w="38100">
+            <a:solidFill>
+              <a:schemeClr val="bg1"/>
+            </a:solidFill>
+          </a:ln>
+        </p:spPr>
+        <p:style>
+          <a:lnRef idx="1">
+            <a:schemeClr val="accent1"/>
+          </a:lnRef>
+          <a:fillRef idx="0">
+            <a:schemeClr val="accent1"/>
+          </a:fillRef>
+          <a:effectRef idx="0">
+            <a:schemeClr val="accent1"/>
+          </a:effectRef>
+          <a:fontRef idx="minor">
+            <a:schemeClr val="tx1"/>
+          </a:fontRef>
+        </p:style>
+      </p:cxnSp>
+      <p:cxnSp>
+        <p:nvCxnSpPr>
+          <p:cNvPr id="10" name="직선 연결선 9">
+            <a:extLst>
+              <a:ext uri="{FF2B5EF4-FFF2-40B4-BE49-F238E27FC236}">
+                <a16:creationId xmlns:a16="http://schemas.microsoft.com/office/drawing/2014/main" id="{BEA4FD4C-133F-1F0F-BDF1-53AD58A9DDE3}"/>
+              </a:ext>
+            </a:extLst>
+          </p:cNvPr>
+          <p:cNvCxnSpPr>
+            <a:cxnSpLocks/>
+          </p:cNvCxnSpPr>
+          <p:nvPr/>
+        </p:nvCxnSpPr>
+        <p:spPr>
+          <a:xfrm>
+            <a:off x="4387088" y="5291594"/>
+            <a:ext cx="3749379" cy="0"/>
+          </a:xfrm>
+          <a:prstGeom prst="line">
+            <a:avLst/>
+          </a:prstGeom>
+          <a:ln w="38100">
+            <a:solidFill>
+              <a:schemeClr val="bg1"/>
+            </a:solidFill>
+          </a:ln>
+        </p:spPr>
+        <p:style>
+          <a:lnRef idx="1">
+            <a:schemeClr val="accent1"/>
+          </a:lnRef>
+          <a:fillRef idx="0">
+            <a:schemeClr val="accent1"/>
+          </a:fillRef>
+          <a:effectRef idx="0">
+            <a:schemeClr val="accent1"/>
+          </a:effectRef>
+          <a:fontRef idx="minor">
+            <a:schemeClr val="tx1"/>
+          </a:fontRef>
+        </p:style>
+      </p:cxnSp>
+      <p:sp>
+        <p:nvSpPr>
+          <p:cNvPr id="26" name="TextBox 25">
+            <a:extLst>
+              <a:ext uri="{FF2B5EF4-FFF2-40B4-BE49-F238E27FC236}">
+                <a16:creationId xmlns:a16="http://schemas.microsoft.com/office/drawing/2014/main" id="{729DC8B5-20FD-FB81-3A56-05E427EB6270}"/>
+              </a:ext>
+            </a:extLst>
+          </p:cNvPr>
+          <p:cNvSpPr txBox="1"/>
+          <p:nvPr/>
+        </p:nvSpPr>
+        <p:spPr>
+          <a:xfrm>
+            <a:off x="4292591" y="4802733"/>
+            <a:ext cx="1875208" cy="369332"/>
           </a:xfrm>
           <a:prstGeom prst="rect">
             <a:avLst/>
           </a:prstGeom>
-        </p:spPr>
-        <p:txBody>
-          <a:bodyPr vert="horz" lIns="91440" tIns="45720" rIns="91440" bIns="45720" rtlCol="0">
-            <a:normAutofit/>
+          <a:noFill/>
+        </p:spPr>
+        <p:txBody>
+          <a:bodyPr wrap="square" rtlCol="0">
+            <a:spAutoFit/>
           </a:bodyPr>
-          <a:lstStyle>
-            <a:lvl1pPr marL="228600" indent="-228600" algn="l" defTabSz="914400" rtl="0" eaLnBrk="1" latinLnBrk="1" hangingPunct="1">
-              <a:lnSpc>
-                <a:spcPct val="90000"/>
-              </a:lnSpc>
-              <a:spcBef>
-                <a:spcPts val="1000"/>
-              </a:spcBef>
-              <a:buFont typeface="Arial" panose="020B0604020202020204" pitchFamily="34" charset="0"/>
-              <a:buChar char="•"/>
-              <a:defRPr sz="2800" kern="1200">
-                <a:solidFill>
-                  <a:schemeClr val="tx1"/>
-                </a:solidFill>
-                <a:latin typeface="+mn-lt"/>
-                <a:ea typeface="+mn-ea"/>
-                <a:cs typeface="+mn-cs"/>
-              </a:defRPr>
-            </a:lvl1pPr>
-            <a:lvl2pPr marL="685800" indent="-228600" algn="l" defTabSz="914400" rtl="0" eaLnBrk="1" latinLnBrk="1" hangingPunct="1">
-              <a:lnSpc>
-                <a:spcPct val="90000"/>
-              </a:lnSpc>
-              <a:spcBef>
-                <a:spcPts val="500"/>
-              </a:spcBef>
-              <a:buFont typeface="Arial" panose="020B0604020202020204" pitchFamily="34" charset="0"/>
-              <a:buChar char="•"/>
-              <a:defRPr sz="2400" kern="1200">
-                <a:solidFill>
-                  <a:schemeClr val="tx1"/>
-                </a:solidFill>
-                <a:latin typeface="+mn-lt"/>
-                <a:ea typeface="+mn-ea"/>
-                <a:cs typeface="+mn-cs"/>
-              </a:defRPr>
-            </a:lvl2pPr>
-            <a:lvl3pPr marL="1143000" indent="-228600" algn="l" defTabSz="914400" rtl="0" eaLnBrk="1" latinLnBrk="1" hangingPunct="1">
-              <a:lnSpc>
-                <a:spcPct val="90000"/>
-              </a:lnSpc>
-              <a:spcBef>
-                <a:spcPts val="500"/>
-              </a:spcBef>
-              <a:buFont typeface="Arial" panose="020B0604020202020204" pitchFamily="34" charset="0"/>
-              <a:buChar char="•"/>
-              <a:defRPr sz="2000" kern="1200">
-                <a:solidFill>
-                  <a:schemeClr val="tx1"/>
-                </a:solidFill>
-                <a:latin typeface="+mn-lt"/>
-                <a:ea typeface="+mn-ea"/>
-                <a:cs typeface="+mn-cs"/>
-              </a:defRPr>
-            </a:lvl3pPr>
-            <a:lvl4pPr marL="1600200" indent="-228600" algn="l" defTabSz="914400" rtl="0" eaLnBrk="1" latinLnBrk="1" hangingPunct="1">
-              <a:lnSpc>
-                <a:spcPct val="90000"/>
-              </a:lnSpc>
-              <a:spcBef>
-                <a:spcPts val="500"/>
-              </a:spcBef>
-              <a:buFont typeface="Arial" panose="020B0604020202020204" pitchFamily="34" charset="0"/>
-              <a:buChar char="•"/>
-              <a:defRPr sz="1800" kern="1200">
-                <a:solidFill>
-                  <a:schemeClr val="tx1"/>
-                </a:solidFill>
-                <a:latin typeface="+mn-lt"/>
-                <a:ea typeface="+mn-ea"/>
-                <a:cs typeface="+mn-cs"/>
-              </a:defRPr>
-            </a:lvl4pPr>
-            <a:lvl5pPr marL="2057400" indent="-228600" algn="l" defTabSz="914400" rtl="0" eaLnBrk="1" latinLnBrk="1" hangingPunct="1">
-              <a:lnSpc>
-                <a:spcPct val="90000"/>
-              </a:lnSpc>
-              <a:spcBef>
-                <a:spcPts val="500"/>
-              </a:spcBef>
-              <a:buFont typeface="Arial" panose="020B0604020202020204" pitchFamily="34" charset="0"/>
-              <a:buChar char="•"/>
-              <a:defRPr sz="1800" kern="1200">
-                <a:solidFill>
-                  <a:schemeClr val="tx1"/>
-                </a:solidFill>
-                <a:latin typeface="+mn-lt"/>
-                <a:ea typeface="+mn-ea"/>
-                <a:cs typeface="+mn-cs"/>
-              </a:defRPr>
-            </a:lvl5pPr>
-            <a:lvl6pPr marL="2514600" indent="-228600" algn="l" defTabSz="914400" rtl="0" eaLnBrk="1" latinLnBrk="1" hangingPunct="1">
-              <a:lnSpc>
-                <a:spcPct val="90000"/>
-              </a:lnSpc>
-              <a:spcBef>
-                <a:spcPts val="500"/>
-              </a:spcBef>
-              <a:buFont typeface="Arial" panose="020B0604020202020204" pitchFamily="34" charset="0"/>
-              <a:buChar char="•"/>
-              <a:defRPr sz="1800" kern="1200">
-                <a:solidFill>
-                  <a:schemeClr val="tx1"/>
-                </a:solidFill>
-                <a:latin typeface="+mn-lt"/>
-                <a:ea typeface="+mn-ea"/>
-                <a:cs typeface="+mn-cs"/>
-              </a:defRPr>
-            </a:lvl6pPr>
-            <a:lvl7pPr marL="2971800" indent="-228600" algn="l" defTabSz="914400" rtl="0" eaLnBrk="1" latinLnBrk="1" hangingPunct="1">
-              <a:lnSpc>
-                <a:spcPct val="90000"/>
-              </a:lnSpc>
-              <a:spcBef>
-                <a:spcPts val="500"/>
-              </a:spcBef>
-              <a:buFont typeface="Arial" panose="020B0604020202020204" pitchFamily="34" charset="0"/>
-              <a:buChar char="•"/>
-              <a:defRPr sz="1800" kern="1200">
-                <a:solidFill>
-                  <a:schemeClr val="tx1"/>
-                </a:solidFill>
-                <a:latin typeface="+mn-lt"/>
-                <a:ea typeface="+mn-ea"/>
-                <a:cs typeface="+mn-cs"/>
-              </a:defRPr>
-            </a:lvl7pPr>
-            <a:lvl8pPr marL="3429000" indent="-228600" algn="l" defTabSz="914400" rtl="0" eaLnBrk="1" latinLnBrk="1" hangingPunct="1">
-              <a:lnSpc>
-                <a:spcPct val="90000"/>
-              </a:lnSpc>
-              <a:spcBef>
-                <a:spcPts val="500"/>
-              </a:spcBef>
-              <a:buFont typeface="Arial" panose="020B0604020202020204" pitchFamily="34" charset="0"/>
-              <a:buChar char="•"/>
-              <a:defRPr sz="1800" kern="1200">
-                <a:solidFill>
-                  <a:schemeClr val="tx1"/>
-                </a:solidFill>
-                <a:latin typeface="+mn-lt"/>
-                <a:ea typeface="+mn-ea"/>
-                <a:cs typeface="+mn-cs"/>
-              </a:defRPr>
-            </a:lvl8pPr>
-            <a:lvl9pPr marL="3886200" indent="-228600" algn="l" defTabSz="914400" rtl="0" eaLnBrk="1" latinLnBrk="1" hangingPunct="1">
-              <a:lnSpc>
-                <a:spcPct val="90000"/>
-              </a:lnSpc>
-              <a:spcBef>
-                <a:spcPts val="500"/>
-              </a:spcBef>
-              <a:buFont typeface="Arial" panose="020B0604020202020204" pitchFamily="34" charset="0"/>
-              <a:buChar char="•"/>
-              <a:defRPr sz="1800" kern="1200">
-                <a:solidFill>
-                  <a:schemeClr val="tx1"/>
-                </a:solidFill>
-                <a:latin typeface="+mn-lt"/>
-                <a:ea typeface="+mn-ea"/>
-                <a:cs typeface="+mn-cs"/>
-              </a:defRPr>
-            </a:lvl9pPr>
-          </a:lstStyle>
-          <a:p>
-            <a:pPr marL="0" indent="0" algn="ctr">
-              <a:buFont typeface="Arial" panose="020B0604020202020204" pitchFamily="34" charset="0"/>
-              <a:buNone/>
-            </a:pPr>
-            <a:r>
-              <a:rPr lang="ko-KR" altLang="en-US" sz="2000" b="1" dirty="0">
-                <a:solidFill>
-                  <a:schemeClr val="bg1"/>
-                </a:solidFill>
-              </a:rPr>
-              <a:t>정적 </a:t>
-            </a:r>
-            <a:r>
-              <a:rPr lang="en-US" altLang="ko-KR" sz="2000" b="1" dirty="0">
-                <a:solidFill>
-                  <a:schemeClr val="bg1"/>
-                </a:solidFill>
-              </a:rPr>
-              <a:t>NAT </a:t>
-            </a:r>
-            <a:r>
-              <a:rPr lang="ko-KR" altLang="en-US" sz="2000" b="1" dirty="0">
-                <a:solidFill>
-                  <a:schemeClr val="bg1"/>
-                </a:solidFill>
-              </a:rPr>
-              <a:t>토폴로지</a:t>
-            </a:r>
-            <a:r>
-              <a:rPr lang="en-US" altLang="ko-KR" sz="2000" b="1" dirty="0">
-                <a:solidFill>
-                  <a:schemeClr val="bg1"/>
-                </a:solidFill>
-              </a:rPr>
-              <a:t> </a:t>
-            </a:r>
-            <a:r>
-              <a:rPr lang="ko-KR" altLang="en-US" sz="2000" b="1" dirty="0">
-                <a:solidFill>
-                  <a:schemeClr val="bg1"/>
-                </a:solidFill>
-              </a:rPr>
-              <a:t>명령어</a:t>
-            </a:r>
-            <a:endParaRPr lang="en-US" altLang="ko-KR" sz="2000" b="1" dirty="0">
+          <a:lstStyle/>
+          <a:p>
+            <a:r>
+              <a:rPr lang="en-US" altLang="ko-KR" b="1" dirty="0">
+                <a:solidFill>
+                  <a:schemeClr val="bg1"/>
+                </a:solidFill>
+              </a:rPr>
+              <a:t>Public Network</a:t>
+            </a:r>
+            <a:endParaRPr lang="ko-KR" altLang="en-US" b="1" dirty="0">
               <a:solidFill>
                 <a:schemeClr val="bg1"/>
               </a:solidFill>
@@ -3878,40 +3924,554 @@
           </a:p>
         </p:txBody>
       </p:sp>
-      <p:pic>
-        <p:nvPicPr>
-          <p:cNvPr id="10" name="그림 9">
-            <a:extLst>
-              <a:ext uri="{FF2B5EF4-FFF2-40B4-BE49-F238E27FC236}">
-                <a16:creationId xmlns:a16="http://schemas.microsoft.com/office/drawing/2014/main" id="{E9B076C9-547F-C6A9-EB99-8D9C8BB5237C}"/>
-              </a:ext>
-            </a:extLst>
-          </p:cNvPr>
-          <p:cNvPicPr>
-            <a:picLocks noChangeAspect="1"/>
-          </p:cNvPicPr>
-          <p:nvPr/>
-        </p:nvPicPr>
-        <p:blipFill>
-          <a:blip r:embed="rId3"/>
-          <a:stretch>
-            <a:fillRect/>
-          </a:stretch>
-        </p:blipFill>
-        <p:spPr>
-          <a:xfrm>
-            <a:off x="3867150" y="4335843"/>
-            <a:ext cx="7715250" cy="2261366"/>
+      <p:sp>
+        <p:nvSpPr>
+          <p:cNvPr id="27" name="TextBox 26">
+            <a:extLst>
+              <a:ext uri="{FF2B5EF4-FFF2-40B4-BE49-F238E27FC236}">
+                <a16:creationId xmlns:a16="http://schemas.microsoft.com/office/drawing/2014/main" id="{3BCC75CD-7479-FA26-C8EC-EB050E570E83}"/>
+              </a:ext>
+            </a:extLst>
+          </p:cNvPr>
+          <p:cNvSpPr txBox="1"/>
+          <p:nvPr/>
+        </p:nvSpPr>
+        <p:spPr>
+          <a:xfrm>
+            <a:off x="6232736" y="4802733"/>
+            <a:ext cx="1991039" cy="369332"/>
           </a:xfrm>
           <a:prstGeom prst="rect">
             <a:avLst/>
           </a:prstGeom>
-        </p:spPr>
-      </p:pic>
+          <a:noFill/>
+        </p:spPr>
+        <p:txBody>
+          <a:bodyPr wrap="square" rtlCol="0">
+            <a:spAutoFit/>
+          </a:bodyPr>
+          <a:lstStyle/>
+          <a:p>
+            <a:r>
+              <a:rPr lang="en-US" altLang="ko-KR" b="1" dirty="0">
+                <a:solidFill>
+                  <a:schemeClr val="bg1"/>
+                </a:solidFill>
+              </a:rPr>
+              <a:t>Private Network</a:t>
+            </a:r>
+            <a:endParaRPr lang="ko-KR" altLang="en-US" b="1" dirty="0">
+              <a:solidFill>
+                <a:schemeClr val="bg1"/>
+              </a:solidFill>
+            </a:endParaRPr>
+          </a:p>
+        </p:txBody>
+      </p:sp>
+      <p:cxnSp>
+        <p:nvCxnSpPr>
+          <p:cNvPr id="31" name="직선 화살표 연결선 30">
+            <a:extLst>
+              <a:ext uri="{FF2B5EF4-FFF2-40B4-BE49-F238E27FC236}">
+                <a16:creationId xmlns:a16="http://schemas.microsoft.com/office/drawing/2014/main" id="{64037C16-9085-3268-075D-DA82BFA2835A}"/>
+              </a:ext>
+            </a:extLst>
+          </p:cNvPr>
+          <p:cNvCxnSpPr>
+            <a:cxnSpLocks/>
+          </p:cNvCxnSpPr>
+          <p:nvPr/>
+        </p:nvCxnSpPr>
+        <p:spPr>
+          <a:xfrm>
+            <a:off x="3226445" y="3378519"/>
+            <a:ext cx="1582512" cy="0"/>
+          </a:xfrm>
+          <a:prstGeom prst="straightConnector1">
+            <a:avLst/>
+          </a:prstGeom>
+          <a:ln w="38100">
+            <a:solidFill>
+              <a:schemeClr val="bg1"/>
+            </a:solidFill>
+            <a:headEnd type="triangle"/>
+            <a:tailEnd type="triangle"/>
+          </a:ln>
+        </p:spPr>
+        <p:style>
+          <a:lnRef idx="1">
+            <a:schemeClr val="accent1"/>
+          </a:lnRef>
+          <a:fillRef idx="0">
+            <a:schemeClr val="accent1"/>
+          </a:fillRef>
+          <a:effectRef idx="0">
+            <a:schemeClr val="accent1"/>
+          </a:effectRef>
+          <a:fontRef idx="minor">
+            <a:schemeClr val="tx1"/>
+          </a:fontRef>
+        </p:style>
+      </p:cxnSp>
+      <p:cxnSp>
+        <p:nvCxnSpPr>
+          <p:cNvPr id="34" name="직선 화살표 연결선 33">
+            <a:extLst>
+              <a:ext uri="{FF2B5EF4-FFF2-40B4-BE49-F238E27FC236}">
+                <a16:creationId xmlns:a16="http://schemas.microsoft.com/office/drawing/2014/main" id="{94E58C3D-C795-98B3-4786-0478E7E70447}"/>
+              </a:ext>
+            </a:extLst>
+          </p:cNvPr>
+          <p:cNvCxnSpPr>
+            <a:cxnSpLocks/>
+          </p:cNvCxnSpPr>
+          <p:nvPr/>
+        </p:nvCxnSpPr>
+        <p:spPr>
+          <a:xfrm>
+            <a:off x="7454111" y="3378519"/>
+            <a:ext cx="1646653" cy="0"/>
+          </a:xfrm>
+          <a:prstGeom prst="straightConnector1">
+            <a:avLst/>
+          </a:prstGeom>
+          <a:ln w="38100">
+            <a:solidFill>
+              <a:schemeClr val="bg1"/>
+            </a:solidFill>
+            <a:headEnd type="triangle"/>
+            <a:tailEnd type="triangle"/>
+          </a:ln>
+        </p:spPr>
+        <p:style>
+          <a:lnRef idx="1">
+            <a:schemeClr val="accent1"/>
+          </a:lnRef>
+          <a:fillRef idx="0">
+            <a:schemeClr val="accent1"/>
+          </a:fillRef>
+          <a:effectRef idx="0">
+            <a:schemeClr val="accent1"/>
+          </a:effectRef>
+          <a:fontRef idx="minor">
+            <a:schemeClr val="tx1"/>
+          </a:fontRef>
+        </p:style>
+      </p:cxnSp>
+      <p:sp>
+        <p:nvSpPr>
+          <p:cNvPr id="36" name="TextBox 35">
+            <a:extLst>
+              <a:ext uri="{FF2B5EF4-FFF2-40B4-BE49-F238E27FC236}">
+                <a16:creationId xmlns:a16="http://schemas.microsoft.com/office/drawing/2014/main" id="{D5B7F67F-5695-6D48-E559-903EDFC8DA52}"/>
+              </a:ext>
+            </a:extLst>
+          </p:cNvPr>
+          <p:cNvSpPr txBox="1"/>
+          <p:nvPr/>
+        </p:nvSpPr>
+        <p:spPr>
+          <a:xfrm>
+            <a:off x="1589114" y="3892883"/>
+            <a:ext cx="1673872" cy="323165"/>
+          </a:xfrm>
+          <a:prstGeom prst="rect">
+            <a:avLst/>
+          </a:prstGeom>
+          <a:noFill/>
+        </p:spPr>
+        <p:txBody>
+          <a:bodyPr wrap="square" rtlCol="0">
+            <a:spAutoFit/>
+          </a:bodyPr>
+          <a:lstStyle/>
+          <a:p>
+            <a:r>
+              <a:rPr lang="en-US" altLang="ko-KR" sz="1500" b="1" dirty="0">
+                <a:solidFill>
+                  <a:schemeClr val="bg1"/>
+                </a:solidFill>
+              </a:rPr>
+              <a:t>Public Network</a:t>
+            </a:r>
+            <a:endParaRPr lang="ko-KR" altLang="en-US" sz="1500" b="1" dirty="0">
+              <a:solidFill>
+                <a:schemeClr val="bg1"/>
+              </a:solidFill>
+            </a:endParaRPr>
+          </a:p>
+        </p:txBody>
+      </p:sp>
+      <p:sp>
+        <p:nvSpPr>
+          <p:cNvPr id="37" name="TextBox 36">
+            <a:extLst>
+              <a:ext uri="{FF2B5EF4-FFF2-40B4-BE49-F238E27FC236}">
+                <a16:creationId xmlns:a16="http://schemas.microsoft.com/office/drawing/2014/main" id="{82A02DCA-2CAF-4B9C-94D0-B08EBCB28F1E}"/>
+              </a:ext>
+            </a:extLst>
+          </p:cNvPr>
+          <p:cNvSpPr txBox="1"/>
+          <p:nvPr/>
+        </p:nvSpPr>
+        <p:spPr>
+          <a:xfrm>
+            <a:off x="8981319" y="3892883"/>
+            <a:ext cx="1673872" cy="323165"/>
+          </a:xfrm>
+          <a:prstGeom prst="rect">
+            <a:avLst/>
+          </a:prstGeom>
+          <a:noFill/>
+        </p:spPr>
+        <p:txBody>
+          <a:bodyPr wrap="square" rtlCol="0">
+            <a:spAutoFit/>
+          </a:bodyPr>
+          <a:lstStyle/>
+          <a:p>
+            <a:r>
+              <a:rPr lang="en-US" altLang="ko-KR" sz="1500" b="1" dirty="0">
+                <a:solidFill>
+                  <a:schemeClr val="bg1"/>
+                </a:solidFill>
+              </a:rPr>
+              <a:t>Private Network</a:t>
+            </a:r>
+            <a:endParaRPr lang="ko-KR" altLang="en-US" sz="1500" b="1" dirty="0">
+              <a:solidFill>
+                <a:schemeClr val="bg1"/>
+              </a:solidFill>
+            </a:endParaRPr>
+          </a:p>
+        </p:txBody>
+      </p:sp>
+      <p:sp>
+        <p:nvSpPr>
+          <p:cNvPr id="38" name="TextBox 37">
+            <a:extLst>
+              <a:ext uri="{FF2B5EF4-FFF2-40B4-BE49-F238E27FC236}">
+                <a16:creationId xmlns:a16="http://schemas.microsoft.com/office/drawing/2014/main" id="{63A1B8AB-03F3-BC4B-7D9F-9661A048F672}"/>
+              </a:ext>
+            </a:extLst>
+          </p:cNvPr>
+          <p:cNvSpPr txBox="1"/>
+          <p:nvPr/>
+        </p:nvSpPr>
+        <p:spPr>
+          <a:xfrm>
+            <a:off x="6304016" y="5405076"/>
+            <a:ext cx="1832451" cy="369332"/>
+          </a:xfrm>
+          <a:prstGeom prst="rect">
+            <a:avLst/>
+          </a:prstGeom>
+          <a:noFill/>
+        </p:spPr>
+        <p:txBody>
+          <a:bodyPr wrap="square" rtlCol="0">
+            <a:spAutoFit/>
+          </a:bodyPr>
+          <a:lstStyle/>
+          <a:p>
+            <a:r>
+              <a:rPr lang="en-US" altLang="ko-KR" b="1" dirty="0">
+                <a:solidFill>
+                  <a:schemeClr val="bg1"/>
+                </a:solidFill>
+              </a:rPr>
+              <a:t>192.168.10.100</a:t>
+            </a:r>
+            <a:endParaRPr lang="ko-KR" altLang="en-US" b="1" dirty="0">
+              <a:solidFill>
+                <a:schemeClr val="bg1"/>
+              </a:solidFill>
+            </a:endParaRPr>
+          </a:p>
+        </p:txBody>
+      </p:sp>
+      <p:sp>
+        <p:nvSpPr>
+          <p:cNvPr id="39" name="TextBox 38">
+            <a:extLst>
+              <a:ext uri="{FF2B5EF4-FFF2-40B4-BE49-F238E27FC236}">
+                <a16:creationId xmlns:a16="http://schemas.microsoft.com/office/drawing/2014/main" id="{076AA634-B2F2-949A-CA8A-2C24951082A6}"/>
+              </a:ext>
+            </a:extLst>
+          </p:cNvPr>
+          <p:cNvSpPr txBox="1"/>
+          <p:nvPr/>
+        </p:nvSpPr>
+        <p:spPr>
+          <a:xfrm>
+            <a:off x="6312027" y="5959600"/>
+            <a:ext cx="1832456" cy="369332"/>
+          </a:xfrm>
+          <a:prstGeom prst="rect">
+            <a:avLst/>
+          </a:prstGeom>
+          <a:noFill/>
+        </p:spPr>
+        <p:txBody>
+          <a:bodyPr wrap="square" rtlCol="0">
+            <a:spAutoFit/>
+          </a:bodyPr>
+          <a:lstStyle/>
+          <a:p>
+            <a:r>
+              <a:rPr lang="en-US" altLang="ko-KR" b="1" dirty="0">
+                <a:solidFill>
+                  <a:schemeClr val="bg1"/>
+                </a:solidFill>
+              </a:rPr>
+              <a:t>192.168.10.101</a:t>
+            </a:r>
+            <a:endParaRPr lang="ko-KR" altLang="en-US" b="1" dirty="0">
+              <a:solidFill>
+                <a:schemeClr val="bg1"/>
+              </a:solidFill>
+            </a:endParaRPr>
+          </a:p>
+        </p:txBody>
+      </p:sp>
+      <p:sp>
+        <p:nvSpPr>
+          <p:cNvPr id="40" name="TextBox 39">
+            <a:extLst>
+              <a:ext uri="{FF2B5EF4-FFF2-40B4-BE49-F238E27FC236}">
+                <a16:creationId xmlns:a16="http://schemas.microsoft.com/office/drawing/2014/main" id="{3D598344-29AA-A8E3-DB2C-0EB0418BB3B3}"/>
+              </a:ext>
+            </a:extLst>
+          </p:cNvPr>
+          <p:cNvSpPr txBox="1"/>
+          <p:nvPr/>
+        </p:nvSpPr>
+        <p:spPr>
+          <a:xfrm>
+            <a:off x="4514647" y="5397851"/>
+            <a:ext cx="1480686" cy="369332"/>
+          </a:xfrm>
+          <a:prstGeom prst="rect">
+            <a:avLst/>
+          </a:prstGeom>
+          <a:noFill/>
+        </p:spPr>
+        <p:txBody>
+          <a:bodyPr wrap="square" rtlCol="0">
+            <a:spAutoFit/>
+          </a:bodyPr>
+          <a:lstStyle/>
+          <a:p>
+            <a:r>
+              <a:rPr lang="en-US" altLang="ko-KR" b="1" dirty="0">
+                <a:solidFill>
+                  <a:schemeClr val="bg1"/>
+                </a:solidFill>
+              </a:rPr>
+              <a:t>210.123.3.4</a:t>
+            </a:r>
+            <a:endParaRPr lang="ko-KR" altLang="en-US" b="1" dirty="0">
+              <a:solidFill>
+                <a:schemeClr val="bg1"/>
+              </a:solidFill>
+            </a:endParaRPr>
+          </a:p>
+        </p:txBody>
+      </p:sp>
+      <p:sp>
+        <p:nvSpPr>
+          <p:cNvPr id="41" name="TextBox 40">
+            <a:extLst>
+              <a:ext uri="{FF2B5EF4-FFF2-40B4-BE49-F238E27FC236}">
+                <a16:creationId xmlns:a16="http://schemas.microsoft.com/office/drawing/2014/main" id="{EC87C30F-C57F-098C-49CC-183683F48932}"/>
+              </a:ext>
+            </a:extLst>
+          </p:cNvPr>
+          <p:cNvSpPr txBox="1"/>
+          <p:nvPr/>
+        </p:nvSpPr>
+        <p:spPr>
+          <a:xfrm>
+            <a:off x="4540739" y="5957605"/>
+            <a:ext cx="1428501" cy="369332"/>
+          </a:xfrm>
+          <a:prstGeom prst="rect">
+            <a:avLst/>
+          </a:prstGeom>
+          <a:noFill/>
+        </p:spPr>
+        <p:txBody>
+          <a:bodyPr wrap="square" rtlCol="0">
+            <a:spAutoFit/>
+          </a:bodyPr>
+          <a:lstStyle/>
+          <a:p>
+            <a:r>
+              <a:rPr lang="en-US" altLang="ko-KR" b="1" dirty="0">
+                <a:solidFill>
+                  <a:schemeClr val="bg1"/>
+                </a:solidFill>
+              </a:rPr>
+              <a:t>210.123.3.5</a:t>
+            </a:r>
+            <a:endParaRPr lang="ko-KR" altLang="en-US" b="1" dirty="0">
+              <a:solidFill>
+                <a:schemeClr val="bg1"/>
+              </a:solidFill>
+            </a:endParaRPr>
+          </a:p>
+        </p:txBody>
+      </p:sp>
+      <p:cxnSp>
+        <p:nvCxnSpPr>
+          <p:cNvPr id="49" name="직선 연결선 48">
+            <a:extLst>
+              <a:ext uri="{FF2B5EF4-FFF2-40B4-BE49-F238E27FC236}">
+                <a16:creationId xmlns:a16="http://schemas.microsoft.com/office/drawing/2014/main" id="{66C8D924-5C6C-9203-3952-A3304362F586}"/>
+              </a:ext>
+            </a:extLst>
+          </p:cNvPr>
+          <p:cNvCxnSpPr>
+            <a:cxnSpLocks/>
+          </p:cNvCxnSpPr>
+          <p:nvPr/>
+        </p:nvCxnSpPr>
+        <p:spPr>
+          <a:xfrm>
+            <a:off x="4387088" y="5866832"/>
+            <a:ext cx="3749379" cy="0"/>
+          </a:xfrm>
+          <a:prstGeom prst="line">
+            <a:avLst/>
+          </a:prstGeom>
+          <a:ln w="38100">
+            <a:solidFill>
+              <a:schemeClr val="bg1"/>
+            </a:solidFill>
+          </a:ln>
+        </p:spPr>
+        <p:style>
+          <a:lnRef idx="1">
+            <a:schemeClr val="accent1"/>
+          </a:lnRef>
+          <a:fillRef idx="0">
+            <a:schemeClr val="accent1"/>
+          </a:fillRef>
+          <a:effectRef idx="0">
+            <a:schemeClr val="accent1"/>
+          </a:effectRef>
+          <a:fontRef idx="minor">
+            <a:schemeClr val="tx1"/>
+          </a:fontRef>
+        </p:style>
+      </p:cxnSp>
+      <p:cxnSp>
+        <p:nvCxnSpPr>
+          <p:cNvPr id="50" name="직선 연결선 49">
+            <a:extLst>
+              <a:ext uri="{FF2B5EF4-FFF2-40B4-BE49-F238E27FC236}">
+                <a16:creationId xmlns:a16="http://schemas.microsoft.com/office/drawing/2014/main" id="{8430748E-2559-E9DA-3CFF-7B1354A7449C}"/>
+              </a:ext>
+            </a:extLst>
+          </p:cNvPr>
+          <p:cNvCxnSpPr>
+            <a:cxnSpLocks/>
+          </p:cNvCxnSpPr>
+          <p:nvPr/>
+        </p:nvCxnSpPr>
+        <p:spPr>
+          <a:xfrm>
+            <a:off x="4387088" y="6451032"/>
+            <a:ext cx="3749379" cy="0"/>
+          </a:xfrm>
+          <a:prstGeom prst="line">
+            <a:avLst/>
+          </a:prstGeom>
+          <a:ln w="38100">
+            <a:solidFill>
+              <a:schemeClr val="bg1"/>
+            </a:solidFill>
+          </a:ln>
+        </p:spPr>
+        <p:style>
+          <a:lnRef idx="1">
+            <a:schemeClr val="accent1"/>
+          </a:lnRef>
+          <a:fillRef idx="0">
+            <a:schemeClr val="accent1"/>
+          </a:fillRef>
+          <a:effectRef idx="0">
+            <a:schemeClr val="accent1"/>
+          </a:effectRef>
+          <a:fontRef idx="minor">
+            <a:schemeClr val="tx1"/>
+          </a:fontRef>
+        </p:style>
+      </p:cxnSp>
+      <p:sp>
+        <p:nvSpPr>
+          <p:cNvPr id="53" name="TextBox 52">
+            <a:extLst>
+              <a:ext uri="{FF2B5EF4-FFF2-40B4-BE49-F238E27FC236}">
+                <a16:creationId xmlns:a16="http://schemas.microsoft.com/office/drawing/2014/main" id="{7DEB316E-1738-CA5C-2FC5-F459F6C7F4F2}"/>
+              </a:ext>
+            </a:extLst>
+          </p:cNvPr>
+          <p:cNvSpPr txBox="1"/>
+          <p:nvPr/>
+        </p:nvSpPr>
+        <p:spPr>
+          <a:xfrm>
+            <a:off x="8636116" y="5293642"/>
+            <a:ext cx="2717684" cy="707886"/>
+          </a:xfrm>
+          <a:prstGeom prst="rect">
+            <a:avLst/>
+          </a:prstGeom>
+          <a:noFill/>
+        </p:spPr>
+        <p:txBody>
+          <a:bodyPr wrap="square" rtlCol="0">
+            <a:spAutoFit/>
+          </a:bodyPr>
+          <a:lstStyle/>
+          <a:p>
+            <a:r>
+              <a:rPr lang="en-US" altLang="ko-KR" sz="4000" b="1" dirty="0">
+                <a:solidFill>
+                  <a:schemeClr val="bg1"/>
+                </a:solidFill>
+              </a:rPr>
+              <a:t>NAT</a:t>
+            </a:r>
+            <a:r>
+              <a:rPr lang="ko-KR" altLang="en-US" sz="4000" b="1" dirty="0">
+                <a:solidFill>
+                  <a:schemeClr val="bg1"/>
+                </a:solidFill>
+              </a:rPr>
+              <a:t> </a:t>
+            </a:r>
+            <a:r>
+              <a:rPr lang="en-US" altLang="ko-KR" sz="4000" b="1" dirty="0">
+                <a:solidFill>
+                  <a:schemeClr val="bg1"/>
+                </a:solidFill>
+              </a:rPr>
+              <a:t>Table</a:t>
+            </a:r>
+            <a:endParaRPr lang="ko-KR" altLang="en-US" sz="4000" b="1" dirty="0">
+              <a:solidFill>
+                <a:schemeClr val="bg1"/>
+              </a:solidFill>
+            </a:endParaRPr>
+          </a:p>
+        </p:txBody>
+      </p:sp>
     </p:spTree>
     <p:extLst>
       <p:ext uri="{BB962C8B-B14F-4D97-AF65-F5344CB8AC3E}">
-        <p14:creationId xmlns:p14="http://schemas.microsoft.com/office/powerpoint/2010/main" val="3552982779"/>
+        <p14:creationId xmlns:p14="http://schemas.microsoft.com/office/powerpoint/2010/main" val="3013097834"/>
       </p:ext>
     </p:extLst>
   </p:cSld>
@@ -3976,7 +4536,23 @@
                   <a:schemeClr val="bg1"/>
                 </a:solidFill>
               </a:rPr>
-              <a:t>Dynamic NAT(Network Address Translation)</a:t>
+              <a:t>Static</a:t>
+            </a:r>
+            <a:r>
+              <a:rPr lang="ko-KR" altLang="en-US" sz="3800" b="1" dirty="0">
+                <a:solidFill>
+                  <a:schemeClr val="bg1"/>
+                </a:solidFill>
+              </a:rPr>
+              <a:t> </a:t>
+            </a:r>
+            <a:r>
+              <a:rPr lang="en-US" altLang="ko-KR" sz="3800" b="1" dirty="0">
+                <a:solidFill>
+                  <a:schemeClr val="bg1"/>
+                </a:solidFill>
+              </a:rPr>
+              <a:t>NAT(Network Address Translation)</a:t>
             </a:r>
             <a:endParaRPr lang="ko-KR" altLang="en-US" sz="3800" b="1" dirty="0">
               <a:solidFill>
@@ -4004,8 +4580,8 @@
         </p:nvSpPr>
         <p:spPr>
           <a:xfrm>
-            <a:off x="838200" y="1825625"/>
-            <a:ext cx="10515600" cy="464235"/>
+            <a:off x="838200" y="1825626"/>
+            <a:ext cx="10515600" cy="369332"/>
           </a:xfrm>
         </p:spPr>
         <p:txBody>
@@ -4023,7 +4599,7 @@
                   <a:schemeClr val="bg1"/>
                 </a:solidFill>
               </a:rPr>
-              <a:t>여러 개의</a:t>
+              <a:t>정적 </a:t>
             </a:r>
             <a:r>
               <a:rPr lang="en-US" altLang="ko-KR" sz="2000" b="1" dirty="0">
@@ -4031,7 +4607,7 @@
                   <a:schemeClr val="bg1"/>
                 </a:solidFill>
               </a:rPr>
-              <a:t> </a:t>
+              <a:t>NAT </a:t>
             </a:r>
             <a:r>
               <a:rPr lang="ko-KR" altLang="en-US" sz="2000" b="1" dirty="0">
@@ -4039,49 +4615,22 @@
                   <a:schemeClr val="bg1"/>
                 </a:solidFill>
               </a:rPr>
-              <a:t>내부 </a:t>
-            </a:r>
-            <a:r>
-              <a:rPr lang="en-US" altLang="ko-KR" sz="2000" b="1" dirty="0">
-                <a:solidFill>
-                  <a:schemeClr val="bg1"/>
-                </a:solidFill>
-              </a:rPr>
-              <a:t>IP </a:t>
-            </a:r>
-            <a:r>
-              <a:rPr lang="ko-KR" altLang="en-US" sz="2000" b="1" dirty="0">
-                <a:solidFill>
-                  <a:schemeClr val="bg1"/>
-                </a:solidFill>
-              </a:rPr>
-              <a:t>주소와 여러 개의 외부 </a:t>
-            </a:r>
-            <a:r>
-              <a:rPr lang="en-US" altLang="ko-KR" sz="2000" b="1" dirty="0">
-                <a:solidFill>
-                  <a:schemeClr val="bg1"/>
-                </a:solidFill>
-              </a:rPr>
-              <a:t>IP</a:t>
-            </a:r>
-            <a:r>
-              <a:rPr lang="ko-KR" altLang="en-US" sz="2000" b="1" dirty="0">
-                <a:solidFill>
-                  <a:schemeClr val="bg1"/>
-                </a:solidFill>
-              </a:rPr>
-              <a:t>주소를 동적으로 매핑 시키는 방식</a:t>
-            </a:r>
+              <a:t>토폴로지</a:t>
+            </a:r>
+            <a:endParaRPr lang="en-US" altLang="ko-KR" sz="2000" b="1" dirty="0">
+              <a:solidFill>
+                <a:schemeClr val="bg1"/>
+              </a:solidFill>
+            </a:endParaRPr>
           </a:p>
         </p:txBody>
       </p:sp>
       <p:pic>
         <p:nvPicPr>
-          <p:cNvPr id="5" name="그래픽 4" descr="컴퓨터 단색으로 채워진">
-            <a:extLst>
-              <a:ext uri="{FF2B5EF4-FFF2-40B4-BE49-F238E27FC236}">
-                <a16:creationId xmlns:a16="http://schemas.microsoft.com/office/drawing/2014/main" id="{EFB11422-617A-2A5C-501C-FEFFA111286E}"/>
+          <p:cNvPr id="28" name="그림 27">
+            <a:extLst>
+              <a:ext uri="{FF2B5EF4-FFF2-40B4-BE49-F238E27FC236}">
+                <a16:creationId xmlns:a16="http://schemas.microsoft.com/office/drawing/2014/main" id="{2DB2ECA1-E8C7-5FF6-FF7E-E56999E4CEA0}"/>
               </a:ext>
             </a:extLst>
           </p:cNvPr>
@@ -4091,870 +4640,25 @@
           <p:nvPr/>
         </p:nvPicPr>
         <p:blipFill>
-          <a:blip r:embed="rId2">
-            <a:extLst>
-              <a:ext uri="{28A0092B-C50C-407E-A947-70E740481C1C}">
-                <a14:useLocalDpi xmlns:a14="http://schemas.microsoft.com/office/drawing/2010/main" val="0"/>
-              </a:ext>
-              <a:ext uri="{96DAC541-7B7A-43D3-8B79-37D633B846F1}">
-                <asvg:svgBlip xmlns:asvg="http://schemas.microsoft.com/office/drawing/2016/SVG/main" r:embed="rId3"/>
-              </a:ext>
-            </a:extLst>
-          </a:blip>
+          <a:blip r:embed="rId2"/>
           <a:stretch>
             <a:fillRect/>
           </a:stretch>
         </p:blipFill>
         <p:spPr>
           <a:xfrm>
-            <a:off x="1813282" y="3401833"/>
-            <a:ext cx="1298896" cy="1298896"/>
+            <a:off x="0" y="2872096"/>
+            <a:ext cx="12192000" cy="2399489"/>
           </a:xfrm>
           <a:prstGeom prst="rect">
             <a:avLst/>
           </a:prstGeom>
         </p:spPr>
       </p:pic>
-      <p:pic>
-        <p:nvPicPr>
-          <p:cNvPr id="6" name="그래픽 5" descr="구름 윤곽선">
-            <a:extLst>
-              <a:ext uri="{FF2B5EF4-FFF2-40B4-BE49-F238E27FC236}">
-                <a16:creationId xmlns:a16="http://schemas.microsoft.com/office/drawing/2014/main" id="{744E1162-2A17-B893-8066-97B3AA8130D6}"/>
-              </a:ext>
-            </a:extLst>
-          </p:cNvPr>
-          <p:cNvPicPr>
-            <a:picLocks noChangeAspect="1"/>
-          </p:cNvPicPr>
-          <p:nvPr/>
-        </p:nvPicPr>
-        <p:blipFill>
-          <a:blip r:embed="rId4">
-            <a:extLst>
-              <a:ext uri="{28A0092B-C50C-407E-A947-70E740481C1C}">
-                <a14:useLocalDpi xmlns:a14="http://schemas.microsoft.com/office/drawing/2010/main" val="0"/>
-              </a:ext>
-              <a:ext uri="{96DAC541-7B7A-43D3-8B79-37D633B846F1}">
-                <asvg:svgBlip xmlns:asvg="http://schemas.microsoft.com/office/drawing/2016/SVG/main" r:embed="rId5"/>
-              </a:ext>
-            </a:extLst>
-          </a:blip>
-          <a:stretch>
-            <a:fillRect/>
-          </a:stretch>
-        </p:blipFill>
-        <p:spPr>
-          <a:xfrm>
-            <a:off x="4737819" y="1882142"/>
-            <a:ext cx="2717684" cy="2717684"/>
-          </a:xfrm>
-          <a:prstGeom prst="rect">
-            <a:avLst/>
-          </a:prstGeom>
-        </p:spPr>
-      </p:pic>
-      <p:sp>
-        <p:nvSpPr>
-          <p:cNvPr id="7" name="TextBox 6">
-            <a:extLst>
-              <a:ext uri="{FF2B5EF4-FFF2-40B4-BE49-F238E27FC236}">
-                <a16:creationId xmlns:a16="http://schemas.microsoft.com/office/drawing/2014/main" id="{CD17A3D8-9ACE-F391-7E8B-F10C71C8F4CB}"/>
-              </a:ext>
-            </a:extLst>
-          </p:cNvPr>
-          <p:cNvSpPr txBox="1"/>
-          <p:nvPr/>
-        </p:nvSpPr>
-        <p:spPr>
-          <a:xfrm>
-            <a:off x="5436251" y="3122036"/>
-            <a:ext cx="1463096" cy="477054"/>
-          </a:xfrm>
-          <a:prstGeom prst="rect">
-            <a:avLst/>
-          </a:prstGeom>
-          <a:noFill/>
-        </p:spPr>
-        <p:txBody>
-          <a:bodyPr wrap="square" rtlCol="0">
-            <a:spAutoFit/>
-          </a:bodyPr>
-          <a:lstStyle/>
-          <a:p>
-            <a:r>
-              <a:rPr lang="en-US" altLang="ko-KR" sz="2500" b="1" dirty="0">
-                <a:solidFill>
-                  <a:schemeClr val="bg1"/>
-                </a:solidFill>
-              </a:rPr>
-              <a:t>Internet</a:t>
-            </a:r>
-            <a:endParaRPr lang="ko-KR" altLang="en-US" sz="2500" b="1" dirty="0">
-              <a:solidFill>
-                <a:schemeClr val="bg1"/>
-              </a:solidFill>
-            </a:endParaRPr>
-          </a:p>
-        </p:txBody>
-      </p:sp>
-      <p:pic>
-        <p:nvPicPr>
-          <p:cNvPr id="8" name="그래픽 7" descr="컴퓨터 단색으로 채워진">
-            <a:extLst>
-              <a:ext uri="{FF2B5EF4-FFF2-40B4-BE49-F238E27FC236}">
-                <a16:creationId xmlns:a16="http://schemas.microsoft.com/office/drawing/2014/main" id="{3332BA90-A31C-0B45-83D6-5AC5CFB749D6}"/>
-              </a:ext>
-            </a:extLst>
-          </p:cNvPr>
-          <p:cNvPicPr>
-            <a:picLocks noChangeAspect="1"/>
-          </p:cNvPicPr>
-          <p:nvPr/>
-        </p:nvPicPr>
-        <p:blipFill>
-          <a:blip r:embed="rId2">
-            <a:extLst>
-              <a:ext uri="{28A0092B-C50C-407E-A947-70E740481C1C}">
-                <a14:useLocalDpi xmlns:a14="http://schemas.microsoft.com/office/drawing/2010/main" val="0"/>
-              </a:ext>
-              <a:ext uri="{96DAC541-7B7A-43D3-8B79-37D633B846F1}">
-                <asvg:svgBlip xmlns:asvg="http://schemas.microsoft.com/office/drawing/2016/SVG/main" r:embed="rId3"/>
-              </a:ext>
-            </a:extLst>
-          </a:blip>
-          <a:stretch>
-            <a:fillRect/>
-          </a:stretch>
-        </p:blipFill>
-        <p:spPr>
-          <a:xfrm>
-            <a:off x="9168354" y="2755570"/>
-            <a:ext cx="1298896" cy="1298896"/>
-          </a:xfrm>
-          <a:prstGeom prst="rect">
-            <a:avLst/>
-          </a:prstGeom>
-        </p:spPr>
-      </p:pic>
-      <p:cxnSp>
-        <p:nvCxnSpPr>
-          <p:cNvPr id="12" name="직선 연결선 11">
-            <a:extLst>
-              <a:ext uri="{FF2B5EF4-FFF2-40B4-BE49-F238E27FC236}">
-                <a16:creationId xmlns:a16="http://schemas.microsoft.com/office/drawing/2014/main" id="{9D955ABF-CF2D-003C-0A1C-606E724701AB}"/>
-              </a:ext>
-            </a:extLst>
-          </p:cNvPr>
-          <p:cNvCxnSpPr>
-            <a:cxnSpLocks/>
-          </p:cNvCxnSpPr>
-          <p:nvPr/>
-        </p:nvCxnSpPr>
-        <p:spPr>
-          <a:xfrm>
-            <a:off x="6196668" y="4692422"/>
-            <a:ext cx="0" cy="1758610"/>
-          </a:xfrm>
-          <a:prstGeom prst="line">
-            <a:avLst/>
-          </a:prstGeom>
-          <a:ln w="38100">
-            <a:solidFill>
-              <a:schemeClr val="bg1"/>
-            </a:solidFill>
-          </a:ln>
-        </p:spPr>
-        <p:style>
-          <a:lnRef idx="1">
-            <a:schemeClr val="accent1"/>
-          </a:lnRef>
-          <a:fillRef idx="0">
-            <a:schemeClr val="accent1"/>
-          </a:fillRef>
-          <a:effectRef idx="0">
-            <a:schemeClr val="accent1"/>
-          </a:effectRef>
-          <a:fontRef idx="minor">
-            <a:schemeClr val="tx1"/>
-          </a:fontRef>
-        </p:style>
-      </p:cxnSp>
-      <p:cxnSp>
-        <p:nvCxnSpPr>
-          <p:cNvPr id="10" name="직선 연결선 9">
-            <a:extLst>
-              <a:ext uri="{FF2B5EF4-FFF2-40B4-BE49-F238E27FC236}">
-                <a16:creationId xmlns:a16="http://schemas.microsoft.com/office/drawing/2014/main" id="{BEA4FD4C-133F-1F0F-BDF1-53AD58A9DDE3}"/>
-              </a:ext>
-            </a:extLst>
-          </p:cNvPr>
-          <p:cNvCxnSpPr>
-            <a:cxnSpLocks/>
-          </p:cNvCxnSpPr>
-          <p:nvPr/>
-        </p:nvCxnSpPr>
-        <p:spPr>
-          <a:xfrm>
-            <a:off x="4387088" y="5291594"/>
-            <a:ext cx="3749379" cy="0"/>
-          </a:xfrm>
-          <a:prstGeom prst="line">
-            <a:avLst/>
-          </a:prstGeom>
-          <a:ln w="38100">
-            <a:solidFill>
-              <a:schemeClr val="bg1"/>
-            </a:solidFill>
-          </a:ln>
-        </p:spPr>
-        <p:style>
-          <a:lnRef idx="1">
-            <a:schemeClr val="accent1"/>
-          </a:lnRef>
-          <a:fillRef idx="0">
-            <a:schemeClr val="accent1"/>
-          </a:fillRef>
-          <a:effectRef idx="0">
-            <a:schemeClr val="accent1"/>
-          </a:effectRef>
-          <a:fontRef idx="minor">
-            <a:schemeClr val="tx1"/>
-          </a:fontRef>
-        </p:style>
-      </p:cxnSp>
-      <p:sp>
-        <p:nvSpPr>
-          <p:cNvPr id="26" name="TextBox 25">
-            <a:extLst>
-              <a:ext uri="{FF2B5EF4-FFF2-40B4-BE49-F238E27FC236}">
-                <a16:creationId xmlns:a16="http://schemas.microsoft.com/office/drawing/2014/main" id="{729DC8B5-20FD-FB81-3A56-05E427EB6270}"/>
-              </a:ext>
-            </a:extLst>
-          </p:cNvPr>
-          <p:cNvSpPr txBox="1"/>
-          <p:nvPr/>
-        </p:nvSpPr>
-        <p:spPr>
-          <a:xfrm>
-            <a:off x="4292591" y="4802733"/>
-            <a:ext cx="1875208" cy="369332"/>
-          </a:xfrm>
-          <a:prstGeom prst="rect">
-            <a:avLst/>
-          </a:prstGeom>
-          <a:noFill/>
-        </p:spPr>
-        <p:txBody>
-          <a:bodyPr wrap="square" rtlCol="0">
-            <a:spAutoFit/>
-          </a:bodyPr>
-          <a:lstStyle/>
-          <a:p>
-            <a:r>
-              <a:rPr lang="en-US" altLang="ko-KR" b="1" dirty="0">
-                <a:solidFill>
-                  <a:schemeClr val="bg1"/>
-                </a:solidFill>
-              </a:rPr>
-              <a:t>Public Network</a:t>
-            </a:r>
-            <a:endParaRPr lang="ko-KR" altLang="en-US" b="1" dirty="0">
-              <a:solidFill>
-                <a:schemeClr val="bg1"/>
-              </a:solidFill>
-            </a:endParaRPr>
-          </a:p>
-        </p:txBody>
-      </p:sp>
-      <p:sp>
-        <p:nvSpPr>
-          <p:cNvPr id="27" name="TextBox 26">
-            <a:extLst>
-              <a:ext uri="{FF2B5EF4-FFF2-40B4-BE49-F238E27FC236}">
-                <a16:creationId xmlns:a16="http://schemas.microsoft.com/office/drawing/2014/main" id="{3BCC75CD-7479-FA26-C8EC-EB050E570E83}"/>
-              </a:ext>
-            </a:extLst>
-          </p:cNvPr>
-          <p:cNvSpPr txBox="1"/>
-          <p:nvPr/>
-        </p:nvSpPr>
-        <p:spPr>
-          <a:xfrm>
-            <a:off x="6232736" y="4802733"/>
-            <a:ext cx="1991039" cy="369332"/>
-          </a:xfrm>
-          <a:prstGeom prst="rect">
-            <a:avLst/>
-          </a:prstGeom>
-          <a:noFill/>
-        </p:spPr>
-        <p:txBody>
-          <a:bodyPr wrap="square" rtlCol="0">
-            <a:spAutoFit/>
-          </a:bodyPr>
-          <a:lstStyle/>
-          <a:p>
-            <a:r>
-              <a:rPr lang="en-US" altLang="ko-KR" b="1" dirty="0">
-                <a:solidFill>
-                  <a:schemeClr val="bg1"/>
-                </a:solidFill>
-              </a:rPr>
-              <a:t>Private Network</a:t>
-            </a:r>
-            <a:endParaRPr lang="ko-KR" altLang="en-US" b="1" dirty="0">
-              <a:solidFill>
-                <a:schemeClr val="bg1"/>
-              </a:solidFill>
-            </a:endParaRPr>
-          </a:p>
-        </p:txBody>
-      </p:sp>
-      <p:cxnSp>
-        <p:nvCxnSpPr>
-          <p:cNvPr id="31" name="직선 화살표 연결선 30">
-            <a:extLst>
-              <a:ext uri="{FF2B5EF4-FFF2-40B4-BE49-F238E27FC236}">
-                <a16:creationId xmlns:a16="http://schemas.microsoft.com/office/drawing/2014/main" id="{64037C16-9085-3268-075D-DA82BFA2835A}"/>
-              </a:ext>
-            </a:extLst>
-          </p:cNvPr>
-          <p:cNvCxnSpPr>
-            <a:cxnSpLocks/>
-          </p:cNvCxnSpPr>
-          <p:nvPr/>
-        </p:nvCxnSpPr>
-        <p:spPr>
-          <a:xfrm>
-            <a:off x="3171825" y="2971800"/>
-            <a:ext cx="1637132" cy="406719"/>
-          </a:xfrm>
-          <a:prstGeom prst="straightConnector1">
-            <a:avLst/>
-          </a:prstGeom>
-          <a:ln w="38100">
-            <a:solidFill>
-              <a:schemeClr val="bg1"/>
-            </a:solidFill>
-            <a:headEnd type="triangle"/>
-            <a:tailEnd type="triangle"/>
-          </a:ln>
-        </p:spPr>
-        <p:style>
-          <a:lnRef idx="1">
-            <a:schemeClr val="accent1"/>
-          </a:lnRef>
-          <a:fillRef idx="0">
-            <a:schemeClr val="accent1"/>
-          </a:fillRef>
-          <a:effectRef idx="0">
-            <a:schemeClr val="accent1"/>
-          </a:effectRef>
-          <a:fontRef idx="minor">
-            <a:schemeClr val="tx1"/>
-          </a:fontRef>
-        </p:style>
-      </p:cxnSp>
-      <p:cxnSp>
-        <p:nvCxnSpPr>
-          <p:cNvPr id="34" name="직선 화살표 연결선 33">
-            <a:extLst>
-              <a:ext uri="{FF2B5EF4-FFF2-40B4-BE49-F238E27FC236}">
-                <a16:creationId xmlns:a16="http://schemas.microsoft.com/office/drawing/2014/main" id="{94E58C3D-C795-98B3-4786-0478E7E70447}"/>
-              </a:ext>
-            </a:extLst>
-          </p:cNvPr>
-          <p:cNvCxnSpPr>
-            <a:cxnSpLocks/>
-          </p:cNvCxnSpPr>
-          <p:nvPr/>
-        </p:nvCxnSpPr>
-        <p:spPr>
-          <a:xfrm>
-            <a:off x="7454111" y="3378519"/>
-            <a:ext cx="1646653" cy="0"/>
-          </a:xfrm>
-          <a:prstGeom prst="straightConnector1">
-            <a:avLst/>
-          </a:prstGeom>
-          <a:ln w="38100">
-            <a:solidFill>
-              <a:schemeClr val="bg1"/>
-            </a:solidFill>
-            <a:headEnd type="triangle"/>
-            <a:tailEnd type="triangle"/>
-          </a:ln>
-        </p:spPr>
-        <p:style>
-          <a:lnRef idx="1">
-            <a:schemeClr val="accent1"/>
-          </a:lnRef>
-          <a:fillRef idx="0">
-            <a:schemeClr val="accent1"/>
-          </a:fillRef>
-          <a:effectRef idx="0">
-            <a:schemeClr val="accent1"/>
-          </a:effectRef>
-          <a:fontRef idx="minor">
-            <a:schemeClr val="tx1"/>
-          </a:fontRef>
-        </p:style>
-      </p:cxnSp>
-      <p:sp>
-        <p:nvSpPr>
-          <p:cNvPr id="36" name="TextBox 35">
-            <a:extLst>
-              <a:ext uri="{FF2B5EF4-FFF2-40B4-BE49-F238E27FC236}">
-                <a16:creationId xmlns:a16="http://schemas.microsoft.com/office/drawing/2014/main" id="{D5B7F67F-5695-6D48-E559-903EDFC8DA52}"/>
-              </a:ext>
-            </a:extLst>
-          </p:cNvPr>
-          <p:cNvSpPr txBox="1"/>
-          <p:nvPr/>
-        </p:nvSpPr>
-        <p:spPr>
-          <a:xfrm>
-            <a:off x="1625794" y="4699041"/>
-            <a:ext cx="1673872" cy="323165"/>
-          </a:xfrm>
-          <a:prstGeom prst="rect">
-            <a:avLst/>
-          </a:prstGeom>
-          <a:noFill/>
-        </p:spPr>
-        <p:txBody>
-          <a:bodyPr wrap="square" rtlCol="0">
-            <a:spAutoFit/>
-          </a:bodyPr>
-          <a:lstStyle/>
-          <a:p>
-            <a:r>
-              <a:rPr lang="en-US" altLang="ko-KR" sz="1500" b="1" dirty="0">
-                <a:solidFill>
-                  <a:schemeClr val="bg1"/>
-                </a:solidFill>
-              </a:rPr>
-              <a:t>Public Network</a:t>
-            </a:r>
-            <a:endParaRPr lang="ko-KR" altLang="en-US" sz="1500" b="1" dirty="0">
-              <a:solidFill>
-                <a:schemeClr val="bg1"/>
-              </a:solidFill>
-            </a:endParaRPr>
-          </a:p>
-        </p:txBody>
-      </p:sp>
-      <p:sp>
-        <p:nvSpPr>
-          <p:cNvPr id="37" name="TextBox 36">
-            <a:extLst>
-              <a:ext uri="{FF2B5EF4-FFF2-40B4-BE49-F238E27FC236}">
-                <a16:creationId xmlns:a16="http://schemas.microsoft.com/office/drawing/2014/main" id="{82A02DCA-2CAF-4B9C-94D0-B08EBCB28F1E}"/>
-              </a:ext>
-            </a:extLst>
-          </p:cNvPr>
-          <p:cNvSpPr txBox="1"/>
-          <p:nvPr/>
-        </p:nvSpPr>
-        <p:spPr>
-          <a:xfrm>
-            <a:off x="8981319" y="3892883"/>
-            <a:ext cx="1673872" cy="323165"/>
-          </a:xfrm>
-          <a:prstGeom prst="rect">
-            <a:avLst/>
-          </a:prstGeom>
-          <a:noFill/>
-        </p:spPr>
-        <p:txBody>
-          <a:bodyPr wrap="square" rtlCol="0">
-            <a:spAutoFit/>
-          </a:bodyPr>
-          <a:lstStyle/>
-          <a:p>
-            <a:r>
-              <a:rPr lang="en-US" altLang="ko-KR" sz="1500" b="1" dirty="0">
-                <a:solidFill>
-                  <a:schemeClr val="bg1"/>
-                </a:solidFill>
-              </a:rPr>
-              <a:t>Private Network</a:t>
-            </a:r>
-            <a:endParaRPr lang="ko-KR" altLang="en-US" sz="1500" b="1" dirty="0">
-              <a:solidFill>
-                <a:schemeClr val="bg1"/>
-              </a:solidFill>
-            </a:endParaRPr>
-          </a:p>
-        </p:txBody>
-      </p:sp>
-      <p:sp>
-        <p:nvSpPr>
-          <p:cNvPr id="39" name="TextBox 38">
-            <a:extLst>
-              <a:ext uri="{FF2B5EF4-FFF2-40B4-BE49-F238E27FC236}">
-                <a16:creationId xmlns:a16="http://schemas.microsoft.com/office/drawing/2014/main" id="{076AA634-B2F2-949A-CA8A-2C24951082A6}"/>
-              </a:ext>
-            </a:extLst>
-          </p:cNvPr>
-          <p:cNvSpPr txBox="1"/>
-          <p:nvPr/>
-        </p:nvSpPr>
-        <p:spPr>
-          <a:xfrm>
-            <a:off x="6304011" y="5679167"/>
-            <a:ext cx="1832456" cy="369332"/>
-          </a:xfrm>
-          <a:prstGeom prst="rect">
-            <a:avLst/>
-          </a:prstGeom>
-          <a:noFill/>
-        </p:spPr>
-        <p:txBody>
-          <a:bodyPr wrap="square" rtlCol="0">
-            <a:spAutoFit/>
-          </a:bodyPr>
-          <a:lstStyle/>
-          <a:p>
-            <a:r>
-              <a:rPr lang="en-US" altLang="ko-KR" b="1" dirty="0">
-                <a:solidFill>
-                  <a:schemeClr val="bg1"/>
-                </a:solidFill>
-              </a:rPr>
-              <a:t>192.168.10.101</a:t>
-            </a:r>
-            <a:endParaRPr lang="ko-KR" altLang="en-US" b="1" dirty="0">
-              <a:solidFill>
-                <a:schemeClr val="bg1"/>
-              </a:solidFill>
-            </a:endParaRPr>
-          </a:p>
-        </p:txBody>
-      </p:sp>
-      <p:sp>
-        <p:nvSpPr>
-          <p:cNvPr id="40" name="TextBox 39">
-            <a:extLst>
-              <a:ext uri="{FF2B5EF4-FFF2-40B4-BE49-F238E27FC236}">
-                <a16:creationId xmlns:a16="http://schemas.microsoft.com/office/drawing/2014/main" id="{3D598344-29AA-A8E3-DB2C-0EB0418BB3B3}"/>
-              </a:ext>
-            </a:extLst>
-          </p:cNvPr>
-          <p:cNvSpPr txBox="1"/>
-          <p:nvPr/>
-        </p:nvSpPr>
-        <p:spPr>
-          <a:xfrm>
-            <a:off x="4514647" y="5397851"/>
-            <a:ext cx="1480686" cy="369332"/>
-          </a:xfrm>
-          <a:prstGeom prst="rect">
-            <a:avLst/>
-          </a:prstGeom>
-          <a:noFill/>
-        </p:spPr>
-        <p:txBody>
-          <a:bodyPr wrap="square" rtlCol="0">
-            <a:spAutoFit/>
-          </a:bodyPr>
-          <a:lstStyle/>
-          <a:p>
-            <a:r>
-              <a:rPr lang="en-US" altLang="ko-KR" b="1" dirty="0">
-                <a:solidFill>
-                  <a:schemeClr val="bg1"/>
-                </a:solidFill>
-              </a:rPr>
-              <a:t>210.123.3.4</a:t>
-            </a:r>
-            <a:endParaRPr lang="ko-KR" altLang="en-US" b="1" dirty="0">
-              <a:solidFill>
-                <a:schemeClr val="bg1"/>
-              </a:solidFill>
-            </a:endParaRPr>
-          </a:p>
-        </p:txBody>
-      </p:sp>
-      <p:sp>
-        <p:nvSpPr>
-          <p:cNvPr id="41" name="TextBox 40">
-            <a:extLst>
-              <a:ext uri="{FF2B5EF4-FFF2-40B4-BE49-F238E27FC236}">
-                <a16:creationId xmlns:a16="http://schemas.microsoft.com/office/drawing/2014/main" id="{EC87C30F-C57F-098C-49CC-183683F48932}"/>
-              </a:ext>
-            </a:extLst>
-          </p:cNvPr>
-          <p:cNvSpPr txBox="1"/>
-          <p:nvPr/>
-        </p:nvSpPr>
-        <p:spPr>
-          <a:xfrm>
-            <a:off x="4540739" y="5957605"/>
-            <a:ext cx="1428501" cy="369332"/>
-          </a:xfrm>
-          <a:prstGeom prst="rect">
-            <a:avLst/>
-          </a:prstGeom>
-          <a:noFill/>
-        </p:spPr>
-        <p:txBody>
-          <a:bodyPr wrap="square" rtlCol="0">
-            <a:spAutoFit/>
-          </a:bodyPr>
-          <a:lstStyle/>
-          <a:p>
-            <a:r>
-              <a:rPr lang="en-US" altLang="ko-KR" b="1" dirty="0">
-                <a:solidFill>
-                  <a:schemeClr val="bg1"/>
-                </a:solidFill>
-              </a:rPr>
-              <a:t>210.123.3.5</a:t>
-            </a:r>
-            <a:endParaRPr lang="ko-KR" altLang="en-US" b="1" dirty="0">
-              <a:solidFill>
-                <a:schemeClr val="bg1"/>
-              </a:solidFill>
-            </a:endParaRPr>
-          </a:p>
-        </p:txBody>
-      </p:sp>
-      <p:sp>
-        <p:nvSpPr>
-          <p:cNvPr id="44" name="TextBox 43">
-            <a:extLst>
-              <a:ext uri="{FF2B5EF4-FFF2-40B4-BE49-F238E27FC236}">
-                <a16:creationId xmlns:a16="http://schemas.microsoft.com/office/drawing/2014/main" id="{494C3609-AA3B-F8A2-C09D-A37F3FE1CC8B}"/>
-              </a:ext>
-            </a:extLst>
-          </p:cNvPr>
-          <p:cNvSpPr txBox="1"/>
-          <p:nvPr/>
-        </p:nvSpPr>
-        <p:spPr>
-          <a:xfrm>
-            <a:off x="8636116" y="5293642"/>
-            <a:ext cx="2717684" cy="707886"/>
-          </a:xfrm>
-          <a:prstGeom prst="rect">
-            <a:avLst/>
-          </a:prstGeom>
-          <a:noFill/>
-        </p:spPr>
-        <p:txBody>
-          <a:bodyPr wrap="square" rtlCol="0">
-            <a:spAutoFit/>
-          </a:bodyPr>
-          <a:lstStyle/>
-          <a:p>
-            <a:r>
-              <a:rPr lang="en-US" altLang="ko-KR" sz="4000" b="1" dirty="0">
-                <a:solidFill>
-                  <a:schemeClr val="bg1"/>
-                </a:solidFill>
-              </a:rPr>
-              <a:t>NAT</a:t>
-            </a:r>
-            <a:r>
-              <a:rPr lang="ko-KR" altLang="en-US" sz="4000" b="1" dirty="0">
-                <a:solidFill>
-                  <a:schemeClr val="bg1"/>
-                </a:solidFill>
-              </a:rPr>
-              <a:t> </a:t>
-            </a:r>
-            <a:r>
-              <a:rPr lang="en-US" altLang="ko-KR" sz="4000" b="1" dirty="0">
-                <a:solidFill>
-                  <a:schemeClr val="bg1"/>
-                </a:solidFill>
-              </a:rPr>
-              <a:t>Table</a:t>
-            </a:r>
-            <a:endParaRPr lang="ko-KR" altLang="en-US" sz="4000" b="1" dirty="0">
-              <a:solidFill>
-                <a:schemeClr val="bg1"/>
-              </a:solidFill>
-            </a:endParaRPr>
-          </a:p>
-        </p:txBody>
-      </p:sp>
-      <p:cxnSp>
-        <p:nvCxnSpPr>
-          <p:cNvPr id="49" name="직선 연결선 48">
-            <a:extLst>
-              <a:ext uri="{FF2B5EF4-FFF2-40B4-BE49-F238E27FC236}">
-                <a16:creationId xmlns:a16="http://schemas.microsoft.com/office/drawing/2014/main" id="{66C8D924-5C6C-9203-3952-A3304362F586}"/>
-              </a:ext>
-            </a:extLst>
-          </p:cNvPr>
-          <p:cNvCxnSpPr>
-            <a:cxnSpLocks/>
-          </p:cNvCxnSpPr>
-          <p:nvPr/>
-        </p:nvCxnSpPr>
-        <p:spPr>
-          <a:xfrm>
-            <a:off x="4387088" y="5866832"/>
-            <a:ext cx="1809580" cy="0"/>
-          </a:xfrm>
-          <a:prstGeom prst="line">
-            <a:avLst/>
-          </a:prstGeom>
-          <a:ln w="38100">
-            <a:solidFill>
-              <a:schemeClr val="bg1"/>
-            </a:solidFill>
-          </a:ln>
-        </p:spPr>
-        <p:style>
-          <a:lnRef idx="1">
-            <a:schemeClr val="accent1"/>
-          </a:lnRef>
-          <a:fillRef idx="0">
-            <a:schemeClr val="accent1"/>
-          </a:fillRef>
-          <a:effectRef idx="0">
-            <a:schemeClr val="accent1"/>
-          </a:effectRef>
-          <a:fontRef idx="minor">
-            <a:schemeClr val="tx1"/>
-          </a:fontRef>
-        </p:style>
-      </p:cxnSp>
-      <p:cxnSp>
-        <p:nvCxnSpPr>
-          <p:cNvPr id="50" name="직선 연결선 49">
-            <a:extLst>
-              <a:ext uri="{FF2B5EF4-FFF2-40B4-BE49-F238E27FC236}">
-                <a16:creationId xmlns:a16="http://schemas.microsoft.com/office/drawing/2014/main" id="{8430748E-2559-E9DA-3CFF-7B1354A7449C}"/>
-              </a:ext>
-            </a:extLst>
-          </p:cNvPr>
-          <p:cNvCxnSpPr>
-            <a:cxnSpLocks/>
-          </p:cNvCxnSpPr>
-          <p:nvPr/>
-        </p:nvCxnSpPr>
-        <p:spPr>
-          <a:xfrm>
-            <a:off x="4387088" y="6451032"/>
-            <a:ext cx="3749379" cy="0"/>
-          </a:xfrm>
-          <a:prstGeom prst="line">
-            <a:avLst/>
-          </a:prstGeom>
-          <a:ln w="38100">
-            <a:solidFill>
-              <a:schemeClr val="bg1"/>
-            </a:solidFill>
-          </a:ln>
-        </p:spPr>
-        <p:style>
-          <a:lnRef idx="1">
-            <a:schemeClr val="accent1"/>
-          </a:lnRef>
-          <a:fillRef idx="0">
-            <a:schemeClr val="accent1"/>
-          </a:fillRef>
-          <a:effectRef idx="0">
-            <a:schemeClr val="accent1"/>
-          </a:effectRef>
-          <a:fontRef idx="minor">
-            <a:schemeClr val="tx1"/>
-          </a:fontRef>
-        </p:style>
-      </p:cxnSp>
-      <p:pic>
-        <p:nvPicPr>
-          <p:cNvPr id="13" name="그래픽 12" descr="컴퓨터 단색으로 채워진">
-            <a:extLst>
-              <a:ext uri="{FF2B5EF4-FFF2-40B4-BE49-F238E27FC236}">
-                <a16:creationId xmlns:a16="http://schemas.microsoft.com/office/drawing/2014/main" id="{9DF87A65-45D8-CCC3-8092-5426D8C99028}"/>
-              </a:ext>
-            </a:extLst>
-          </p:cNvPr>
-          <p:cNvPicPr>
-            <a:picLocks noChangeAspect="1"/>
-          </p:cNvPicPr>
-          <p:nvPr/>
-        </p:nvPicPr>
-        <p:blipFill>
-          <a:blip r:embed="rId2">
-            <a:extLst>
-              <a:ext uri="{28A0092B-C50C-407E-A947-70E740481C1C}">
-                <a14:useLocalDpi xmlns:a14="http://schemas.microsoft.com/office/drawing/2010/main" val="0"/>
-              </a:ext>
-              <a:ext uri="{96DAC541-7B7A-43D3-8B79-37D633B846F1}">
-                <asvg:svgBlip xmlns:asvg="http://schemas.microsoft.com/office/drawing/2016/SVG/main" r:embed="rId3"/>
-              </a:ext>
-            </a:extLst>
-          </a:blip>
-          <a:stretch>
-            <a:fillRect/>
-          </a:stretch>
-        </p:blipFill>
-        <p:spPr>
-          <a:xfrm>
-            <a:off x="1793662" y="2322352"/>
-            <a:ext cx="1298896" cy="1298896"/>
-          </a:xfrm>
-          <a:prstGeom prst="rect">
-            <a:avLst/>
-          </a:prstGeom>
-        </p:spPr>
-      </p:pic>
-      <p:cxnSp>
-        <p:nvCxnSpPr>
-          <p:cNvPr id="14" name="직선 화살표 연결선 13">
-            <a:extLst>
-              <a:ext uri="{FF2B5EF4-FFF2-40B4-BE49-F238E27FC236}">
-                <a16:creationId xmlns:a16="http://schemas.microsoft.com/office/drawing/2014/main" id="{EE0D88DA-B61E-8165-5940-F53CD6827A01}"/>
-              </a:ext>
-            </a:extLst>
-          </p:cNvPr>
-          <p:cNvCxnSpPr>
-            <a:cxnSpLocks/>
-          </p:cNvCxnSpPr>
-          <p:nvPr/>
-        </p:nvCxnSpPr>
-        <p:spPr>
-          <a:xfrm flipV="1">
-            <a:off x="3200018" y="3620410"/>
-            <a:ext cx="1625011" cy="539368"/>
-          </a:xfrm>
-          <a:prstGeom prst="straightConnector1">
-            <a:avLst/>
-          </a:prstGeom>
-          <a:ln w="38100">
-            <a:solidFill>
-              <a:schemeClr val="bg1"/>
-            </a:solidFill>
-            <a:headEnd type="triangle"/>
-            <a:tailEnd type="triangle"/>
-          </a:ln>
-        </p:spPr>
-        <p:style>
-          <a:lnRef idx="1">
-            <a:schemeClr val="accent1"/>
-          </a:lnRef>
-          <a:fillRef idx="0">
-            <a:schemeClr val="accent1"/>
-          </a:fillRef>
-          <a:effectRef idx="0">
-            <a:schemeClr val="accent1"/>
-          </a:effectRef>
-          <a:fontRef idx="minor">
-            <a:schemeClr val="tx1"/>
-          </a:fontRef>
-        </p:style>
-      </p:cxnSp>
     </p:spTree>
     <p:extLst>
       <p:ext uri="{BB962C8B-B14F-4D97-AF65-F5344CB8AC3E}">
-        <p14:creationId xmlns:p14="http://schemas.microsoft.com/office/powerpoint/2010/main" val="823090988"/>
+        <p14:creationId xmlns:p14="http://schemas.microsoft.com/office/powerpoint/2010/main" val="1823068760"/>
       </p:ext>
     </p:extLst>
   </p:cSld>
@@ -5005,12 +4709,7 @@
             <p:ph type="title"/>
           </p:nvPr>
         </p:nvSpPr>
-        <p:spPr>
-          <a:xfrm>
-            <a:off x="704850" y="365125"/>
-            <a:ext cx="10782300" cy="1325563"/>
-          </a:xfrm>
-        </p:spPr>
+        <p:spPr/>
         <p:txBody>
           <a:bodyPr>
             <a:normAutofit/>
@@ -5024,7 +4723,7 @@
                   <a:schemeClr val="bg1"/>
                 </a:solidFill>
               </a:rPr>
-              <a:t>Dynamic</a:t>
+              <a:t>Static</a:t>
             </a:r>
             <a:r>
               <a:rPr lang="ko-KR" altLang="en-US" sz="3800" b="1" dirty="0">
@@ -5068,8 +4767,8 @@
         </p:nvSpPr>
         <p:spPr>
           <a:xfrm>
-            <a:off x="838200" y="1825626"/>
-            <a:ext cx="10515600" cy="369332"/>
+            <a:off x="504824" y="3134107"/>
+            <a:ext cx="3143250" cy="369332"/>
           </a:xfrm>
         </p:spPr>
         <p:txBody>
@@ -5087,7 +4786,7 @@
                   <a:schemeClr val="bg1"/>
                 </a:solidFill>
               </a:rPr>
-              <a:t>동적 </a:t>
+              <a:t>정적 </a:t>
             </a:r>
             <a:r>
               <a:rPr lang="en-US" altLang="ko-KR" sz="2000" b="1" dirty="0">
@@ -5103,7 +4802,7 @@
                   <a:schemeClr val="bg1"/>
                 </a:solidFill>
               </a:rPr>
-              <a:t>토폴로지</a:t>
+              <a:t>명령어</a:t>
             </a:r>
             <a:endParaRPr lang="en-US" altLang="ko-KR" sz="2000" b="1" dirty="0">
               <a:solidFill>
@@ -5115,10 +4814,10 @@
       </p:sp>
       <p:pic>
         <p:nvPicPr>
-          <p:cNvPr id="5" name="그림 4">
-            <a:extLst>
-              <a:ext uri="{FF2B5EF4-FFF2-40B4-BE49-F238E27FC236}">
-                <a16:creationId xmlns:a16="http://schemas.microsoft.com/office/drawing/2014/main" id="{823602C0-DAFD-BD2A-C632-B3048A2196D0}"/>
+          <p:cNvPr id="7" name="그림 6">
+            <a:extLst>
+              <a:ext uri="{FF2B5EF4-FFF2-40B4-BE49-F238E27FC236}">
+                <a16:creationId xmlns:a16="http://schemas.microsoft.com/office/drawing/2014/main" id="{D6B2A1CA-9907-CEBE-D4A6-835E6B039373}"/>
               </a:ext>
             </a:extLst>
           </p:cNvPr>
@@ -5135,8 +4834,282 @@
         </p:blipFill>
         <p:spPr>
           <a:xfrm>
-            <a:off x="-2243" y="2890352"/>
-            <a:ext cx="12194243" cy="2182266"/>
+            <a:off x="3867150" y="2003424"/>
+            <a:ext cx="7715250" cy="2261367"/>
+          </a:xfrm>
+          <a:prstGeom prst="rect">
+            <a:avLst/>
+          </a:prstGeom>
+        </p:spPr>
+      </p:pic>
+      <p:sp>
+        <p:nvSpPr>
+          <p:cNvPr id="8" name="내용 개체 틀 2">
+            <a:extLst>
+              <a:ext uri="{FF2B5EF4-FFF2-40B4-BE49-F238E27FC236}">
+                <a16:creationId xmlns:a16="http://schemas.microsoft.com/office/drawing/2014/main" id="{B087E41E-4957-CE82-AD37-5AD3DF17AF8E}"/>
+              </a:ext>
+            </a:extLst>
+          </p:cNvPr>
+          <p:cNvSpPr txBox="1">
+            <a:spLocks/>
+          </p:cNvSpPr>
+          <p:nvPr/>
+        </p:nvSpPr>
+        <p:spPr>
+          <a:xfrm>
+            <a:off x="214312" y="5349333"/>
+            <a:ext cx="3724275" cy="603249"/>
+          </a:xfrm>
+          <a:prstGeom prst="rect">
+            <a:avLst/>
+          </a:prstGeom>
+        </p:spPr>
+        <p:txBody>
+          <a:bodyPr vert="horz" lIns="91440" tIns="45720" rIns="91440" bIns="45720" rtlCol="0">
+            <a:normAutofit/>
+          </a:bodyPr>
+          <a:lstStyle>
+            <a:lvl1pPr marL="228600" indent="-228600" algn="l" defTabSz="914400" rtl="0" eaLnBrk="1" latinLnBrk="1" hangingPunct="1">
+              <a:lnSpc>
+                <a:spcPct val="90000"/>
+              </a:lnSpc>
+              <a:spcBef>
+                <a:spcPts val="1000"/>
+              </a:spcBef>
+              <a:buFont typeface="Arial" panose="020B0604020202020204" pitchFamily="34" charset="0"/>
+              <a:buChar char="•"/>
+              <a:defRPr sz="2800" kern="1200">
+                <a:solidFill>
+                  <a:schemeClr val="tx1"/>
+                </a:solidFill>
+                <a:latin typeface="+mn-lt"/>
+                <a:ea typeface="+mn-ea"/>
+                <a:cs typeface="+mn-cs"/>
+              </a:defRPr>
+            </a:lvl1pPr>
+            <a:lvl2pPr marL="685800" indent="-228600" algn="l" defTabSz="914400" rtl="0" eaLnBrk="1" latinLnBrk="1" hangingPunct="1">
+              <a:lnSpc>
+                <a:spcPct val="90000"/>
+              </a:lnSpc>
+              <a:spcBef>
+                <a:spcPts val="500"/>
+              </a:spcBef>
+              <a:buFont typeface="Arial" panose="020B0604020202020204" pitchFamily="34" charset="0"/>
+              <a:buChar char="•"/>
+              <a:defRPr sz="2400" kern="1200">
+                <a:solidFill>
+                  <a:schemeClr val="tx1"/>
+                </a:solidFill>
+                <a:latin typeface="+mn-lt"/>
+                <a:ea typeface="+mn-ea"/>
+                <a:cs typeface="+mn-cs"/>
+              </a:defRPr>
+            </a:lvl2pPr>
+            <a:lvl3pPr marL="1143000" indent="-228600" algn="l" defTabSz="914400" rtl="0" eaLnBrk="1" latinLnBrk="1" hangingPunct="1">
+              <a:lnSpc>
+                <a:spcPct val="90000"/>
+              </a:lnSpc>
+              <a:spcBef>
+                <a:spcPts val="500"/>
+              </a:spcBef>
+              <a:buFont typeface="Arial" panose="020B0604020202020204" pitchFamily="34" charset="0"/>
+              <a:buChar char="•"/>
+              <a:defRPr sz="2000" kern="1200">
+                <a:solidFill>
+                  <a:schemeClr val="tx1"/>
+                </a:solidFill>
+                <a:latin typeface="+mn-lt"/>
+                <a:ea typeface="+mn-ea"/>
+                <a:cs typeface="+mn-cs"/>
+              </a:defRPr>
+            </a:lvl3pPr>
+            <a:lvl4pPr marL="1600200" indent="-228600" algn="l" defTabSz="914400" rtl="0" eaLnBrk="1" latinLnBrk="1" hangingPunct="1">
+              <a:lnSpc>
+                <a:spcPct val="90000"/>
+              </a:lnSpc>
+              <a:spcBef>
+                <a:spcPts val="500"/>
+              </a:spcBef>
+              <a:buFont typeface="Arial" panose="020B0604020202020204" pitchFamily="34" charset="0"/>
+              <a:buChar char="•"/>
+              <a:defRPr sz="1800" kern="1200">
+                <a:solidFill>
+                  <a:schemeClr val="tx1"/>
+                </a:solidFill>
+                <a:latin typeface="+mn-lt"/>
+                <a:ea typeface="+mn-ea"/>
+                <a:cs typeface="+mn-cs"/>
+              </a:defRPr>
+            </a:lvl4pPr>
+            <a:lvl5pPr marL="2057400" indent="-228600" algn="l" defTabSz="914400" rtl="0" eaLnBrk="1" latinLnBrk="1" hangingPunct="1">
+              <a:lnSpc>
+                <a:spcPct val="90000"/>
+              </a:lnSpc>
+              <a:spcBef>
+                <a:spcPts val="500"/>
+              </a:spcBef>
+              <a:buFont typeface="Arial" panose="020B0604020202020204" pitchFamily="34" charset="0"/>
+              <a:buChar char="•"/>
+              <a:defRPr sz="1800" kern="1200">
+                <a:solidFill>
+                  <a:schemeClr val="tx1"/>
+                </a:solidFill>
+                <a:latin typeface="+mn-lt"/>
+                <a:ea typeface="+mn-ea"/>
+                <a:cs typeface="+mn-cs"/>
+              </a:defRPr>
+            </a:lvl5pPr>
+            <a:lvl6pPr marL="2514600" indent="-228600" algn="l" defTabSz="914400" rtl="0" eaLnBrk="1" latinLnBrk="1" hangingPunct="1">
+              <a:lnSpc>
+                <a:spcPct val="90000"/>
+              </a:lnSpc>
+              <a:spcBef>
+                <a:spcPts val="500"/>
+              </a:spcBef>
+              <a:buFont typeface="Arial" panose="020B0604020202020204" pitchFamily="34" charset="0"/>
+              <a:buChar char="•"/>
+              <a:defRPr sz="1800" kern="1200">
+                <a:solidFill>
+                  <a:schemeClr val="tx1"/>
+                </a:solidFill>
+                <a:latin typeface="+mn-lt"/>
+                <a:ea typeface="+mn-ea"/>
+                <a:cs typeface="+mn-cs"/>
+              </a:defRPr>
+            </a:lvl6pPr>
+            <a:lvl7pPr marL="2971800" indent="-228600" algn="l" defTabSz="914400" rtl="0" eaLnBrk="1" latinLnBrk="1" hangingPunct="1">
+              <a:lnSpc>
+                <a:spcPct val="90000"/>
+              </a:lnSpc>
+              <a:spcBef>
+                <a:spcPts val="500"/>
+              </a:spcBef>
+              <a:buFont typeface="Arial" panose="020B0604020202020204" pitchFamily="34" charset="0"/>
+              <a:buChar char="•"/>
+              <a:defRPr sz="1800" kern="1200">
+                <a:solidFill>
+                  <a:schemeClr val="tx1"/>
+                </a:solidFill>
+                <a:latin typeface="+mn-lt"/>
+                <a:ea typeface="+mn-ea"/>
+                <a:cs typeface="+mn-cs"/>
+              </a:defRPr>
+            </a:lvl7pPr>
+            <a:lvl8pPr marL="3429000" indent="-228600" algn="l" defTabSz="914400" rtl="0" eaLnBrk="1" latinLnBrk="1" hangingPunct="1">
+              <a:lnSpc>
+                <a:spcPct val="90000"/>
+              </a:lnSpc>
+              <a:spcBef>
+                <a:spcPts val="500"/>
+              </a:spcBef>
+              <a:buFont typeface="Arial" panose="020B0604020202020204" pitchFamily="34" charset="0"/>
+              <a:buChar char="•"/>
+              <a:defRPr sz="1800" kern="1200">
+                <a:solidFill>
+                  <a:schemeClr val="tx1"/>
+                </a:solidFill>
+                <a:latin typeface="+mn-lt"/>
+                <a:ea typeface="+mn-ea"/>
+                <a:cs typeface="+mn-cs"/>
+              </a:defRPr>
+            </a:lvl8pPr>
+            <a:lvl9pPr marL="3886200" indent="-228600" algn="l" defTabSz="914400" rtl="0" eaLnBrk="1" latinLnBrk="1" hangingPunct="1">
+              <a:lnSpc>
+                <a:spcPct val="90000"/>
+              </a:lnSpc>
+              <a:spcBef>
+                <a:spcPts val="500"/>
+              </a:spcBef>
+              <a:buFont typeface="Arial" panose="020B0604020202020204" pitchFamily="34" charset="0"/>
+              <a:buChar char="•"/>
+              <a:defRPr sz="1800" kern="1200">
+                <a:solidFill>
+                  <a:schemeClr val="tx1"/>
+                </a:solidFill>
+                <a:latin typeface="+mn-lt"/>
+                <a:ea typeface="+mn-ea"/>
+                <a:cs typeface="+mn-cs"/>
+              </a:defRPr>
+            </a:lvl9pPr>
+          </a:lstStyle>
+          <a:p>
+            <a:pPr marL="0" indent="0" algn="ctr">
+              <a:buFont typeface="Arial" panose="020B0604020202020204" pitchFamily="34" charset="0"/>
+              <a:buNone/>
+            </a:pPr>
+            <a:r>
+              <a:rPr lang="ko-KR" altLang="en-US" sz="2000" b="1" dirty="0">
+                <a:solidFill>
+                  <a:schemeClr val="bg1"/>
+                </a:solidFill>
+              </a:rPr>
+              <a:t>정적 </a:t>
+            </a:r>
+            <a:r>
+              <a:rPr lang="en-US" altLang="ko-KR" sz="2000" b="1" dirty="0">
+                <a:solidFill>
+                  <a:schemeClr val="bg1"/>
+                </a:solidFill>
+              </a:rPr>
+              <a:t>NAT </a:t>
+            </a:r>
+            <a:r>
+              <a:rPr lang="ko-KR" altLang="en-US" sz="2000" b="1" dirty="0">
+                <a:solidFill>
+                  <a:schemeClr val="bg1"/>
+                </a:solidFill>
+              </a:rPr>
+              <a:t>토폴로지</a:t>
+            </a:r>
+            <a:r>
+              <a:rPr lang="en-US" altLang="ko-KR" sz="2000" b="1" dirty="0">
+                <a:solidFill>
+                  <a:schemeClr val="bg1"/>
+                </a:solidFill>
+              </a:rPr>
+              <a:t> </a:t>
+            </a:r>
+            <a:r>
+              <a:rPr lang="ko-KR" altLang="en-US" sz="2000" b="1" dirty="0">
+                <a:solidFill>
+                  <a:schemeClr val="bg1"/>
+                </a:solidFill>
+              </a:rPr>
+              <a:t>명령어</a:t>
+            </a:r>
+            <a:endParaRPr lang="en-US" altLang="ko-KR" sz="2000" b="1" dirty="0">
+              <a:solidFill>
+                <a:schemeClr val="bg1"/>
+              </a:solidFill>
+            </a:endParaRPr>
+          </a:p>
+        </p:txBody>
+      </p:sp>
+      <p:pic>
+        <p:nvPicPr>
+          <p:cNvPr id="10" name="그림 9">
+            <a:extLst>
+              <a:ext uri="{FF2B5EF4-FFF2-40B4-BE49-F238E27FC236}">
+                <a16:creationId xmlns:a16="http://schemas.microsoft.com/office/drawing/2014/main" id="{E9B076C9-547F-C6A9-EB99-8D9C8BB5237C}"/>
+              </a:ext>
+            </a:extLst>
+          </p:cNvPr>
+          <p:cNvPicPr>
+            <a:picLocks noChangeAspect="1"/>
+          </p:cNvPicPr>
+          <p:nvPr/>
+        </p:nvPicPr>
+        <p:blipFill>
+          <a:blip r:embed="rId3"/>
+          <a:stretch>
+            <a:fillRect/>
+          </a:stretch>
+        </p:blipFill>
+        <p:spPr>
+          <a:xfrm>
+            <a:off x="3867150" y="4335843"/>
+            <a:ext cx="7715250" cy="2261366"/>
           </a:xfrm>
           <a:prstGeom prst="rect">
             <a:avLst/>
@@ -5146,7 +5119,7 @@
     </p:spTree>
     <p:extLst>
       <p:ext uri="{BB962C8B-B14F-4D97-AF65-F5344CB8AC3E}">
-        <p14:creationId xmlns:p14="http://schemas.microsoft.com/office/powerpoint/2010/main" val="974662498"/>
+        <p14:creationId xmlns:p14="http://schemas.microsoft.com/office/powerpoint/2010/main" val="3552982779"/>
       </p:ext>
     </p:extLst>
   </p:cSld>
@@ -5211,23 +5184,7 @@
                   <a:schemeClr val="bg1"/>
                 </a:solidFill>
               </a:rPr>
-              <a:t>Dynamic</a:t>
-            </a:r>
-            <a:r>
-              <a:rPr lang="ko-KR" altLang="en-US" sz="3800" b="1" dirty="0">
-                <a:solidFill>
-                  <a:schemeClr val="bg1"/>
-                </a:solidFill>
-              </a:rPr>
-              <a:t> </a:t>
-            </a:r>
-            <a:r>
-              <a:rPr lang="en-US" altLang="ko-KR" sz="3800" b="1" dirty="0">
-                <a:solidFill>
-                  <a:schemeClr val="bg1"/>
-                </a:solidFill>
-              </a:rPr>
-              <a:t>NAT(Network Address Translation)</a:t>
+              <a:t>Dynamic NAT(Network Address Translation)</a:t>
             </a:r>
             <a:endParaRPr lang="ko-KR" altLang="en-US" sz="3800" b="1" dirty="0">
               <a:solidFill>
@@ -5255,8 +5212,8 @@
         </p:nvSpPr>
         <p:spPr>
           <a:xfrm>
-            <a:off x="504824" y="3134107"/>
-            <a:ext cx="3143250" cy="369332"/>
+            <a:off x="838200" y="1825625"/>
+            <a:ext cx="10515600" cy="464235"/>
           </a:xfrm>
         </p:spPr>
         <p:txBody>
@@ -5274,7 +5231,7 @@
                   <a:schemeClr val="bg1"/>
                 </a:solidFill>
               </a:rPr>
-              <a:t>동적 </a:t>
+              <a:t>여러 개의</a:t>
             </a:r>
             <a:r>
               <a:rPr lang="en-US" altLang="ko-KR" sz="2000" b="1" dirty="0">
@@ -5282,7 +5239,7 @@
                   <a:schemeClr val="bg1"/>
                 </a:solidFill>
               </a:rPr>
-              <a:t>NAT </a:t>
+              <a:t> </a:t>
             </a:r>
             <a:r>
               <a:rPr lang="ko-KR" altLang="en-US" sz="2000" b="1" dirty="0">
@@ -5290,9 +5247,158 @@
                   <a:schemeClr val="bg1"/>
                 </a:solidFill>
               </a:rPr>
-              <a:t>명령어</a:t>
-            </a:r>
-            <a:endParaRPr lang="en-US" altLang="ko-KR" sz="2000" b="1" dirty="0">
+              <a:t>내부 </a:t>
+            </a:r>
+            <a:r>
+              <a:rPr lang="en-US" altLang="ko-KR" sz="2000" b="1" dirty="0">
+                <a:solidFill>
+                  <a:schemeClr val="bg1"/>
+                </a:solidFill>
+              </a:rPr>
+              <a:t>IP </a:t>
+            </a:r>
+            <a:r>
+              <a:rPr lang="ko-KR" altLang="en-US" sz="2000" b="1" dirty="0">
+                <a:solidFill>
+                  <a:schemeClr val="bg1"/>
+                </a:solidFill>
+              </a:rPr>
+              <a:t>주소와 여러 개의 외부 </a:t>
+            </a:r>
+            <a:r>
+              <a:rPr lang="en-US" altLang="ko-KR" sz="2000" b="1" dirty="0">
+                <a:solidFill>
+                  <a:schemeClr val="bg1"/>
+                </a:solidFill>
+              </a:rPr>
+              <a:t>IP</a:t>
+            </a:r>
+            <a:r>
+              <a:rPr lang="ko-KR" altLang="en-US" sz="2000" b="1" dirty="0">
+                <a:solidFill>
+                  <a:schemeClr val="bg1"/>
+                </a:solidFill>
+              </a:rPr>
+              <a:t>주소를 동적으로 매핑 시키는 방식</a:t>
+            </a:r>
+          </a:p>
+        </p:txBody>
+      </p:sp>
+      <p:pic>
+        <p:nvPicPr>
+          <p:cNvPr id="5" name="그래픽 4" descr="컴퓨터 단색으로 채워진">
+            <a:extLst>
+              <a:ext uri="{FF2B5EF4-FFF2-40B4-BE49-F238E27FC236}">
+                <a16:creationId xmlns:a16="http://schemas.microsoft.com/office/drawing/2014/main" id="{EFB11422-617A-2A5C-501C-FEFFA111286E}"/>
+              </a:ext>
+            </a:extLst>
+          </p:cNvPr>
+          <p:cNvPicPr>
+            <a:picLocks noChangeAspect="1"/>
+          </p:cNvPicPr>
+          <p:nvPr/>
+        </p:nvPicPr>
+        <p:blipFill>
+          <a:blip r:embed="rId2">
+            <a:extLst>
+              <a:ext uri="{28A0092B-C50C-407E-A947-70E740481C1C}">
+                <a14:useLocalDpi xmlns:a14="http://schemas.microsoft.com/office/drawing/2010/main" val="0"/>
+              </a:ext>
+              <a:ext uri="{96DAC541-7B7A-43D3-8B79-37D633B846F1}">
+                <asvg:svgBlip xmlns:asvg="http://schemas.microsoft.com/office/drawing/2016/SVG/main" r:embed="rId3"/>
+              </a:ext>
+            </a:extLst>
+          </a:blip>
+          <a:stretch>
+            <a:fillRect/>
+          </a:stretch>
+        </p:blipFill>
+        <p:spPr>
+          <a:xfrm>
+            <a:off x="1813282" y="3401833"/>
+            <a:ext cx="1298896" cy="1298896"/>
+          </a:xfrm>
+          <a:prstGeom prst="rect">
+            <a:avLst/>
+          </a:prstGeom>
+        </p:spPr>
+      </p:pic>
+      <p:pic>
+        <p:nvPicPr>
+          <p:cNvPr id="6" name="그래픽 5" descr="구름 윤곽선">
+            <a:extLst>
+              <a:ext uri="{FF2B5EF4-FFF2-40B4-BE49-F238E27FC236}">
+                <a16:creationId xmlns:a16="http://schemas.microsoft.com/office/drawing/2014/main" id="{744E1162-2A17-B893-8066-97B3AA8130D6}"/>
+              </a:ext>
+            </a:extLst>
+          </p:cNvPr>
+          <p:cNvPicPr>
+            <a:picLocks noChangeAspect="1"/>
+          </p:cNvPicPr>
+          <p:nvPr/>
+        </p:nvPicPr>
+        <p:blipFill>
+          <a:blip r:embed="rId4">
+            <a:extLst>
+              <a:ext uri="{28A0092B-C50C-407E-A947-70E740481C1C}">
+                <a14:useLocalDpi xmlns:a14="http://schemas.microsoft.com/office/drawing/2010/main" val="0"/>
+              </a:ext>
+              <a:ext uri="{96DAC541-7B7A-43D3-8B79-37D633B846F1}">
+                <asvg:svgBlip xmlns:asvg="http://schemas.microsoft.com/office/drawing/2016/SVG/main" r:embed="rId5"/>
+              </a:ext>
+            </a:extLst>
+          </a:blip>
+          <a:stretch>
+            <a:fillRect/>
+          </a:stretch>
+        </p:blipFill>
+        <p:spPr>
+          <a:xfrm>
+            <a:off x="4737819" y="1882142"/>
+            <a:ext cx="2717684" cy="2717684"/>
+          </a:xfrm>
+          <a:prstGeom prst="rect">
+            <a:avLst/>
+          </a:prstGeom>
+        </p:spPr>
+      </p:pic>
+      <p:sp>
+        <p:nvSpPr>
+          <p:cNvPr id="7" name="TextBox 6">
+            <a:extLst>
+              <a:ext uri="{FF2B5EF4-FFF2-40B4-BE49-F238E27FC236}">
+                <a16:creationId xmlns:a16="http://schemas.microsoft.com/office/drawing/2014/main" id="{CD17A3D8-9ACE-F391-7E8B-F10C71C8F4CB}"/>
+              </a:ext>
+            </a:extLst>
+          </p:cNvPr>
+          <p:cNvSpPr txBox="1"/>
+          <p:nvPr/>
+        </p:nvSpPr>
+        <p:spPr>
+          <a:xfrm>
+            <a:off x="5436251" y="3122036"/>
+            <a:ext cx="1463096" cy="477054"/>
+          </a:xfrm>
+          <a:prstGeom prst="rect">
+            <a:avLst/>
+          </a:prstGeom>
+          <a:noFill/>
+        </p:spPr>
+        <p:txBody>
+          <a:bodyPr wrap="square" rtlCol="0">
+            <a:spAutoFit/>
+          </a:bodyPr>
+          <a:lstStyle/>
+          <a:p>
+            <a:r>
+              <a:rPr lang="en-US" altLang="ko-KR" sz="2500" b="1" dirty="0">
+                <a:solidFill>
+                  <a:schemeClr val="bg1"/>
+                </a:solidFill>
+              </a:rPr>
+              <a:t>Internet</a:t>
+            </a:r>
+            <a:endParaRPr lang="ko-KR" altLang="en-US" sz="2500" b="1" dirty="0">
               <a:solidFill>
                 <a:schemeClr val="bg1"/>
               </a:solidFill>
@@ -5300,243 +5406,168 @@
           </a:p>
         </p:txBody>
       </p:sp>
-      <p:sp>
-        <p:nvSpPr>
-          <p:cNvPr id="8" name="내용 개체 틀 2">
-            <a:extLst>
-              <a:ext uri="{FF2B5EF4-FFF2-40B4-BE49-F238E27FC236}">
-                <a16:creationId xmlns:a16="http://schemas.microsoft.com/office/drawing/2014/main" id="{B087E41E-4957-CE82-AD37-5AD3DF17AF8E}"/>
-              </a:ext>
-            </a:extLst>
-          </p:cNvPr>
-          <p:cNvSpPr txBox="1">
-            <a:spLocks/>
-          </p:cNvSpPr>
-          <p:nvPr/>
-        </p:nvSpPr>
-        <p:spPr>
-          <a:xfrm>
-            <a:off x="214312" y="5349333"/>
-            <a:ext cx="3724275" cy="603249"/>
+      <p:pic>
+        <p:nvPicPr>
+          <p:cNvPr id="8" name="그래픽 7" descr="컴퓨터 단색으로 채워진">
+            <a:extLst>
+              <a:ext uri="{FF2B5EF4-FFF2-40B4-BE49-F238E27FC236}">
+                <a16:creationId xmlns:a16="http://schemas.microsoft.com/office/drawing/2014/main" id="{3332BA90-A31C-0B45-83D6-5AC5CFB749D6}"/>
+              </a:ext>
+            </a:extLst>
+          </p:cNvPr>
+          <p:cNvPicPr>
+            <a:picLocks noChangeAspect="1"/>
+          </p:cNvPicPr>
+          <p:nvPr/>
+        </p:nvPicPr>
+        <p:blipFill>
+          <a:blip r:embed="rId2">
+            <a:extLst>
+              <a:ext uri="{28A0092B-C50C-407E-A947-70E740481C1C}">
+                <a14:useLocalDpi xmlns:a14="http://schemas.microsoft.com/office/drawing/2010/main" val="0"/>
+              </a:ext>
+              <a:ext uri="{96DAC541-7B7A-43D3-8B79-37D633B846F1}">
+                <asvg:svgBlip xmlns:asvg="http://schemas.microsoft.com/office/drawing/2016/SVG/main" r:embed="rId3"/>
+              </a:ext>
+            </a:extLst>
+          </a:blip>
+          <a:stretch>
+            <a:fillRect/>
+          </a:stretch>
+        </p:blipFill>
+        <p:spPr>
+          <a:xfrm>
+            <a:off x="9168354" y="2755570"/>
+            <a:ext cx="1298896" cy="1298896"/>
           </a:xfrm>
           <a:prstGeom prst="rect">
             <a:avLst/>
           </a:prstGeom>
         </p:spPr>
-        <p:txBody>
-          <a:bodyPr vert="horz" lIns="91440" tIns="45720" rIns="91440" bIns="45720" rtlCol="0">
-            <a:normAutofit/>
+      </p:pic>
+      <p:cxnSp>
+        <p:nvCxnSpPr>
+          <p:cNvPr id="12" name="직선 연결선 11">
+            <a:extLst>
+              <a:ext uri="{FF2B5EF4-FFF2-40B4-BE49-F238E27FC236}">
+                <a16:creationId xmlns:a16="http://schemas.microsoft.com/office/drawing/2014/main" id="{9D955ABF-CF2D-003C-0A1C-606E724701AB}"/>
+              </a:ext>
+            </a:extLst>
+          </p:cNvPr>
+          <p:cNvCxnSpPr>
+            <a:cxnSpLocks/>
+          </p:cNvCxnSpPr>
+          <p:nvPr/>
+        </p:nvCxnSpPr>
+        <p:spPr>
+          <a:xfrm>
+            <a:off x="6196668" y="4692422"/>
+            <a:ext cx="0" cy="1758610"/>
+          </a:xfrm>
+          <a:prstGeom prst="line">
+            <a:avLst/>
+          </a:prstGeom>
+          <a:ln w="38100">
+            <a:solidFill>
+              <a:schemeClr val="bg1"/>
+            </a:solidFill>
+          </a:ln>
+        </p:spPr>
+        <p:style>
+          <a:lnRef idx="1">
+            <a:schemeClr val="accent1"/>
+          </a:lnRef>
+          <a:fillRef idx="0">
+            <a:schemeClr val="accent1"/>
+          </a:fillRef>
+          <a:effectRef idx="0">
+            <a:schemeClr val="accent1"/>
+          </a:effectRef>
+          <a:fontRef idx="minor">
+            <a:schemeClr val="tx1"/>
+          </a:fontRef>
+        </p:style>
+      </p:cxnSp>
+      <p:cxnSp>
+        <p:nvCxnSpPr>
+          <p:cNvPr id="10" name="직선 연결선 9">
+            <a:extLst>
+              <a:ext uri="{FF2B5EF4-FFF2-40B4-BE49-F238E27FC236}">
+                <a16:creationId xmlns:a16="http://schemas.microsoft.com/office/drawing/2014/main" id="{BEA4FD4C-133F-1F0F-BDF1-53AD58A9DDE3}"/>
+              </a:ext>
+            </a:extLst>
+          </p:cNvPr>
+          <p:cNvCxnSpPr>
+            <a:cxnSpLocks/>
+          </p:cNvCxnSpPr>
+          <p:nvPr/>
+        </p:nvCxnSpPr>
+        <p:spPr>
+          <a:xfrm>
+            <a:off x="4387088" y="5291594"/>
+            <a:ext cx="3749379" cy="0"/>
+          </a:xfrm>
+          <a:prstGeom prst="line">
+            <a:avLst/>
+          </a:prstGeom>
+          <a:ln w="38100">
+            <a:solidFill>
+              <a:schemeClr val="bg1"/>
+            </a:solidFill>
+          </a:ln>
+        </p:spPr>
+        <p:style>
+          <a:lnRef idx="1">
+            <a:schemeClr val="accent1"/>
+          </a:lnRef>
+          <a:fillRef idx="0">
+            <a:schemeClr val="accent1"/>
+          </a:fillRef>
+          <a:effectRef idx="0">
+            <a:schemeClr val="accent1"/>
+          </a:effectRef>
+          <a:fontRef idx="minor">
+            <a:schemeClr val="tx1"/>
+          </a:fontRef>
+        </p:style>
+      </p:cxnSp>
+      <p:sp>
+        <p:nvSpPr>
+          <p:cNvPr id="26" name="TextBox 25">
+            <a:extLst>
+              <a:ext uri="{FF2B5EF4-FFF2-40B4-BE49-F238E27FC236}">
+                <a16:creationId xmlns:a16="http://schemas.microsoft.com/office/drawing/2014/main" id="{729DC8B5-20FD-FB81-3A56-05E427EB6270}"/>
+              </a:ext>
+            </a:extLst>
+          </p:cNvPr>
+          <p:cNvSpPr txBox="1"/>
+          <p:nvPr/>
+        </p:nvSpPr>
+        <p:spPr>
+          <a:xfrm>
+            <a:off x="4292591" y="4802733"/>
+            <a:ext cx="1875208" cy="369332"/>
+          </a:xfrm>
+          <a:prstGeom prst="rect">
+            <a:avLst/>
+          </a:prstGeom>
+          <a:noFill/>
+        </p:spPr>
+        <p:txBody>
+          <a:bodyPr wrap="square" rtlCol="0">
+            <a:spAutoFit/>
           </a:bodyPr>
-          <a:lstStyle>
-            <a:lvl1pPr marL="228600" indent="-228600" algn="l" defTabSz="914400" rtl="0" eaLnBrk="1" latinLnBrk="1" hangingPunct="1">
-              <a:lnSpc>
-                <a:spcPct val="90000"/>
-              </a:lnSpc>
-              <a:spcBef>
-                <a:spcPts val="1000"/>
-              </a:spcBef>
-              <a:buFont typeface="Arial" panose="020B0604020202020204" pitchFamily="34" charset="0"/>
-              <a:buChar char="•"/>
-              <a:defRPr sz="2800" kern="1200">
-                <a:solidFill>
-                  <a:schemeClr val="tx1"/>
-                </a:solidFill>
-                <a:latin typeface="+mn-lt"/>
-                <a:ea typeface="+mn-ea"/>
-                <a:cs typeface="+mn-cs"/>
-              </a:defRPr>
-            </a:lvl1pPr>
-            <a:lvl2pPr marL="685800" indent="-228600" algn="l" defTabSz="914400" rtl="0" eaLnBrk="1" latinLnBrk="1" hangingPunct="1">
-              <a:lnSpc>
-                <a:spcPct val="90000"/>
-              </a:lnSpc>
-              <a:spcBef>
-                <a:spcPts val="500"/>
-              </a:spcBef>
-              <a:buFont typeface="Arial" panose="020B0604020202020204" pitchFamily="34" charset="0"/>
-              <a:buChar char="•"/>
-              <a:defRPr sz="2400" kern="1200">
-                <a:solidFill>
-                  <a:schemeClr val="tx1"/>
-                </a:solidFill>
-                <a:latin typeface="+mn-lt"/>
-                <a:ea typeface="+mn-ea"/>
-                <a:cs typeface="+mn-cs"/>
-              </a:defRPr>
-            </a:lvl2pPr>
-            <a:lvl3pPr marL="1143000" indent="-228600" algn="l" defTabSz="914400" rtl="0" eaLnBrk="1" latinLnBrk="1" hangingPunct="1">
-              <a:lnSpc>
-                <a:spcPct val="90000"/>
-              </a:lnSpc>
-              <a:spcBef>
-                <a:spcPts val="500"/>
-              </a:spcBef>
-              <a:buFont typeface="Arial" panose="020B0604020202020204" pitchFamily="34" charset="0"/>
-              <a:buChar char="•"/>
-              <a:defRPr sz="2000" kern="1200">
-                <a:solidFill>
-                  <a:schemeClr val="tx1"/>
-                </a:solidFill>
-                <a:latin typeface="+mn-lt"/>
-                <a:ea typeface="+mn-ea"/>
-                <a:cs typeface="+mn-cs"/>
-              </a:defRPr>
-            </a:lvl3pPr>
-            <a:lvl4pPr marL="1600200" indent="-228600" algn="l" defTabSz="914400" rtl="0" eaLnBrk="1" latinLnBrk="1" hangingPunct="1">
-              <a:lnSpc>
-                <a:spcPct val="90000"/>
-              </a:lnSpc>
-              <a:spcBef>
-                <a:spcPts val="500"/>
-              </a:spcBef>
-              <a:buFont typeface="Arial" panose="020B0604020202020204" pitchFamily="34" charset="0"/>
-              <a:buChar char="•"/>
-              <a:defRPr sz="1800" kern="1200">
-                <a:solidFill>
-                  <a:schemeClr val="tx1"/>
-                </a:solidFill>
-                <a:latin typeface="+mn-lt"/>
-                <a:ea typeface="+mn-ea"/>
-                <a:cs typeface="+mn-cs"/>
-              </a:defRPr>
-            </a:lvl4pPr>
-            <a:lvl5pPr marL="2057400" indent="-228600" algn="l" defTabSz="914400" rtl="0" eaLnBrk="1" latinLnBrk="1" hangingPunct="1">
-              <a:lnSpc>
-                <a:spcPct val="90000"/>
-              </a:lnSpc>
-              <a:spcBef>
-                <a:spcPts val="500"/>
-              </a:spcBef>
-              <a:buFont typeface="Arial" panose="020B0604020202020204" pitchFamily="34" charset="0"/>
-              <a:buChar char="•"/>
-              <a:defRPr sz="1800" kern="1200">
-                <a:solidFill>
-                  <a:schemeClr val="tx1"/>
-                </a:solidFill>
-                <a:latin typeface="+mn-lt"/>
-                <a:ea typeface="+mn-ea"/>
-                <a:cs typeface="+mn-cs"/>
-              </a:defRPr>
-            </a:lvl5pPr>
-            <a:lvl6pPr marL="2514600" indent="-228600" algn="l" defTabSz="914400" rtl="0" eaLnBrk="1" latinLnBrk="1" hangingPunct="1">
-              <a:lnSpc>
-                <a:spcPct val="90000"/>
-              </a:lnSpc>
-              <a:spcBef>
-                <a:spcPts val="500"/>
-              </a:spcBef>
-              <a:buFont typeface="Arial" panose="020B0604020202020204" pitchFamily="34" charset="0"/>
-              <a:buChar char="•"/>
-              <a:defRPr sz="1800" kern="1200">
-                <a:solidFill>
-                  <a:schemeClr val="tx1"/>
-                </a:solidFill>
-                <a:latin typeface="+mn-lt"/>
-                <a:ea typeface="+mn-ea"/>
-                <a:cs typeface="+mn-cs"/>
-              </a:defRPr>
-            </a:lvl6pPr>
-            <a:lvl7pPr marL="2971800" indent="-228600" algn="l" defTabSz="914400" rtl="0" eaLnBrk="1" latinLnBrk="1" hangingPunct="1">
-              <a:lnSpc>
-                <a:spcPct val="90000"/>
-              </a:lnSpc>
-              <a:spcBef>
-                <a:spcPts val="500"/>
-              </a:spcBef>
-              <a:buFont typeface="Arial" panose="020B0604020202020204" pitchFamily="34" charset="0"/>
-              <a:buChar char="•"/>
-              <a:defRPr sz="1800" kern="1200">
-                <a:solidFill>
-                  <a:schemeClr val="tx1"/>
-                </a:solidFill>
-                <a:latin typeface="+mn-lt"/>
-                <a:ea typeface="+mn-ea"/>
-                <a:cs typeface="+mn-cs"/>
-              </a:defRPr>
-            </a:lvl7pPr>
-            <a:lvl8pPr marL="3429000" indent="-228600" algn="l" defTabSz="914400" rtl="0" eaLnBrk="1" latinLnBrk="1" hangingPunct="1">
-              <a:lnSpc>
-                <a:spcPct val="90000"/>
-              </a:lnSpc>
-              <a:spcBef>
-                <a:spcPts val="500"/>
-              </a:spcBef>
-              <a:buFont typeface="Arial" panose="020B0604020202020204" pitchFamily="34" charset="0"/>
-              <a:buChar char="•"/>
-              <a:defRPr sz="1800" kern="1200">
-                <a:solidFill>
-                  <a:schemeClr val="tx1"/>
-                </a:solidFill>
-                <a:latin typeface="+mn-lt"/>
-                <a:ea typeface="+mn-ea"/>
-                <a:cs typeface="+mn-cs"/>
-              </a:defRPr>
-            </a:lvl8pPr>
-            <a:lvl9pPr marL="3886200" indent="-228600" algn="l" defTabSz="914400" rtl="0" eaLnBrk="1" latinLnBrk="1" hangingPunct="1">
-              <a:lnSpc>
-                <a:spcPct val="90000"/>
-              </a:lnSpc>
-              <a:spcBef>
-                <a:spcPts val="500"/>
-              </a:spcBef>
-              <a:buFont typeface="Arial" panose="020B0604020202020204" pitchFamily="34" charset="0"/>
-              <a:buChar char="•"/>
-              <a:defRPr sz="1800" kern="1200">
-                <a:solidFill>
-                  <a:schemeClr val="tx1"/>
-                </a:solidFill>
-                <a:latin typeface="+mn-lt"/>
-                <a:ea typeface="+mn-ea"/>
-                <a:cs typeface="+mn-cs"/>
-              </a:defRPr>
-            </a:lvl9pPr>
-          </a:lstStyle>
-          <a:p>
-            <a:pPr marL="0" indent="0" algn="ctr">
-              <a:buFont typeface="Arial" panose="020B0604020202020204" pitchFamily="34" charset="0"/>
-              <a:buNone/>
-            </a:pPr>
-            <a:r>
-              <a:rPr lang="ko-KR" altLang="en-US" sz="2000" b="1" dirty="0">
-                <a:solidFill>
-                  <a:schemeClr val="bg1"/>
-                </a:solidFill>
-              </a:rPr>
-              <a:t>동적 </a:t>
-            </a:r>
-            <a:r>
-              <a:rPr lang="en-US" altLang="ko-KR" sz="2000" b="1" dirty="0">
-                <a:solidFill>
-                  <a:schemeClr val="bg1"/>
-                </a:solidFill>
-              </a:rPr>
-              <a:t>NAT </a:t>
-            </a:r>
-            <a:r>
-              <a:rPr lang="ko-KR" altLang="en-US" sz="2000" b="1" dirty="0">
-                <a:solidFill>
-                  <a:schemeClr val="bg1"/>
-                </a:solidFill>
-              </a:rPr>
-              <a:t>토폴로지</a:t>
-            </a:r>
-            <a:r>
-              <a:rPr lang="en-US" altLang="ko-KR" sz="2000" b="1" dirty="0">
-                <a:solidFill>
-                  <a:schemeClr val="bg1"/>
-                </a:solidFill>
-              </a:rPr>
-              <a:t> </a:t>
-            </a:r>
-            <a:r>
-              <a:rPr lang="ko-KR" altLang="en-US" sz="2000" b="1" dirty="0">
-                <a:solidFill>
-                  <a:schemeClr val="bg1"/>
-                </a:solidFill>
-              </a:rPr>
-              <a:t>명령어</a:t>
-            </a:r>
-            <a:endParaRPr lang="en-US" altLang="ko-KR" sz="2000" b="1" dirty="0">
+          <a:lstStyle/>
+          <a:p>
+            <a:r>
+              <a:rPr lang="en-US" altLang="ko-KR" b="1" dirty="0">
+                <a:solidFill>
+                  <a:schemeClr val="bg1"/>
+                </a:solidFill>
+              </a:rPr>
+              <a:t>Public Network</a:t>
+            </a:r>
+            <a:endParaRPr lang="ko-KR" altLang="en-US" b="1" dirty="0">
               <a:solidFill>
                 <a:schemeClr val="bg1"/>
               </a:solidFill>
@@ -5544,10 +5575,594 @@
           </a:p>
         </p:txBody>
       </p:sp>
+      <p:sp>
+        <p:nvSpPr>
+          <p:cNvPr id="27" name="TextBox 26">
+            <a:extLst>
+              <a:ext uri="{FF2B5EF4-FFF2-40B4-BE49-F238E27FC236}">
+                <a16:creationId xmlns:a16="http://schemas.microsoft.com/office/drawing/2014/main" id="{3BCC75CD-7479-FA26-C8EC-EB050E570E83}"/>
+              </a:ext>
+            </a:extLst>
+          </p:cNvPr>
+          <p:cNvSpPr txBox="1"/>
+          <p:nvPr/>
+        </p:nvSpPr>
+        <p:spPr>
+          <a:xfrm>
+            <a:off x="6232736" y="4802733"/>
+            <a:ext cx="1991039" cy="369332"/>
+          </a:xfrm>
+          <a:prstGeom prst="rect">
+            <a:avLst/>
+          </a:prstGeom>
+          <a:noFill/>
+        </p:spPr>
+        <p:txBody>
+          <a:bodyPr wrap="square" rtlCol="0">
+            <a:spAutoFit/>
+          </a:bodyPr>
+          <a:lstStyle/>
+          <a:p>
+            <a:r>
+              <a:rPr lang="en-US" altLang="ko-KR" b="1" dirty="0">
+                <a:solidFill>
+                  <a:schemeClr val="bg1"/>
+                </a:solidFill>
+              </a:rPr>
+              <a:t>Private Network</a:t>
+            </a:r>
+            <a:endParaRPr lang="ko-KR" altLang="en-US" b="1" dirty="0">
+              <a:solidFill>
+                <a:schemeClr val="bg1"/>
+              </a:solidFill>
+            </a:endParaRPr>
+          </a:p>
+        </p:txBody>
+      </p:sp>
+      <p:cxnSp>
+        <p:nvCxnSpPr>
+          <p:cNvPr id="31" name="직선 화살표 연결선 30">
+            <a:extLst>
+              <a:ext uri="{FF2B5EF4-FFF2-40B4-BE49-F238E27FC236}">
+                <a16:creationId xmlns:a16="http://schemas.microsoft.com/office/drawing/2014/main" id="{64037C16-9085-3268-075D-DA82BFA2835A}"/>
+              </a:ext>
+            </a:extLst>
+          </p:cNvPr>
+          <p:cNvCxnSpPr>
+            <a:cxnSpLocks/>
+          </p:cNvCxnSpPr>
+          <p:nvPr/>
+        </p:nvCxnSpPr>
+        <p:spPr>
+          <a:xfrm>
+            <a:off x="3171825" y="2971800"/>
+            <a:ext cx="1637132" cy="406719"/>
+          </a:xfrm>
+          <a:prstGeom prst="straightConnector1">
+            <a:avLst/>
+          </a:prstGeom>
+          <a:ln w="38100">
+            <a:solidFill>
+              <a:schemeClr val="bg1"/>
+            </a:solidFill>
+            <a:headEnd type="triangle"/>
+            <a:tailEnd type="triangle"/>
+          </a:ln>
+        </p:spPr>
+        <p:style>
+          <a:lnRef idx="1">
+            <a:schemeClr val="accent1"/>
+          </a:lnRef>
+          <a:fillRef idx="0">
+            <a:schemeClr val="accent1"/>
+          </a:fillRef>
+          <a:effectRef idx="0">
+            <a:schemeClr val="accent1"/>
+          </a:effectRef>
+          <a:fontRef idx="minor">
+            <a:schemeClr val="tx1"/>
+          </a:fontRef>
+        </p:style>
+      </p:cxnSp>
+      <p:cxnSp>
+        <p:nvCxnSpPr>
+          <p:cNvPr id="34" name="직선 화살표 연결선 33">
+            <a:extLst>
+              <a:ext uri="{FF2B5EF4-FFF2-40B4-BE49-F238E27FC236}">
+                <a16:creationId xmlns:a16="http://schemas.microsoft.com/office/drawing/2014/main" id="{94E58C3D-C795-98B3-4786-0478E7E70447}"/>
+              </a:ext>
+            </a:extLst>
+          </p:cNvPr>
+          <p:cNvCxnSpPr>
+            <a:cxnSpLocks/>
+          </p:cNvCxnSpPr>
+          <p:nvPr/>
+        </p:nvCxnSpPr>
+        <p:spPr>
+          <a:xfrm>
+            <a:off x="7454111" y="3378519"/>
+            <a:ext cx="1646653" cy="0"/>
+          </a:xfrm>
+          <a:prstGeom prst="straightConnector1">
+            <a:avLst/>
+          </a:prstGeom>
+          <a:ln w="38100">
+            <a:solidFill>
+              <a:schemeClr val="bg1"/>
+            </a:solidFill>
+            <a:headEnd type="triangle"/>
+            <a:tailEnd type="triangle"/>
+          </a:ln>
+        </p:spPr>
+        <p:style>
+          <a:lnRef idx="1">
+            <a:schemeClr val="accent1"/>
+          </a:lnRef>
+          <a:fillRef idx="0">
+            <a:schemeClr val="accent1"/>
+          </a:fillRef>
+          <a:effectRef idx="0">
+            <a:schemeClr val="accent1"/>
+          </a:effectRef>
+          <a:fontRef idx="minor">
+            <a:schemeClr val="tx1"/>
+          </a:fontRef>
+        </p:style>
+      </p:cxnSp>
+      <p:sp>
+        <p:nvSpPr>
+          <p:cNvPr id="36" name="TextBox 35">
+            <a:extLst>
+              <a:ext uri="{FF2B5EF4-FFF2-40B4-BE49-F238E27FC236}">
+                <a16:creationId xmlns:a16="http://schemas.microsoft.com/office/drawing/2014/main" id="{D5B7F67F-5695-6D48-E559-903EDFC8DA52}"/>
+              </a:ext>
+            </a:extLst>
+          </p:cNvPr>
+          <p:cNvSpPr txBox="1"/>
+          <p:nvPr/>
+        </p:nvSpPr>
+        <p:spPr>
+          <a:xfrm>
+            <a:off x="1625794" y="4699041"/>
+            <a:ext cx="1673872" cy="323165"/>
+          </a:xfrm>
+          <a:prstGeom prst="rect">
+            <a:avLst/>
+          </a:prstGeom>
+          <a:noFill/>
+        </p:spPr>
+        <p:txBody>
+          <a:bodyPr wrap="square" rtlCol="0">
+            <a:spAutoFit/>
+          </a:bodyPr>
+          <a:lstStyle/>
+          <a:p>
+            <a:r>
+              <a:rPr lang="en-US" altLang="ko-KR" sz="1500" b="1" dirty="0">
+                <a:solidFill>
+                  <a:schemeClr val="bg1"/>
+                </a:solidFill>
+              </a:rPr>
+              <a:t>Public Network</a:t>
+            </a:r>
+            <a:endParaRPr lang="ko-KR" altLang="en-US" sz="1500" b="1" dirty="0">
+              <a:solidFill>
+                <a:schemeClr val="bg1"/>
+              </a:solidFill>
+            </a:endParaRPr>
+          </a:p>
+        </p:txBody>
+      </p:sp>
+      <p:sp>
+        <p:nvSpPr>
+          <p:cNvPr id="37" name="TextBox 36">
+            <a:extLst>
+              <a:ext uri="{FF2B5EF4-FFF2-40B4-BE49-F238E27FC236}">
+                <a16:creationId xmlns:a16="http://schemas.microsoft.com/office/drawing/2014/main" id="{82A02DCA-2CAF-4B9C-94D0-B08EBCB28F1E}"/>
+              </a:ext>
+            </a:extLst>
+          </p:cNvPr>
+          <p:cNvSpPr txBox="1"/>
+          <p:nvPr/>
+        </p:nvSpPr>
+        <p:spPr>
+          <a:xfrm>
+            <a:off x="8981319" y="3892883"/>
+            <a:ext cx="1673872" cy="323165"/>
+          </a:xfrm>
+          <a:prstGeom prst="rect">
+            <a:avLst/>
+          </a:prstGeom>
+          <a:noFill/>
+        </p:spPr>
+        <p:txBody>
+          <a:bodyPr wrap="square" rtlCol="0">
+            <a:spAutoFit/>
+          </a:bodyPr>
+          <a:lstStyle/>
+          <a:p>
+            <a:r>
+              <a:rPr lang="en-US" altLang="ko-KR" sz="1500" b="1" dirty="0">
+                <a:solidFill>
+                  <a:schemeClr val="bg1"/>
+                </a:solidFill>
+              </a:rPr>
+              <a:t>Private Network</a:t>
+            </a:r>
+            <a:endParaRPr lang="ko-KR" altLang="en-US" sz="1500" b="1" dirty="0">
+              <a:solidFill>
+                <a:schemeClr val="bg1"/>
+              </a:solidFill>
+            </a:endParaRPr>
+          </a:p>
+        </p:txBody>
+      </p:sp>
+      <p:sp>
+        <p:nvSpPr>
+          <p:cNvPr id="39" name="TextBox 38">
+            <a:extLst>
+              <a:ext uri="{FF2B5EF4-FFF2-40B4-BE49-F238E27FC236}">
+                <a16:creationId xmlns:a16="http://schemas.microsoft.com/office/drawing/2014/main" id="{076AA634-B2F2-949A-CA8A-2C24951082A6}"/>
+              </a:ext>
+            </a:extLst>
+          </p:cNvPr>
+          <p:cNvSpPr txBox="1"/>
+          <p:nvPr/>
+        </p:nvSpPr>
+        <p:spPr>
+          <a:xfrm>
+            <a:off x="6304011" y="5679167"/>
+            <a:ext cx="1832456" cy="369332"/>
+          </a:xfrm>
+          <a:prstGeom prst="rect">
+            <a:avLst/>
+          </a:prstGeom>
+          <a:noFill/>
+        </p:spPr>
+        <p:txBody>
+          <a:bodyPr wrap="square" rtlCol="0">
+            <a:spAutoFit/>
+          </a:bodyPr>
+          <a:lstStyle/>
+          <a:p>
+            <a:r>
+              <a:rPr lang="en-US" altLang="ko-KR" b="1" dirty="0">
+                <a:solidFill>
+                  <a:schemeClr val="bg1"/>
+                </a:solidFill>
+              </a:rPr>
+              <a:t>192.168.10.101</a:t>
+            </a:r>
+            <a:endParaRPr lang="ko-KR" altLang="en-US" b="1" dirty="0">
+              <a:solidFill>
+                <a:schemeClr val="bg1"/>
+              </a:solidFill>
+            </a:endParaRPr>
+          </a:p>
+        </p:txBody>
+      </p:sp>
+      <p:sp>
+        <p:nvSpPr>
+          <p:cNvPr id="40" name="TextBox 39">
+            <a:extLst>
+              <a:ext uri="{FF2B5EF4-FFF2-40B4-BE49-F238E27FC236}">
+                <a16:creationId xmlns:a16="http://schemas.microsoft.com/office/drawing/2014/main" id="{3D598344-29AA-A8E3-DB2C-0EB0418BB3B3}"/>
+              </a:ext>
+            </a:extLst>
+          </p:cNvPr>
+          <p:cNvSpPr txBox="1"/>
+          <p:nvPr/>
+        </p:nvSpPr>
+        <p:spPr>
+          <a:xfrm>
+            <a:off x="4514647" y="5397851"/>
+            <a:ext cx="1480686" cy="369332"/>
+          </a:xfrm>
+          <a:prstGeom prst="rect">
+            <a:avLst/>
+          </a:prstGeom>
+          <a:noFill/>
+        </p:spPr>
+        <p:txBody>
+          <a:bodyPr wrap="square" rtlCol="0">
+            <a:spAutoFit/>
+          </a:bodyPr>
+          <a:lstStyle/>
+          <a:p>
+            <a:r>
+              <a:rPr lang="en-US" altLang="ko-KR" b="1" dirty="0">
+                <a:solidFill>
+                  <a:schemeClr val="bg1"/>
+                </a:solidFill>
+              </a:rPr>
+              <a:t>210.123.3.4</a:t>
+            </a:r>
+            <a:endParaRPr lang="ko-KR" altLang="en-US" b="1" dirty="0">
+              <a:solidFill>
+                <a:schemeClr val="bg1"/>
+              </a:solidFill>
+            </a:endParaRPr>
+          </a:p>
+        </p:txBody>
+      </p:sp>
+      <p:sp>
+        <p:nvSpPr>
+          <p:cNvPr id="41" name="TextBox 40">
+            <a:extLst>
+              <a:ext uri="{FF2B5EF4-FFF2-40B4-BE49-F238E27FC236}">
+                <a16:creationId xmlns:a16="http://schemas.microsoft.com/office/drawing/2014/main" id="{EC87C30F-C57F-098C-49CC-183683F48932}"/>
+              </a:ext>
+            </a:extLst>
+          </p:cNvPr>
+          <p:cNvSpPr txBox="1"/>
+          <p:nvPr/>
+        </p:nvSpPr>
+        <p:spPr>
+          <a:xfrm>
+            <a:off x="4540739" y="5957605"/>
+            <a:ext cx="1428501" cy="369332"/>
+          </a:xfrm>
+          <a:prstGeom prst="rect">
+            <a:avLst/>
+          </a:prstGeom>
+          <a:noFill/>
+        </p:spPr>
+        <p:txBody>
+          <a:bodyPr wrap="square" rtlCol="0">
+            <a:spAutoFit/>
+          </a:bodyPr>
+          <a:lstStyle/>
+          <a:p>
+            <a:r>
+              <a:rPr lang="en-US" altLang="ko-KR" b="1" dirty="0">
+                <a:solidFill>
+                  <a:schemeClr val="bg1"/>
+                </a:solidFill>
+              </a:rPr>
+              <a:t>210.123.3.5</a:t>
+            </a:r>
+            <a:endParaRPr lang="ko-KR" altLang="en-US" b="1" dirty="0">
+              <a:solidFill>
+                <a:schemeClr val="bg1"/>
+              </a:solidFill>
+            </a:endParaRPr>
+          </a:p>
+        </p:txBody>
+      </p:sp>
+      <p:sp>
+        <p:nvSpPr>
+          <p:cNvPr id="44" name="TextBox 43">
+            <a:extLst>
+              <a:ext uri="{FF2B5EF4-FFF2-40B4-BE49-F238E27FC236}">
+                <a16:creationId xmlns:a16="http://schemas.microsoft.com/office/drawing/2014/main" id="{494C3609-AA3B-F8A2-C09D-A37F3FE1CC8B}"/>
+              </a:ext>
+            </a:extLst>
+          </p:cNvPr>
+          <p:cNvSpPr txBox="1"/>
+          <p:nvPr/>
+        </p:nvSpPr>
+        <p:spPr>
+          <a:xfrm>
+            <a:off x="8636116" y="5293642"/>
+            <a:ext cx="2717684" cy="707886"/>
+          </a:xfrm>
+          <a:prstGeom prst="rect">
+            <a:avLst/>
+          </a:prstGeom>
+          <a:noFill/>
+        </p:spPr>
+        <p:txBody>
+          <a:bodyPr wrap="square" rtlCol="0">
+            <a:spAutoFit/>
+          </a:bodyPr>
+          <a:lstStyle/>
+          <a:p>
+            <a:r>
+              <a:rPr lang="en-US" altLang="ko-KR" sz="4000" b="1" dirty="0">
+                <a:solidFill>
+                  <a:schemeClr val="bg1"/>
+                </a:solidFill>
+              </a:rPr>
+              <a:t>NAT</a:t>
+            </a:r>
+            <a:r>
+              <a:rPr lang="ko-KR" altLang="en-US" sz="4000" b="1" dirty="0">
+                <a:solidFill>
+                  <a:schemeClr val="bg1"/>
+                </a:solidFill>
+              </a:rPr>
+              <a:t> </a:t>
+            </a:r>
+            <a:r>
+              <a:rPr lang="en-US" altLang="ko-KR" sz="4000" b="1" dirty="0">
+                <a:solidFill>
+                  <a:schemeClr val="bg1"/>
+                </a:solidFill>
+              </a:rPr>
+              <a:t>Table</a:t>
+            </a:r>
+            <a:endParaRPr lang="ko-KR" altLang="en-US" sz="4000" b="1" dirty="0">
+              <a:solidFill>
+                <a:schemeClr val="bg1"/>
+              </a:solidFill>
+            </a:endParaRPr>
+          </a:p>
+        </p:txBody>
+      </p:sp>
+      <p:cxnSp>
+        <p:nvCxnSpPr>
+          <p:cNvPr id="49" name="직선 연결선 48">
+            <a:extLst>
+              <a:ext uri="{FF2B5EF4-FFF2-40B4-BE49-F238E27FC236}">
+                <a16:creationId xmlns:a16="http://schemas.microsoft.com/office/drawing/2014/main" id="{66C8D924-5C6C-9203-3952-A3304362F586}"/>
+              </a:ext>
+            </a:extLst>
+          </p:cNvPr>
+          <p:cNvCxnSpPr>
+            <a:cxnSpLocks/>
+          </p:cNvCxnSpPr>
+          <p:nvPr/>
+        </p:nvCxnSpPr>
+        <p:spPr>
+          <a:xfrm>
+            <a:off x="4387088" y="5866832"/>
+            <a:ext cx="1809580" cy="0"/>
+          </a:xfrm>
+          <a:prstGeom prst="line">
+            <a:avLst/>
+          </a:prstGeom>
+          <a:ln w="38100">
+            <a:solidFill>
+              <a:schemeClr val="bg1"/>
+            </a:solidFill>
+          </a:ln>
+        </p:spPr>
+        <p:style>
+          <a:lnRef idx="1">
+            <a:schemeClr val="accent1"/>
+          </a:lnRef>
+          <a:fillRef idx="0">
+            <a:schemeClr val="accent1"/>
+          </a:fillRef>
+          <a:effectRef idx="0">
+            <a:schemeClr val="accent1"/>
+          </a:effectRef>
+          <a:fontRef idx="minor">
+            <a:schemeClr val="tx1"/>
+          </a:fontRef>
+        </p:style>
+      </p:cxnSp>
+      <p:cxnSp>
+        <p:nvCxnSpPr>
+          <p:cNvPr id="50" name="직선 연결선 49">
+            <a:extLst>
+              <a:ext uri="{FF2B5EF4-FFF2-40B4-BE49-F238E27FC236}">
+                <a16:creationId xmlns:a16="http://schemas.microsoft.com/office/drawing/2014/main" id="{8430748E-2559-E9DA-3CFF-7B1354A7449C}"/>
+              </a:ext>
+            </a:extLst>
+          </p:cNvPr>
+          <p:cNvCxnSpPr>
+            <a:cxnSpLocks/>
+          </p:cNvCxnSpPr>
+          <p:nvPr/>
+        </p:nvCxnSpPr>
+        <p:spPr>
+          <a:xfrm>
+            <a:off x="4387088" y="6451032"/>
+            <a:ext cx="3749379" cy="0"/>
+          </a:xfrm>
+          <a:prstGeom prst="line">
+            <a:avLst/>
+          </a:prstGeom>
+          <a:ln w="38100">
+            <a:solidFill>
+              <a:schemeClr val="bg1"/>
+            </a:solidFill>
+          </a:ln>
+        </p:spPr>
+        <p:style>
+          <a:lnRef idx="1">
+            <a:schemeClr val="accent1"/>
+          </a:lnRef>
+          <a:fillRef idx="0">
+            <a:schemeClr val="accent1"/>
+          </a:fillRef>
+          <a:effectRef idx="0">
+            <a:schemeClr val="accent1"/>
+          </a:effectRef>
+          <a:fontRef idx="minor">
+            <a:schemeClr val="tx1"/>
+          </a:fontRef>
+        </p:style>
+      </p:cxnSp>
+      <p:pic>
+        <p:nvPicPr>
+          <p:cNvPr id="13" name="그래픽 12" descr="컴퓨터 단색으로 채워진">
+            <a:extLst>
+              <a:ext uri="{FF2B5EF4-FFF2-40B4-BE49-F238E27FC236}">
+                <a16:creationId xmlns:a16="http://schemas.microsoft.com/office/drawing/2014/main" id="{9DF87A65-45D8-CCC3-8092-5426D8C99028}"/>
+              </a:ext>
+            </a:extLst>
+          </p:cNvPr>
+          <p:cNvPicPr>
+            <a:picLocks noChangeAspect="1"/>
+          </p:cNvPicPr>
+          <p:nvPr/>
+        </p:nvPicPr>
+        <p:blipFill>
+          <a:blip r:embed="rId2">
+            <a:extLst>
+              <a:ext uri="{28A0092B-C50C-407E-A947-70E740481C1C}">
+                <a14:useLocalDpi xmlns:a14="http://schemas.microsoft.com/office/drawing/2010/main" val="0"/>
+              </a:ext>
+              <a:ext uri="{96DAC541-7B7A-43D3-8B79-37D633B846F1}">
+                <asvg:svgBlip xmlns:asvg="http://schemas.microsoft.com/office/drawing/2016/SVG/main" r:embed="rId3"/>
+              </a:ext>
+            </a:extLst>
+          </a:blip>
+          <a:stretch>
+            <a:fillRect/>
+          </a:stretch>
+        </p:blipFill>
+        <p:spPr>
+          <a:xfrm>
+            <a:off x="1793662" y="2322352"/>
+            <a:ext cx="1298896" cy="1298896"/>
+          </a:xfrm>
+          <a:prstGeom prst="rect">
+            <a:avLst/>
+          </a:prstGeom>
+        </p:spPr>
+      </p:pic>
+      <p:cxnSp>
+        <p:nvCxnSpPr>
+          <p:cNvPr id="14" name="직선 화살표 연결선 13">
+            <a:extLst>
+              <a:ext uri="{FF2B5EF4-FFF2-40B4-BE49-F238E27FC236}">
+                <a16:creationId xmlns:a16="http://schemas.microsoft.com/office/drawing/2014/main" id="{EE0D88DA-B61E-8165-5940-F53CD6827A01}"/>
+              </a:ext>
+            </a:extLst>
+          </p:cNvPr>
+          <p:cNvCxnSpPr>
+            <a:cxnSpLocks/>
+          </p:cNvCxnSpPr>
+          <p:nvPr/>
+        </p:nvCxnSpPr>
+        <p:spPr>
+          <a:xfrm flipV="1">
+            <a:off x="3200018" y="3620410"/>
+            <a:ext cx="1625011" cy="539368"/>
+          </a:xfrm>
+          <a:prstGeom prst="straightConnector1">
+            <a:avLst/>
+          </a:prstGeom>
+          <a:ln w="38100">
+            <a:solidFill>
+              <a:schemeClr val="bg1"/>
+            </a:solidFill>
+            <a:headEnd type="triangle"/>
+            <a:tailEnd type="triangle"/>
+          </a:ln>
+        </p:spPr>
+        <p:style>
+          <a:lnRef idx="1">
+            <a:schemeClr val="accent1"/>
+          </a:lnRef>
+          <a:fillRef idx="0">
+            <a:schemeClr val="accent1"/>
+          </a:fillRef>
+          <a:effectRef idx="0">
+            <a:schemeClr val="accent1"/>
+          </a:effectRef>
+          <a:fontRef idx="minor">
+            <a:schemeClr val="tx1"/>
+          </a:fontRef>
+        </p:style>
+      </p:cxnSp>
     </p:spTree>
     <p:extLst>
       <p:ext uri="{BB962C8B-B14F-4D97-AF65-F5344CB8AC3E}">
-        <p14:creationId xmlns:p14="http://schemas.microsoft.com/office/powerpoint/2010/main" val="1798982057"/>
+        <p14:creationId xmlns:p14="http://schemas.microsoft.com/office/powerpoint/2010/main" val="823090988"/>
       </p:ext>
     </p:extLst>
   </p:cSld>
@@ -5598,7 +6213,12 @@
             <p:ph type="title"/>
           </p:nvPr>
         </p:nvSpPr>
-        <p:spPr/>
+        <p:spPr>
+          <a:xfrm>
+            <a:off x="704850" y="365125"/>
+            <a:ext cx="10782300" cy="1325563"/>
+          </a:xfrm>
+        </p:spPr>
         <p:txBody>
           <a:bodyPr>
             <a:normAutofit/>
@@ -5607,14 +6227,30 @@
           <a:p>
             <a:pPr algn="ctr"/>
             <a:r>
-              <a:rPr lang="en-US" altLang="ko-KR" sz="4000" b="1" dirty="0">
-                <a:solidFill>
-                  <a:schemeClr val="bg1"/>
-                </a:solidFill>
-              </a:rPr>
-              <a:t>PAT(Port Address Translation)</a:t>
-            </a:r>
-            <a:endParaRPr lang="ko-KR" altLang="en-US" sz="4000" b="1" dirty="0">
+              <a:rPr lang="en-US" altLang="ko-KR" sz="3800" b="1" dirty="0">
+                <a:solidFill>
+                  <a:schemeClr val="bg1"/>
+                </a:solidFill>
+              </a:rPr>
+              <a:t>Dynamic</a:t>
+            </a:r>
+            <a:r>
+              <a:rPr lang="ko-KR" altLang="en-US" sz="3800" b="1" dirty="0">
+                <a:solidFill>
+                  <a:schemeClr val="bg1"/>
+                </a:solidFill>
+              </a:rPr>
+              <a:t> </a:t>
+            </a:r>
+            <a:r>
+              <a:rPr lang="en-US" altLang="ko-KR" sz="3800" b="1" dirty="0">
+                <a:solidFill>
+                  <a:schemeClr val="bg1"/>
+                </a:solidFill>
+              </a:rPr>
+              <a:t>NAT(Network Address Translation)</a:t>
+            </a:r>
+            <a:endParaRPr lang="ko-KR" altLang="en-US" sz="3800" b="1" dirty="0">
               <a:solidFill>
                 <a:schemeClr val="bg1"/>
               </a:solidFill>
@@ -5638,19 +6274,87 @@
             <p:ph idx="1"/>
           </p:nvPr>
         </p:nvSpPr>
-        <p:spPr/>
-        <p:txBody>
-          <a:bodyPr/>
-          <a:lstStyle/>
-          <a:p>
-            <a:endParaRPr lang="ko-KR" altLang="en-US" dirty="0"/>
-          </a:p>
-        </p:txBody>
-      </p:sp>
+        <p:spPr>
+          <a:xfrm>
+            <a:off x="838200" y="1825626"/>
+            <a:ext cx="10515600" cy="369332"/>
+          </a:xfrm>
+        </p:spPr>
+        <p:txBody>
+          <a:bodyPr>
+            <a:normAutofit/>
+          </a:bodyPr>
+          <a:lstStyle/>
+          <a:p>
+            <a:pPr marL="0" indent="0" algn="ctr">
+              <a:buNone/>
+            </a:pPr>
+            <a:r>
+              <a:rPr lang="ko-KR" altLang="en-US" sz="2000" b="1" dirty="0">
+                <a:solidFill>
+                  <a:schemeClr val="bg1"/>
+                </a:solidFill>
+              </a:rPr>
+              <a:t>동적 </a:t>
+            </a:r>
+            <a:r>
+              <a:rPr lang="en-US" altLang="ko-KR" sz="2000" b="1" dirty="0">
+                <a:solidFill>
+                  <a:schemeClr val="bg1"/>
+                </a:solidFill>
+              </a:rPr>
+              <a:t>NAT </a:t>
+            </a:r>
+            <a:r>
+              <a:rPr lang="ko-KR" altLang="en-US" sz="2000" b="1" dirty="0">
+                <a:solidFill>
+                  <a:schemeClr val="bg1"/>
+                </a:solidFill>
+              </a:rPr>
+              <a:t>토폴로지</a:t>
+            </a:r>
+            <a:endParaRPr lang="en-US" altLang="ko-KR" sz="2000" b="1" dirty="0">
+              <a:solidFill>
+                <a:schemeClr val="bg1"/>
+              </a:solidFill>
+            </a:endParaRPr>
+          </a:p>
+        </p:txBody>
+      </p:sp>
+      <p:pic>
+        <p:nvPicPr>
+          <p:cNvPr id="5" name="그림 4">
+            <a:extLst>
+              <a:ext uri="{FF2B5EF4-FFF2-40B4-BE49-F238E27FC236}">
+                <a16:creationId xmlns:a16="http://schemas.microsoft.com/office/drawing/2014/main" id="{823602C0-DAFD-BD2A-C632-B3048A2196D0}"/>
+              </a:ext>
+            </a:extLst>
+          </p:cNvPr>
+          <p:cNvPicPr>
+            <a:picLocks noChangeAspect="1"/>
+          </p:cNvPicPr>
+          <p:nvPr/>
+        </p:nvPicPr>
+        <p:blipFill>
+          <a:blip r:embed="rId2"/>
+          <a:stretch>
+            <a:fillRect/>
+          </a:stretch>
+        </p:blipFill>
+        <p:spPr>
+          <a:xfrm>
+            <a:off x="-2243" y="2890352"/>
+            <a:ext cx="12194243" cy="2182266"/>
+          </a:xfrm>
+          <a:prstGeom prst="rect">
+            <a:avLst/>
+          </a:prstGeom>
+        </p:spPr>
+      </p:pic>
     </p:spTree>
     <p:extLst>
       <p:ext uri="{BB962C8B-B14F-4D97-AF65-F5344CB8AC3E}">
-        <p14:creationId xmlns:p14="http://schemas.microsoft.com/office/powerpoint/2010/main" val="4052428994"/>
+        <p14:creationId xmlns:p14="http://schemas.microsoft.com/office/powerpoint/2010/main" val="974662498"/>
       </p:ext>
     </p:extLst>
   </p:cSld>
@@ -5701,12 +6405,7 @@
             <p:ph type="title"/>
           </p:nvPr>
         </p:nvSpPr>
-        <p:spPr>
-          <a:xfrm>
-            <a:off x="704850" y="365125"/>
-            <a:ext cx="10782300" cy="1325563"/>
-          </a:xfrm>
-        </p:spPr>
+        <p:spPr/>
         <p:txBody>
           <a:bodyPr>
             <a:normAutofit/>
@@ -5720,7 +6419,23 @@
                   <a:schemeClr val="bg1"/>
                 </a:solidFill>
               </a:rPr>
-              <a:t>PAT(Port Address Translation)</a:t>
+              <a:t>Dynamic</a:t>
+            </a:r>
+            <a:r>
+              <a:rPr lang="ko-KR" altLang="en-US" sz="3800" b="1" dirty="0">
+                <a:solidFill>
+                  <a:schemeClr val="bg1"/>
+                </a:solidFill>
+              </a:rPr>
+              <a:t> </a:t>
+            </a:r>
+            <a:r>
+              <a:rPr lang="en-US" altLang="ko-KR" sz="3800" b="1" dirty="0">
+                <a:solidFill>
+                  <a:schemeClr val="bg1"/>
+                </a:solidFill>
+              </a:rPr>
+              <a:t>NAT(Network Address Translation)</a:t>
             </a:r>
             <a:endParaRPr lang="ko-KR" altLang="en-US" sz="3800" b="1" dirty="0">
               <a:solidFill>
@@ -5748,8 +6463,8 @@
         </p:nvSpPr>
         <p:spPr>
           <a:xfrm>
-            <a:off x="838200" y="1825626"/>
-            <a:ext cx="10515600" cy="369332"/>
+            <a:off x="504824" y="3134107"/>
+            <a:ext cx="3143250" cy="369332"/>
           </a:xfrm>
         </p:spPr>
         <p:txBody>
@@ -5762,12 +6477,20 @@
               <a:buNone/>
             </a:pPr>
             <a:r>
+              <a:rPr lang="ko-KR" altLang="en-US" sz="2000" b="1" dirty="0">
+                <a:solidFill>
+                  <a:schemeClr val="bg1"/>
+                </a:solidFill>
+              </a:rPr>
+              <a:t>동적 </a:t>
+            </a:r>
+            <a:r>
               <a:rPr lang="en-US" altLang="ko-KR" sz="2000" b="1" dirty="0">
                 <a:solidFill>
                   <a:schemeClr val="bg1"/>
                 </a:solidFill>
               </a:rPr>
-              <a:t>PAT </a:t>
+              <a:t>NAT </a:t>
             </a:r>
             <a:r>
               <a:rPr lang="ko-KR" altLang="en-US" sz="2000" b="1" dirty="0">
@@ -5775,7 +6498,7 @@
                   <a:schemeClr val="bg1"/>
                 </a:solidFill>
               </a:rPr>
-              <a:t>토폴로지</a:t>
+              <a:t>명령어</a:t>
             </a:r>
             <a:endParaRPr lang="en-US" altLang="ko-KR" sz="2000" b="1" dirty="0">
               <a:solidFill>
@@ -5785,10 +6508,314 @@
           </a:p>
         </p:txBody>
       </p:sp>
+      <p:sp>
+        <p:nvSpPr>
+          <p:cNvPr id="8" name="내용 개체 틀 2">
+            <a:extLst>
+              <a:ext uri="{FF2B5EF4-FFF2-40B4-BE49-F238E27FC236}">
+                <a16:creationId xmlns:a16="http://schemas.microsoft.com/office/drawing/2014/main" id="{B087E41E-4957-CE82-AD37-5AD3DF17AF8E}"/>
+              </a:ext>
+            </a:extLst>
+          </p:cNvPr>
+          <p:cNvSpPr txBox="1">
+            <a:spLocks/>
+          </p:cNvSpPr>
+          <p:nvPr/>
+        </p:nvSpPr>
+        <p:spPr>
+          <a:xfrm>
+            <a:off x="214312" y="5349333"/>
+            <a:ext cx="3724275" cy="603249"/>
+          </a:xfrm>
+          <a:prstGeom prst="rect">
+            <a:avLst/>
+          </a:prstGeom>
+        </p:spPr>
+        <p:txBody>
+          <a:bodyPr vert="horz" lIns="91440" tIns="45720" rIns="91440" bIns="45720" rtlCol="0">
+            <a:normAutofit/>
+          </a:bodyPr>
+          <a:lstStyle>
+            <a:lvl1pPr marL="228600" indent="-228600" algn="l" defTabSz="914400" rtl="0" eaLnBrk="1" latinLnBrk="1" hangingPunct="1">
+              <a:lnSpc>
+                <a:spcPct val="90000"/>
+              </a:lnSpc>
+              <a:spcBef>
+                <a:spcPts val="1000"/>
+              </a:spcBef>
+              <a:buFont typeface="Arial" panose="020B0604020202020204" pitchFamily="34" charset="0"/>
+              <a:buChar char="•"/>
+              <a:defRPr sz="2800" kern="1200">
+                <a:solidFill>
+                  <a:schemeClr val="tx1"/>
+                </a:solidFill>
+                <a:latin typeface="+mn-lt"/>
+                <a:ea typeface="+mn-ea"/>
+                <a:cs typeface="+mn-cs"/>
+              </a:defRPr>
+            </a:lvl1pPr>
+            <a:lvl2pPr marL="685800" indent="-228600" algn="l" defTabSz="914400" rtl="0" eaLnBrk="1" latinLnBrk="1" hangingPunct="1">
+              <a:lnSpc>
+                <a:spcPct val="90000"/>
+              </a:lnSpc>
+              <a:spcBef>
+                <a:spcPts val="500"/>
+              </a:spcBef>
+              <a:buFont typeface="Arial" panose="020B0604020202020204" pitchFamily="34" charset="0"/>
+              <a:buChar char="•"/>
+              <a:defRPr sz="2400" kern="1200">
+                <a:solidFill>
+                  <a:schemeClr val="tx1"/>
+                </a:solidFill>
+                <a:latin typeface="+mn-lt"/>
+                <a:ea typeface="+mn-ea"/>
+                <a:cs typeface="+mn-cs"/>
+              </a:defRPr>
+            </a:lvl2pPr>
+            <a:lvl3pPr marL="1143000" indent="-228600" algn="l" defTabSz="914400" rtl="0" eaLnBrk="1" latinLnBrk="1" hangingPunct="1">
+              <a:lnSpc>
+                <a:spcPct val="90000"/>
+              </a:lnSpc>
+              <a:spcBef>
+                <a:spcPts val="500"/>
+              </a:spcBef>
+              <a:buFont typeface="Arial" panose="020B0604020202020204" pitchFamily="34" charset="0"/>
+              <a:buChar char="•"/>
+              <a:defRPr sz="2000" kern="1200">
+                <a:solidFill>
+                  <a:schemeClr val="tx1"/>
+                </a:solidFill>
+                <a:latin typeface="+mn-lt"/>
+                <a:ea typeface="+mn-ea"/>
+                <a:cs typeface="+mn-cs"/>
+              </a:defRPr>
+            </a:lvl3pPr>
+            <a:lvl4pPr marL="1600200" indent="-228600" algn="l" defTabSz="914400" rtl="0" eaLnBrk="1" latinLnBrk="1" hangingPunct="1">
+              <a:lnSpc>
+                <a:spcPct val="90000"/>
+              </a:lnSpc>
+              <a:spcBef>
+                <a:spcPts val="500"/>
+              </a:spcBef>
+              <a:buFont typeface="Arial" panose="020B0604020202020204" pitchFamily="34" charset="0"/>
+              <a:buChar char="•"/>
+              <a:defRPr sz="1800" kern="1200">
+                <a:solidFill>
+                  <a:schemeClr val="tx1"/>
+                </a:solidFill>
+                <a:latin typeface="+mn-lt"/>
+                <a:ea typeface="+mn-ea"/>
+                <a:cs typeface="+mn-cs"/>
+              </a:defRPr>
+            </a:lvl4pPr>
+            <a:lvl5pPr marL="2057400" indent="-228600" algn="l" defTabSz="914400" rtl="0" eaLnBrk="1" latinLnBrk="1" hangingPunct="1">
+              <a:lnSpc>
+                <a:spcPct val="90000"/>
+              </a:lnSpc>
+              <a:spcBef>
+                <a:spcPts val="500"/>
+              </a:spcBef>
+              <a:buFont typeface="Arial" panose="020B0604020202020204" pitchFamily="34" charset="0"/>
+              <a:buChar char="•"/>
+              <a:defRPr sz="1800" kern="1200">
+                <a:solidFill>
+                  <a:schemeClr val="tx1"/>
+                </a:solidFill>
+                <a:latin typeface="+mn-lt"/>
+                <a:ea typeface="+mn-ea"/>
+                <a:cs typeface="+mn-cs"/>
+              </a:defRPr>
+            </a:lvl5pPr>
+            <a:lvl6pPr marL="2514600" indent="-228600" algn="l" defTabSz="914400" rtl="0" eaLnBrk="1" latinLnBrk="1" hangingPunct="1">
+              <a:lnSpc>
+                <a:spcPct val="90000"/>
+              </a:lnSpc>
+              <a:spcBef>
+                <a:spcPts val="500"/>
+              </a:spcBef>
+              <a:buFont typeface="Arial" panose="020B0604020202020204" pitchFamily="34" charset="0"/>
+              <a:buChar char="•"/>
+              <a:defRPr sz="1800" kern="1200">
+                <a:solidFill>
+                  <a:schemeClr val="tx1"/>
+                </a:solidFill>
+                <a:latin typeface="+mn-lt"/>
+                <a:ea typeface="+mn-ea"/>
+                <a:cs typeface="+mn-cs"/>
+              </a:defRPr>
+            </a:lvl6pPr>
+            <a:lvl7pPr marL="2971800" indent="-228600" algn="l" defTabSz="914400" rtl="0" eaLnBrk="1" latinLnBrk="1" hangingPunct="1">
+              <a:lnSpc>
+                <a:spcPct val="90000"/>
+              </a:lnSpc>
+              <a:spcBef>
+                <a:spcPts val="500"/>
+              </a:spcBef>
+              <a:buFont typeface="Arial" panose="020B0604020202020204" pitchFamily="34" charset="0"/>
+              <a:buChar char="•"/>
+              <a:defRPr sz="1800" kern="1200">
+                <a:solidFill>
+                  <a:schemeClr val="tx1"/>
+                </a:solidFill>
+                <a:latin typeface="+mn-lt"/>
+                <a:ea typeface="+mn-ea"/>
+                <a:cs typeface="+mn-cs"/>
+              </a:defRPr>
+            </a:lvl7pPr>
+            <a:lvl8pPr marL="3429000" indent="-228600" algn="l" defTabSz="914400" rtl="0" eaLnBrk="1" latinLnBrk="1" hangingPunct="1">
+              <a:lnSpc>
+                <a:spcPct val="90000"/>
+              </a:lnSpc>
+              <a:spcBef>
+                <a:spcPts val="500"/>
+              </a:spcBef>
+              <a:buFont typeface="Arial" panose="020B0604020202020204" pitchFamily="34" charset="0"/>
+              <a:buChar char="•"/>
+              <a:defRPr sz="1800" kern="1200">
+                <a:solidFill>
+                  <a:schemeClr val="tx1"/>
+                </a:solidFill>
+                <a:latin typeface="+mn-lt"/>
+                <a:ea typeface="+mn-ea"/>
+                <a:cs typeface="+mn-cs"/>
+              </a:defRPr>
+            </a:lvl8pPr>
+            <a:lvl9pPr marL="3886200" indent="-228600" algn="l" defTabSz="914400" rtl="0" eaLnBrk="1" latinLnBrk="1" hangingPunct="1">
+              <a:lnSpc>
+                <a:spcPct val="90000"/>
+              </a:lnSpc>
+              <a:spcBef>
+                <a:spcPts val="500"/>
+              </a:spcBef>
+              <a:buFont typeface="Arial" panose="020B0604020202020204" pitchFamily="34" charset="0"/>
+              <a:buChar char="•"/>
+              <a:defRPr sz="1800" kern="1200">
+                <a:solidFill>
+                  <a:schemeClr val="tx1"/>
+                </a:solidFill>
+                <a:latin typeface="+mn-lt"/>
+                <a:ea typeface="+mn-ea"/>
+                <a:cs typeface="+mn-cs"/>
+              </a:defRPr>
+            </a:lvl9pPr>
+          </a:lstStyle>
+          <a:p>
+            <a:pPr marL="0" indent="0" algn="ctr">
+              <a:buFont typeface="Arial" panose="020B0604020202020204" pitchFamily="34" charset="0"/>
+              <a:buNone/>
+            </a:pPr>
+            <a:r>
+              <a:rPr lang="ko-KR" altLang="en-US" sz="2000" b="1" dirty="0">
+                <a:solidFill>
+                  <a:schemeClr val="bg1"/>
+                </a:solidFill>
+              </a:rPr>
+              <a:t>동적 </a:t>
+            </a:r>
+            <a:r>
+              <a:rPr lang="en-US" altLang="ko-KR" sz="2000" b="1" dirty="0">
+                <a:solidFill>
+                  <a:schemeClr val="bg1"/>
+                </a:solidFill>
+              </a:rPr>
+              <a:t>NAT </a:t>
+            </a:r>
+            <a:r>
+              <a:rPr lang="ko-KR" altLang="en-US" sz="2000" b="1" dirty="0">
+                <a:solidFill>
+                  <a:schemeClr val="bg1"/>
+                </a:solidFill>
+              </a:rPr>
+              <a:t>토폴로지</a:t>
+            </a:r>
+            <a:r>
+              <a:rPr lang="en-US" altLang="ko-KR" sz="2000" b="1" dirty="0">
+                <a:solidFill>
+                  <a:schemeClr val="bg1"/>
+                </a:solidFill>
+              </a:rPr>
+              <a:t> </a:t>
+            </a:r>
+            <a:r>
+              <a:rPr lang="ko-KR" altLang="en-US" sz="2000" b="1" dirty="0">
+                <a:solidFill>
+                  <a:schemeClr val="bg1"/>
+                </a:solidFill>
+              </a:rPr>
+              <a:t>명령어</a:t>
+            </a:r>
+            <a:endParaRPr lang="en-US" altLang="ko-KR" sz="2000" b="1" dirty="0">
+              <a:solidFill>
+                <a:schemeClr val="bg1"/>
+              </a:solidFill>
+            </a:endParaRPr>
+          </a:p>
+        </p:txBody>
+      </p:sp>
+      <p:pic>
+        <p:nvPicPr>
+          <p:cNvPr id="7" name="그림 6">
+            <a:extLst>
+              <a:ext uri="{FF2B5EF4-FFF2-40B4-BE49-F238E27FC236}">
+                <a16:creationId xmlns:a16="http://schemas.microsoft.com/office/drawing/2014/main" id="{FF87E7B4-FFE6-2A85-4FCA-8071D2E66796}"/>
+              </a:ext>
+            </a:extLst>
+          </p:cNvPr>
+          <p:cNvPicPr>
+            <a:picLocks noChangeAspect="1"/>
+          </p:cNvPicPr>
+          <p:nvPr/>
+        </p:nvPicPr>
+        <p:blipFill>
+          <a:blip r:embed="rId2"/>
+          <a:stretch>
+            <a:fillRect/>
+          </a:stretch>
+        </p:blipFill>
+        <p:spPr>
+          <a:xfrm>
+            <a:off x="3208420" y="2073883"/>
+            <a:ext cx="8630653" cy="2150495"/>
+          </a:xfrm>
+          <a:prstGeom prst="rect">
+            <a:avLst/>
+          </a:prstGeom>
+        </p:spPr>
+      </p:pic>
+      <p:pic>
+        <p:nvPicPr>
+          <p:cNvPr id="12" name="그림 11">
+            <a:extLst>
+              <a:ext uri="{FF2B5EF4-FFF2-40B4-BE49-F238E27FC236}">
+                <a16:creationId xmlns:a16="http://schemas.microsoft.com/office/drawing/2014/main" id="{A2896392-29EE-BBA3-E648-1DCA31945E8C}"/>
+              </a:ext>
+            </a:extLst>
+          </p:cNvPr>
+          <p:cNvPicPr>
+            <a:picLocks noChangeAspect="1"/>
+          </p:cNvPicPr>
+          <p:nvPr/>
+        </p:nvPicPr>
+        <p:blipFill>
+          <a:blip r:embed="rId3"/>
+          <a:stretch>
+            <a:fillRect/>
+          </a:stretch>
+        </p:blipFill>
+        <p:spPr>
+          <a:xfrm>
+            <a:off x="3826041" y="4346956"/>
+            <a:ext cx="8013032" cy="2264990"/>
+          </a:xfrm>
+          <a:prstGeom prst="rect">
+            <a:avLst/>
+          </a:prstGeom>
+        </p:spPr>
+      </p:pic>
     </p:spTree>
     <p:extLst>
       <p:ext uri="{BB962C8B-B14F-4D97-AF65-F5344CB8AC3E}">
-        <p14:creationId xmlns:p14="http://schemas.microsoft.com/office/powerpoint/2010/main" val="1366044513"/>
+        <p14:creationId xmlns:p14="http://schemas.microsoft.com/office/powerpoint/2010/main" val="1798982057"/>
       </p:ext>
     </p:extLst>
   </p:cSld>
@@ -5848,6 +6875,1283 @@
           <a:p>
             <a:pPr algn="ctr"/>
             <a:r>
+              <a:rPr lang="en-US" altLang="ko-KR" sz="4000" b="1" dirty="0">
+                <a:solidFill>
+                  <a:schemeClr val="bg1"/>
+                </a:solidFill>
+              </a:rPr>
+              <a:t>PAT(Port Address Translation)</a:t>
+            </a:r>
+            <a:endParaRPr lang="ko-KR" altLang="en-US" sz="4000" b="1" dirty="0">
+              <a:solidFill>
+                <a:schemeClr val="bg1"/>
+              </a:solidFill>
+            </a:endParaRPr>
+          </a:p>
+        </p:txBody>
+      </p:sp>
+      <p:sp>
+        <p:nvSpPr>
+          <p:cNvPr id="3" name="내용 개체 틀 2">
+            <a:extLst>
+              <a:ext uri="{FF2B5EF4-FFF2-40B4-BE49-F238E27FC236}">
+                <a16:creationId xmlns:a16="http://schemas.microsoft.com/office/drawing/2014/main" id="{87A0DF69-10B8-0D20-D0FD-6D1E744CF1E4}"/>
+              </a:ext>
+            </a:extLst>
+          </p:cNvPr>
+          <p:cNvSpPr>
+            <a:spLocks noGrp="1"/>
+          </p:cNvSpPr>
+          <p:nvPr>
+            <p:ph idx="1"/>
+          </p:nvPr>
+        </p:nvSpPr>
+        <p:spPr>
+          <a:xfrm>
+            <a:off x="838200" y="1825625"/>
+            <a:ext cx="10515600" cy="768363"/>
+          </a:xfrm>
+        </p:spPr>
+        <p:txBody>
+          <a:bodyPr>
+            <a:normAutofit/>
+          </a:bodyPr>
+          <a:lstStyle/>
+          <a:p>
+            <a:pPr marL="0" indent="0" algn="ctr">
+              <a:buNone/>
+            </a:pPr>
+            <a:r>
+              <a:rPr lang="ko-KR" altLang="en-US" sz="1800" b="1" dirty="0">
+                <a:solidFill>
+                  <a:schemeClr val="bg1"/>
+                </a:solidFill>
+              </a:rPr>
+              <a:t>여러 개의 내부 </a:t>
+            </a:r>
+            <a:r>
+              <a:rPr lang="en-US" altLang="ko-KR" sz="1800" b="1" dirty="0">
+                <a:solidFill>
+                  <a:schemeClr val="bg1"/>
+                </a:solidFill>
+              </a:rPr>
+              <a:t>IP </a:t>
+            </a:r>
+            <a:r>
+              <a:rPr lang="ko-KR" altLang="en-US" sz="1800" b="1" dirty="0">
+                <a:solidFill>
+                  <a:schemeClr val="bg1"/>
+                </a:solidFill>
+              </a:rPr>
+              <a:t>주소와 하나의 외부 </a:t>
+            </a:r>
+            <a:r>
+              <a:rPr lang="en-US" altLang="ko-KR" sz="1800" b="1" dirty="0">
+                <a:solidFill>
+                  <a:schemeClr val="bg1"/>
+                </a:solidFill>
+              </a:rPr>
+              <a:t>IP</a:t>
+            </a:r>
+            <a:r>
+              <a:rPr lang="ko-KR" altLang="en-US" sz="1800" b="1" dirty="0">
+                <a:solidFill>
+                  <a:schemeClr val="bg1"/>
+                </a:solidFill>
+              </a:rPr>
+              <a:t>주소를  </a:t>
+            </a:r>
+            <a:r>
+              <a:rPr lang="en-US" altLang="ko-KR" sz="1800" b="1" dirty="0">
+                <a:solidFill>
+                  <a:schemeClr val="bg1"/>
+                </a:solidFill>
+              </a:rPr>
+              <a:t>n : 1</a:t>
+            </a:r>
+            <a:r>
+              <a:rPr lang="ko-KR" altLang="en-US" sz="1800" b="1" dirty="0">
+                <a:solidFill>
+                  <a:schemeClr val="bg1"/>
+                </a:solidFill>
+              </a:rPr>
+              <a:t>로 매핑 시키는 방식</a:t>
+            </a:r>
+            <a:r>
+              <a:rPr lang="en-US" altLang="ko-KR" sz="1800" b="1" dirty="0">
+                <a:solidFill>
+                  <a:schemeClr val="bg1"/>
+                </a:solidFill>
+              </a:rPr>
+              <a:t> </a:t>
+            </a:r>
+            <a:r>
+              <a:rPr lang="ko-KR" altLang="en-US" sz="1800" b="1" dirty="0">
+                <a:solidFill>
+                  <a:schemeClr val="bg1"/>
+                </a:solidFill>
+              </a:rPr>
+              <a:t>앞에서 진행한 </a:t>
+            </a:r>
+            <a:r>
+              <a:rPr lang="en-US" altLang="ko-KR" sz="1800" b="1" dirty="0">
+                <a:solidFill>
+                  <a:schemeClr val="bg1"/>
+                </a:solidFill>
+              </a:rPr>
+              <a:t>NAT</a:t>
+            </a:r>
+            <a:r>
+              <a:rPr lang="ko-KR" altLang="en-US" sz="1800" b="1" dirty="0">
+                <a:solidFill>
+                  <a:schemeClr val="bg1"/>
+                </a:solidFill>
+              </a:rPr>
+              <a:t>에서 포트 번호까지 이용하여 </a:t>
+            </a:r>
+            <a:r>
+              <a:rPr lang="en-US" altLang="ko-KR" sz="1800" b="1" dirty="0">
+                <a:solidFill>
+                  <a:schemeClr val="bg1"/>
+                </a:solidFill>
+              </a:rPr>
+              <a:t>NAT</a:t>
+            </a:r>
+            <a:r>
+              <a:rPr lang="ko-KR" altLang="en-US" sz="1800" b="1" dirty="0">
+                <a:solidFill>
+                  <a:schemeClr val="bg1"/>
+                </a:solidFill>
+              </a:rPr>
+              <a:t>를 진행한다</a:t>
+            </a:r>
+            <a:r>
+              <a:rPr lang="en-US" altLang="ko-KR" sz="1800" b="1" dirty="0">
+                <a:solidFill>
+                  <a:schemeClr val="bg1"/>
+                </a:solidFill>
+              </a:rPr>
+              <a:t>.</a:t>
+            </a:r>
+          </a:p>
+          <a:p>
+            <a:pPr marL="0" indent="0" algn="ctr">
+              <a:buNone/>
+            </a:pPr>
+            <a:endParaRPr lang="ko-KR" altLang="en-US" sz="1800" b="1" dirty="0">
+              <a:solidFill>
+                <a:schemeClr val="bg1"/>
+              </a:solidFill>
+            </a:endParaRPr>
+          </a:p>
+        </p:txBody>
+      </p:sp>
+      <p:pic>
+        <p:nvPicPr>
+          <p:cNvPr id="18" name="그래픽 17" descr="컴퓨터 단색으로 채워진">
+            <a:extLst>
+              <a:ext uri="{FF2B5EF4-FFF2-40B4-BE49-F238E27FC236}">
+                <a16:creationId xmlns:a16="http://schemas.microsoft.com/office/drawing/2014/main" id="{CC2FAA53-FD77-C9AB-C500-651585782BE8}"/>
+              </a:ext>
+            </a:extLst>
+          </p:cNvPr>
+          <p:cNvPicPr>
+            <a:picLocks noChangeAspect="1"/>
+          </p:cNvPicPr>
+          <p:nvPr/>
+        </p:nvPicPr>
+        <p:blipFill>
+          <a:blip r:embed="rId2">
+            <a:extLst>
+              <a:ext uri="{28A0092B-C50C-407E-A947-70E740481C1C}">
+                <a14:useLocalDpi xmlns:a14="http://schemas.microsoft.com/office/drawing/2010/main" val="0"/>
+              </a:ext>
+              <a:ext uri="{96DAC541-7B7A-43D3-8B79-37D633B846F1}">
+                <asvg:svgBlip xmlns:asvg="http://schemas.microsoft.com/office/drawing/2016/SVG/main" r:embed="rId3"/>
+              </a:ext>
+            </a:extLst>
+          </a:blip>
+          <a:stretch>
+            <a:fillRect/>
+          </a:stretch>
+        </p:blipFill>
+        <p:spPr>
+          <a:xfrm>
+            <a:off x="1813282" y="2779552"/>
+            <a:ext cx="1298896" cy="1298896"/>
+          </a:xfrm>
+          <a:prstGeom prst="rect">
+            <a:avLst/>
+          </a:prstGeom>
+        </p:spPr>
+      </p:pic>
+      <p:sp>
+        <p:nvSpPr>
+          <p:cNvPr id="19" name="TextBox 18">
+            <a:extLst>
+              <a:ext uri="{FF2B5EF4-FFF2-40B4-BE49-F238E27FC236}">
+                <a16:creationId xmlns:a16="http://schemas.microsoft.com/office/drawing/2014/main" id="{7A094491-1954-D483-E882-A1EA6E9147DF}"/>
+              </a:ext>
+            </a:extLst>
+          </p:cNvPr>
+          <p:cNvSpPr txBox="1"/>
+          <p:nvPr/>
+        </p:nvSpPr>
+        <p:spPr>
+          <a:xfrm>
+            <a:off x="5436251" y="3122036"/>
+            <a:ext cx="1463096" cy="477054"/>
+          </a:xfrm>
+          <a:prstGeom prst="rect">
+            <a:avLst/>
+          </a:prstGeom>
+          <a:noFill/>
+        </p:spPr>
+        <p:txBody>
+          <a:bodyPr wrap="square" rtlCol="0">
+            <a:spAutoFit/>
+          </a:bodyPr>
+          <a:lstStyle/>
+          <a:p>
+            <a:r>
+              <a:rPr lang="en-US" altLang="ko-KR" sz="2500" b="1" dirty="0">
+                <a:solidFill>
+                  <a:schemeClr val="bg1"/>
+                </a:solidFill>
+              </a:rPr>
+              <a:t>Internet</a:t>
+            </a:r>
+            <a:endParaRPr lang="ko-KR" altLang="en-US" sz="2500" b="1" dirty="0">
+              <a:solidFill>
+                <a:schemeClr val="bg1"/>
+              </a:solidFill>
+            </a:endParaRPr>
+          </a:p>
+        </p:txBody>
+      </p:sp>
+      <p:pic>
+        <p:nvPicPr>
+          <p:cNvPr id="20" name="그래픽 19" descr="컴퓨터 단색으로 채워진">
+            <a:extLst>
+              <a:ext uri="{FF2B5EF4-FFF2-40B4-BE49-F238E27FC236}">
+                <a16:creationId xmlns:a16="http://schemas.microsoft.com/office/drawing/2014/main" id="{CDF37FB6-17B4-8B96-69AC-D8C4231633A3}"/>
+              </a:ext>
+            </a:extLst>
+          </p:cNvPr>
+          <p:cNvPicPr>
+            <a:picLocks noChangeAspect="1"/>
+          </p:cNvPicPr>
+          <p:nvPr/>
+        </p:nvPicPr>
+        <p:blipFill>
+          <a:blip r:embed="rId2">
+            <a:extLst>
+              <a:ext uri="{28A0092B-C50C-407E-A947-70E740481C1C}">
+                <a14:useLocalDpi xmlns:a14="http://schemas.microsoft.com/office/drawing/2010/main" val="0"/>
+              </a:ext>
+              <a:ext uri="{96DAC541-7B7A-43D3-8B79-37D633B846F1}">
+                <asvg:svgBlip xmlns:asvg="http://schemas.microsoft.com/office/drawing/2016/SVG/main" r:embed="rId3"/>
+              </a:ext>
+            </a:extLst>
+          </a:blip>
+          <a:stretch>
+            <a:fillRect/>
+          </a:stretch>
+        </p:blipFill>
+        <p:spPr>
+          <a:xfrm>
+            <a:off x="9153994" y="3389554"/>
+            <a:ext cx="1298896" cy="1298896"/>
+          </a:xfrm>
+          <a:prstGeom prst="rect">
+            <a:avLst/>
+          </a:prstGeom>
+        </p:spPr>
+      </p:pic>
+      <p:cxnSp>
+        <p:nvCxnSpPr>
+          <p:cNvPr id="21" name="직선 연결선 20">
+            <a:extLst>
+              <a:ext uri="{FF2B5EF4-FFF2-40B4-BE49-F238E27FC236}">
+                <a16:creationId xmlns:a16="http://schemas.microsoft.com/office/drawing/2014/main" id="{AD89EBBB-9CFB-9DDD-4F9C-F81D376A4D7A}"/>
+              </a:ext>
+            </a:extLst>
+          </p:cNvPr>
+          <p:cNvCxnSpPr>
+            <a:cxnSpLocks/>
+          </p:cNvCxnSpPr>
+          <p:nvPr/>
+        </p:nvCxnSpPr>
+        <p:spPr>
+          <a:xfrm>
+            <a:off x="4094205" y="5291594"/>
+            <a:ext cx="4312770" cy="0"/>
+          </a:xfrm>
+          <a:prstGeom prst="line">
+            <a:avLst/>
+          </a:prstGeom>
+          <a:ln w="38100">
+            <a:solidFill>
+              <a:schemeClr val="bg1"/>
+            </a:solidFill>
+          </a:ln>
+        </p:spPr>
+        <p:style>
+          <a:lnRef idx="1">
+            <a:schemeClr val="accent1"/>
+          </a:lnRef>
+          <a:fillRef idx="0">
+            <a:schemeClr val="accent1"/>
+          </a:fillRef>
+          <a:effectRef idx="0">
+            <a:schemeClr val="accent1"/>
+          </a:effectRef>
+          <a:fontRef idx="minor">
+            <a:schemeClr val="tx1"/>
+          </a:fontRef>
+        </p:style>
+      </p:cxnSp>
+      <p:sp>
+        <p:nvSpPr>
+          <p:cNvPr id="22" name="TextBox 21">
+            <a:extLst>
+              <a:ext uri="{FF2B5EF4-FFF2-40B4-BE49-F238E27FC236}">
+                <a16:creationId xmlns:a16="http://schemas.microsoft.com/office/drawing/2014/main" id="{1D0474C2-AA17-C5EC-936C-C66C5A3C104B}"/>
+              </a:ext>
+            </a:extLst>
+          </p:cNvPr>
+          <p:cNvSpPr txBox="1"/>
+          <p:nvPr/>
+        </p:nvSpPr>
+        <p:spPr>
+          <a:xfrm>
+            <a:off x="4292591" y="4802733"/>
+            <a:ext cx="1875208" cy="369332"/>
+          </a:xfrm>
+          <a:prstGeom prst="rect">
+            <a:avLst/>
+          </a:prstGeom>
+          <a:noFill/>
+        </p:spPr>
+        <p:txBody>
+          <a:bodyPr wrap="square" rtlCol="0">
+            <a:spAutoFit/>
+          </a:bodyPr>
+          <a:lstStyle/>
+          <a:p>
+            <a:r>
+              <a:rPr lang="en-US" altLang="ko-KR" b="1" dirty="0">
+                <a:solidFill>
+                  <a:schemeClr val="bg1"/>
+                </a:solidFill>
+              </a:rPr>
+              <a:t>Public Network</a:t>
+            </a:r>
+            <a:endParaRPr lang="ko-KR" altLang="en-US" b="1" dirty="0">
+              <a:solidFill>
+                <a:schemeClr val="bg1"/>
+              </a:solidFill>
+            </a:endParaRPr>
+          </a:p>
+        </p:txBody>
+      </p:sp>
+      <p:sp>
+        <p:nvSpPr>
+          <p:cNvPr id="23" name="TextBox 22">
+            <a:extLst>
+              <a:ext uri="{FF2B5EF4-FFF2-40B4-BE49-F238E27FC236}">
+                <a16:creationId xmlns:a16="http://schemas.microsoft.com/office/drawing/2014/main" id="{797D24A2-5739-3CA1-2F40-D86948853D03}"/>
+              </a:ext>
+            </a:extLst>
+          </p:cNvPr>
+          <p:cNvSpPr txBox="1"/>
+          <p:nvPr/>
+        </p:nvSpPr>
+        <p:spPr>
+          <a:xfrm>
+            <a:off x="6232736" y="4802733"/>
+            <a:ext cx="1991039" cy="369332"/>
+          </a:xfrm>
+          <a:prstGeom prst="rect">
+            <a:avLst/>
+          </a:prstGeom>
+          <a:noFill/>
+        </p:spPr>
+        <p:txBody>
+          <a:bodyPr wrap="square" rtlCol="0">
+            <a:spAutoFit/>
+          </a:bodyPr>
+          <a:lstStyle/>
+          <a:p>
+            <a:r>
+              <a:rPr lang="en-US" altLang="ko-KR" b="1" dirty="0">
+                <a:solidFill>
+                  <a:schemeClr val="bg1"/>
+                </a:solidFill>
+              </a:rPr>
+              <a:t>Private Network</a:t>
+            </a:r>
+            <a:endParaRPr lang="ko-KR" altLang="en-US" b="1" dirty="0">
+              <a:solidFill>
+                <a:schemeClr val="bg1"/>
+              </a:solidFill>
+            </a:endParaRPr>
+          </a:p>
+        </p:txBody>
+      </p:sp>
+      <p:cxnSp>
+        <p:nvCxnSpPr>
+          <p:cNvPr id="24" name="직선 화살표 연결선 23">
+            <a:extLst>
+              <a:ext uri="{FF2B5EF4-FFF2-40B4-BE49-F238E27FC236}">
+                <a16:creationId xmlns:a16="http://schemas.microsoft.com/office/drawing/2014/main" id="{90D864CC-EA6F-0D6D-11C1-FE18B75D015C}"/>
+              </a:ext>
+            </a:extLst>
+          </p:cNvPr>
+          <p:cNvCxnSpPr>
+            <a:cxnSpLocks/>
+          </p:cNvCxnSpPr>
+          <p:nvPr/>
+        </p:nvCxnSpPr>
+        <p:spPr>
+          <a:xfrm>
+            <a:off x="7405209" y="3663607"/>
+            <a:ext cx="1637132" cy="406719"/>
+          </a:xfrm>
+          <a:prstGeom prst="straightConnector1">
+            <a:avLst/>
+          </a:prstGeom>
+          <a:ln w="38100">
+            <a:solidFill>
+              <a:schemeClr val="bg1"/>
+            </a:solidFill>
+            <a:headEnd type="triangle"/>
+            <a:tailEnd type="triangle"/>
+          </a:ln>
+        </p:spPr>
+        <p:style>
+          <a:lnRef idx="1">
+            <a:schemeClr val="accent1"/>
+          </a:lnRef>
+          <a:fillRef idx="0">
+            <a:schemeClr val="accent1"/>
+          </a:fillRef>
+          <a:effectRef idx="0">
+            <a:schemeClr val="accent1"/>
+          </a:effectRef>
+          <a:fontRef idx="minor">
+            <a:schemeClr val="tx1"/>
+          </a:fontRef>
+        </p:style>
+      </p:cxnSp>
+      <p:cxnSp>
+        <p:nvCxnSpPr>
+          <p:cNvPr id="25" name="직선 화살표 연결선 24">
+            <a:extLst>
+              <a:ext uri="{FF2B5EF4-FFF2-40B4-BE49-F238E27FC236}">
+                <a16:creationId xmlns:a16="http://schemas.microsoft.com/office/drawing/2014/main" id="{8A5003F7-618B-CF1A-91D4-1A095B37A68E}"/>
+              </a:ext>
+            </a:extLst>
+          </p:cNvPr>
+          <p:cNvCxnSpPr>
+            <a:cxnSpLocks/>
+          </p:cNvCxnSpPr>
+          <p:nvPr/>
+        </p:nvCxnSpPr>
+        <p:spPr>
+          <a:xfrm flipV="1">
+            <a:off x="7454111" y="2766825"/>
+            <a:ext cx="1441236" cy="611694"/>
+          </a:xfrm>
+          <a:prstGeom prst="straightConnector1">
+            <a:avLst/>
+          </a:prstGeom>
+          <a:ln w="38100">
+            <a:solidFill>
+              <a:schemeClr val="bg1"/>
+            </a:solidFill>
+            <a:headEnd type="triangle"/>
+            <a:tailEnd type="triangle"/>
+          </a:ln>
+        </p:spPr>
+        <p:style>
+          <a:lnRef idx="1">
+            <a:schemeClr val="accent1"/>
+          </a:lnRef>
+          <a:fillRef idx="0">
+            <a:schemeClr val="accent1"/>
+          </a:fillRef>
+          <a:effectRef idx="0">
+            <a:schemeClr val="accent1"/>
+          </a:effectRef>
+          <a:fontRef idx="minor">
+            <a:schemeClr val="tx1"/>
+          </a:fontRef>
+        </p:style>
+      </p:cxnSp>
+      <p:sp>
+        <p:nvSpPr>
+          <p:cNvPr id="26" name="TextBox 25">
+            <a:extLst>
+              <a:ext uri="{FF2B5EF4-FFF2-40B4-BE49-F238E27FC236}">
+                <a16:creationId xmlns:a16="http://schemas.microsoft.com/office/drawing/2014/main" id="{4AF6AFF3-AE9F-581C-F40A-5226AA373176}"/>
+              </a:ext>
+            </a:extLst>
+          </p:cNvPr>
+          <p:cNvSpPr txBox="1"/>
+          <p:nvPr/>
+        </p:nvSpPr>
+        <p:spPr>
+          <a:xfrm>
+            <a:off x="1625794" y="3943421"/>
+            <a:ext cx="1673872" cy="323165"/>
+          </a:xfrm>
+          <a:prstGeom prst="rect">
+            <a:avLst/>
+          </a:prstGeom>
+          <a:noFill/>
+        </p:spPr>
+        <p:txBody>
+          <a:bodyPr wrap="square" rtlCol="0">
+            <a:spAutoFit/>
+          </a:bodyPr>
+          <a:lstStyle/>
+          <a:p>
+            <a:r>
+              <a:rPr lang="en-US" altLang="ko-KR" sz="1500" b="1" dirty="0">
+                <a:solidFill>
+                  <a:schemeClr val="bg1"/>
+                </a:solidFill>
+              </a:rPr>
+              <a:t>Public Network</a:t>
+            </a:r>
+            <a:endParaRPr lang="ko-KR" altLang="en-US" sz="1500" b="1" dirty="0">
+              <a:solidFill>
+                <a:schemeClr val="bg1"/>
+              </a:solidFill>
+            </a:endParaRPr>
+          </a:p>
+        </p:txBody>
+      </p:sp>
+      <p:sp>
+        <p:nvSpPr>
+          <p:cNvPr id="27" name="TextBox 26">
+            <a:extLst>
+              <a:ext uri="{FF2B5EF4-FFF2-40B4-BE49-F238E27FC236}">
+                <a16:creationId xmlns:a16="http://schemas.microsoft.com/office/drawing/2014/main" id="{70F73B76-070B-8A60-4445-2570109620CB}"/>
+              </a:ext>
+            </a:extLst>
+          </p:cNvPr>
+          <p:cNvSpPr txBox="1"/>
+          <p:nvPr/>
+        </p:nvSpPr>
+        <p:spPr>
+          <a:xfrm>
+            <a:off x="9100764" y="4641150"/>
+            <a:ext cx="1673872" cy="323165"/>
+          </a:xfrm>
+          <a:prstGeom prst="rect">
+            <a:avLst/>
+          </a:prstGeom>
+          <a:noFill/>
+        </p:spPr>
+        <p:txBody>
+          <a:bodyPr wrap="square" rtlCol="0">
+            <a:spAutoFit/>
+          </a:bodyPr>
+          <a:lstStyle/>
+          <a:p>
+            <a:r>
+              <a:rPr lang="en-US" altLang="ko-KR" sz="1500" b="1" dirty="0">
+                <a:solidFill>
+                  <a:schemeClr val="bg1"/>
+                </a:solidFill>
+              </a:rPr>
+              <a:t>Private Network</a:t>
+            </a:r>
+            <a:endParaRPr lang="ko-KR" altLang="en-US" sz="1500" b="1" dirty="0">
+              <a:solidFill>
+                <a:schemeClr val="bg1"/>
+              </a:solidFill>
+            </a:endParaRPr>
+          </a:p>
+        </p:txBody>
+      </p:sp>
+      <p:sp>
+        <p:nvSpPr>
+          <p:cNvPr id="28" name="TextBox 27">
+            <a:extLst>
+              <a:ext uri="{FF2B5EF4-FFF2-40B4-BE49-F238E27FC236}">
+                <a16:creationId xmlns:a16="http://schemas.microsoft.com/office/drawing/2014/main" id="{F107A43B-0EAA-6609-8AB5-E4E0258DC5BA}"/>
+              </a:ext>
+            </a:extLst>
+          </p:cNvPr>
+          <p:cNvSpPr txBox="1"/>
+          <p:nvPr/>
+        </p:nvSpPr>
+        <p:spPr>
+          <a:xfrm>
+            <a:off x="6225538" y="5419814"/>
+            <a:ext cx="2149264" cy="369332"/>
+          </a:xfrm>
+          <a:prstGeom prst="rect">
+            <a:avLst/>
+          </a:prstGeom>
+          <a:noFill/>
+        </p:spPr>
+        <p:txBody>
+          <a:bodyPr wrap="square" rtlCol="0">
+            <a:spAutoFit/>
+          </a:bodyPr>
+          <a:lstStyle/>
+          <a:p>
+            <a:r>
+              <a:rPr lang="en-US" altLang="ko-KR" b="1" dirty="0">
+                <a:solidFill>
+                  <a:schemeClr val="bg1"/>
+                </a:solidFill>
+              </a:rPr>
+              <a:t>192.168.10.101:80</a:t>
+            </a:r>
+            <a:endParaRPr lang="ko-KR" altLang="en-US" b="1" dirty="0">
+              <a:solidFill>
+                <a:schemeClr val="bg1"/>
+              </a:solidFill>
+            </a:endParaRPr>
+          </a:p>
+        </p:txBody>
+      </p:sp>
+      <p:sp>
+        <p:nvSpPr>
+          <p:cNvPr id="30" name="TextBox 29">
+            <a:extLst>
+              <a:ext uri="{FF2B5EF4-FFF2-40B4-BE49-F238E27FC236}">
+                <a16:creationId xmlns:a16="http://schemas.microsoft.com/office/drawing/2014/main" id="{09AA1DBA-A956-57B7-9D0E-352D59AB4F51}"/>
+              </a:ext>
+            </a:extLst>
+          </p:cNvPr>
+          <p:cNvSpPr txBox="1"/>
+          <p:nvPr/>
+        </p:nvSpPr>
+        <p:spPr>
+          <a:xfrm>
+            <a:off x="4170915" y="5670779"/>
+            <a:ext cx="2025752" cy="369332"/>
+          </a:xfrm>
+          <a:prstGeom prst="rect">
+            <a:avLst/>
+          </a:prstGeom>
+          <a:noFill/>
+        </p:spPr>
+        <p:txBody>
+          <a:bodyPr wrap="square" rtlCol="0">
+            <a:spAutoFit/>
+          </a:bodyPr>
+          <a:lstStyle/>
+          <a:p>
+            <a:r>
+              <a:rPr lang="en-US" altLang="ko-KR" b="1" dirty="0">
+                <a:solidFill>
+                  <a:schemeClr val="bg1"/>
+                </a:solidFill>
+              </a:rPr>
+              <a:t>210.123.3.5:2000</a:t>
+            </a:r>
+            <a:endParaRPr lang="ko-KR" altLang="en-US" b="1" dirty="0">
+              <a:solidFill>
+                <a:schemeClr val="bg1"/>
+              </a:solidFill>
+            </a:endParaRPr>
+          </a:p>
+        </p:txBody>
+      </p:sp>
+      <p:cxnSp>
+        <p:nvCxnSpPr>
+          <p:cNvPr id="31" name="직선 연결선 30">
+            <a:extLst>
+              <a:ext uri="{FF2B5EF4-FFF2-40B4-BE49-F238E27FC236}">
+                <a16:creationId xmlns:a16="http://schemas.microsoft.com/office/drawing/2014/main" id="{22D8B413-99E9-8F8B-8605-604BEA869AF7}"/>
+              </a:ext>
+            </a:extLst>
+          </p:cNvPr>
+          <p:cNvCxnSpPr>
+            <a:cxnSpLocks/>
+          </p:cNvCxnSpPr>
+          <p:nvPr/>
+        </p:nvCxnSpPr>
+        <p:spPr>
+          <a:xfrm>
+            <a:off x="6196668" y="5887181"/>
+            <a:ext cx="2210307" cy="0"/>
+          </a:xfrm>
+          <a:prstGeom prst="line">
+            <a:avLst/>
+          </a:prstGeom>
+          <a:ln w="38100">
+            <a:solidFill>
+              <a:schemeClr val="bg1"/>
+            </a:solidFill>
+          </a:ln>
+        </p:spPr>
+        <p:style>
+          <a:lnRef idx="1">
+            <a:schemeClr val="accent1"/>
+          </a:lnRef>
+          <a:fillRef idx="0">
+            <a:schemeClr val="accent1"/>
+          </a:fillRef>
+          <a:effectRef idx="0">
+            <a:schemeClr val="accent1"/>
+          </a:effectRef>
+          <a:fontRef idx="minor">
+            <a:schemeClr val="tx1"/>
+          </a:fontRef>
+        </p:style>
+      </p:cxnSp>
+      <p:pic>
+        <p:nvPicPr>
+          <p:cNvPr id="32" name="그래픽 31" descr="컴퓨터 단색으로 채워진">
+            <a:extLst>
+              <a:ext uri="{FF2B5EF4-FFF2-40B4-BE49-F238E27FC236}">
+                <a16:creationId xmlns:a16="http://schemas.microsoft.com/office/drawing/2014/main" id="{5952D5E1-04B3-2174-EA52-F43E7621D635}"/>
+              </a:ext>
+            </a:extLst>
+          </p:cNvPr>
+          <p:cNvPicPr>
+            <a:picLocks noChangeAspect="1"/>
+          </p:cNvPicPr>
+          <p:nvPr/>
+        </p:nvPicPr>
+        <p:blipFill>
+          <a:blip r:embed="rId2">
+            <a:extLst>
+              <a:ext uri="{28A0092B-C50C-407E-A947-70E740481C1C}">
+                <a14:useLocalDpi xmlns:a14="http://schemas.microsoft.com/office/drawing/2010/main" val="0"/>
+              </a:ext>
+              <a:ext uri="{96DAC541-7B7A-43D3-8B79-37D633B846F1}">
+                <asvg:svgBlip xmlns:asvg="http://schemas.microsoft.com/office/drawing/2016/SVG/main" r:embed="rId3"/>
+              </a:ext>
+            </a:extLst>
+          </a:blip>
+          <a:stretch>
+            <a:fillRect/>
+          </a:stretch>
+        </p:blipFill>
+        <p:spPr>
+          <a:xfrm>
+            <a:off x="9100764" y="2117377"/>
+            <a:ext cx="1298896" cy="1298896"/>
+          </a:xfrm>
+          <a:prstGeom prst="rect">
+            <a:avLst/>
+          </a:prstGeom>
+        </p:spPr>
+      </p:pic>
+      <p:cxnSp>
+        <p:nvCxnSpPr>
+          <p:cNvPr id="33" name="직선 화살표 연결선 32">
+            <a:extLst>
+              <a:ext uri="{FF2B5EF4-FFF2-40B4-BE49-F238E27FC236}">
+                <a16:creationId xmlns:a16="http://schemas.microsoft.com/office/drawing/2014/main" id="{46B31A15-B9B2-555F-A2C9-D53A6FEB7379}"/>
+              </a:ext>
+            </a:extLst>
+          </p:cNvPr>
+          <p:cNvCxnSpPr>
+            <a:cxnSpLocks/>
+          </p:cNvCxnSpPr>
+          <p:nvPr/>
+        </p:nvCxnSpPr>
+        <p:spPr>
+          <a:xfrm>
+            <a:off x="3210765" y="3429000"/>
+            <a:ext cx="1527054" cy="0"/>
+          </a:xfrm>
+          <a:prstGeom prst="straightConnector1">
+            <a:avLst/>
+          </a:prstGeom>
+          <a:ln w="38100">
+            <a:solidFill>
+              <a:schemeClr val="bg1"/>
+            </a:solidFill>
+            <a:headEnd type="triangle"/>
+            <a:tailEnd type="triangle"/>
+          </a:ln>
+        </p:spPr>
+        <p:style>
+          <a:lnRef idx="1">
+            <a:schemeClr val="accent1"/>
+          </a:lnRef>
+          <a:fillRef idx="0">
+            <a:schemeClr val="accent1"/>
+          </a:fillRef>
+          <a:effectRef idx="0">
+            <a:schemeClr val="accent1"/>
+          </a:effectRef>
+          <a:fontRef idx="minor">
+            <a:schemeClr val="tx1"/>
+          </a:fontRef>
+        </p:style>
+      </p:cxnSp>
+      <p:cxnSp>
+        <p:nvCxnSpPr>
+          <p:cNvPr id="34" name="직선 연결선 33">
+            <a:extLst>
+              <a:ext uri="{FF2B5EF4-FFF2-40B4-BE49-F238E27FC236}">
+                <a16:creationId xmlns:a16="http://schemas.microsoft.com/office/drawing/2014/main" id="{C1880EAD-41E9-08F4-BE71-E2004F3C422D}"/>
+              </a:ext>
+            </a:extLst>
+          </p:cNvPr>
+          <p:cNvCxnSpPr>
+            <a:cxnSpLocks/>
+          </p:cNvCxnSpPr>
+          <p:nvPr/>
+        </p:nvCxnSpPr>
+        <p:spPr>
+          <a:xfrm>
+            <a:off x="4094205" y="6451032"/>
+            <a:ext cx="4312770" cy="0"/>
+          </a:xfrm>
+          <a:prstGeom prst="line">
+            <a:avLst/>
+          </a:prstGeom>
+          <a:ln w="38100">
+            <a:solidFill>
+              <a:schemeClr val="bg1"/>
+            </a:solidFill>
+          </a:ln>
+        </p:spPr>
+        <p:style>
+          <a:lnRef idx="1">
+            <a:schemeClr val="accent1"/>
+          </a:lnRef>
+          <a:fillRef idx="0">
+            <a:schemeClr val="accent1"/>
+          </a:fillRef>
+          <a:effectRef idx="0">
+            <a:schemeClr val="accent1"/>
+          </a:effectRef>
+          <a:fontRef idx="minor">
+            <a:schemeClr val="tx1"/>
+          </a:fontRef>
+        </p:style>
+      </p:cxnSp>
+      <p:cxnSp>
+        <p:nvCxnSpPr>
+          <p:cNvPr id="35" name="직선 연결선 34">
+            <a:extLst>
+              <a:ext uri="{FF2B5EF4-FFF2-40B4-BE49-F238E27FC236}">
+                <a16:creationId xmlns:a16="http://schemas.microsoft.com/office/drawing/2014/main" id="{1CA0A325-FBAB-4A1F-87D9-CB69D27E5781}"/>
+              </a:ext>
+            </a:extLst>
+          </p:cNvPr>
+          <p:cNvCxnSpPr>
+            <a:cxnSpLocks/>
+          </p:cNvCxnSpPr>
+          <p:nvPr/>
+        </p:nvCxnSpPr>
+        <p:spPr>
+          <a:xfrm>
+            <a:off x="6196668" y="4692422"/>
+            <a:ext cx="0" cy="1758610"/>
+          </a:xfrm>
+          <a:prstGeom prst="line">
+            <a:avLst/>
+          </a:prstGeom>
+          <a:ln w="38100">
+            <a:solidFill>
+              <a:schemeClr val="bg1"/>
+            </a:solidFill>
+          </a:ln>
+        </p:spPr>
+        <p:style>
+          <a:lnRef idx="1">
+            <a:schemeClr val="accent1"/>
+          </a:lnRef>
+          <a:fillRef idx="0">
+            <a:schemeClr val="accent1"/>
+          </a:fillRef>
+          <a:effectRef idx="0">
+            <a:schemeClr val="accent1"/>
+          </a:effectRef>
+          <a:fontRef idx="minor">
+            <a:schemeClr val="tx1"/>
+          </a:fontRef>
+        </p:style>
+      </p:cxnSp>
+      <p:sp>
+        <p:nvSpPr>
+          <p:cNvPr id="36" name="TextBox 35">
+            <a:extLst>
+              <a:ext uri="{FF2B5EF4-FFF2-40B4-BE49-F238E27FC236}">
+                <a16:creationId xmlns:a16="http://schemas.microsoft.com/office/drawing/2014/main" id="{A38245A3-7B0C-28EA-F55D-9F21AC1098FF}"/>
+              </a:ext>
+            </a:extLst>
+          </p:cNvPr>
+          <p:cNvSpPr txBox="1"/>
+          <p:nvPr/>
+        </p:nvSpPr>
+        <p:spPr>
+          <a:xfrm>
+            <a:off x="8636116" y="5293642"/>
+            <a:ext cx="2717684" cy="707886"/>
+          </a:xfrm>
+          <a:prstGeom prst="rect">
+            <a:avLst/>
+          </a:prstGeom>
+          <a:noFill/>
+        </p:spPr>
+        <p:txBody>
+          <a:bodyPr wrap="square" rtlCol="0">
+            <a:spAutoFit/>
+          </a:bodyPr>
+          <a:lstStyle/>
+          <a:p>
+            <a:r>
+              <a:rPr lang="en-US" altLang="ko-KR" sz="4000" b="1" dirty="0">
+                <a:solidFill>
+                  <a:schemeClr val="bg1"/>
+                </a:solidFill>
+              </a:rPr>
+              <a:t>NAT</a:t>
+            </a:r>
+            <a:r>
+              <a:rPr lang="ko-KR" altLang="en-US" sz="4000" b="1" dirty="0">
+                <a:solidFill>
+                  <a:schemeClr val="bg1"/>
+                </a:solidFill>
+              </a:rPr>
+              <a:t> </a:t>
+            </a:r>
+            <a:r>
+              <a:rPr lang="en-US" altLang="ko-KR" sz="4000" b="1" dirty="0">
+                <a:solidFill>
+                  <a:schemeClr val="bg1"/>
+                </a:solidFill>
+              </a:rPr>
+              <a:t>Table</a:t>
+            </a:r>
+            <a:endParaRPr lang="ko-KR" altLang="en-US" sz="4000" b="1" dirty="0">
+              <a:solidFill>
+                <a:schemeClr val="bg1"/>
+              </a:solidFill>
+            </a:endParaRPr>
+          </a:p>
+        </p:txBody>
+      </p:sp>
+      <p:pic>
+        <p:nvPicPr>
+          <p:cNvPr id="37" name="그래픽 36" descr="구름 윤곽선">
+            <a:extLst>
+              <a:ext uri="{FF2B5EF4-FFF2-40B4-BE49-F238E27FC236}">
+                <a16:creationId xmlns:a16="http://schemas.microsoft.com/office/drawing/2014/main" id="{51A965B5-5657-D246-1DC4-8A908FD7A528}"/>
+              </a:ext>
+            </a:extLst>
+          </p:cNvPr>
+          <p:cNvPicPr>
+            <a:picLocks noChangeAspect="1"/>
+          </p:cNvPicPr>
+          <p:nvPr/>
+        </p:nvPicPr>
+        <p:blipFill>
+          <a:blip r:embed="rId4">
+            <a:extLst>
+              <a:ext uri="{28A0092B-C50C-407E-A947-70E740481C1C}">
+                <a14:useLocalDpi xmlns:a14="http://schemas.microsoft.com/office/drawing/2010/main" val="0"/>
+              </a:ext>
+              <a:ext uri="{96DAC541-7B7A-43D3-8B79-37D633B846F1}">
+                <asvg:svgBlip xmlns:asvg="http://schemas.microsoft.com/office/drawing/2016/SVG/main" r:embed="rId5"/>
+              </a:ext>
+            </a:extLst>
+          </a:blip>
+          <a:stretch>
+            <a:fillRect/>
+          </a:stretch>
+        </p:blipFill>
+        <p:spPr>
+          <a:xfrm>
+            <a:off x="4737819" y="1882142"/>
+            <a:ext cx="2717684" cy="2717684"/>
+          </a:xfrm>
+          <a:prstGeom prst="rect">
+            <a:avLst/>
+          </a:prstGeom>
+        </p:spPr>
+      </p:pic>
+      <p:sp>
+        <p:nvSpPr>
+          <p:cNvPr id="44" name="TextBox 43">
+            <a:extLst>
+              <a:ext uri="{FF2B5EF4-FFF2-40B4-BE49-F238E27FC236}">
+                <a16:creationId xmlns:a16="http://schemas.microsoft.com/office/drawing/2014/main" id="{1A79B305-B6D4-BF6C-B823-4BF07C42A3D9}"/>
+              </a:ext>
+            </a:extLst>
+          </p:cNvPr>
+          <p:cNvSpPr txBox="1"/>
+          <p:nvPr/>
+        </p:nvSpPr>
+        <p:spPr>
+          <a:xfrm>
+            <a:off x="6232736" y="5995470"/>
+            <a:ext cx="2149264" cy="369332"/>
+          </a:xfrm>
+          <a:prstGeom prst="rect">
+            <a:avLst/>
+          </a:prstGeom>
+          <a:noFill/>
+        </p:spPr>
+        <p:txBody>
+          <a:bodyPr wrap="square" rtlCol="0">
+            <a:spAutoFit/>
+          </a:bodyPr>
+          <a:lstStyle/>
+          <a:p>
+            <a:r>
+              <a:rPr lang="en-US" altLang="ko-KR" b="1" dirty="0">
+                <a:solidFill>
+                  <a:schemeClr val="bg1"/>
+                </a:solidFill>
+              </a:rPr>
+              <a:t>192.168.10.102:90</a:t>
+            </a:r>
+            <a:endParaRPr lang="ko-KR" altLang="en-US" b="1" dirty="0">
+              <a:solidFill>
+                <a:schemeClr val="bg1"/>
+              </a:solidFill>
+            </a:endParaRPr>
+          </a:p>
+        </p:txBody>
+      </p:sp>
+    </p:spTree>
+    <p:extLst>
+      <p:ext uri="{BB962C8B-B14F-4D97-AF65-F5344CB8AC3E}">
+        <p14:creationId xmlns:p14="http://schemas.microsoft.com/office/powerpoint/2010/main" val="4052428994"/>
+      </p:ext>
+    </p:extLst>
+  </p:cSld>
+  <p:clrMapOvr>
+    <a:masterClrMapping/>
+  </p:clrMapOvr>
+</p:sld>
+</file>
+
+<file path=ppt/slides/slide17.xml><?xml version="1.0" encoding="utf-8"?>
+<p:sld xmlns:a="http://schemas.openxmlformats.org/drawingml/2006/main" xmlns:r="http://schemas.openxmlformats.org/officeDocument/2006/relationships" xmlns:p="http://schemas.openxmlformats.org/presentationml/2006/main">
+  <p:cSld>
+    <p:bg>
+      <p:bgPr>
+        <a:solidFill>
+          <a:schemeClr val="tx1"/>
+        </a:solidFill>
+        <a:effectLst/>
+      </p:bgPr>
+    </p:bg>
+    <p:spTree>
+      <p:nvGrpSpPr>
+        <p:cNvPr id="1" name=""/>
+        <p:cNvGrpSpPr/>
+        <p:nvPr/>
+      </p:nvGrpSpPr>
+      <p:grpSpPr>
+        <a:xfrm>
+          <a:off x="0" y="0"/>
+          <a:ext cx="0" cy="0"/>
+          <a:chOff x="0" y="0"/>
+          <a:chExt cx="0" cy="0"/>
+        </a:xfrm>
+      </p:grpSpPr>
+      <p:sp>
+        <p:nvSpPr>
+          <p:cNvPr id="2" name="제목 1">
+            <a:extLst>
+              <a:ext uri="{FF2B5EF4-FFF2-40B4-BE49-F238E27FC236}">
+                <a16:creationId xmlns:a16="http://schemas.microsoft.com/office/drawing/2014/main" id="{993AA972-8F70-42DA-61C6-C82D61F031EA}"/>
+              </a:ext>
+            </a:extLst>
+          </p:cNvPr>
+          <p:cNvSpPr>
+            <a:spLocks noGrp="1"/>
+          </p:cNvSpPr>
+          <p:nvPr>
+            <p:ph type="title"/>
+          </p:nvPr>
+        </p:nvSpPr>
+        <p:spPr>
+          <a:xfrm>
+            <a:off x="704850" y="365125"/>
+            <a:ext cx="10782300" cy="1325563"/>
+          </a:xfrm>
+        </p:spPr>
+        <p:txBody>
+          <a:bodyPr>
+            <a:normAutofit/>
+          </a:bodyPr>
+          <a:lstStyle/>
+          <a:p>
+            <a:pPr algn="ctr"/>
+            <a:r>
+              <a:rPr lang="en-US" altLang="ko-KR" sz="3800" b="1" dirty="0">
+                <a:solidFill>
+                  <a:schemeClr val="bg1"/>
+                </a:solidFill>
+              </a:rPr>
+              <a:t>PAT(Port Address Translation)</a:t>
+            </a:r>
+            <a:endParaRPr lang="ko-KR" altLang="en-US" sz="3800" b="1" dirty="0">
+              <a:solidFill>
+                <a:schemeClr val="bg1"/>
+              </a:solidFill>
+            </a:endParaRPr>
+          </a:p>
+        </p:txBody>
+      </p:sp>
+      <p:sp>
+        <p:nvSpPr>
+          <p:cNvPr id="3" name="내용 개체 틀 2">
+            <a:extLst>
+              <a:ext uri="{FF2B5EF4-FFF2-40B4-BE49-F238E27FC236}">
+                <a16:creationId xmlns:a16="http://schemas.microsoft.com/office/drawing/2014/main" id="{87A0DF69-10B8-0D20-D0FD-6D1E744CF1E4}"/>
+              </a:ext>
+            </a:extLst>
+          </p:cNvPr>
+          <p:cNvSpPr>
+            <a:spLocks noGrp="1"/>
+          </p:cNvSpPr>
+          <p:nvPr>
+            <p:ph idx="1"/>
+          </p:nvPr>
+        </p:nvSpPr>
+        <p:spPr>
+          <a:xfrm>
+            <a:off x="838200" y="1825626"/>
+            <a:ext cx="10515600" cy="369332"/>
+          </a:xfrm>
+        </p:spPr>
+        <p:txBody>
+          <a:bodyPr>
+            <a:normAutofit/>
+          </a:bodyPr>
+          <a:lstStyle/>
+          <a:p>
+            <a:pPr marL="0" indent="0" algn="ctr">
+              <a:buNone/>
+            </a:pPr>
+            <a:r>
+              <a:rPr lang="en-US" altLang="ko-KR" sz="2000" b="1" dirty="0">
+                <a:solidFill>
+                  <a:schemeClr val="bg1"/>
+                </a:solidFill>
+              </a:rPr>
+              <a:t>PAT </a:t>
+            </a:r>
+            <a:r>
+              <a:rPr lang="ko-KR" altLang="en-US" sz="2000" b="1" dirty="0">
+                <a:solidFill>
+                  <a:schemeClr val="bg1"/>
+                </a:solidFill>
+              </a:rPr>
+              <a:t>토폴로지</a:t>
+            </a:r>
+            <a:endParaRPr lang="en-US" altLang="ko-KR" sz="2000" b="1" dirty="0">
+              <a:solidFill>
+                <a:schemeClr val="bg1"/>
+              </a:solidFill>
+            </a:endParaRPr>
+          </a:p>
+        </p:txBody>
+      </p:sp>
+      <p:pic>
+        <p:nvPicPr>
+          <p:cNvPr id="5" name="그림 4">
+            <a:extLst>
+              <a:ext uri="{FF2B5EF4-FFF2-40B4-BE49-F238E27FC236}">
+                <a16:creationId xmlns:a16="http://schemas.microsoft.com/office/drawing/2014/main" id="{96F29BDD-7718-EB26-D605-C306CD554AA6}"/>
+              </a:ext>
+            </a:extLst>
+          </p:cNvPr>
+          <p:cNvPicPr>
+            <a:picLocks noChangeAspect="1"/>
+          </p:cNvPicPr>
+          <p:nvPr/>
+        </p:nvPicPr>
+        <p:blipFill>
+          <a:blip r:embed="rId2"/>
+          <a:stretch>
+            <a:fillRect/>
+          </a:stretch>
+        </p:blipFill>
+        <p:spPr>
+          <a:xfrm>
+            <a:off x="-104273" y="2476849"/>
+            <a:ext cx="12296273" cy="3268496"/>
+          </a:xfrm>
+          <a:prstGeom prst="rect">
+            <a:avLst/>
+          </a:prstGeom>
+        </p:spPr>
+      </p:pic>
+    </p:spTree>
+    <p:extLst>
+      <p:ext uri="{BB962C8B-B14F-4D97-AF65-F5344CB8AC3E}">
+        <p14:creationId xmlns:p14="http://schemas.microsoft.com/office/powerpoint/2010/main" val="1366044513"/>
+      </p:ext>
+    </p:extLst>
+  </p:cSld>
+  <p:clrMapOvr>
+    <a:masterClrMapping/>
+  </p:clrMapOvr>
+</p:sld>
+</file>
+
+<file path=ppt/slides/slide18.xml><?xml version="1.0" encoding="utf-8"?>
+<p:sld xmlns:a="http://schemas.openxmlformats.org/drawingml/2006/main" xmlns:r="http://schemas.openxmlformats.org/officeDocument/2006/relationships" xmlns:p="http://schemas.openxmlformats.org/presentationml/2006/main">
+  <p:cSld>
+    <p:bg>
+      <p:bgPr>
+        <a:solidFill>
+          <a:schemeClr val="tx1"/>
+        </a:solidFill>
+        <a:effectLst/>
+      </p:bgPr>
+    </p:bg>
+    <p:spTree>
+      <p:nvGrpSpPr>
+        <p:cNvPr id="1" name=""/>
+        <p:cNvGrpSpPr/>
+        <p:nvPr/>
+      </p:nvGrpSpPr>
+      <p:grpSpPr>
+        <a:xfrm>
+          <a:off x="0" y="0"/>
+          <a:ext cx="0" cy="0"/>
+          <a:chOff x="0" y="0"/>
+          <a:chExt cx="0" cy="0"/>
+        </a:xfrm>
+      </p:grpSpPr>
+      <p:sp>
+        <p:nvSpPr>
+          <p:cNvPr id="2" name="제목 1">
+            <a:extLst>
+              <a:ext uri="{FF2B5EF4-FFF2-40B4-BE49-F238E27FC236}">
+                <a16:creationId xmlns:a16="http://schemas.microsoft.com/office/drawing/2014/main" id="{993AA972-8F70-42DA-61C6-C82D61F031EA}"/>
+              </a:ext>
+            </a:extLst>
+          </p:cNvPr>
+          <p:cNvSpPr>
+            <a:spLocks noGrp="1"/>
+          </p:cNvSpPr>
+          <p:nvPr>
+            <p:ph type="title"/>
+          </p:nvPr>
+        </p:nvSpPr>
+        <p:spPr/>
+        <p:txBody>
+          <a:bodyPr>
+            <a:normAutofit/>
+          </a:bodyPr>
+          <a:lstStyle/>
+          <a:p>
+            <a:pPr algn="ctr"/>
+            <a:r>
               <a:rPr lang="en-US" altLang="ko-KR" sz="3800" b="1" dirty="0">
                 <a:solidFill>
                   <a:schemeClr val="bg1"/>
@@ -6170,6 +8474,66 @@
           </a:p>
         </p:txBody>
       </p:sp>
+      <p:pic>
+        <p:nvPicPr>
+          <p:cNvPr id="5" name="그림 4">
+            <a:extLst>
+              <a:ext uri="{FF2B5EF4-FFF2-40B4-BE49-F238E27FC236}">
+                <a16:creationId xmlns:a16="http://schemas.microsoft.com/office/drawing/2014/main" id="{95FDA9A7-1E5F-1C39-F25D-087098D4238E}"/>
+              </a:ext>
+            </a:extLst>
+          </p:cNvPr>
+          <p:cNvPicPr>
+            <a:picLocks noChangeAspect="1"/>
+          </p:cNvPicPr>
+          <p:nvPr/>
+        </p:nvPicPr>
+        <p:blipFill>
+          <a:blip r:embed="rId2"/>
+          <a:stretch>
+            <a:fillRect/>
+          </a:stretch>
+        </p:blipFill>
+        <p:spPr>
+          <a:xfrm>
+            <a:off x="3054530" y="2339313"/>
+            <a:ext cx="8824648" cy="1958920"/>
+          </a:xfrm>
+          <a:prstGeom prst="rect">
+            <a:avLst/>
+          </a:prstGeom>
+        </p:spPr>
+      </p:pic>
+      <p:pic>
+        <p:nvPicPr>
+          <p:cNvPr id="7" name="그림 6">
+            <a:extLst>
+              <a:ext uri="{FF2B5EF4-FFF2-40B4-BE49-F238E27FC236}">
+                <a16:creationId xmlns:a16="http://schemas.microsoft.com/office/drawing/2014/main" id="{478E7221-6447-297F-C857-0E511736CE55}"/>
+              </a:ext>
+            </a:extLst>
+          </p:cNvPr>
+          <p:cNvPicPr>
+            <a:picLocks noChangeAspect="1"/>
+          </p:cNvPicPr>
+          <p:nvPr/>
+        </p:nvPicPr>
+        <p:blipFill>
+          <a:blip r:embed="rId3"/>
+          <a:stretch>
+            <a:fillRect/>
+          </a:stretch>
+        </p:blipFill>
+        <p:spPr>
+          <a:xfrm>
+            <a:off x="3648074" y="4447784"/>
+            <a:ext cx="6027821" cy="2137230"/>
+          </a:xfrm>
+          <a:prstGeom prst="rect">
+            <a:avLst/>
+          </a:prstGeom>
+        </p:spPr>
+      </p:pic>
     </p:spTree>
     <p:extLst>
       <p:ext uri="{BB962C8B-B14F-4D97-AF65-F5344CB8AC3E}">
@@ -8995,10 +11359,10 @@
       </p:sp>
       <p:sp>
         <p:nvSpPr>
-          <p:cNvPr id="3" name="내용 개체 틀 2">
-            <a:extLst>
-              <a:ext uri="{FF2B5EF4-FFF2-40B4-BE49-F238E27FC236}">
-                <a16:creationId xmlns:a16="http://schemas.microsoft.com/office/drawing/2014/main" id="{87A0DF69-10B8-0D20-D0FD-6D1E744CF1E4}"/>
+          <p:cNvPr id="7" name="내용 개체 틀 6">
+            <a:extLst>
+              <a:ext uri="{FF2B5EF4-FFF2-40B4-BE49-F238E27FC236}">
+                <a16:creationId xmlns:a16="http://schemas.microsoft.com/office/drawing/2014/main" id="{5E13704F-3F05-9C0B-6C39-78B8C4742403}"/>
               </a:ext>
             </a:extLst>
           </p:cNvPr>
@@ -9009,80 +11373,26 @@
             <p:ph idx="1"/>
           </p:nvPr>
         </p:nvSpPr>
-        <p:spPr>
-          <a:xfrm>
-            <a:off x="838200" y="1825626"/>
-            <a:ext cx="10515600" cy="433620"/>
-          </a:xfrm>
-        </p:spPr>
-        <p:txBody>
-          <a:bodyPr>
-            <a:normAutofit/>
-          </a:bodyPr>
-          <a:lstStyle/>
-          <a:p>
-            <a:pPr marL="0" indent="0" algn="ctr">
-              <a:buNone/>
-            </a:pPr>
-            <a:r>
-              <a:rPr lang="en-US" altLang="ko-KR" sz="1800" b="1" dirty="0">
-                <a:solidFill>
-                  <a:schemeClr val="bg1"/>
-                </a:solidFill>
-              </a:rPr>
-              <a:t>NAT</a:t>
-            </a:r>
-            <a:r>
-              <a:rPr lang="ko-KR" altLang="en-US" sz="1800" b="1" dirty="0">
-                <a:solidFill>
-                  <a:schemeClr val="bg1"/>
-                </a:solidFill>
-              </a:rPr>
-              <a:t>의 장점은 사설망에서는 중복된 네트워크 대역대를 사용 할 수 있으므로 </a:t>
-            </a:r>
-            <a:r>
-              <a:rPr lang="en-US" altLang="ko-KR" sz="1800" b="1" dirty="0">
-                <a:solidFill>
-                  <a:schemeClr val="bg1"/>
-                </a:solidFill>
-              </a:rPr>
-              <a:t>IP</a:t>
-            </a:r>
-            <a:r>
-              <a:rPr lang="ko-KR" altLang="en-US" sz="1800" b="1" dirty="0">
-                <a:solidFill>
-                  <a:schemeClr val="bg1"/>
-                </a:solidFill>
-              </a:rPr>
-              <a:t>를 절약 할 수 있다</a:t>
-            </a:r>
-            <a:r>
-              <a:rPr lang="en-US" altLang="ko-KR" sz="1800" b="1" dirty="0">
-                <a:solidFill>
-                  <a:schemeClr val="bg1"/>
-                </a:solidFill>
-              </a:rPr>
-              <a:t>.</a:t>
-            </a:r>
-            <a:endParaRPr lang="ko-KR" altLang="en-US" sz="1800" b="1" dirty="0">
-              <a:solidFill>
-                <a:schemeClr val="bg1"/>
-              </a:solidFill>
-            </a:endParaRPr>
+        <p:spPr/>
+        <p:txBody>
+          <a:bodyPr/>
+          <a:lstStyle/>
+          <a:p>
+            <a:endParaRPr lang="ko-KR" altLang="en-US"/>
           </a:p>
         </p:txBody>
       </p:sp>
       <p:pic>
         <p:nvPicPr>
-          <p:cNvPr id="6" name="그래픽 5" descr="구름 윤곽선">
-            <a:extLst>
-              <a:ext uri="{FF2B5EF4-FFF2-40B4-BE49-F238E27FC236}">
-                <a16:creationId xmlns:a16="http://schemas.microsoft.com/office/drawing/2014/main" id="{2C57F69D-D60D-8B50-3090-DBC1861F1B3B}"/>
+          <p:cNvPr id="1026" name="Picture 2">
+            <a:extLst>
+              <a:ext uri="{FF2B5EF4-FFF2-40B4-BE49-F238E27FC236}">
+                <a16:creationId xmlns:a16="http://schemas.microsoft.com/office/drawing/2014/main" id="{12FE2F63-6D19-CA96-D200-43C320150E9B}"/>
               </a:ext>
             </a:extLst>
           </p:cNvPr>
           <p:cNvPicPr>
-            <a:picLocks noChangeAspect="1"/>
+            <a:picLocks noChangeAspect="1" noChangeArrowheads="1"/>
           </p:cNvPicPr>
           <p:nvPr/>
         </p:nvPicPr>
@@ -9092,1037 +11402,37 @@
               <a:ext uri="{28A0092B-C50C-407E-A947-70E740481C1C}">
                 <a14:useLocalDpi xmlns:a14="http://schemas.microsoft.com/office/drawing/2010/main" val="0"/>
               </a:ext>
-              <a:ext uri="{96DAC541-7B7A-43D3-8B79-37D633B846F1}">
-                <asvg:svgBlip xmlns:asvg="http://schemas.microsoft.com/office/drawing/2016/SVG/main" r:embed="rId3"/>
-              </a:ext>
             </a:extLst>
           </a:blip>
+          <a:srcRect/>
           <a:stretch>
             <a:fillRect/>
           </a:stretch>
         </p:blipFill>
-        <p:spPr>
-          <a:xfrm>
-            <a:off x="4737158" y="1733278"/>
-            <a:ext cx="2717684" cy="2717684"/>
+        <p:spPr bwMode="auto">
+          <a:xfrm>
+            <a:off x="2142958" y="1535451"/>
+            <a:ext cx="7906084" cy="5033792"/>
           </a:xfrm>
           <a:prstGeom prst="rect">
             <a:avLst/>
           </a:prstGeom>
+          <a:noFill/>
+          <a:extLst>
+            <a:ext uri="{909E8E84-426E-40DD-AFC4-6F175D3DCCD1}">
+              <a14:hiddenFill xmlns:a14="http://schemas.microsoft.com/office/drawing/2010/main">
+                <a:solidFill>
+                  <a:srgbClr val="FFFFFF"/>
+                </a:solidFill>
+              </a14:hiddenFill>
+            </a:ext>
+          </a:extLst>
         </p:spPr>
       </p:pic>
-      <p:sp>
-        <p:nvSpPr>
-          <p:cNvPr id="7" name="TextBox 6">
-            <a:extLst>
-              <a:ext uri="{FF2B5EF4-FFF2-40B4-BE49-F238E27FC236}">
-                <a16:creationId xmlns:a16="http://schemas.microsoft.com/office/drawing/2014/main" id="{E7B83A79-A5B3-E929-5B80-FBEE9F0FB278}"/>
-              </a:ext>
-            </a:extLst>
-          </p:cNvPr>
-          <p:cNvSpPr txBox="1"/>
-          <p:nvPr/>
-        </p:nvSpPr>
-        <p:spPr>
-          <a:xfrm>
-            <a:off x="5364452" y="2980305"/>
-            <a:ext cx="1463096" cy="477054"/>
-          </a:xfrm>
-          <a:prstGeom prst="rect">
-            <a:avLst/>
-          </a:prstGeom>
-          <a:noFill/>
-        </p:spPr>
-        <p:txBody>
-          <a:bodyPr wrap="square" rtlCol="0">
-            <a:spAutoFit/>
-          </a:bodyPr>
-          <a:lstStyle/>
-          <a:p>
-            <a:r>
-              <a:rPr lang="en-US" altLang="ko-KR" sz="2500" b="1" dirty="0">
-                <a:solidFill>
-                  <a:schemeClr val="bg1"/>
-                </a:solidFill>
-              </a:rPr>
-              <a:t>Internet</a:t>
-            </a:r>
-            <a:endParaRPr lang="ko-KR" altLang="en-US" sz="2500" b="1" dirty="0">
-              <a:solidFill>
-                <a:schemeClr val="bg1"/>
-              </a:solidFill>
-            </a:endParaRPr>
-          </a:p>
-        </p:txBody>
-      </p:sp>
-      <p:pic>
-        <p:nvPicPr>
-          <p:cNvPr id="8" name="그래픽 7" descr="무선 라우터 윤곽선">
-            <a:extLst>
-              <a:ext uri="{FF2B5EF4-FFF2-40B4-BE49-F238E27FC236}">
-                <a16:creationId xmlns:a16="http://schemas.microsoft.com/office/drawing/2014/main" id="{C1316E5E-0C48-B447-6C44-F70D4A1CF1FE}"/>
-              </a:ext>
-            </a:extLst>
-          </p:cNvPr>
-          <p:cNvPicPr>
-            <a:picLocks noChangeAspect="1"/>
-          </p:cNvPicPr>
-          <p:nvPr/>
-        </p:nvPicPr>
-        <p:blipFill>
-          <a:blip r:embed="rId4">
-            <a:extLst>
-              <a:ext uri="{28A0092B-C50C-407E-A947-70E740481C1C}">
-                <a14:useLocalDpi xmlns:a14="http://schemas.microsoft.com/office/drawing/2010/main" val="0"/>
-              </a:ext>
-              <a:ext uri="{96DAC541-7B7A-43D3-8B79-37D633B846F1}">
-                <asvg:svgBlip xmlns:asvg="http://schemas.microsoft.com/office/drawing/2016/SVG/main" r:embed="rId5"/>
-              </a:ext>
-            </a:extLst>
-          </a:blip>
-          <a:stretch>
-            <a:fillRect/>
-          </a:stretch>
-        </p:blipFill>
-        <p:spPr>
-          <a:xfrm>
-            <a:off x="2956826" y="3312611"/>
-            <a:ext cx="1232130" cy="1232130"/>
-          </a:xfrm>
-          <a:prstGeom prst="rect">
-            <a:avLst/>
-          </a:prstGeom>
-        </p:spPr>
-      </p:pic>
-      <p:pic>
-        <p:nvPicPr>
-          <p:cNvPr id="10" name="그래픽 9" descr="컴퓨터 단색으로 채워진">
-            <a:extLst>
-              <a:ext uri="{FF2B5EF4-FFF2-40B4-BE49-F238E27FC236}">
-                <a16:creationId xmlns:a16="http://schemas.microsoft.com/office/drawing/2014/main" id="{598494DF-00C9-D7BD-DD2C-AA91FE53D64A}"/>
-              </a:ext>
-            </a:extLst>
-          </p:cNvPr>
-          <p:cNvPicPr>
-            <a:picLocks noChangeAspect="1"/>
-          </p:cNvPicPr>
-          <p:nvPr/>
-        </p:nvPicPr>
-        <p:blipFill>
-          <a:blip r:embed="rId6">
-            <a:extLst>
-              <a:ext uri="{28A0092B-C50C-407E-A947-70E740481C1C}">
-                <a14:useLocalDpi xmlns:a14="http://schemas.microsoft.com/office/drawing/2010/main" val="0"/>
-              </a:ext>
-              <a:ext uri="{96DAC541-7B7A-43D3-8B79-37D633B846F1}">
-                <asvg:svgBlip xmlns:asvg="http://schemas.microsoft.com/office/drawing/2016/SVG/main" r:embed="rId7"/>
-              </a:ext>
-            </a:extLst>
-          </a:blip>
-          <a:stretch>
-            <a:fillRect/>
-          </a:stretch>
-        </p:blipFill>
-        <p:spPr>
-          <a:xfrm>
-            <a:off x="2043824" y="5217463"/>
-            <a:ext cx="1298896" cy="1298896"/>
-          </a:xfrm>
-          <a:prstGeom prst="rect">
-            <a:avLst/>
-          </a:prstGeom>
-        </p:spPr>
-      </p:pic>
-      <p:sp>
-        <p:nvSpPr>
-          <p:cNvPr id="12" name="TextBox 11">
-            <a:extLst>
-              <a:ext uri="{FF2B5EF4-FFF2-40B4-BE49-F238E27FC236}">
-                <a16:creationId xmlns:a16="http://schemas.microsoft.com/office/drawing/2014/main" id="{80419635-30B9-F6B2-4440-EAFF505F4548}"/>
-              </a:ext>
-            </a:extLst>
-          </p:cNvPr>
-          <p:cNvSpPr txBox="1"/>
-          <p:nvPr/>
-        </p:nvSpPr>
-        <p:spPr>
-          <a:xfrm>
-            <a:off x="1903106" y="6299389"/>
-            <a:ext cx="1225920" cy="323165"/>
-          </a:xfrm>
-          <a:prstGeom prst="rect">
-            <a:avLst/>
-          </a:prstGeom>
-          <a:noFill/>
-        </p:spPr>
-        <p:txBody>
-          <a:bodyPr wrap="square" rtlCol="0">
-            <a:spAutoFit/>
-          </a:bodyPr>
-          <a:lstStyle/>
-          <a:p>
-            <a:r>
-              <a:rPr lang="en-US" altLang="ko-KR" sz="1500" b="1" dirty="0">
-                <a:solidFill>
-                  <a:schemeClr val="bg1"/>
-                </a:solidFill>
-              </a:rPr>
-              <a:t>192.168.0.1</a:t>
-            </a:r>
-            <a:endParaRPr lang="ko-KR" altLang="en-US" sz="1500" b="1" dirty="0">
-              <a:solidFill>
-                <a:schemeClr val="bg1"/>
-              </a:solidFill>
-            </a:endParaRPr>
-          </a:p>
-        </p:txBody>
-      </p:sp>
-      <p:pic>
-        <p:nvPicPr>
-          <p:cNvPr id="15" name="그래픽 14" descr="스마트폰 단색으로 채워진">
-            <a:extLst>
-              <a:ext uri="{FF2B5EF4-FFF2-40B4-BE49-F238E27FC236}">
-                <a16:creationId xmlns:a16="http://schemas.microsoft.com/office/drawing/2014/main" id="{9150E292-1C7C-8FD2-865D-D23DC9E1D7DC}"/>
-              </a:ext>
-            </a:extLst>
-          </p:cNvPr>
-          <p:cNvPicPr>
-            <a:picLocks noChangeAspect="1"/>
-          </p:cNvPicPr>
-          <p:nvPr/>
-        </p:nvPicPr>
-        <p:blipFill>
-          <a:blip r:embed="rId8">
-            <a:extLst>
-              <a:ext uri="{28A0092B-C50C-407E-A947-70E740481C1C}">
-                <a14:useLocalDpi xmlns:a14="http://schemas.microsoft.com/office/drawing/2010/main" val="0"/>
-              </a:ext>
-              <a:ext uri="{96DAC541-7B7A-43D3-8B79-37D633B846F1}">
-                <asvg:svgBlip xmlns:asvg="http://schemas.microsoft.com/office/drawing/2016/SVG/main" r:embed="rId9"/>
-              </a:ext>
-            </a:extLst>
-          </a:blip>
-          <a:stretch>
-            <a:fillRect/>
-          </a:stretch>
-        </p:blipFill>
-        <p:spPr>
-          <a:xfrm>
-            <a:off x="745921" y="4997010"/>
-            <a:ext cx="914400" cy="914400"/>
-          </a:xfrm>
-          <a:prstGeom prst="rect">
-            <a:avLst/>
-          </a:prstGeom>
-        </p:spPr>
-      </p:pic>
-      <p:sp>
-        <p:nvSpPr>
-          <p:cNvPr id="16" name="TextBox 15">
-            <a:extLst>
-              <a:ext uri="{FF2B5EF4-FFF2-40B4-BE49-F238E27FC236}">
-                <a16:creationId xmlns:a16="http://schemas.microsoft.com/office/drawing/2014/main" id="{E2E1EF36-D4DB-4E6C-9405-6C44B7EFA241}"/>
-              </a:ext>
-            </a:extLst>
-          </p:cNvPr>
-          <p:cNvSpPr txBox="1"/>
-          <p:nvPr/>
-        </p:nvSpPr>
-        <p:spPr>
-          <a:xfrm>
-            <a:off x="663257" y="5907497"/>
-            <a:ext cx="1225920" cy="323165"/>
-          </a:xfrm>
-          <a:prstGeom prst="rect">
-            <a:avLst/>
-          </a:prstGeom>
-          <a:noFill/>
-        </p:spPr>
-        <p:txBody>
-          <a:bodyPr wrap="square" rtlCol="0">
-            <a:spAutoFit/>
-          </a:bodyPr>
-          <a:lstStyle/>
-          <a:p>
-            <a:r>
-              <a:rPr lang="en-US" altLang="ko-KR" sz="1500" b="1" dirty="0">
-                <a:solidFill>
-                  <a:schemeClr val="bg1"/>
-                </a:solidFill>
-              </a:rPr>
-              <a:t>192.168.0.2</a:t>
-            </a:r>
-            <a:endParaRPr lang="ko-KR" altLang="en-US" sz="1500" b="1" dirty="0">
-              <a:solidFill>
-                <a:schemeClr val="bg1"/>
-              </a:solidFill>
-            </a:endParaRPr>
-          </a:p>
-        </p:txBody>
-      </p:sp>
-      <p:cxnSp>
-        <p:nvCxnSpPr>
-          <p:cNvPr id="21" name="직선 연결선 20">
-            <a:extLst>
-              <a:ext uri="{FF2B5EF4-FFF2-40B4-BE49-F238E27FC236}">
-                <a16:creationId xmlns:a16="http://schemas.microsoft.com/office/drawing/2014/main" id="{A856E4FC-41EE-53C7-A0F0-D4EFB445213F}"/>
-              </a:ext>
-            </a:extLst>
-          </p:cNvPr>
-          <p:cNvCxnSpPr>
-            <a:cxnSpLocks/>
-          </p:cNvCxnSpPr>
-          <p:nvPr/>
-        </p:nvCxnSpPr>
-        <p:spPr>
-          <a:xfrm flipV="1">
-            <a:off x="1387366" y="4303323"/>
-            <a:ext cx="1741660" cy="794194"/>
-          </a:xfrm>
-          <a:prstGeom prst="line">
-            <a:avLst/>
-          </a:prstGeom>
-          <a:ln w="38100" cap="flat" cmpd="sng" algn="ctr">
-            <a:solidFill>
-              <a:schemeClr val="bg1"/>
-            </a:solidFill>
-            <a:prstDash val="sysDot"/>
-            <a:round/>
-            <a:headEnd type="none" w="med" len="med"/>
-            <a:tailEnd type="none" w="med" len="med"/>
-          </a:ln>
-        </p:spPr>
-        <p:style>
-          <a:lnRef idx="0">
-            <a:scrgbClr r="0" g="0" b="0"/>
-          </a:lnRef>
-          <a:fillRef idx="0">
-            <a:scrgbClr r="0" g="0" b="0"/>
-          </a:fillRef>
-          <a:effectRef idx="0">
-            <a:scrgbClr r="0" g="0" b="0"/>
-          </a:effectRef>
-          <a:fontRef idx="minor">
-            <a:schemeClr val="tx1"/>
-          </a:fontRef>
-        </p:style>
-      </p:cxnSp>
-      <p:cxnSp>
-        <p:nvCxnSpPr>
-          <p:cNvPr id="31" name="직선 화살표 연결선 30">
-            <a:extLst>
-              <a:ext uri="{FF2B5EF4-FFF2-40B4-BE49-F238E27FC236}">
-                <a16:creationId xmlns:a16="http://schemas.microsoft.com/office/drawing/2014/main" id="{D74DE725-C8C1-F03E-4049-6B6439E16C24}"/>
-              </a:ext>
-            </a:extLst>
-          </p:cNvPr>
-          <p:cNvCxnSpPr>
-            <a:cxnSpLocks/>
-          </p:cNvCxnSpPr>
-          <p:nvPr/>
-        </p:nvCxnSpPr>
-        <p:spPr>
-          <a:xfrm flipV="1">
-            <a:off x="2543503" y="4363872"/>
-            <a:ext cx="1030014" cy="1119480"/>
-          </a:xfrm>
-          <a:prstGeom prst="straightConnector1">
-            <a:avLst/>
-          </a:prstGeom>
-          <a:ln w="38100">
-            <a:solidFill>
-              <a:schemeClr val="bg1"/>
-            </a:solidFill>
-            <a:headEnd type="triangle"/>
-            <a:tailEnd type="triangle"/>
-          </a:ln>
-        </p:spPr>
-        <p:style>
-          <a:lnRef idx="1">
-            <a:schemeClr val="accent1"/>
-          </a:lnRef>
-          <a:fillRef idx="0">
-            <a:schemeClr val="accent1"/>
-          </a:fillRef>
-          <a:effectRef idx="0">
-            <a:schemeClr val="accent1"/>
-          </a:effectRef>
-          <a:fontRef idx="minor">
-            <a:schemeClr val="tx1"/>
-          </a:fontRef>
-        </p:style>
-      </p:cxnSp>
-      <p:cxnSp>
-        <p:nvCxnSpPr>
-          <p:cNvPr id="39" name="직선 연결선 38">
-            <a:extLst>
-              <a:ext uri="{FF2B5EF4-FFF2-40B4-BE49-F238E27FC236}">
-                <a16:creationId xmlns:a16="http://schemas.microsoft.com/office/drawing/2014/main" id="{E613921C-6A3A-AD7E-AA5B-8A7BD903FF82}"/>
-              </a:ext>
-            </a:extLst>
-          </p:cNvPr>
-          <p:cNvCxnSpPr>
-            <a:cxnSpLocks/>
-          </p:cNvCxnSpPr>
-          <p:nvPr/>
-        </p:nvCxnSpPr>
-        <p:spPr>
-          <a:xfrm flipH="1" flipV="1">
-            <a:off x="9106655" y="4303323"/>
-            <a:ext cx="1697979" cy="794194"/>
-          </a:xfrm>
-          <a:prstGeom prst="line">
-            <a:avLst/>
-          </a:prstGeom>
-          <a:ln w="38100" cap="flat" cmpd="sng" algn="ctr">
-            <a:solidFill>
-              <a:schemeClr val="bg1"/>
-            </a:solidFill>
-            <a:prstDash val="sysDot"/>
-            <a:round/>
-            <a:headEnd type="none" w="med" len="med"/>
-            <a:tailEnd type="none" w="med" len="med"/>
-          </a:ln>
-        </p:spPr>
-        <p:style>
-          <a:lnRef idx="0">
-            <a:scrgbClr r="0" g="0" b="0"/>
-          </a:lnRef>
-          <a:fillRef idx="0">
-            <a:scrgbClr r="0" g="0" b="0"/>
-          </a:fillRef>
-          <a:effectRef idx="0">
-            <a:scrgbClr r="0" g="0" b="0"/>
-          </a:effectRef>
-          <a:fontRef idx="minor">
-            <a:schemeClr val="tx1"/>
-          </a:fontRef>
-        </p:style>
-      </p:cxnSp>
-      <p:cxnSp>
-        <p:nvCxnSpPr>
-          <p:cNvPr id="40" name="직선 화살표 연결선 39">
-            <a:extLst>
-              <a:ext uri="{FF2B5EF4-FFF2-40B4-BE49-F238E27FC236}">
-                <a16:creationId xmlns:a16="http://schemas.microsoft.com/office/drawing/2014/main" id="{DB8F6091-F48A-850F-B7E7-3845AA7CAAE0}"/>
-              </a:ext>
-            </a:extLst>
-          </p:cNvPr>
-          <p:cNvCxnSpPr>
-            <a:cxnSpLocks/>
-          </p:cNvCxnSpPr>
-          <p:nvPr/>
-        </p:nvCxnSpPr>
-        <p:spPr>
-          <a:xfrm flipH="1" flipV="1">
-            <a:off x="8658866" y="4363872"/>
-            <a:ext cx="660550" cy="1119480"/>
-          </a:xfrm>
-          <a:prstGeom prst="straightConnector1">
-            <a:avLst/>
-          </a:prstGeom>
-          <a:ln w="38100">
-            <a:solidFill>
-              <a:schemeClr val="bg1"/>
-            </a:solidFill>
-            <a:headEnd type="triangle"/>
-            <a:tailEnd type="triangle"/>
-          </a:ln>
-        </p:spPr>
-        <p:style>
-          <a:lnRef idx="1">
-            <a:schemeClr val="accent1"/>
-          </a:lnRef>
-          <a:fillRef idx="0">
-            <a:schemeClr val="accent1"/>
-          </a:fillRef>
-          <a:effectRef idx="0">
-            <a:schemeClr val="accent1"/>
-          </a:effectRef>
-          <a:fontRef idx="minor">
-            <a:schemeClr val="tx1"/>
-          </a:fontRef>
-        </p:style>
-      </p:cxnSp>
-      <p:pic>
-        <p:nvPicPr>
-          <p:cNvPr id="41" name="그래픽 40" descr="무선 라우터 윤곽선">
-            <a:extLst>
-              <a:ext uri="{FF2B5EF4-FFF2-40B4-BE49-F238E27FC236}">
-                <a16:creationId xmlns:a16="http://schemas.microsoft.com/office/drawing/2014/main" id="{7A57B363-3C2D-DA2E-CD8E-DFC599C6E148}"/>
-              </a:ext>
-            </a:extLst>
-          </p:cNvPr>
-          <p:cNvPicPr>
-            <a:picLocks noChangeAspect="1"/>
-          </p:cNvPicPr>
-          <p:nvPr/>
-        </p:nvPicPr>
-        <p:blipFill>
-          <a:blip r:embed="rId4">
-            <a:extLst>
-              <a:ext uri="{28A0092B-C50C-407E-A947-70E740481C1C}">
-                <a14:useLocalDpi xmlns:a14="http://schemas.microsoft.com/office/drawing/2010/main" val="0"/>
-              </a:ext>
-              <a:ext uri="{96DAC541-7B7A-43D3-8B79-37D633B846F1}">
-                <asvg:svgBlip xmlns:asvg="http://schemas.microsoft.com/office/drawing/2016/SVG/main" r:embed="rId5"/>
-              </a:ext>
-            </a:extLst>
-          </a:blip>
-          <a:stretch>
-            <a:fillRect/>
-          </a:stretch>
-        </p:blipFill>
-        <p:spPr>
-          <a:xfrm>
-            <a:off x="8008575" y="3312611"/>
-            <a:ext cx="1232130" cy="1232130"/>
-          </a:xfrm>
-          <a:prstGeom prst="rect">
-            <a:avLst/>
-          </a:prstGeom>
-        </p:spPr>
-      </p:pic>
-      <p:pic>
-        <p:nvPicPr>
-          <p:cNvPr id="42" name="그래픽 41" descr="컴퓨터 단색으로 채워진">
-            <a:extLst>
-              <a:ext uri="{FF2B5EF4-FFF2-40B4-BE49-F238E27FC236}">
-                <a16:creationId xmlns:a16="http://schemas.microsoft.com/office/drawing/2014/main" id="{ECFD2341-3DD5-B800-3D73-6777B6EEF2D6}"/>
-              </a:ext>
-            </a:extLst>
-          </p:cNvPr>
-          <p:cNvPicPr>
-            <a:picLocks noChangeAspect="1"/>
-          </p:cNvPicPr>
-          <p:nvPr/>
-        </p:nvPicPr>
-        <p:blipFill>
-          <a:blip r:embed="rId6">
-            <a:extLst>
-              <a:ext uri="{28A0092B-C50C-407E-A947-70E740481C1C}">
-                <a14:useLocalDpi xmlns:a14="http://schemas.microsoft.com/office/drawing/2010/main" val="0"/>
-              </a:ext>
-              <a:ext uri="{96DAC541-7B7A-43D3-8B79-37D633B846F1}">
-                <asvg:svgBlip xmlns:asvg="http://schemas.microsoft.com/office/drawing/2016/SVG/main" r:embed="rId7"/>
-              </a:ext>
-            </a:extLst>
-          </a:blip>
-          <a:stretch>
-            <a:fillRect/>
-          </a:stretch>
-        </p:blipFill>
-        <p:spPr>
-          <a:xfrm>
-            <a:off x="8849282" y="5193978"/>
-            <a:ext cx="1298896" cy="1298896"/>
-          </a:xfrm>
-          <a:prstGeom prst="rect">
-            <a:avLst/>
-          </a:prstGeom>
-        </p:spPr>
-      </p:pic>
-      <p:sp>
-        <p:nvSpPr>
-          <p:cNvPr id="43" name="TextBox 42">
-            <a:extLst>
-              <a:ext uri="{FF2B5EF4-FFF2-40B4-BE49-F238E27FC236}">
-                <a16:creationId xmlns:a16="http://schemas.microsoft.com/office/drawing/2014/main" id="{D28D6946-D4D3-EAC3-0FD7-962264ECF768}"/>
-              </a:ext>
-            </a:extLst>
-          </p:cNvPr>
-          <p:cNvSpPr txBox="1"/>
-          <p:nvPr/>
-        </p:nvSpPr>
-        <p:spPr>
-          <a:xfrm>
-            <a:off x="8922258" y="6331291"/>
-            <a:ext cx="1225920" cy="323165"/>
-          </a:xfrm>
-          <a:prstGeom prst="rect">
-            <a:avLst/>
-          </a:prstGeom>
-          <a:noFill/>
-        </p:spPr>
-        <p:txBody>
-          <a:bodyPr wrap="square" rtlCol="0">
-            <a:spAutoFit/>
-          </a:bodyPr>
-          <a:lstStyle/>
-          <a:p>
-            <a:r>
-              <a:rPr lang="en-US" altLang="ko-KR" sz="1500" b="1" dirty="0">
-                <a:solidFill>
-                  <a:schemeClr val="bg1"/>
-                </a:solidFill>
-              </a:rPr>
-              <a:t>192.168.0.1</a:t>
-            </a:r>
-            <a:endParaRPr lang="ko-KR" altLang="en-US" sz="1500" b="1" dirty="0">
-              <a:solidFill>
-                <a:schemeClr val="bg1"/>
-              </a:solidFill>
-            </a:endParaRPr>
-          </a:p>
-        </p:txBody>
-      </p:sp>
-      <p:pic>
-        <p:nvPicPr>
-          <p:cNvPr id="44" name="그래픽 43" descr="스마트폰 단색으로 채워진">
-            <a:extLst>
-              <a:ext uri="{FF2B5EF4-FFF2-40B4-BE49-F238E27FC236}">
-                <a16:creationId xmlns:a16="http://schemas.microsoft.com/office/drawing/2014/main" id="{57C29B58-6F3D-12EA-550A-02AB5F098AED}"/>
-              </a:ext>
-            </a:extLst>
-          </p:cNvPr>
-          <p:cNvPicPr>
-            <a:picLocks noChangeAspect="1"/>
-          </p:cNvPicPr>
-          <p:nvPr/>
-        </p:nvPicPr>
-        <p:blipFill>
-          <a:blip r:embed="rId8">
-            <a:extLst>
-              <a:ext uri="{28A0092B-C50C-407E-A947-70E740481C1C}">
-                <a14:useLocalDpi xmlns:a14="http://schemas.microsoft.com/office/drawing/2010/main" val="0"/>
-              </a:ext>
-              <a:ext uri="{96DAC541-7B7A-43D3-8B79-37D633B846F1}">
-                <asvg:svgBlip xmlns:asvg="http://schemas.microsoft.com/office/drawing/2016/SVG/main" r:embed="rId9"/>
-              </a:ext>
-            </a:extLst>
-          </a:blip>
-          <a:stretch>
-            <a:fillRect/>
-          </a:stretch>
-        </p:blipFill>
-        <p:spPr>
-          <a:xfrm>
-            <a:off x="10531679" y="5003984"/>
-            <a:ext cx="914400" cy="914400"/>
-          </a:xfrm>
-          <a:prstGeom prst="rect">
-            <a:avLst/>
-          </a:prstGeom>
-        </p:spPr>
-      </p:pic>
-      <p:sp>
-        <p:nvSpPr>
-          <p:cNvPr id="45" name="TextBox 44">
-            <a:extLst>
-              <a:ext uri="{FF2B5EF4-FFF2-40B4-BE49-F238E27FC236}">
-                <a16:creationId xmlns:a16="http://schemas.microsoft.com/office/drawing/2014/main" id="{9AF58266-A612-619D-EA9A-C298BCA96EF0}"/>
-              </a:ext>
-            </a:extLst>
-          </p:cNvPr>
-          <p:cNvSpPr txBox="1"/>
-          <p:nvPr/>
-        </p:nvSpPr>
-        <p:spPr>
-          <a:xfrm>
-            <a:off x="10381834" y="5967019"/>
-            <a:ext cx="1225920" cy="323165"/>
-          </a:xfrm>
-          <a:prstGeom prst="rect">
-            <a:avLst/>
-          </a:prstGeom>
-          <a:noFill/>
-        </p:spPr>
-        <p:txBody>
-          <a:bodyPr wrap="square" rtlCol="0">
-            <a:spAutoFit/>
-          </a:bodyPr>
-          <a:lstStyle/>
-          <a:p>
-            <a:r>
-              <a:rPr lang="en-US" altLang="ko-KR" sz="1500" b="1" dirty="0">
-                <a:solidFill>
-                  <a:schemeClr val="bg1"/>
-                </a:solidFill>
-              </a:rPr>
-              <a:t>192.168.0.2</a:t>
-            </a:r>
-            <a:endParaRPr lang="ko-KR" altLang="en-US" sz="1500" b="1" dirty="0">
-              <a:solidFill>
-                <a:schemeClr val="bg1"/>
-              </a:solidFill>
-            </a:endParaRPr>
-          </a:p>
-        </p:txBody>
-      </p:sp>
-      <p:cxnSp>
-        <p:nvCxnSpPr>
-          <p:cNvPr id="46" name="직선 화살표 연결선 45">
-            <a:extLst>
-              <a:ext uri="{FF2B5EF4-FFF2-40B4-BE49-F238E27FC236}">
-                <a16:creationId xmlns:a16="http://schemas.microsoft.com/office/drawing/2014/main" id="{BFC765F1-2291-91FA-2940-FBCE3F17BB5A}"/>
-              </a:ext>
-            </a:extLst>
-          </p:cNvPr>
-          <p:cNvCxnSpPr>
-            <a:cxnSpLocks/>
-          </p:cNvCxnSpPr>
-          <p:nvPr/>
-        </p:nvCxnSpPr>
-        <p:spPr>
-          <a:xfrm flipH="1" flipV="1">
-            <a:off x="7325266" y="3528465"/>
-            <a:ext cx="529892" cy="297301"/>
-          </a:xfrm>
-          <a:prstGeom prst="straightConnector1">
-            <a:avLst/>
-          </a:prstGeom>
-          <a:ln w="38100">
-            <a:solidFill>
-              <a:schemeClr val="bg1"/>
-            </a:solidFill>
-            <a:headEnd type="triangle"/>
-            <a:tailEnd type="triangle"/>
-          </a:ln>
-        </p:spPr>
-        <p:style>
-          <a:lnRef idx="1">
-            <a:schemeClr val="accent1"/>
-          </a:lnRef>
-          <a:fillRef idx="0">
-            <a:schemeClr val="accent1"/>
-          </a:fillRef>
-          <a:effectRef idx="0">
-            <a:schemeClr val="accent1"/>
-          </a:effectRef>
-          <a:fontRef idx="minor">
-            <a:schemeClr val="tx1"/>
-          </a:fontRef>
-        </p:style>
-      </p:cxnSp>
-      <p:cxnSp>
-        <p:nvCxnSpPr>
-          <p:cNvPr id="49" name="직선 화살표 연결선 48">
-            <a:extLst>
-              <a:ext uri="{FF2B5EF4-FFF2-40B4-BE49-F238E27FC236}">
-                <a16:creationId xmlns:a16="http://schemas.microsoft.com/office/drawing/2014/main" id="{787EC6CF-6C17-BF70-2B3A-5F046131B562}"/>
-              </a:ext>
-            </a:extLst>
-          </p:cNvPr>
-          <p:cNvCxnSpPr>
-            <a:cxnSpLocks/>
-          </p:cNvCxnSpPr>
-          <p:nvPr/>
-        </p:nvCxnSpPr>
-        <p:spPr>
-          <a:xfrm flipH="1">
-            <a:off x="4343603" y="3563007"/>
-            <a:ext cx="527117" cy="262759"/>
-          </a:xfrm>
-          <a:prstGeom prst="straightConnector1">
-            <a:avLst/>
-          </a:prstGeom>
-          <a:ln w="38100">
-            <a:solidFill>
-              <a:schemeClr val="bg1"/>
-            </a:solidFill>
-            <a:headEnd type="triangle"/>
-            <a:tailEnd type="triangle"/>
-          </a:ln>
-        </p:spPr>
-        <p:style>
-          <a:lnRef idx="1">
-            <a:schemeClr val="accent1"/>
-          </a:lnRef>
-          <a:fillRef idx="0">
-            <a:schemeClr val="accent1"/>
-          </a:fillRef>
-          <a:effectRef idx="0">
-            <a:schemeClr val="accent1"/>
-          </a:effectRef>
-          <a:fontRef idx="minor">
-            <a:schemeClr val="tx1"/>
-          </a:fontRef>
-        </p:style>
-      </p:cxnSp>
-      <p:sp>
-        <p:nvSpPr>
-          <p:cNvPr id="52" name="타원 51">
-            <a:extLst>
-              <a:ext uri="{FF2B5EF4-FFF2-40B4-BE49-F238E27FC236}">
-                <a16:creationId xmlns:a16="http://schemas.microsoft.com/office/drawing/2014/main" id="{3CD2BCAB-D84F-33C1-9B47-E5B79D020D84}"/>
-              </a:ext>
-            </a:extLst>
-          </p:cNvPr>
-          <p:cNvSpPr/>
-          <p:nvPr/>
-        </p:nvSpPr>
-        <p:spPr>
-          <a:xfrm>
-            <a:off x="1" y="2924340"/>
-            <a:ext cx="4582510" cy="3823301"/>
-          </a:xfrm>
-          <a:prstGeom prst="ellipse">
-            <a:avLst/>
-          </a:prstGeom>
-          <a:noFill/>
-          <a:ln w="38100">
-            <a:solidFill>
-              <a:schemeClr val="bg1"/>
-            </a:solidFill>
-          </a:ln>
-        </p:spPr>
-        <p:style>
-          <a:lnRef idx="2">
-            <a:schemeClr val="accent1">
-              <a:shade val="15000"/>
-            </a:schemeClr>
-          </a:lnRef>
-          <a:fillRef idx="1">
-            <a:schemeClr val="accent1"/>
-          </a:fillRef>
-          <a:effectRef idx="0">
-            <a:schemeClr val="accent1"/>
-          </a:effectRef>
-          <a:fontRef idx="minor">
-            <a:schemeClr val="lt1"/>
-          </a:fontRef>
-        </p:style>
-        <p:txBody>
-          <a:bodyPr rtlCol="0" anchor="ctr"/>
-          <a:lstStyle/>
-          <a:p>
-            <a:pPr algn="ctr"/>
-            <a:endParaRPr lang="ko-KR" altLang="en-US"/>
-          </a:p>
-        </p:txBody>
-      </p:sp>
-      <p:sp>
-        <p:nvSpPr>
-          <p:cNvPr id="54" name="타원 53">
-            <a:extLst>
-              <a:ext uri="{FF2B5EF4-FFF2-40B4-BE49-F238E27FC236}">
-                <a16:creationId xmlns:a16="http://schemas.microsoft.com/office/drawing/2014/main" id="{21AC0E60-1074-AD3F-35AA-0E29A910E23A}"/>
-              </a:ext>
-            </a:extLst>
-          </p:cNvPr>
-          <p:cNvSpPr/>
-          <p:nvPr/>
-        </p:nvSpPr>
-        <p:spPr>
-          <a:xfrm>
-            <a:off x="7607100" y="2959907"/>
-            <a:ext cx="4582510" cy="3823301"/>
-          </a:xfrm>
-          <a:prstGeom prst="ellipse">
-            <a:avLst/>
-          </a:prstGeom>
-          <a:noFill/>
-          <a:ln w="38100">
-            <a:solidFill>
-              <a:schemeClr val="bg1"/>
-            </a:solidFill>
-          </a:ln>
-        </p:spPr>
-        <p:style>
-          <a:lnRef idx="2">
-            <a:schemeClr val="accent1">
-              <a:shade val="15000"/>
-            </a:schemeClr>
-          </a:lnRef>
-          <a:fillRef idx="1">
-            <a:schemeClr val="accent1"/>
-          </a:fillRef>
-          <a:effectRef idx="0">
-            <a:schemeClr val="accent1"/>
-          </a:effectRef>
-          <a:fontRef idx="minor">
-            <a:schemeClr val="lt1"/>
-          </a:fontRef>
-        </p:style>
-        <p:txBody>
-          <a:bodyPr rtlCol="0" anchor="ctr"/>
-          <a:lstStyle/>
-          <a:p>
-            <a:pPr algn="ctr"/>
-            <a:endParaRPr lang="ko-KR" altLang="en-US"/>
-          </a:p>
-        </p:txBody>
-      </p:sp>
-      <p:sp>
-        <p:nvSpPr>
-          <p:cNvPr id="57" name="TextBox 56">
-            <a:extLst>
-              <a:ext uri="{FF2B5EF4-FFF2-40B4-BE49-F238E27FC236}">
-                <a16:creationId xmlns:a16="http://schemas.microsoft.com/office/drawing/2014/main" id="{25735F35-6290-CD47-2356-A8FB0DFD7F46}"/>
-              </a:ext>
-            </a:extLst>
-          </p:cNvPr>
-          <p:cNvSpPr txBox="1"/>
-          <p:nvPr/>
-        </p:nvSpPr>
-        <p:spPr>
-          <a:xfrm>
-            <a:off x="9535218" y="3459987"/>
-            <a:ext cx="1755617" cy="323165"/>
-          </a:xfrm>
-          <a:prstGeom prst="rect">
-            <a:avLst/>
-          </a:prstGeom>
-          <a:noFill/>
-        </p:spPr>
-        <p:txBody>
-          <a:bodyPr wrap="square" rtlCol="0">
-            <a:spAutoFit/>
-          </a:bodyPr>
-          <a:lstStyle/>
-          <a:p>
-            <a:r>
-              <a:rPr lang="en-US" altLang="ko-KR" sz="1500" b="1" dirty="0">
-                <a:solidFill>
-                  <a:schemeClr val="bg1"/>
-                </a:solidFill>
-              </a:rPr>
-              <a:t>Private Network</a:t>
-            </a:r>
-            <a:endParaRPr lang="ko-KR" altLang="en-US" sz="1500" b="1" dirty="0">
-              <a:solidFill>
-                <a:schemeClr val="bg1"/>
-              </a:solidFill>
-            </a:endParaRPr>
-          </a:p>
-        </p:txBody>
-      </p:sp>
-      <p:sp>
-        <p:nvSpPr>
-          <p:cNvPr id="58" name="TextBox 57">
-            <a:extLst>
-              <a:ext uri="{FF2B5EF4-FFF2-40B4-BE49-F238E27FC236}">
-                <a16:creationId xmlns:a16="http://schemas.microsoft.com/office/drawing/2014/main" id="{6A834A9E-BD8F-E9B8-BB49-DDF8D2231E7B}"/>
-              </a:ext>
-            </a:extLst>
-          </p:cNvPr>
-          <p:cNvSpPr txBox="1"/>
-          <p:nvPr/>
-        </p:nvSpPr>
-        <p:spPr>
-          <a:xfrm>
-            <a:off x="1046562" y="3489758"/>
-            <a:ext cx="1755617" cy="323165"/>
-          </a:xfrm>
-          <a:prstGeom prst="rect">
-            <a:avLst/>
-          </a:prstGeom>
-          <a:noFill/>
-        </p:spPr>
-        <p:txBody>
-          <a:bodyPr wrap="square" rtlCol="0">
-            <a:spAutoFit/>
-          </a:bodyPr>
-          <a:lstStyle/>
-          <a:p>
-            <a:r>
-              <a:rPr lang="en-US" altLang="ko-KR" sz="1500" b="1" dirty="0">
-                <a:solidFill>
-                  <a:schemeClr val="bg1"/>
-                </a:solidFill>
-              </a:rPr>
-              <a:t>Private Network</a:t>
-            </a:r>
-            <a:endParaRPr lang="ko-KR" altLang="en-US" sz="1500" b="1" dirty="0">
-              <a:solidFill>
-                <a:schemeClr val="bg1"/>
-              </a:solidFill>
-            </a:endParaRPr>
-          </a:p>
-        </p:txBody>
-      </p:sp>
-      <p:sp>
-        <p:nvSpPr>
-          <p:cNvPr id="68" name="TextBox 67">
-            <a:extLst>
-              <a:ext uri="{FF2B5EF4-FFF2-40B4-BE49-F238E27FC236}">
-                <a16:creationId xmlns:a16="http://schemas.microsoft.com/office/drawing/2014/main" id="{6B2DD06E-CD96-6DF9-8251-7DFD2F843537}"/>
-              </a:ext>
-            </a:extLst>
-          </p:cNvPr>
-          <p:cNvSpPr txBox="1"/>
-          <p:nvPr/>
-        </p:nvSpPr>
-        <p:spPr>
-          <a:xfrm>
-            <a:off x="3342929" y="2633891"/>
-            <a:ext cx="1755617" cy="323165"/>
-          </a:xfrm>
-          <a:prstGeom prst="rect">
-            <a:avLst/>
-          </a:prstGeom>
-          <a:noFill/>
-        </p:spPr>
-        <p:txBody>
-          <a:bodyPr wrap="square" rtlCol="0">
-            <a:spAutoFit/>
-          </a:bodyPr>
-          <a:lstStyle/>
-          <a:p>
-            <a:r>
-              <a:rPr lang="en-US" altLang="ko-KR" sz="1500" b="1" dirty="0">
-                <a:solidFill>
-                  <a:schemeClr val="bg1"/>
-                </a:solidFill>
-              </a:rPr>
-              <a:t>Public Network</a:t>
-            </a:r>
-            <a:endParaRPr lang="ko-KR" altLang="en-US" sz="1500" b="1" dirty="0">
-              <a:solidFill>
-                <a:schemeClr val="bg1"/>
-              </a:solidFill>
-            </a:endParaRPr>
-          </a:p>
-        </p:txBody>
-      </p:sp>
-      <p:sp>
-        <p:nvSpPr>
-          <p:cNvPr id="69" name="TextBox 68">
-            <a:extLst>
-              <a:ext uri="{FF2B5EF4-FFF2-40B4-BE49-F238E27FC236}">
-                <a16:creationId xmlns:a16="http://schemas.microsoft.com/office/drawing/2014/main" id="{98372650-C4D1-549A-F7E4-5CB722BA5E70}"/>
-              </a:ext>
-            </a:extLst>
-          </p:cNvPr>
-          <p:cNvSpPr txBox="1"/>
-          <p:nvPr/>
-        </p:nvSpPr>
-        <p:spPr>
-          <a:xfrm>
-            <a:off x="7093454" y="2633891"/>
-            <a:ext cx="1755617" cy="323165"/>
-          </a:xfrm>
-          <a:prstGeom prst="rect">
-            <a:avLst/>
-          </a:prstGeom>
-          <a:noFill/>
-        </p:spPr>
-        <p:txBody>
-          <a:bodyPr wrap="square" rtlCol="0">
-            <a:spAutoFit/>
-          </a:bodyPr>
-          <a:lstStyle/>
-          <a:p>
-            <a:r>
-              <a:rPr lang="en-US" altLang="ko-KR" sz="1500" b="1" dirty="0">
-                <a:solidFill>
-                  <a:schemeClr val="bg1"/>
-                </a:solidFill>
-              </a:rPr>
-              <a:t>Public Network</a:t>
-            </a:r>
-            <a:endParaRPr lang="ko-KR" altLang="en-US" sz="1500" b="1" dirty="0">
-              <a:solidFill>
-                <a:schemeClr val="bg1"/>
-              </a:solidFill>
-            </a:endParaRPr>
-          </a:p>
-        </p:txBody>
-      </p:sp>
     </p:spTree>
     <p:extLst>
       <p:ext uri="{BB962C8B-B14F-4D97-AF65-F5344CB8AC3E}">
-        <p14:creationId xmlns:p14="http://schemas.microsoft.com/office/powerpoint/2010/main" val="2845174430"/>
+        <p14:creationId xmlns:p14="http://schemas.microsoft.com/office/powerpoint/2010/main" val="616457210"/>
       </p:ext>
     </p:extLst>
   </p:cSld>
@@ -10187,7 +11497,7 @@
                   <a:schemeClr val="bg1"/>
                 </a:solidFill>
               </a:rPr>
-              <a:t>NAT Table</a:t>
+              <a:t>NAT(Network Address Translation)</a:t>
             </a:r>
             <a:endParaRPr lang="ko-KR" altLang="en-US" sz="4000" b="1" dirty="0">
               <a:solidFill>
@@ -10215,8 +11525,8 @@
         </p:nvSpPr>
         <p:spPr>
           <a:xfrm>
-            <a:off x="838200" y="1825625"/>
-            <a:ext cx="10515600" cy="867241"/>
+            <a:off x="838200" y="1825626"/>
+            <a:ext cx="10515600" cy="433620"/>
           </a:xfrm>
         </p:spPr>
         <p:txBody>
@@ -10229,7 +11539,7 @@
               <a:buNone/>
             </a:pPr>
             <a:r>
-              <a:rPr lang="en-US" altLang="ko-KR" sz="2000" b="1" dirty="0">
+              <a:rPr lang="en-US" altLang="ko-KR" sz="1800" b="1" dirty="0">
                 <a:solidFill>
                   <a:schemeClr val="bg1"/>
                 </a:solidFill>
@@ -10237,47 +11547,15 @@
               <a:t>NAT</a:t>
             </a:r>
             <a:r>
-              <a:rPr lang="ko-KR" altLang="en-US" sz="2000" b="1" dirty="0">
-                <a:solidFill>
-                  <a:schemeClr val="bg1"/>
-                </a:solidFill>
-              </a:rPr>
-              <a:t> </a:t>
-            </a:r>
-            <a:r>
-              <a:rPr lang="en-US" altLang="ko-KR" sz="2000" b="1" dirty="0">
-                <a:solidFill>
-                  <a:schemeClr val="bg1"/>
-                </a:solidFill>
-              </a:rPr>
-              <a:t>Table</a:t>
-            </a:r>
-            <a:r>
-              <a:rPr lang="ko-KR" altLang="en-US" sz="2000" b="1" dirty="0">
-                <a:solidFill>
-                  <a:schemeClr val="bg1"/>
-                </a:solidFill>
-              </a:rPr>
-              <a:t>은 </a:t>
-            </a:r>
-            <a:r>
-              <a:rPr lang="en-US" altLang="ko-KR" sz="2000" b="1" dirty="0">
-                <a:solidFill>
-                  <a:schemeClr val="bg1"/>
-                </a:solidFill>
-              </a:rPr>
-              <a:t>Public</a:t>
-            </a:r>
-            <a:r>
-              <a:rPr lang="ko-KR" altLang="en-US" sz="2000" b="1" dirty="0">
-                <a:solidFill>
-                  <a:schemeClr val="bg1"/>
-                </a:solidFill>
-              </a:rPr>
-              <a:t> </a:t>
-            </a:r>
-            <a:r>
-              <a:rPr lang="en-US" altLang="ko-KR" sz="2000" b="1" dirty="0">
+              <a:rPr lang="ko-KR" altLang="en-US" sz="1800" b="1" dirty="0">
+                <a:solidFill>
+                  <a:schemeClr val="bg1"/>
+                </a:solidFill>
+              </a:rPr>
+              <a:t>의 장점은 사설망에서는 중복된 네트워크 대역대를 사용 할 수 있으므로 </a:t>
+            </a:r>
+            <a:r>
+              <a:rPr lang="en-US" altLang="ko-KR" sz="1800" b="1" dirty="0">
                 <a:solidFill>
                   <a:schemeClr val="bg1"/>
                 </a:solidFill>
@@ -10285,155 +11563,35 @@
               <a:t>IP</a:t>
             </a:r>
             <a:r>
-              <a:rPr lang="ko-KR" altLang="en-US" sz="2000" b="1" dirty="0">
-                <a:solidFill>
-                  <a:schemeClr val="bg1"/>
-                </a:solidFill>
-              </a:rPr>
-              <a:t>와 </a:t>
-            </a:r>
-            <a:r>
-              <a:rPr lang="en-US" altLang="ko-KR" sz="2000" b="1" dirty="0">
-                <a:solidFill>
-                  <a:schemeClr val="bg1"/>
-                </a:solidFill>
-              </a:rPr>
-              <a:t>Private IP</a:t>
-            </a:r>
-            <a:r>
-              <a:rPr lang="ko-KR" altLang="en-US" sz="2000" b="1" dirty="0">
-                <a:solidFill>
-                  <a:schemeClr val="bg1"/>
-                </a:solidFill>
-              </a:rPr>
-              <a:t>을 변환 할 때 기록 하는 </a:t>
-            </a:r>
-            <a:r>
-              <a:rPr lang="en-US" altLang="ko-KR" sz="2000" b="1" dirty="0">
-                <a:solidFill>
-                  <a:schemeClr val="bg1"/>
-                </a:solidFill>
-              </a:rPr>
-              <a:t>Table</a:t>
-            </a:r>
-            <a:r>
-              <a:rPr lang="ko-KR" altLang="en-US" sz="2000" b="1" dirty="0">
-                <a:solidFill>
-                  <a:schemeClr val="bg1"/>
-                </a:solidFill>
-              </a:rPr>
-              <a:t>이다</a:t>
-            </a:r>
-            <a:r>
-              <a:rPr lang="en-US" altLang="ko-KR" sz="2000" b="1" dirty="0">
+              <a:rPr lang="ko-KR" altLang="en-US" sz="1800" b="1" dirty="0">
+                <a:solidFill>
+                  <a:schemeClr val="bg1"/>
+                </a:solidFill>
+              </a:rPr>
+              <a:t>를 절약 할 수 있다</a:t>
+            </a:r>
+            <a:r>
+              <a:rPr lang="en-US" altLang="ko-KR" sz="1800" b="1" dirty="0">
                 <a:solidFill>
                   <a:schemeClr val="bg1"/>
                 </a:solidFill>
               </a:rPr>
               <a:t>.</a:t>
             </a:r>
-          </a:p>
-          <a:p>
-            <a:pPr marL="0" indent="0" algn="ctr">
-              <a:buNone/>
-            </a:pPr>
-            <a:r>
-              <a:rPr lang="en-US" altLang="ko-KR" sz="2000" b="1" dirty="0">
-                <a:solidFill>
-                  <a:schemeClr val="bg1"/>
-                </a:solidFill>
-              </a:rPr>
-              <a:t>Table</a:t>
-            </a:r>
-            <a:r>
-              <a:rPr lang="ko-KR" altLang="en-US" sz="2000" b="1" dirty="0">
-                <a:solidFill>
-                  <a:schemeClr val="bg1"/>
-                </a:solidFill>
-              </a:rPr>
-              <a:t>에 기록된 </a:t>
-            </a:r>
-            <a:r>
-              <a:rPr lang="en-US" altLang="ko-KR" sz="2000" b="1" dirty="0">
-                <a:solidFill>
-                  <a:schemeClr val="bg1"/>
-                </a:solidFill>
-              </a:rPr>
-              <a:t>Public IP</a:t>
-            </a:r>
-            <a:r>
-              <a:rPr lang="ko-KR" altLang="en-US" sz="2000" b="1" dirty="0">
-                <a:solidFill>
-                  <a:schemeClr val="bg1"/>
-                </a:solidFill>
-              </a:rPr>
-              <a:t>와  </a:t>
-            </a:r>
-            <a:r>
-              <a:rPr lang="en-US" altLang="ko-KR" sz="2000" b="1" dirty="0">
-                <a:solidFill>
-                  <a:schemeClr val="bg1"/>
-                </a:solidFill>
-              </a:rPr>
-              <a:t>Private</a:t>
-            </a:r>
-            <a:r>
-              <a:rPr lang="ko-KR" altLang="en-US" sz="2000" b="1" dirty="0">
-                <a:solidFill>
-                  <a:schemeClr val="bg1"/>
-                </a:solidFill>
-              </a:rPr>
-              <a:t> </a:t>
-            </a:r>
-            <a:r>
-              <a:rPr lang="en-US" altLang="ko-KR" sz="2000" b="1" dirty="0">
-                <a:solidFill>
-                  <a:schemeClr val="bg1"/>
-                </a:solidFill>
-              </a:rPr>
-              <a:t>IP</a:t>
-            </a:r>
-            <a:r>
-              <a:rPr lang="ko-KR" altLang="en-US" sz="2000" b="1" dirty="0">
-                <a:solidFill>
-                  <a:schemeClr val="bg1"/>
-                </a:solidFill>
-              </a:rPr>
-              <a:t>를 바탕으로 </a:t>
-            </a:r>
-            <a:r>
-              <a:rPr lang="en-US" altLang="ko-KR" sz="2000" b="1" dirty="0">
-                <a:solidFill>
-                  <a:schemeClr val="bg1"/>
-                </a:solidFill>
-              </a:rPr>
-              <a:t>NAT</a:t>
-            </a:r>
-            <a:r>
-              <a:rPr lang="ko-KR" altLang="en-US" sz="2000" b="1" dirty="0">
-                <a:solidFill>
-                  <a:schemeClr val="bg1"/>
-                </a:solidFill>
-              </a:rPr>
-              <a:t>를 수행한다</a:t>
-            </a:r>
-            <a:r>
-              <a:rPr lang="en-US" altLang="ko-KR" sz="2000" b="1" dirty="0">
-                <a:solidFill>
-                  <a:schemeClr val="bg1"/>
-                </a:solidFill>
-              </a:rPr>
-              <a:t>.</a:t>
-            </a:r>
+            <a:endParaRPr lang="ko-KR" altLang="en-US" sz="1800" b="1" dirty="0">
+              <a:solidFill>
+                <a:schemeClr val="bg1"/>
+              </a:solidFill>
+            </a:endParaRPr>
           </a:p>
         </p:txBody>
       </p:sp>
       <p:pic>
         <p:nvPicPr>
-          <p:cNvPr id="23" name="그래픽 22" descr="컴퓨터 단색으로 채워진">
-            <a:extLst>
-              <a:ext uri="{FF2B5EF4-FFF2-40B4-BE49-F238E27FC236}">
-                <a16:creationId xmlns:a16="http://schemas.microsoft.com/office/drawing/2014/main" id="{EC56C828-F79D-FBE5-BF0B-96FD2C42E4C7}"/>
+          <p:cNvPr id="6" name="그래픽 5" descr="구름 윤곽선">
+            <a:extLst>
+              <a:ext uri="{FF2B5EF4-FFF2-40B4-BE49-F238E27FC236}">
+                <a16:creationId xmlns:a16="http://schemas.microsoft.com/office/drawing/2014/main" id="{2C57F69D-D60D-8B50-3090-DBC1861F1B3B}"/>
               </a:ext>
             </a:extLst>
           </p:cNvPr>
@@ -10459,8 +11617,8 @@
         </p:blipFill>
         <p:spPr>
           <a:xfrm>
-            <a:off x="1720572" y="2714130"/>
-            <a:ext cx="1298896" cy="1298896"/>
+            <a:off x="4737158" y="1733278"/>
+            <a:ext cx="2717684" cy="2717684"/>
           </a:xfrm>
           <a:prstGeom prst="rect">
             <a:avLst/>
@@ -10469,10 +11627,10 @@
       </p:pic>
       <p:sp>
         <p:nvSpPr>
-          <p:cNvPr id="24" name="TextBox 23">
-            <a:extLst>
-              <a:ext uri="{FF2B5EF4-FFF2-40B4-BE49-F238E27FC236}">
-                <a16:creationId xmlns:a16="http://schemas.microsoft.com/office/drawing/2014/main" id="{522593F9-C3F4-CCB3-3E3F-E482CF5CD4E6}"/>
+          <p:cNvPr id="7" name="TextBox 6">
+            <a:extLst>
+              <a:ext uri="{FF2B5EF4-FFF2-40B4-BE49-F238E27FC236}">
+                <a16:creationId xmlns:a16="http://schemas.microsoft.com/office/drawing/2014/main" id="{E7B83A79-A5B3-E929-5B80-FBEE9F0FB278}"/>
               </a:ext>
             </a:extLst>
           </p:cNvPr>
@@ -10481,7 +11639,7 @@
         </p:nvSpPr>
         <p:spPr>
           <a:xfrm>
-            <a:off x="5436251" y="3122036"/>
+            <a:off x="5364452" y="2980305"/>
             <a:ext cx="1463096" cy="477054"/>
           </a:xfrm>
           <a:prstGeom prst="rect">
@@ -10513,10 +11671,10 @@
       </p:sp>
       <p:pic>
         <p:nvPicPr>
-          <p:cNvPr id="25" name="그래픽 24" descr="컴퓨터 단색으로 채워진">
-            <a:extLst>
-              <a:ext uri="{FF2B5EF4-FFF2-40B4-BE49-F238E27FC236}">
-                <a16:creationId xmlns:a16="http://schemas.microsoft.com/office/drawing/2014/main" id="{7236D111-FF6B-9502-770C-192DC9616D3B}"/>
+          <p:cNvPr id="8" name="그래픽 7" descr="무선 라우터 윤곽선">
+            <a:extLst>
+              <a:ext uri="{FF2B5EF4-FFF2-40B4-BE49-F238E27FC236}">
+                <a16:creationId xmlns:a16="http://schemas.microsoft.com/office/drawing/2014/main" id="{C1316E5E-0C48-B447-6C44-F70D4A1CF1FE}"/>
               </a:ext>
             </a:extLst>
           </p:cNvPr>
@@ -10526,13 +11684,13 @@
           <p:nvPr/>
         </p:nvPicPr>
         <p:blipFill>
-          <a:blip r:embed="rId2">
+          <a:blip r:embed="rId4">
             <a:extLst>
               <a:ext uri="{28A0092B-C50C-407E-A947-70E740481C1C}">
                 <a14:useLocalDpi xmlns:a14="http://schemas.microsoft.com/office/drawing/2010/main" val="0"/>
               </a:ext>
               <a:ext uri="{96DAC541-7B7A-43D3-8B79-37D633B846F1}">
-                <asvg:svgBlip xmlns:asvg="http://schemas.microsoft.com/office/drawing/2016/SVG/main" r:embed="rId3"/>
+                <asvg:svgBlip xmlns:asvg="http://schemas.microsoft.com/office/drawing/2016/SVG/main" r:embed="rId5"/>
               </a:ext>
             </a:extLst>
           </a:blip>
@@ -10542,7 +11700,46 @@
         </p:blipFill>
         <p:spPr>
           <a:xfrm>
-            <a:off x="9168354" y="2755570"/>
+            <a:off x="2956826" y="3312611"/>
+            <a:ext cx="1232130" cy="1232130"/>
+          </a:xfrm>
+          <a:prstGeom prst="rect">
+            <a:avLst/>
+          </a:prstGeom>
+        </p:spPr>
+      </p:pic>
+      <p:pic>
+        <p:nvPicPr>
+          <p:cNvPr id="10" name="그래픽 9" descr="컴퓨터 단색으로 채워진">
+            <a:extLst>
+              <a:ext uri="{FF2B5EF4-FFF2-40B4-BE49-F238E27FC236}">
+                <a16:creationId xmlns:a16="http://schemas.microsoft.com/office/drawing/2014/main" id="{598494DF-00C9-D7BD-DD2C-AA91FE53D64A}"/>
+              </a:ext>
+            </a:extLst>
+          </p:cNvPr>
+          <p:cNvPicPr>
+            <a:picLocks noChangeAspect="1"/>
+          </p:cNvPicPr>
+          <p:nvPr/>
+        </p:nvPicPr>
+        <p:blipFill>
+          <a:blip r:embed="rId6">
+            <a:extLst>
+              <a:ext uri="{28A0092B-C50C-407E-A947-70E740481C1C}">
+                <a14:useLocalDpi xmlns:a14="http://schemas.microsoft.com/office/drawing/2010/main" val="0"/>
+              </a:ext>
+              <a:ext uri="{96DAC541-7B7A-43D3-8B79-37D633B846F1}">
+                <asvg:svgBlip xmlns:asvg="http://schemas.microsoft.com/office/drawing/2016/SVG/main" r:embed="rId7"/>
+              </a:ext>
+            </a:extLst>
+          </a:blip>
+          <a:stretch>
+            <a:fillRect/>
+          </a:stretch>
+        </p:blipFill>
+        <p:spPr>
+          <a:xfrm>
+            <a:off x="2043824" y="5217463"/>
             <a:ext cx="1298896" cy="1298896"/>
           </a:xfrm>
           <a:prstGeom prst="rect">
@@ -10550,98 +11747,12 @@
           </a:prstGeom>
         </p:spPr>
       </p:pic>
-      <p:cxnSp>
-        <p:nvCxnSpPr>
-          <p:cNvPr id="26" name="직선 연결선 25">
-            <a:extLst>
-              <a:ext uri="{FF2B5EF4-FFF2-40B4-BE49-F238E27FC236}">
-                <a16:creationId xmlns:a16="http://schemas.microsoft.com/office/drawing/2014/main" id="{68895F5D-CAE8-BBB3-4984-5646D567035D}"/>
-              </a:ext>
-            </a:extLst>
-          </p:cNvPr>
-          <p:cNvCxnSpPr>
-            <a:cxnSpLocks/>
-          </p:cNvCxnSpPr>
-          <p:nvPr/>
-        </p:nvCxnSpPr>
-        <p:spPr>
-          <a:xfrm>
-            <a:off x="6196668" y="4692422"/>
-            <a:ext cx="0" cy="1758610"/>
-          </a:xfrm>
-          <a:prstGeom prst="line">
-            <a:avLst/>
-          </a:prstGeom>
-          <a:ln w="38100">
-            <a:solidFill>
-              <a:schemeClr val="bg1"/>
-            </a:solidFill>
-          </a:ln>
-        </p:spPr>
-        <p:style>
-          <a:lnRef idx="1">
-            <a:schemeClr val="accent1"/>
-          </a:lnRef>
-          <a:fillRef idx="0">
-            <a:schemeClr val="accent1"/>
-          </a:fillRef>
-          <a:effectRef idx="0">
-            <a:schemeClr val="accent1"/>
-          </a:effectRef>
-          <a:fontRef idx="minor">
-            <a:schemeClr val="tx1"/>
-          </a:fontRef>
-        </p:style>
-      </p:cxnSp>
-      <p:cxnSp>
-        <p:nvCxnSpPr>
-          <p:cNvPr id="27" name="직선 연결선 26">
-            <a:extLst>
-              <a:ext uri="{FF2B5EF4-FFF2-40B4-BE49-F238E27FC236}">
-                <a16:creationId xmlns:a16="http://schemas.microsoft.com/office/drawing/2014/main" id="{219D463B-6FFA-ED0A-B2F4-1122C50E6040}"/>
-              </a:ext>
-            </a:extLst>
-          </p:cNvPr>
-          <p:cNvCxnSpPr>
-            <a:cxnSpLocks/>
-          </p:cNvCxnSpPr>
-          <p:nvPr/>
-        </p:nvCxnSpPr>
-        <p:spPr>
-          <a:xfrm>
-            <a:off x="4387088" y="5291594"/>
-            <a:ext cx="3749379" cy="0"/>
-          </a:xfrm>
-          <a:prstGeom prst="line">
-            <a:avLst/>
-          </a:prstGeom>
-          <a:ln w="38100">
-            <a:solidFill>
-              <a:schemeClr val="bg1"/>
-            </a:solidFill>
-          </a:ln>
-        </p:spPr>
-        <p:style>
-          <a:lnRef idx="1">
-            <a:schemeClr val="accent1"/>
-          </a:lnRef>
-          <a:fillRef idx="0">
-            <a:schemeClr val="accent1"/>
-          </a:fillRef>
-          <a:effectRef idx="0">
-            <a:schemeClr val="accent1"/>
-          </a:effectRef>
-          <a:fontRef idx="minor">
-            <a:schemeClr val="tx1"/>
-          </a:fontRef>
-        </p:style>
-      </p:cxnSp>
-      <p:sp>
-        <p:nvSpPr>
-          <p:cNvPr id="28" name="TextBox 27">
-            <a:extLst>
-              <a:ext uri="{FF2B5EF4-FFF2-40B4-BE49-F238E27FC236}">
-                <a16:creationId xmlns:a16="http://schemas.microsoft.com/office/drawing/2014/main" id="{44B0C3A0-BDEE-CF5A-0852-DE3A70E679D9}"/>
+      <p:sp>
+        <p:nvSpPr>
+          <p:cNvPr id="12" name="TextBox 11">
+            <a:extLst>
+              <a:ext uri="{FF2B5EF4-FFF2-40B4-BE49-F238E27FC236}">
+                <a16:creationId xmlns:a16="http://schemas.microsoft.com/office/drawing/2014/main" id="{80419635-30B9-F6B2-4440-EAFF505F4548}"/>
               </a:ext>
             </a:extLst>
           </p:cNvPr>
@@ -10650,8 +11761,8 @@
         </p:nvSpPr>
         <p:spPr>
           <a:xfrm>
-            <a:off x="4292591" y="4802733"/>
-            <a:ext cx="1875208" cy="369332"/>
+            <a:off x="1903106" y="6299389"/>
+            <a:ext cx="1225920" cy="323165"/>
           </a:xfrm>
           <a:prstGeom prst="rect">
             <a:avLst/>
@@ -10665,14 +11776,14 @@
           <a:lstStyle/>
           <a:p>
             <a:r>
-              <a:rPr lang="en-US" altLang="ko-KR" b="1" dirty="0">
-                <a:solidFill>
-                  <a:schemeClr val="bg1"/>
-                </a:solidFill>
-              </a:rPr>
-              <a:t>Public Network</a:t>
-            </a:r>
-            <a:endParaRPr lang="ko-KR" altLang="en-US" b="1" dirty="0">
+              <a:rPr lang="en-US" altLang="ko-KR" sz="1500" b="1" dirty="0">
+                <a:solidFill>
+                  <a:schemeClr val="bg1"/>
+                </a:solidFill>
+              </a:rPr>
+              <a:t>192.168.0.1</a:t>
+            </a:r>
+            <a:endParaRPr lang="ko-KR" altLang="en-US" sz="1500" b="1" dirty="0">
               <a:solidFill>
                 <a:schemeClr val="bg1"/>
               </a:solidFill>
@@ -10680,12 +11791,51 @@
           </a:p>
         </p:txBody>
       </p:sp>
-      <p:sp>
-        <p:nvSpPr>
-          <p:cNvPr id="29" name="TextBox 28">
-            <a:extLst>
-              <a:ext uri="{FF2B5EF4-FFF2-40B4-BE49-F238E27FC236}">
-                <a16:creationId xmlns:a16="http://schemas.microsoft.com/office/drawing/2014/main" id="{FEF49684-39BE-9044-C401-BCCD197529C9}"/>
+      <p:pic>
+        <p:nvPicPr>
+          <p:cNvPr id="15" name="그래픽 14" descr="스마트폰 단색으로 채워진">
+            <a:extLst>
+              <a:ext uri="{FF2B5EF4-FFF2-40B4-BE49-F238E27FC236}">
+                <a16:creationId xmlns:a16="http://schemas.microsoft.com/office/drawing/2014/main" id="{9150E292-1C7C-8FD2-865D-D23DC9E1D7DC}"/>
+              </a:ext>
+            </a:extLst>
+          </p:cNvPr>
+          <p:cNvPicPr>
+            <a:picLocks noChangeAspect="1"/>
+          </p:cNvPicPr>
+          <p:nvPr/>
+        </p:nvPicPr>
+        <p:blipFill>
+          <a:blip r:embed="rId8">
+            <a:extLst>
+              <a:ext uri="{28A0092B-C50C-407E-A947-70E740481C1C}">
+                <a14:useLocalDpi xmlns:a14="http://schemas.microsoft.com/office/drawing/2010/main" val="0"/>
+              </a:ext>
+              <a:ext uri="{96DAC541-7B7A-43D3-8B79-37D633B846F1}">
+                <asvg:svgBlip xmlns:asvg="http://schemas.microsoft.com/office/drawing/2016/SVG/main" r:embed="rId9"/>
+              </a:ext>
+            </a:extLst>
+          </a:blip>
+          <a:stretch>
+            <a:fillRect/>
+          </a:stretch>
+        </p:blipFill>
+        <p:spPr>
+          <a:xfrm>
+            <a:off x="745921" y="4997010"/>
+            <a:ext cx="914400" cy="914400"/>
+          </a:xfrm>
+          <a:prstGeom prst="rect">
+            <a:avLst/>
+          </a:prstGeom>
+        </p:spPr>
+      </p:pic>
+      <p:sp>
+        <p:nvSpPr>
+          <p:cNvPr id="16" name="TextBox 15">
+            <a:extLst>
+              <a:ext uri="{FF2B5EF4-FFF2-40B4-BE49-F238E27FC236}">
+                <a16:creationId xmlns:a16="http://schemas.microsoft.com/office/drawing/2014/main" id="{E2E1EF36-D4DB-4E6C-9405-6C44B7EFA241}"/>
               </a:ext>
             </a:extLst>
           </p:cNvPr>
@@ -10694,8 +11844,8 @@
         </p:nvSpPr>
         <p:spPr>
           <a:xfrm>
-            <a:off x="6232736" y="4802733"/>
-            <a:ext cx="1991039" cy="369332"/>
+            <a:off x="663257" y="5907497"/>
+            <a:ext cx="1225920" cy="323165"/>
           </a:xfrm>
           <a:prstGeom prst="rect">
             <a:avLst/>
@@ -10709,14 +11859,14 @@
           <a:lstStyle/>
           <a:p>
             <a:r>
-              <a:rPr lang="en-US" altLang="ko-KR" b="1" dirty="0">
-                <a:solidFill>
-                  <a:schemeClr val="bg1"/>
-                </a:solidFill>
-              </a:rPr>
-              <a:t>Private Network</a:t>
-            </a:r>
-            <a:endParaRPr lang="ko-KR" altLang="en-US" b="1" dirty="0">
+              <a:rPr lang="en-US" altLang="ko-KR" sz="1500" b="1" dirty="0">
+                <a:solidFill>
+                  <a:schemeClr val="bg1"/>
+                </a:solidFill>
+              </a:rPr>
+              <a:t>192.168.0.2</a:t>
+            </a:r>
+            <a:endParaRPr lang="ko-KR" altLang="en-US" sz="1500" b="1" dirty="0">
               <a:solidFill>
                 <a:schemeClr val="bg1"/>
               </a:solidFill>
@@ -10726,10 +11876,10 @@
       </p:sp>
       <p:cxnSp>
         <p:nvCxnSpPr>
-          <p:cNvPr id="30" name="직선 화살표 연결선 29">
-            <a:extLst>
-              <a:ext uri="{FF2B5EF4-FFF2-40B4-BE49-F238E27FC236}">
-                <a16:creationId xmlns:a16="http://schemas.microsoft.com/office/drawing/2014/main" id="{58FF419E-3ACB-D972-F7D0-AB9952830349}"/>
+          <p:cNvPr id="21" name="직선 연결선 20">
+            <a:extLst>
+              <a:ext uri="{FF2B5EF4-FFF2-40B4-BE49-F238E27FC236}">
+                <a16:creationId xmlns:a16="http://schemas.microsoft.com/office/drawing/2014/main" id="{A856E4FC-41EE-53C7-A0F0-D4EFB445213F}"/>
               </a:ext>
             </a:extLst>
           </p:cNvPr>
@@ -10739,30 +11889,32 @@
           <p:nvPr/>
         </p:nvCxnSpPr>
         <p:spPr>
-          <a:xfrm>
-            <a:off x="3226445" y="3378519"/>
-            <a:ext cx="1582512" cy="0"/>
-          </a:xfrm>
-          <a:prstGeom prst="straightConnector1">
-            <a:avLst/>
-          </a:prstGeom>
-          <a:ln w="38100">
+          <a:xfrm flipV="1">
+            <a:off x="1387366" y="4303323"/>
+            <a:ext cx="1741660" cy="794194"/>
+          </a:xfrm>
+          <a:prstGeom prst="line">
+            <a:avLst/>
+          </a:prstGeom>
+          <a:ln w="38100" cap="flat" cmpd="sng" algn="ctr">
             <a:solidFill>
               <a:schemeClr val="bg1"/>
             </a:solidFill>
-            <a:headEnd type="triangle"/>
-            <a:tailEnd type="triangle"/>
+            <a:prstDash val="sysDot"/>
+            <a:round/>
+            <a:headEnd type="none" w="med" len="med"/>
+            <a:tailEnd type="none" w="med" len="med"/>
           </a:ln>
         </p:spPr>
         <p:style>
-          <a:lnRef idx="1">
-            <a:schemeClr val="accent1"/>
+          <a:lnRef idx="0">
+            <a:scrgbClr r="0" g="0" b="0"/>
           </a:lnRef>
           <a:fillRef idx="0">
-            <a:schemeClr val="accent1"/>
+            <a:scrgbClr r="0" g="0" b="0"/>
           </a:fillRef>
           <a:effectRef idx="0">
-            <a:schemeClr val="accent1"/>
+            <a:scrgbClr r="0" g="0" b="0"/>
           </a:effectRef>
           <a:fontRef idx="minor">
             <a:schemeClr val="tx1"/>
@@ -10774,7 +11926,7 @@
           <p:cNvPr id="31" name="직선 화살표 연결선 30">
             <a:extLst>
               <a:ext uri="{FF2B5EF4-FFF2-40B4-BE49-F238E27FC236}">
-                <a16:creationId xmlns:a16="http://schemas.microsoft.com/office/drawing/2014/main" id="{90C8CA8C-4714-937E-1464-D08084307D51}"/>
+                <a16:creationId xmlns:a16="http://schemas.microsoft.com/office/drawing/2014/main" id="{D74DE725-C8C1-F03E-4049-6B6439E16C24}"/>
               </a:ext>
             </a:extLst>
           </p:cNvPr>
@@ -10784,9 +11936,9 @@
           <p:nvPr/>
         </p:nvCxnSpPr>
         <p:spPr>
-          <a:xfrm>
-            <a:off x="7454111" y="3378519"/>
-            <a:ext cx="1646653" cy="0"/>
+          <a:xfrm flipV="1">
+            <a:off x="2543503" y="4363872"/>
+            <a:ext cx="1030014" cy="1119480"/>
           </a:xfrm>
           <a:prstGeom prst="straightConnector1">
             <a:avLst/>
@@ -10797,313 +11949,6 @@
             </a:solidFill>
             <a:headEnd type="triangle"/>
             <a:tailEnd type="triangle"/>
-          </a:ln>
-        </p:spPr>
-        <p:style>
-          <a:lnRef idx="1">
-            <a:schemeClr val="accent1"/>
-          </a:lnRef>
-          <a:fillRef idx="0">
-            <a:schemeClr val="accent1"/>
-          </a:fillRef>
-          <a:effectRef idx="0">
-            <a:schemeClr val="accent1"/>
-          </a:effectRef>
-          <a:fontRef idx="minor">
-            <a:schemeClr val="tx1"/>
-          </a:fontRef>
-        </p:style>
-      </p:cxnSp>
-      <p:sp>
-        <p:nvSpPr>
-          <p:cNvPr id="32" name="TextBox 31">
-            <a:extLst>
-              <a:ext uri="{FF2B5EF4-FFF2-40B4-BE49-F238E27FC236}">
-                <a16:creationId xmlns:a16="http://schemas.microsoft.com/office/drawing/2014/main" id="{21DC211F-BB05-42BC-0888-FEB6B781FD18}"/>
-              </a:ext>
-            </a:extLst>
-          </p:cNvPr>
-          <p:cNvSpPr txBox="1"/>
-          <p:nvPr/>
-        </p:nvSpPr>
-        <p:spPr>
-          <a:xfrm>
-            <a:off x="1589114" y="3892883"/>
-            <a:ext cx="1673872" cy="323165"/>
-          </a:xfrm>
-          <a:prstGeom prst="rect">
-            <a:avLst/>
-          </a:prstGeom>
-          <a:noFill/>
-        </p:spPr>
-        <p:txBody>
-          <a:bodyPr wrap="square" rtlCol="0">
-            <a:spAutoFit/>
-          </a:bodyPr>
-          <a:lstStyle/>
-          <a:p>
-            <a:r>
-              <a:rPr lang="en-US" altLang="ko-KR" sz="1500" b="1" dirty="0">
-                <a:solidFill>
-                  <a:schemeClr val="bg1"/>
-                </a:solidFill>
-              </a:rPr>
-              <a:t>Public Network</a:t>
-            </a:r>
-            <a:endParaRPr lang="ko-KR" altLang="en-US" sz="1500" b="1" dirty="0">
-              <a:solidFill>
-                <a:schemeClr val="bg1"/>
-              </a:solidFill>
-            </a:endParaRPr>
-          </a:p>
-        </p:txBody>
-      </p:sp>
-      <p:sp>
-        <p:nvSpPr>
-          <p:cNvPr id="33" name="TextBox 32">
-            <a:extLst>
-              <a:ext uri="{FF2B5EF4-FFF2-40B4-BE49-F238E27FC236}">
-                <a16:creationId xmlns:a16="http://schemas.microsoft.com/office/drawing/2014/main" id="{BBB0C956-D5A9-BE07-9357-F5D03B534B93}"/>
-              </a:ext>
-            </a:extLst>
-          </p:cNvPr>
-          <p:cNvSpPr txBox="1"/>
-          <p:nvPr/>
-        </p:nvSpPr>
-        <p:spPr>
-          <a:xfrm>
-            <a:off x="8981319" y="3892883"/>
-            <a:ext cx="1673872" cy="323165"/>
-          </a:xfrm>
-          <a:prstGeom prst="rect">
-            <a:avLst/>
-          </a:prstGeom>
-          <a:noFill/>
-        </p:spPr>
-        <p:txBody>
-          <a:bodyPr wrap="square" rtlCol="0">
-            <a:spAutoFit/>
-          </a:bodyPr>
-          <a:lstStyle/>
-          <a:p>
-            <a:r>
-              <a:rPr lang="en-US" altLang="ko-KR" sz="1500" b="1" dirty="0">
-                <a:solidFill>
-                  <a:schemeClr val="bg1"/>
-                </a:solidFill>
-              </a:rPr>
-              <a:t>Private Network</a:t>
-            </a:r>
-            <a:endParaRPr lang="ko-KR" altLang="en-US" sz="1500" b="1" dirty="0">
-              <a:solidFill>
-                <a:schemeClr val="bg1"/>
-              </a:solidFill>
-            </a:endParaRPr>
-          </a:p>
-        </p:txBody>
-      </p:sp>
-      <p:sp>
-        <p:nvSpPr>
-          <p:cNvPr id="34" name="TextBox 33">
-            <a:extLst>
-              <a:ext uri="{FF2B5EF4-FFF2-40B4-BE49-F238E27FC236}">
-                <a16:creationId xmlns:a16="http://schemas.microsoft.com/office/drawing/2014/main" id="{D3D3999E-AD8A-6836-9C28-BD7448EEBF06}"/>
-              </a:ext>
-            </a:extLst>
-          </p:cNvPr>
-          <p:cNvSpPr txBox="1"/>
-          <p:nvPr/>
-        </p:nvSpPr>
-        <p:spPr>
-          <a:xfrm>
-            <a:off x="6304016" y="5405076"/>
-            <a:ext cx="1832451" cy="369332"/>
-          </a:xfrm>
-          <a:prstGeom prst="rect">
-            <a:avLst/>
-          </a:prstGeom>
-          <a:noFill/>
-        </p:spPr>
-        <p:txBody>
-          <a:bodyPr wrap="square" rtlCol="0">
-            <a:spAutoFit/>
-          </a:bodyPr>
-          <a:lstStyle/>
-          <a:p>
-            <a:r>
-              <a:rPr lang="en-US" altLang="ko-KR" b="1" dirty="0">
-                <a:solidFill>
-                  <a:schemeClr val="bg1"/>
-                </a:solidFill>
-              </a:rPr>
-              <a:t>192.168.10.100</a:t>
-            </a:r>
-            <a:endParaRPr lang="ko-KR" altLang="en-US" b="1" dirty="0">
-              <a:solidFill>
-                <a:schemeClr val="bg1"/>
-              </a:solidFill>
-            </a:endParaRPr>
-          </a:p>
-        </p:txBody>
-      </p:sp>
-      <p:sp>
-        <p:nvSpPr>
-          <p:cNvPr id="35" name="TextBox 34">
-            <a:extLst>
-              <a:ext uri="{FF2B5EF4-FFF2-40B4-BE49-F238E27FC236}">
-                <a16:creationId xmlns:a16="http://schemas.microsoft.com/office/drawing/2014/main" id="{381BBBB7-C570-D0B8-7687-F2FA53094396}"/>
-              </a:ext>
-            </a:extLst>
-          </p:cNvPr>
-          <p:cNvSpPr txBox="1"/>
-          <p:nvPr/>
-        </p:nvSpPr>
-        <p:spPr>
-          <a:xfrm>
-            <a:off x="6312027" y="5959600"/>
-            <a:ext cx="1832456" cy="369332"/>
-          </a:xfrm>
-          <a:prstGeom prst="rect">
-            <a:avLst/>
-          </a:prstGeom>
-          <a:noFill/>
-        </p:spPr>
-        <p:txBody>
-          <a:bodyPr wrap="square" rtlCol="0">
-            <a:spAutoFit/>
-          </a:bodyPr>
-          <a:lstStyle/>
-          <a:p>
-            <a:r>
-              <a:rPr lang="en-US" altLang="ko-KR" b="1" dirty="0">
-                <a:solidFill>
-                  <a:schemeClr val="bg1"/>
-                </a:solidFill>
-              </a:rPr>
-              <a:t>192.168.10.101</a:t>
-            </a:r>
-            <a:endParaRPr lang="ko-KR" altLang="en-US" b="1" dirty="0">
-              <a:solidFill>
-                <a:schemeClr val="bg1"/>
-              </a:solidFill>
-            </a:endParaRPr>
-          </a:p>
-        </p:txBody>
-      </p:sp>
-      <p:sp>
-        <p:nvSpPr>
-          <p:cNvPr id="36" name="TextBox 35">
-            <a:extLst>
-              <a:ext uri="{FF2B5EF4-FFF2-40B4-BE49-F238E27FC236}">
-                <a16:creationId xmlns:a16="http://schemas.microsoft.com/office/drawing/2014/main" id="{C35005FF-3274-20FC-BFC5-5052CA04DBE4}"/>
-              </a:ext>
-            </a:extLst>
-          </p:cNvPr>
-          <p:cNvSpPr txBox="1"/>
-          <p:nvPr/>
-        </p:nvSpPr>
-        <p:spPr>
-          <a:xfrm>
-            <a:off x="4514647" y="5397851"/>
-            <a:ext cx="1480686" cy="369332"/>
-          </a:xfrm>
-          <a:prstGeom prst="rect">
-            <a:avLst/>
-          </a:prstGeom>
-          <a:noFill/>
-        </p:spPr>
-        <p:txBody>
-          <a:bodyPr wrap="square" rtlCol="0">
-            <a:spAutoFit/>
-          </a:bodyPr>
-          <a:lstStyle/>
-          <a:p>
-            <a:r>
-              <a:rPr lang="en-US" altLang="ko-KR" b="1" dirty="0">
-                <a:solidFill>
-                  <a:schemeClr val="bg1"/>
-                </a:solidFill>
-              </a:rPr>
-              <a:t>210.123.3.4</a:t>
-            </a:r>
-            <a:endParaRPr lang="ko-KR" altLang="en-US" b="1" dirty="0">
-              <a:solidFill>
-                <a:schemeClr val="bg1"/>
-              </a:solidFill>
-            </a:endParaRPr>
-          </a:p>
-        </p:txBody>
-      </p:sp>
-      <p:sp>
-        <p:nvSpPr>
-          <p:cNvPr id="37" name="TextBox 36">
-            <a:extLst>
-              <a:ext uri="{FF2B5EF4-FFF2-40B4-BE49-F238E27FC236}">
-                <a16:creationId xmlns:a16="http://schemas.microsoft.com/office/drawing/2014/main" id="{5F164962-58E4-CD47-0F96-187084255191}"/>
-              </a:ext>
-            </a:extLst>
-          </p:cNvPr>
-          <p:cNvSpPr txBox="1"/>
-          <p:nvPr/>
-        </p:nvSpPr>
-        <p:spPr>
-          <a:xfrm>
-            <a:off x="4540739" y="5957605"/>
-            <a:ext cx="1428501" cy="369332"/>
-          </a:xfrm>
-          <a:prstGeom prst="rect">
-            <a:avLst/>
-          </a:prstGeom>
-          <a:noFill/>
-        </p:spPr>
-        <p:txBody>
-          <a:bodyPr wrap="square" rtlCol="0">
-            <a:spAutoFit/>
-          </a:bodyPr>
-          <a:lstStyle/>
-          <a:p>
-            <a:r>
-              <a:rPr lang="en-US" altLang="ko-KR" b="1" dirty="0">
-                <a:solidFill>
-                  <a:schemeClr val="bg1"/>
-                </a:solidFill>
-              </a:rPr>
-              <a:t>210.123.3.5</a:t>
-            </a:r>
-            <a:endParaRPr lang="ko-KR" altLang="en-US" b="1" dirty="0">
-              <a:solidFill>
-                <a:schemeClr val="bg1"/>
-              </a:solidFill>
-            </a:endParaRPr>
-          </a:p>
-        </p:txBody>
-      </p:sp>
-      <p:cxnSp>
-        <p:nvCxnSpPr>
-          <p:cNvPr id="38" name="직선 연결선 37">
-            <a:extLst>
-              <a:ext uri="{FF2B5EF4-FFF2-40B4-BE49-F238E27FC236}">
-                <a16:creationId xmlns:a16="http://schemas.microsoft.com/office/drawing/2014/main" id="{65658A71-3A3E-ABF0-BB32-C7962CBF475B}"/>
-              </a:ext>
-            </a:extLst>
-          </p:cNvPr>
-          <p:cNvCxnSpPr>
-            <a:cxnSpLocks/>
-          </p:cNvCxnSpPr>
-          <p:nvPr/>
-        </p:nvCxnSpPr>
-        <p:spPr>
-          <a:xfrm>
-            <a:off x="4387088" y="5866832"/>
-            <a:ext cx="3749379" cy="0"/>
-          </a:xfrm>
-          <a:prstGeom prst="line">
-            <a:avLst/>
-          </a:prstGeom>
-          <a:ln w="38100">
-            <a:solidFill>
-              <a:schemeClr val="bg1"/>
-            </a:solidFill>
           </a:ln>
         </p:spPr>
         <p:style>
@@ -11126,7 +11971,7 @@
           <p:cNvPr id="39" name="직선 연결선 38">
             <a:extLst>
               <a:ext uri="{FF2B5EF4-FFF2-40B4-BE49-F238E27FC236}">
-                <a16:creationId xmlns:a16="http://schemas.microsoft.com/office/drawing/2014/main" id="{91C5CF27-A7B7-5577-A275-3517A5709EFE}"/>
+                <a16:creationId xmlns:a16="http://schemas.microsoft.com/office/drawing/2014/main" id="{E613921C-6A3A-AD7E-AA5B-8A7BD903FF82}"/>
               </a:ext>
             </a:extLst>
           </p:cNvPr>
@@ -11136,17 +11981,66 @@
           <p:nvPr/>
         </p:nvCxnSpPr>
         <p:spPr>
-          <a:xfrm>
-            <a:off x="4387088" y="6451032"/>
-            <a:ext cx="3749379" cy="0"/>
+          <a:xfrm flipH="1" flipV="1">
+            <a:off x="9106655" y="4303323"/>
+            <a:ext cx="1697979" cy="794194"/>
           </a:xfrm>
           <a:prstGeom prst="line">
+            <a:avLst/>
+          </a:prstGeom>
+          <a:ln w="38100" cap="flat" cmpd="sng" algn="ctr">
+            <a:solidFill>
+              <a:schemeClr val="bg1"/>
+            </a:solidFill>
+            <a:prstDash val="sysDot"/>
+            <a:round/>
+            <a:headEnd type="none" w="med" len="med"/>
+            <a:tailEnd type="none" w="med" len="med"/>
+          </a:ln>
+        </p:spPr>
+        <p:style>
+          <a:lnRef idx="0">
+            <a:scrgbClr r="0" g="0" b="0"/>
+          </a:lnRef>
+          <a:fillRef idx="0">
+            <a:scrgbClr r="0" g="0" b="0"/>
+          </a:fillRef>
+          <a:effectRef idx="0">
+            <a:scrgbClr r="0" g="0" b="0"/>
+          </a:effectRef>
+          <a:fontRef idx="minor">
+            <a:schemeClr val="tx1"/>
+          </a:fontRef>
+        </p:style>
+      </p:cxnSp>
+      <p:cxnSp>
+        <p:nvCxnSpPr>
+          <p:cNvPr id="40" name="직선 화살표 연결선 39">
+            <a:extLst>
+              <a:ext uri="{FF2B5EF4-FFF2-40B4-BE49-F238E27FC236}">
+                <a16:creationId xmlns:a16="http://schemas.microsoft.com/office/drawing/2014/main" id="{DB8F6091-F48A-850F-B7E7-3845AA7CAAE0}"/>
+              </a:ext>
+            </a:extLst>
+          </p:cNvPr>
+          <p:cNvCxnSpPr>
+            <a:cxnSpLocks/>
+          </p:cNvCxnSpPr>
+          <p:nvPr/>
+        </p:nvCxnSpPr>
+        <p:spPr>
+          <a:xfrm flipH="1" flipV="1">
+            <a:off x="8658866" y="4363872"/>
+            <a:ext cx="660550" cy="1119480"/>
+          </a:xfrm>
+          <a:prstGeom prst="straightConnector1">
             <a:avLst/>
           </a:prstGeom>
           <a:ln w="38100">
             <a:solidFill>
               <a:schemeClr val="bg1"/>
             </a:solidFill>
+            <a:headEnd type="triangle"/>
+            <a:tailEnd type="triangle"/>
           </a:ln>
         </p:spPr>
         <p:style>
@@ -11166,10 +12060,10 @@
       </p:cxnSp>
       <p:pic>
         <p:nvPicPr>
-          <p:cNvPr id="40" name="그래픽 39" descr="구름 윤곽선">
-            <a:extLst>
-              <a:ext uri="{FF2B5EF4-FFF2-40B4-BE49-F238E27FC236}">
-                <a16:creationId xmlns:a16="http://schemas.microsoft.com/office/drawing/2014/main" id="{BB762530-57B5-AC53-379D-07F392CC9761}"/>
+          <p:cNvPr id="41" name="그래픽 40" descr="무선 라우터 윤곽선">
+            <a:extLst>
+              <a:ext uri="{FF2B5EF4-FFF2-40B4-BE49-F238E27FC236}">
+                <a16:creationId xmlns:a16="http://schemas.microsoft.com/office/drawing/2014/main" id="{7A57B363-3C2D-DA2E-CD8E-DFC599C6E148}"/>
               </a:ext>
             </a:extLst>
           </p:cNvPr>
@@ -11195,20 +12089,59 @@
         </p:blipFill>
         <p:spPr>
           <a:xfrm>
-            <a:off x="4737819" y="1882142"/>
-            <a:ext cx="2717684" cy="2717684"/>
+            <a:off x="8008575" y="3312611"/>
+            <a:ext cx="1232130" cy="1232130"/>
           </a:xfrm>
           <a:prstGeom prst="rect">
             <a:avLst/>
           </a:prstGeom>
         </p:spPr>
       </p:pic>
-      <p:sp>
-        <p:nvSpPr>
-          <p:cNvPr id="42" name="TextBox 41">
-            <a:extLst>
-              <a:ext uri="{FF2B5EF4-FFF2-40B4-BE49-F238E27FC236}">
-                <a16:creationId xmlns:a16="http://schemas.microsoft.com/office/drawing/2014/main" id="{F1A5B4FA-3EE3-5261-E03D-AAA78833E1A1}"/>
+      <p:pic>
+        <p:nvPicPr>
+          <p:cNvPr id="42" name="그래픽 41" descr="컴퓨터 단색으로 채워진">
+            <a:extLst>
+              <a:ext uri="{FF2B5EF4-FFF2-40B4-BE49-F238E27FC236}">
+                <a16:creationId xmlns:a16="http://schemas.microsoft.com/office/drawing/2014/main" id="{ECFD2341-3DD5-B800-3D73-6777B6EEF2D6}"/>
+              </a:ext>
+            </a:extLst>
+          </p:cNvPr>
+          <p:cNvPicPr>
+            <a:picLocks noChangeAspect="1"/>
+          </p:cNvPicPr>
+          <p:nvPr/>
+        </p:nvPicPr>
+        <p:blipFill>
+          <a:blip r:embed="rId6">
+            <a:extLst>
+              <a:ext uri="{28A0092B-C50C-407E-A947-70E740481C1C}">
+                <a14:useLocalDpi xmlns:a14="http://schemas.microsoft.com/office/drawing/2010/main" val="0"/>
+              </a:ext>
+              <a:ext uri="{96DAC541-7B7A-43D3-8B79-37D633B846F1}">
+                <asvg:svgBlip xmlns:asvg="http://schemas.microsoft.com/office/drawing/2016/SVG/main" r:embed="rId7"/>
+              </a:ext>
+            </a:extLst>
+          </a:blip>
+          <a:stretch>
+            <a:fillRect/>
+          </a:stretch>
+        </p:blipFill>
+        <p:spPr>
+          <a:xfrm>
+            <a:off x="8849282" y="5193978"/>
+            <a:ext cx="1298896" cy="1298896"/>
+          </a:xfrm>
+          <a:prstGeom prst="rect">
+            <a:avLst/>
+          </a:prstGeom>
+        </p:spPr>
+      </p:pic>
+      <p:sp>
+        <p:nvSpPr>
+          <p:cNvPr id="43" name="TextBox 42">
+            <a:extLst>
+              <a:ext uri="{FF2B5EF4-FFF2-40B4-BE49-F238E27FC236}">
+                <a16:creationId xmlns:a16="http://schemas.microsoft.com/office/drawing/2014/main" id="{D28D6946-D4D3-EAC3-0FD7-962264ECF768}"/>
               </a:ext>
             </a:extLst>
           </p:cNvPr>
@@ -11217,8 +12150,8 @@
         </p:nvSpPr>
         <p:spPr>
           <a:xfrm>
-            <a:off x="8636116" y="5293642"/>
-            <a:ext cx="2717684" cy="707886"/>
+            <a:off x="8922258" y="6331291"/>
+            <a:ext cx="1225920" cy="323165"/>
           </a:xfrm>
           <a:prstGeom prst="rect">
             <a:avLst/>
@@ -11232,30 +12165,14 @@
           <a:lstStyle/>
           <a:p>
             <a:r>
-              <a:rPr lang="en-US" altLang="ko-KR" sz="4000" b="1" dirty="0">
-                <a:solidFill>
-                  <a:schemeClr val="bg1"/>
-                </a:solidFill>
-              </a:rPr>
-              <a:t>NAT</a:t>
-            </a:r>
-            <a:r>
-              <a:rPr lang="ko-KR" altLang="en-US" sz="4000" b="1" dirty="0">
-                <a:solidFill>
-                  <a:schemeClr val="bg1"/>
-                </a:solidFill>
-              </a:rPr>
-              <a:t> </a:t>
-            </a:r>
-            <a:r>
-              <a:rPr lang="en-US" altLang="ko-KR" sz="4000" b="1" dirty="0">
-                <a:solidFill>
-                  <a:schemeClr val="bg1"/>
-                </a:solidFill>
-              </a:rPr>
-              <a:t>Table</a:t>
-            </a:r>
-            <a:endParaRPr lang="ko-KR" altLang="en-US" sz="4000" b="1" dirty="0">
+              <a:rPr lang="en-US" altLang="ko-KR" sz="1500" b="1" dirty="0">
+                <a:solidFill>
+                  <a:schemeClr val="bg1"/>
+                </a:solidFill>
+              </a:rPr>
+              <a:t>192.168.0.1</a:t>
+            </a:r>
+            <a:endParaRPr lang="ko-KR" altLang="en-US" sz="1500" b="1" dirty="0">
               <a:solidFill>
                 <a:schemeClr val="bg1"/>
               </a:solidFill>
@@ -11263,10 +12180,463 @@
           </a:p>
         </p:txBody>
       </p:sp>
+      <p:pic>
+        <p:nvPicPr>
+          <p:cNvPr id="44" name="그래픽 43" descr="스마트폰 단색으로 채워진">
+            <a:extLst>
+              <a:ext uri="{FF2B5EF4-FFF2-40B4-BE49-F238E27FC236}">
+                <a16:creationId xmlns:a16="http://schemas.microsoft.com/office/drawing/2014/main" id="{57C29B58-6F3D-12EA-550A-02AB5F098AED}"/>
+              </a:ext>
+            </a:extLst>
+          </p:cNvPr>
+          <p:cNvPicPr>
+            <a:picLocks noChangeAspect="1"/>
+          </p:cNvPicPr>
+          <p:nvPr/>
+        </p:nvPicPr>
+        <p:blipFill>
+          <a:blip r:embed="rId8">
+            <a:extLst>
+              <a:ext uri="{28A0092B-C50C-407E-A947-70E740481C1C}">
+                <a14:useLocalDpi xmlns:a14="http://schemas.microsoft.com/office/drawing/2010/main" val="0"/>
+              </a:ext>
+              <a:ext uri="{96DAC541-7B7A-43D3-8B79-37D633B846F1}">
+                <asvg:svgBlip xmlns:asvg="http://schemas.microsoft.com/office/drawing/2016/SVG/main" r:embed="rId9"/>
+              </a:ext>
+            </a:extLst>
+          </a:blip>
+          <a:stretch>
+            <a:fillRect/>
+          </a:stretch>
+        </p:blipFill>
+        <p:spPr>
+          <a:xfrm>
+            <a:off x="10531679" y="5003984"/>
+            <a:ext cx="914400" cy="914400"/>
+          </a:xfrm>
+          <a:prstGeom prst="rect">
+            <a:avLst/>
+          </a:prstGeom>
+        </p:spPr>
+      </p:pic>
+      <p:sp>
+        <p:nvSpPr>
+          <p:cNvPr id="45" name="TextBox 44">
+            <a:extLst>
+              <a:ext uri="{FF2B5EF4-FFF2-40B4-BE49-F238E27FC236}">
+                <a16:creationId xmlns:a16="http://schemas.microsoft.com/office/drawing/2014/main" id="{9AF58266-A612-619D-EA9A-C298BCA96EF0}"/>
+              </a:ext>
+            </a:extLst>
+          </p:cNvPr>
+          <p:cNvSpPr txBox="1"/>
+          <p:nvPr/>
+        </p:nvSpPr>
+        <p:spPr>
+          <a:xfrm>
+            <a:off x="10381834" y="5967019"/>
+            <a:ext cx="1225920" cy="323165"/>
+          </a:xfrm>
+          <a:prstGeom prst="rect">
+            <a:avLst/>
+          </a:prstGeom>
+          <a:noFill/>
+        </p:spPr>
+        <p:txBody>
+          <a:bodyPr wrap="square" rtlCol="0">
+            <a:spAutoFit/>
+          </a:bodyPr>
+          <a:lstStyle/>
+          <a:p>
+            <a:r>
+              <a:rPr lang="en-US" altLang="ko-KR" sz="1500" b="1" dirty="0">
+                <a:solidFill>
+                  <a:schemeClr val="bg1"/>
+                </a:solidFill>
+              </a:rPr>
+              <a:t>192.168.0.2</a:t>
+            </a:r>
+            <a:endParaRPr lang="ko-KR" altLang="en-US" sz="1500" b="1" dirty="0">
+              <a:solidFill>
+                <a:schemeClr val="bg1"/>
+              </a:solidFill>
+            </a:endParaRPr>
+          </a:p>
+        </p:txBody>
+      </p:sp>
+      <p:cxnSp>
+        <p:nvCxnSpPr>
+          <p:cNvPr id="46" name="직선 화살표 연결선 45">
+            <a:extLst>
+              <a:ext uri="{FF2B5EF4-FFF2-40B4-BE49-F238E27FC236}">
+                <a16:creationId xmlns:a16="http://schemas.microsoft.com/office/drawing/2014/main" id="{BFC765F1-2291-91FA-2940-FBCE3F17BB5A}"/>
+              </a:ext>
+            </a:extLst>
+          </p:cNvPr>
+          <p:cNvCxnSpPr>
+            <a:cxnSpLocks/>
+          </p:cNvCxnSpPr>
+          <p:nvPr/>
+        </p:nvCxnSpPr>
+        <p:spPr>
+          <a:xfrm flipH="1" flipV="1">
+            <a:off x="7325266" y="3528465"/>
+            <a:ext cx="529892" cy="297301"/>
+          </a:xfrm>
+          <a:prstGeom prst="straightConnector1">
+            <a:avLst/>
+          </a:prstGeom>
+          <a:ln w="38100">
+            <a:solidFill>
+              <a:schemeClr val="bg1"/>
+            </a:solidFill>
+            <a:headEnd type="triangle"/>
+            <a:tailEnd type="triangle"/>
+          </a:ln>
+        </p:spPr>
+        <p:style>
+          <a:lnRef idx="1">
+            <a:schemeClr val="accent1"/>
+          </a:lnRef>
+          <a:fillRef idx="0">
+            <a:schemeClr val="accent1"/>
+          </a:fillRef>
+          <a:effectRef idx="0">
+            <a:schemeClr val="accent1"/>
+          </a:effectRef>
+          <a:fontRef idx="minor">
+            <a:schemeClr val="tx1"/>
+          </a:fontRef>
+        </p:style>
+      </p:cxnSp>
+      <p:cxnSp>
+        <p:nvCxnSpPr>
+          <p:cNvPr id="49" name="직선 화살표 연결선 48">
+            <a:extLst>
+              <a:ext uri="{FF2B5EF4-FFF2-40B4-BE49-F238E27FC236}">
+                <a16:creationId xmlns:a16="http://schemas.microsoft.com/office/drawing/2014/main" id="{787EC6CF-6C17-BF70-2B3A-5F046131B562}"/>
+              </a:ext>
+            </a:extLst>
+          </p:cNvPr>
+          <p:cNvCxnSpPr>
+            <a:cxnSpLocks/>
+          </p:cNvCxnSpPr>
+          <p:nvPr/>
+        </p:nvCxnSpPr>
+        <p:spPr>
+          <a:xfrm flipH="1">
+            <a:off x="4343603" y="3563007"/>
+            <a:ext cx="527117" cy="262759"/>
+          </a:xfrm>
+          <a:prstGeom prst="straightConnector1">
+            <a:avLst/>
+          </a:prstGeom>
+          <a:ln w="38100">
+            <a:solidFill>
+              <a:schemeClr val="bg1"/>
+            </a:solidFill>
+            <a:headEnd type="triangle"/>
+            <a:tailEnd type="triangle"/>
+          </a:ln>
+        </p:spPr>
+        <p:style>
+          <a:lnRef idx="1">
+            <a:schemeClr val="accent1"/>
+          </a:lnRef>
+          <a:fillRef idx="0">
+            <a:schemeClr val="accent1"/>
+          </a:fillRef>
+          <a:effectRef idx="0">
+            <a:schemeClr val="accent1"/>
+          </a:effectRef>
+          <a:fontRef idx="minor">
+            <a:schemeClr val="tx1"/>
+          </a:fontRef>
+        </p:style>
+      </p:cxnSp>
+      <p:sp>
+        <p:nvSpPr>
+          <p:cNvPr id="52" name="타원 51">
+            <a:extLst>
+              <a:ext uri="{FF2B5EF4-FFF2-40B4-BE49-F238E27FC236}">
+                <a16:creationId xmlns:a16="http://schemas.microsoft.com/office/drawing/2014/main" id="{3CD2BCAB-D84F-33C1-9B47-E5B79D020D84}"/>
+              </a:ext>
+            </a:extLst>
+          </p:cNvPr>
+          <p:cNvSpPr/>
+          <p:nvPr/>
+        </p:nvSpPr>
+        <p:spPr>
+          <a:xfrm>
+            <a:off x="1" y="2924340"/>
+            <a:ext cx="4582510" cy="3823301"/>
+          </a:xfrm>
+          <a:prstGeom prst="ellipse">
+            <a:avLst/>
+          </a:prstGeom>
+          <a:noFill/>
+          <a:ln w="38100">
+            <a:solidFill>
+              <a:schemeClr val="bg1"/>
+            </a:solidFill>
+          </a:ln>
+        </p:spPr>
+        <p:style>
+          <a:lnRef idx="2">
+            <a:schemeClr val="accent1">
+              <a:shade val="15000"/>
+            </a:schemeClr>
+          </a:lnRef>
+          <a:fillRef idx="1">
+            <a:schemeClr val="accent1"/>
+          </a:fillRef>
+          <a:effectRef idx="0">
+            <a:schemeClr val="accent1"/>
+          </a:effectRef>
+          <a:fontRef idx="minor">
+            <a:schemeClr val="lt1"/>
+          </a:fontRef>
+        </p:style>
+        <p:txBody>
+          <a:bodyPr rtlCol="0" anchor="ctr"/>
+          <a:lstStyle/>
+          <a:p>
+            <a:pPr algn="ctr"/>
+            <a:endParaRPr lang="ko-KR" altLang="en-US"/>
+          </a:p>
+        </p:txBody>
+      </p:sp>
+      <p:sp>
+        <p:nvSpPr>
+          <p:cNvPr id="54" name="타원 53">
+            <a:extLst>
+              <a:ext uri="{FF2B5EF4-FFF2-40B4-BE49-F238E27FC236}">
+                <a16:creationId xmlns:a16="http://schemas.microsoft.com/office/drawing/2014/main" id="{21AC0E60-1074-AD3F-35AA-0E29A910E23A}"/>
+              </a:ext>
+            </a:extLst>
+          </p:cNvPr>
+          <p:cNvSpPr/>
+          <p:nvPr/>
+        </p:nvSpPr>
+        <p:spPr>
+          <a:xfrm>
+            <a:off x="7607100" y="2959907"/>
+            <a:ext cx="4582510" cy="3823301"/>
+          </a:xfrm>
+          <a:prstGeom prst="ellipse">
+            <a:avLst/>
+          </a:prstGeom>
+          <a:noFill/>
+          <a:ln w="38100">
+            <a:solidFill>
+              <a:schemeClr val="bg1"/>
+            </a:solidFill>
+          </a:ln>
+        </p:spPr>
+        <p:style>
+          <a:lnRef idx="2">
+            <a:schemeClr val="accent1">
+              <a:shade val="15000"/>
+            </a:schemeClr>
+          </a:lnRef>
+          <a:fillRef idx="1">
+            <a:schemeClr val="accent1"/>
+          </a:fillRef>
+          <a:effectRef idx="0">
+            <a:schemeClr val="accent1"/>
+          </a:effectRef>
+          <a:fontRef idx="minor">
+            <a:schemeClr val="lt1"/>
+          </a:fontRef>
+        </p:style>
+        <p:txBody>
+          <a:bodyPr rtlCol="0" anchor="ctr"/>
+          <a:lstStyle/>
+          <a:p>
+            <a:pPr algn="ctr"/>
+            <a:endParaRPr lang="ko-KR" altLang="en-US"/>
+          </a:p>
+        </p:txBody>
+      </p:sp>
+      <p:sp>
+        <p:nvSpPr>
+          <p:cNvPr id="57" name="TextBox 56">
+            <a:extLst>
+              <a:ext uri="{FF2B5EF4-FFF2-40B4-BE49-F238E27FC236}">
+                <a16:creationId xmlns:a16="http://schemas.microsoft.com/office/drawing/2014/main" id="{25735F35-6290-CD47-2356-A8FB0DFD7F46}"/>
+              </a:ext>
+            </a:extLst>
+          </p:cNvPr>
+          <p:cNvSpPr txBox="1"/>
+          <p:nvPr/>
+        </p:nvSpPr>
+        <p:spPr>
+          <a:xfrm>
+            <a:off x="9535218" y="3459987"/>
+            <a:ext cx="1755617" cy="323165"/>
+          </a:xfrm>
+          <a:prstGeom prst="rect">
+            <a:avLst/>
+          </a:prstGeom>
+          <a:noFill/>
+        </p:spPr>
+        <p:txBody>
+          <a:bodyPr wrap="square" rtlCol="0">
+            <a:spAutoFit/>
+          </a:bodyPr>
+          <a:lstStyle/>
+          <a:p>
+            <a:r>
+              <a:rPr lang="en-US" altLang="ko-KR" sz="1500" b="1" dirty="0">
+                <a:solidFill>
+                  <a:schemeClr val="bg1"/>
+                </a:solidFill>
+              </a:rPr>
+              <a:t>Private Network</a:t>
+            </a:r>
+            <a:endParaRPr lang="ko-KR" altLang="en-US" sz="1500" b="1" dirty="0">
+              <a:solidFill>
+                <a:schemeClr val="bg1"/>
+              </a:solidFill>
+            </a:endParaRPr>
+          </a:p>
+        </p:txBody>
+      </p:sp>
+      <p:sp>
+        <p:nvSpPr>
+          <p:cNvPr id="58" name="TextBox 57">
+            <a:extLst>
+              <a:ext uri="{FF2B5EF4-FFF2-40B4-BE49-F238E27FC236}">
+                <a16:creationId xmlns:a16="http://schemas.microsoft.com/office/drawing/2014/main" id="{6A834A9E-BD8F-E9B8-BB49-DDF8D2231E7B}"/>
+              </a:ext>
+            </a:extLst>
+          </p:cNvPr>
+          <p:cNvSpPr txBox="1"/>
+          <p:nvPr/>
+        </p:nvSpPr>
+        <p:spPr>
+          <a:xfrm>
+            <a:off x="1046562" y="3489758"/>
+            <a:ext cx="1755617" cy="323165"/>
+          </a:xfrm>
+          <a:prstGeom prst="rect">
+            <a:avLst/>
+          </a:prstGeom>
+          <a:noFill/>
+        </p:spPr>
+        <p:txBody>
+          <a:bodyPr wrap="square" rtlCol="0">
+            <a:spAutoFit/>
+          </a:bodyPr>
+          <a:lstStyle/>
+          <a:p>
+            <a:r>
+              <a:rPr lang="en-US" altLang="ko-KR" sz="1500" b="1" dirty="0">
+                <a:solidFill>
+                  <a:schemeClr val="bg1"/>
+                </a:solidFill>
+              </a:rPr>
+              <a:t>Private Network</a:t>
+            </a:r>
+            <a:endParaRPr lang="ko-KR" altLang="en-US" sz="1500" b="1" dirty="0">
+              <a:solidFill>
+                <a:schemeClr val="bg1"/>
+              </a:solidFill>
+            </a:endParaRPr>
+          </a:p>
+        </p:txBody>
+      </p:sp>
+      <p:sp>
+        <p:nvSpPr>
+          <p:cNvPr id="68" name="TextBox 67">
+            <a:extLst>
+              <a:ext uri="{FF2B5EF4-FFF2-40B4-BE49-F238E27FC236}">
+                <a16:creationId xmlns:a16="http://schemas.microsoft.com/office/drawing/2014/main" id="{6B2DD06E-CD96-6DF9-8251-7DFD2F843537}"/>
+              </a:ext>
+            </a:extLst>
+          </p:cNvPr>
+          <p:cNvSpPr txBox="1"/>
+          <p:nvPr/>
+        </p:nvSpPr>
+        <p:spPr>
+          <a:xfrm>
+            <a:off x="3342929" y="2633891"/>
+            <a:ext cx="1755617" cy="323165"/>
+          </a:xfrm>
+          <a:prstGeom prst="rect">
+            <a:avLst/>
+          </a:prstGeom>
+          <a:noFill/>
+        </p:spPr>
+        <p:txBody>
+          <a:bodyPr wrap="square" rtlCol="0">
+            <a:spAutoFit/>
+          </a:bodyPr>
+          <a:lstStyle/>
+          <a:p>
+            <a:r>
+              <a:rPr lang="en-US" altLang="ko-KR" sz="1500" b="1" dirty="0">
+                <a:solidFill>
+                  <a:schemeClr val="bg1"/>
+                </a:solidFill>
+              </a:rPr>
+              <a:t>Public Network</a:t>
+            </a:r>
+            <a:endParaRPr lang="ko-KR" altLang="en-US" sz="1500" b="1" dirty="0">
+              <a:solidFill>
+                <a:schemeClr val="bg1"/>
+              </a:solidFill>
+            </a:endParaRPr>
+          </a:p>
+        </p:txBody>
+      </p:sp>
+      <p:sp>
+        <p:nvSpPr>
+          <p:cNvPr id="69" name="TextBox 68">
+            <a:extLst>
+              <a:ext uri="{FF2B5EF4-FFF2-40B4-BE49-F238E27FC236}">
+                <a16:creationId xmlns:a16="http://schemas.microsoft.com/office/drawing/2014/main" id="{98372650-C4D1-549A-F7E4-5CB722BA5E70}"/>
+              </a:ext>
+            </a:extLst>
+          </p:cNvPr>
+          <p:cNvSpPr txBox="1"/>
+          <p:nvPr/>
+        </p:nvSpPr>
+        <p:spPr>
+          <a:xfrm>
+            <a:off x="7093454" y="2633891"/>
+            <a:ext cx="1755617" cy="323165"/>
+          </a:xfrm>
+          <a:prstGeom prst="rect">
+            <a:avLst/>
+          </a:prstGeom>
+          <a:noFill/>
+        </p:spPr>
+        <p:txBody>
+          <a:bodyPr wrap="square" rtlCol="0">
+            <a:spAutoFit/>
+          </a:bodyPr>
+          <a:lstStyle/>
+          <a:p>
+            <a:r>
+              <a:rPr lang="en-US" altLang="ko-KR" sz="1500" b="1" dirty="0">
+                <a:solidFill>
+                  <a:schemeClr val="bg1"/>
+                </a:solidFill>
+              </a:rPr>
+              <a:t>Public Network</a:t>
+            </a:r>
+            <a:endParaRPr lang="ko-KR" altLang="en-US" sz="1500" b="1" dirty="0">
+              <a:solidFill>
+                <a:schemeClr val="bg1"/>
+              </a:solidFill>
+            </a:endParaRPr>
+          </a:p>
+        </p:txBody>
+      </p:sp>
     </p:spTree>
     <p:extLst>
       <p:ext uri="{BB962C8B-B14F-4D97-AF65-F5344CB8AC3E}">
-        <p14:creationId xmlns:p14="http://schemas.microsoft.com/office/powerpoint/2010/main" val="1974592816"/>
+        <p14:creationId xmlns:p14="http://schemas.microsoft.com/office/powerpoint/2010/main" val="2845174430"/>
       </p:ext>
     </p:extLst>
   </p:cSld>
@@ -11326,14 +12696,14 @@
           <a:p>
             <a:pPr algn="ctr"/>
             <a:r>
-              <a:rPr lang="en-US" altLang="ko-KR" sz="3800" b="1" dirty="0">
-                <a:solidFill>
-                  <a:schemeClr val="bg1"/>
-                </a:solidFill>
-              </a:rPr>
-              <a:t>Static NAT(Network Address Translation)</a:t>
-            </a:r>
-            <a:endParaRPr lang="ko-KR" altLang="en-US" sz="3800" b="1" dirty="0">
+              <a:rPr lang="en-US" altLang="ko-KR" sz="4000" b="1" dirty="0">
+                <a:solidFill>
+                  <a:schemeClr val="bg1"/>
+                </a:solidFill>
+              </a:rPr>
+              <a:t>NAT Table</a:t>
+            </a:r>
+            <a:endParaRPr lang="ko-KR" altLang="en-US" sz="4000" b="1" dirty="0">
               <a:solidFill>
                 <a:schemeClr val="bg1"/>
               </a:solidFill>
@@ -11360,7 +12730,7 @@
         <p:spPr>
           <a:xfrm>
             <a:off x="838200" y="1825625"/>
-            <a:ext cx="10515600" cy="464235"/>
+            <a:ext cx="10515600" cy="867241"/>
           </a:xfrm>
         </p:spPr>
         <p:txBody>
@@ -11373,12 +12743,20 @@
               <a:buNone/>
             </a:pPr>
             <a:r>
+              <a:rPr lang="en-US" altLang="ko-KR" sz="2000" b="1" dirty="0">
+                <a:solidFill>
+                  <a:schemeClr val="bg1"/>
+                </a:solidFill>
+              </a:rPr>
+              <a:t>NAT</a:t>
+            </a:r>
+            <a:r>
               <a:rPr lang="ko-KR" altLang="en-US" sz="2000" b="1" dirty="0">
                 <a:solidFill>
                   <a:schemeClr val="bg1"/>
                 </a:solidFill>
               </a:rPr>
-              <a:t>하나의</a:t>
+              <a:t> </a:t>
             </a:r>
             <a:r>
               <a:rPr lang="en-US" altLang="ko-KR" sz="2000" b="1" dirty="0">
@@ -11386,15 +12764,47 @@
                   <a:schemeClr val="bg1"/>
                 </a:solidFill>
               </a:rPr>
+              <a:t>Table</a:t>
+            </a:r>
+            <a:r>
+              <a:rPr lang="ko-KR" altLang="en-US" sz="2000" b="1" dirty="0">
+                <a:solidFill>
+                  <a:schemeClr val="bg1"/>
+                </a:solidFill>
+              </a:rPr>
+              <a:t>은 </a:t>
+            </a:r>
+            <a:r>
+              <a:rPr lang="en-US" altLang="ko-KR" sz="2000" b="1" dirty="0">
+                <a:solidFill>
+                  <a:schemeClr val="bg1"/>
+                </a:solidFill>
+              </a:rPr>
+              <a:t>Public</a:t>
+            </a:r>
+            <a:r>
+              <a:rPr lang="ko-KR" altLang="en-US" sz="2000" b="1" dirty="0">
+                <a:solidFill>
+                  <a:schemeClr val="bg1"/>
+                </a:solidFill>
+              </a:rPr>
               <a:t> </a:t>
             </a:r>
             <a:r>
+              <a:rPr lang="en-US" altLang="ko-KR" sz="2000" b="1" dirty="0">
+                <a:solidFill>
+                  <a:schemeClr val="bg1"/>
+                </a:solidFill>
+              </a:rPr>
+              <a:t>IP</a:t>
+            </a:r>
+            <a:r>
               <a:rPr lang="ko-KR" altLang="en-US" sz="2000" b="1" dirty="0">
                 <a:solidFill>
                   <a:schemeClr val="bg1"/>
                 </a:solidFill>
               </a:rPr>
-              <a:t>내부 </a:t>
+              <a:t>와 </a:t>
             </a:r>
             <a:r>
               <a:rPr lang="en-US" altLang="ko-KR" sz="2000" b="1" dirty="0">
@@ -11402,7 +12812,7 @@
                   <a:schemeClr val="bg1"/>
                 </a:solidFill>
               </a:rPr>
-              <a:t>IP </a:t>
+              <a:t>Private IP</a:t>
             </a:r>
             <a:r>
               <a:rPr lang="ko-KR" altLang="en-US" sz="2000" b="1" dirty="0">
@@ -11410,7 +12820,7 @@
                   <a:schemeClr val="bg1"/>
                 </a:solidFill>
               </a:rPr>
-              <a:t>주소와 하나의 외부 </a:t>
+              <a:t>을 변환 할 때 기록 하는 </a:t>
             </a:r>
             <a:r>
               <a:rPr lang="en-US" altLang="ko-KR" sz="2000" b="1" dirty="0">
@@ -11418,6 +12828,83 @@
                   <a:schemeClr val="bg1"/>
                 </a:solidFill>
               </a:rPr>
+              <a:t>Table</a:t>
+            </a:r>
+            <a:r>
+              <a:rPr lang="ko-KR" altLang="en-US" sz="2000" b="1" dirty="0">
+                <a:solidFill>
+                  <a:schemeClr val="bg1"/>
+                </a:solidFill>
+              </a:rPr>
+              <a:t>이다</a:t>
+            </a:r>
+            <a:r>
+              <a:rPr lang="en-US" altLang="ko-KR" sz="2000" b="1" dirty="0">
+                <a:solidFill>
+                  <a:schemeClr val="bg1"/>
+                </a:solidFill>
+              </a:rPr>
+              <a:t>.</a:t>
+            </a:r>
+          </a:p>
+          <a:p>
+            <a:pPr marL="0" indent="0" algn="ctr">
+              <a:buNone/>
+            </a:pPr>
+            <a:r>
+              <a:rPr lang="en-US" altLang="ko-KR" sz="2000" b="1" dirty="0">
+                <a:solidFill>
+                  <a:schemeClr val="bg1"/>
+                </a:solidFill>
+              </a:rPr>
+              <a:t>Table</a:t>
+            </a:r>
+            <a:r>
+              <a:rPr lang="ko-KR" altLang="en-US" sz="2000" b="1" dirty="0">
+                <a:solidFill>
+                  <a:schemeClr val="bg1"/>
+                </a:solidFill>
+              </a:rPr>
+              <a:t>에 기록된 </a:t>
+            </a:r>
+            <a:r>
+              <a:rPr lang="en-US" altLang="ko-KR" sz="2000" b="1" dirty="0">
+                <a:solidFill>
+                  <a:schemeClr val="bg1"/>
+                </a:solidFill>
+              </a:rPr>
+              <a:t>Public IP</a:t>
+            </a:r>
+            <a:r>
+              <a:rPr lang="ko-KR" altLang="en-US" sz="2000" b="1" dirty="0">
+                <a:solidFill>
+                  <a:schemeClr val="bg1"/>
+                </a:solidFill>
+              </a:rPr>
+              <a:t>와  </a:t>
+            </a:r>
+            <a:r>
+              <a:rPr lang="en-US" altLang="ko-KR" sz="2000" b="1" dirty="0">
+                <a:solidFill>
+                  <a:schemeClr val="bg1"/>
+                </a:solidFill>
+              </a:rPr>
+              <a:t>Private</a:t>
+            </a:r>
+            <a:r>
+              <a:rPr lang="ko-KR" altLang="en-US" sz="2000" b="1" dirty="0">
+                <a:solidFill>
+                  <a:schemeClr val="bg1"/>
+                </a:solidFill>
+              </a:rPr>
+              <a:t> </a:t>
+            </a:r>
+            <a:r>
+              <a:rPr lang="en-US" altLang="ko-KR" sz="2000" b="1" dirty="0">
+                <a:solidFill>
+                  <a:schemeClr val="bg1"/>
+                </a:solidFill>
+              </a:rPr>
               <a:t>IP</a:t>
             </a:r>
             <a:r>
@@ -11426,7 +12913,7 @@
                   <a:schemeClr val="bg1"/>
                 </a:solidFill>
               </a:rPr>
-              <a:t>주소를 </a:t>
+              <a:t>를 바탕으로 </a:t>
             </a:r>
             <a:r>
               <a:rPr lang="en-US" altLang="ko-KR" sz="2000" b="1" dirty="0">
@@ -11434,7 +12921,7 @@
                   <a:schemeClr val="bg1"/>
                 </a:solidFill>
               </a:rPr>
-              <a:t>1:1</a:t>
+              <a:t>NAT</a:t>
             </a:r>
             <a:r>
               <a:rPr lang="ko-KR" altLang="en-US" sz="2000" b="1" dirty="0">
@@ -11442,17 +12929,25 @@
                   <a:schemeClr val="bg1"/>
                 </a:solidFill>
               </a:rPr>
-              <a:t>로 매핑 시키는 방식</a:t>
+              <a:t>를 수행한다</a:t>
+            </a:r>
+            <a:r>
+              <a:rPr lang="en-US" altLang="ko-KR" sz="2000" b="1" dirty="0">
+                <a:solidFill>
+                  <a:schemeClr val="bg1"/>
+                </a:solidFill>
+              </a:rPr>
+              <a:t>.</a:t>
             </a:r>
           </a:p>
         </p:txBody>
       </p:sp>
       <p:pic>
         <p:nvPicPr>
-          <p:cNvPr id="5" name="그래픽 4" descr="컴퓨터 단색으로 채워진">
-            <a:extLst>
-              <a:ext uri="{FF2B5EF4-FFF2-40B4-BE49-F238E27FC236}">
-                <a16:creationId xmlns:a16="http://schemas.microsoft.com/office/drawing/2014/main" id="{EFB11422-617A-2A5C-501C-FEFFA111286E}"/>
+          <p:cNvPr id="23" name="그래픽 22" descr="컴퓨터 단색으로 채워진">
+            <a:extLst>
+              <a:ext uri="{FF2B5EF4-FFF2-40B4-BE49-F238E27FC236}">
+                <a16:creationId xmlns:a16="http://schemas.microsoft.com/office/drawing/2014/main" id="{EC56C828-F79D-FBE5-BF0B-96FD2C42E4C7}"/>
               </a:ext>
             </a:extLst>
           </p:cNvPr>
@@ -11486,12 +12981,56 @@
           </a:prstGeom>
         </p:spPr>
       </p:pic>
+      <p:sp>
+        <p:nvSpPr>
+          <p:cNvPr id="24" name="TextBox 23">
+            <a:extLst>
+              <a:ext uri="{FF2B5EF4-FFF2-40B4-BE49-F238E27FC236}">
+                <a16:creationId xmlns:a16="http://schemas.microsoft.com/office/drawing/2014/main" id="{522593F9-C3F4-CCB3-3E3F-E482CF5CD4E6}"/>
+              </a:ext>
+            </a:extLst>
+          </p:cNvPr>
+          <p:cNvSpPr txBox="1"/>
+          <p:nvPr/>
+        </p:nvSpPr>
+        <p:spPr>
+          <a:xfrm>
+            <a:off x="5436251" y="3122036"/>
+            <a:ext cx="1463096" cy="477054"/>
+          </a:xfrm>
+          <a:prstGeom prst="rect">
+            <a:avLst/>
+          </a:prstGeom>
+          <a:noFill/>
+        </p:spPr>
+        <p:txBody>
+          <a:bodyPr wrap="square" rtlCol="0">
+            <a:spAutoFit/>
+          </a:bodyPr>
+          <a:lstStyle/>
+          <a:p>
+            <a:r>
+              <a:rPr lang="en-US" altLang="ko-KR" sz="2500" b="1" dirty="0">
+                <a:solidFill>
+                  <a:schemeClr val="bg1"/>
+                </a:solidFill>
+              </a:rPr>
+              <a:t>Internet</a:t>
+            </a:r>
+            <a:endParaRPr lang="ko-KR" altLang="en-US" sz="2500" b="1" dirty="0">
+              <a:solidFill>
+                <a:schemeClr val="bg1"/>
+              </a:solidFill>
+            </a:endParaRPr>
+          </a:p>
+        </p:txBody>
+      </p:sp>
       <p:pic>
         <p:nvPicPr>
-          <p:cNvPr id="6" name="그래픽 5" descr="구름 윤곽선">
-            <a:extLst>
-              <a:ext uri="{FF2B5EF4-FFF2-40B4-BE49-F238E27FC236}">
-                <a16:creationId xmlns:a16="http://schemas.microsoft.com/office/drawing/2014/main" id="{744E1162-2A17-B893-8066-97B3AA8130D6}"/>
+          <p:cNvPr id="25" name="그래픽 24" descr="컴퓨터 단색으로 채워진">
+            <a:extLst>
+              <a:ext uri="{FF2B5EF4-FFF2-40B4-BE49-F238E27FC236}">
+                <a16:creationId xmlns:a16="http://schemas.microsoft.com/office/drawing/2014/main" id="{7236D111-FF6B-9502-770C-192DC9616D3B}"/>
               </a:ext>
             </a:extLst>
           </p:cNvPr>
@@ -11501,13 +13040,13 @@
           <p:nvPr/>
         </p:nvPicPr>
         <p:blipFill>
-          <a:blip r:embed="rId4">
+          <a:blip r:embed="rId2">
             <a:extLst>
               <a:ext uri="{28A0092B-C50C-407E-A947-70E740481C1C}">
                 <a14:useLocalDpi xmlns:a14="http://schemas.microsoft.com/office/drawing/2010/main" val="0"/>
               </a:ext>
               <a:ext uri="{96DAC541-7B7A-43D3-8B79-37D633B846F1}">
-                <asvg:svgBlip xmlns:asvg="http://schemas.microsoft.com/office/drawing/2016/SVG/main" r:embed="rId5"/>
+                <asvg:svgBlip xmlns:asvg="http://schemas.microsoft.com/office/drawing/2016/SVG/main" r:embed="rId3"/>
               </a:ext>
             </a:extLst>
           </a:blip>
@@ -11517,89 +13056,6 @@
         </p:blipFill>
         <p:spPr>
           <a:xfrm>
-            <a:off x="4737819" y="1882142"/>
-            <a:ext cx="2717684" cy="2717684"/>
-          </a:xfrm>
-          <a:prstGeom prst="rect">
-            <a:avLst/>
-          </a:prstGeom>
-        </p:spPr>
-      </p:pic>
-      <p:sp>
-        <p:nvSpPr>
-          <p:cNvPr id="7" name="TextBox 6">
-            <a:extLst>
-              <a:ext uri="{FF2B5EF4-FFF2-40B4-BE49-F238E27FC236}">
-                <a16:creationId xmlns:a16="http://schemas.microsoft.com/office/drawing/2014/main" id="{CD17A3D8-9ACE-F391-7E8B-F10C71C8F4CB}"/>
-              </a:ext>
-            </a:extLst>
-          </p:cNvPr>
-          <p:cNvSpPr txBox="1"/>
-          <p:nvPr/>
-        </p:nvSpPr>
-        <p:spPr>
-          <a:xfrm>
-            <a:off x="5436251" y="3122036"/>
-            <a:ext cx="1463096" cy="477054"/>
-          </a:xfrm>
-          <a:prstGeom prst="rect">
-            <a:avLst/>
-          </a:prstGeom>
-          <a:noFill/>
-        </p:spPr>
-        <p:txBody>
-          <a:bodyPr wrap="square" rtlCol="0">
-            <a:spAutoFit/>
-          </a:bodyPr>
-          <a:lstStyle/>
-          <a:p>
-            <a:r>
-              <a:rPr lang="en-US" altLang="ko-KR" sz="2500" b="1" dirty="0">
-                <a:solidFill>
-                  <a:schemeClr val="bg1"/>
-                </a:solidFill>
-              </a:rPr>
-              <a:t>Internet</a:t>
-            </a:r>
-            <a:endParaRPr lang="ko-KR" altLang="en-US" sz="2500" b="1" dirty="0">
-              <a:solidFill>
-                <a:schemeClr val="bg1"/>
-              </a:solidFill>
-            </a:endParaRPr>
-          </a:p>
-        </p:txBody>
-      </p:sp>
-      <p:pic>
-        <p:nvPicPr>
-          <p:cNvPr id="8" name="그래픽 7" descr="컴퓨터 단색으로 채워진">
-            <a:extLst>
-              <a:ext uri="{FF2B5EF4-FFF2-40B4-BE49-F238E27FC236}">
-                <a16:creationId xmlns:a16="http://schemas.microsoft.com/office/drawing/2014/main" id="{3332BA90-A31C-0B45-83D6-5AC5CFB749D6}"/>
-              </a:ext>
-            </a:extLst>
-          </p:cNvPr>
-          <p:cNvPicPr>
-            <a:picLocks noChangeAspect="1"/>
-          </p:cNvPicPr>
-          <p:nvPr/>
-        </p:nvPicPr>
-        <p:blipFill>
-          <a:blip r:embed="rId2">
-            <a:extLst>
-              <a:ext uri="{28A0092B-C50C-407E-A947-70E740481C1C}">
-                <a14:useLocalDpi xmlns:a14="http://schemas.microsoft.com/office/drawing/2010/main" val="0"/>
-              </a:ext>
-              <a:ext uri="{96DAC541-7B7A-43D3-8B79-37D633B846F1}">
-                <asvg:svgBlip xmlns:asvg="http://schemas.microsoft.com/office/drawing/2016/SVG/main" r:embed="rId3"/>
-              </a:ext>
-            </a:extLst>
-          </a:blip>
-          <a:stretch>
-            <a:fillRect/>
-          </a:stretch>
-        </p:blipFill>
-        <p:spPr>
-          <a:xfrm>
             <a:off x="9168354" y="2755570"/>
             <a:ext cx="1298896" cy="1298896"/>
           </a:xfrm>
@@ -11610,10 +13066,10 @@
       </p:pic>
       <p:cxnSp>
         <p:nvCxnSpPr>
-          <p:cNvPr id="12" name="직선 연결선 11">
-            <a:extLst>
-              <a:ext uri="{FF2B5EF4-FFF2-40B4-BE49-F238E27FC236}">
-                <a16:creationId xmlns:a16="http://schemas.microsoft.com/office/drawing/2014/main" id="{9D955ABF-CF2D-003C-0A1C-606E724701AB}"/>
+          <p:cNvPr id="26" name="직선 연결선 25">
+            <a:extLst>
+              <a:ext uri="{FF2B5EF4-FFF2-40B4-BE49-F238E27FC236}">
+                <a16:creationId xmlns:a16="http://schemas.microsoft.com/office/drawing/2014/main" id="{68895F5D-CAE8-BBB3-4984-5646D567035D}"/>
               </a:ext>
             </a:extLst>
           </p:cNvPr>
@@ -11653,10 +13109,10 @@
       </p:cxnSp>
       <p:cxnSp>
         <p:nvCxnSpPr>
-          <p:cNvPr id="10" name="직선 연결선 9">
-            <a:extLst>
-              <a:ext uri="{FF2B5EF4-FFF2-40B4-BE49-F238E27FC236}">
-                <a16:creationId xmlns:a16="http://schemas.microsoft.com/office/drawing/2014/main" id="{BEA4FD4C-133F-1F0F-BDF1-53AD58A9DDE3}"/>
+          <p:cNvPr id="27" name="직선 연결선 26">
+            <a:extLst>
+              <a:ext uri="{FF2B5EF4-FFF2-40B4-BE49-F238E27FC236}">
+                <a16:creationId xmlns:a16="http://schemas.microsoft.com/office/drawing/2014/main" id="{219D463B-6FFA-ED0A-B2F4-1122C50E6040}"/>
               </a:ext>
             </a:extLst>
           </p:cNvPr>
@@ -11696,10 +13152,10 @@
       </p:cxnSp>
       <p:sp>
         <p:nvSpPr>
-          <p:cNvPr id="26" name="TextBox 25">
-            <a:extLst>
-              <a:ext uri="{FF2B5EF4-FFF2-40B4-BE49-F238E27FC236}">
-                <a16:creationId xmlns:a16="http://schemas.microsoft.com/office/drawing/2014/main" id="{729DC8B5-20FD-FB81-3A56-05E427EB6270}"/>
+          <p:cNvPr id="28" name="TextBox 27">
+            <a:extLst>
+              <a:ext uri="{FF2B5EF4-FFF2-40B4-BE49-F238E27FC236}">
+                <a16:creationId xmlns:a16="http://schemas.microsoft.com/office/drawing/2014/main" id="{44B0C3A0-BDEE-CF5A-0852-DE3A70E679D9}"/>
               </a:ext>
             </a:extLst>
           </p:cNvPr>
@@ -11740,10 +13196,10 @@
       </p:sp>
       <p:sp>
         <p:nvSpPr>
-          <p:cNvPr id="27" name="TextBox 26">
-            <a:extLst>
-              <a:ext uri="{FF2B5EF4-FFF2-40B4-BE49-F238E27FC236}">
-                <a16:creationId xmlns:a16="http://schemas.microsoft.com/office/drawing/2014/main" id="{3BCC75CD-7479-FA26-C8EC-EB050E570E83}"/>
+          <p:cNvPr id="29" name="TextBox 28">
+            <a:extLst>
+              <a:ext uri="{FF2B5EF4-FFF2-40B4-BE49-F238E27FC236}">
+                <a16:creationId xmlns:a16="http://schemas.microsoft.com/office/drawing/2014/main" id="{FEF49684-39BE-9044-C401-BCCD197529C9}"/>
               </a:ext>
             </a:extLst>
           </p:cNvPr>
@@ -11784,10 +13240,10 @@
       </p:sp>
       <p:cxnSp>
         <p:nvCxnSpPr>
-          <p:cNvPr id="31" name="직선 화살표 연결선 30">
-            <a:extLst>
-              <a:ext uri="{FF2B5EF4-FFF2-40B4-BE49-F238E27FC236}">
-                <a16:creationId xmlns:a16="http://schemas.microsoft.com/office/drawing/2014/main" id="{64037C16-9085-3268-075D-DA82BFA2835A}"/>
+          <p:cNvPr id="30" name="직선 화살표 연결선 29">
+            <a:extLst>
+              <a:ext uri="{FF2B5EF4-FFF2-40B4-BE49-F238E27FC236}">
+                <a16:creationId xmlns:a16="http://schemas.microsoft.com/office/drawing/2014/main" id="{58FF419E-3ACB-D972-F7D0-AB9952830349}"/>
               </a:ext>
             </a:extLst>
           </p:cNvPr>
@@ -11829,10 +13285,10 @@
       </p:cxnSp>
       <p:cxnSp>
         <p:nvCxnSpPr>
-          <p:cNvPr id="34" name="직선 화살표 연결선 33">
-            <a:extLst>
-              <a:ext uri="{FF2B5EF4-FFF2-40B4-BE49-F238E27FC236}">
-                <a16:creationId xmlns:a16="http://schemas.microsoft.com/office/drawing/2014/main" id="{94E58C3D-C795-98B3-4786-0478E7E70447}"/>
+          <p:cNvPr id="31" name="직선 화살표 연결선 30">
+            <a:extLst>
+              <a:ext uri="{FF2B5EF4-FFF2-40B4-BE49-F238E27FC236}">
+                <a16:creationId xmlns:a16="http://schemas.microsoft.com/office/drawing/2014/main" id="{90C8CA8C-4714-937E-1464-D08084307D51}"/>
               </a:ext>
             </a:extLst>
           </p:cNvPr>
@@ -11874,10 +13330,10 @@
       </p:cxnSp>
       <p:sp>
         <p:nvSpPr>
-          <p:cNvPr id="36" name="TextBox 35">
-            <a:extLst>
-              <a:ext uri="{FF2B5EF4-FFF2-40B4-BE49-F238E27FC236}">
-                <a16:creationId xmlns:a16="http://schemas.microsoft.com/office/drawing/2014/main" id="{D5B7F67F-5695-6D48-E559-903EDFC8DA52}"/>
+          <p:cNvPr id="32" name="TextBox 31">
+            <a:extLst>
+              <a:ext uri="{FF2B5EF4-FFF2-40B4-BE49-F238E27FC236}">
+                <a16:creationId xmlns:a16="http://schemas.microsoft.com/office/drawing/2014/main" id="{21DC211F-BB05-42BC-0888-FEB6B781FD18}"/>
               </a:ext>
             </a:extLst>
           </p:cNvPr>
@@ -11918,10 +13374,10 @@
       </p:sp>
       <p:sp>
         <p:nvSpPr>
-          <p:cNvPr id="37" name="TextBox 36">
-            <a:extLst>
-              <a:ext uri="{FF2B5EF4-FFF2-40B4-BE49-F238E27FC236}">
-                <a16:creationId xmlns:a16="http://schemas.microsoft.com/office/drawing/2014/main" id="{82A02DCA-2CAF-4B9C-94D0-B08EBCB28F1E}"/>
+          <p:cNvPr id="33" name="TextBox 32">
+            <a:extLst>
+              <a:ext uri="{FF2B5EF4-FFF2-40B4-BE49-F238E27FC236}">
+                <a16:creationId xmlns:a16="http://schemas.microsoft.com/office/drawing/2014/main" id="{BBB0C956-D5A9-BE07-9357-F5D03B534B93}"/>
               </a:ext>
             </a:extLst>
           </p:cNvPr>
@@ -11962,10 +13418,10 @@
       </p:sp>
       <p:sp>
         <p:nvSpPr>
-          <p:cNvPr id="38" name="TextBox 37">
-            <a:extLst>
-              <a:ext uri="{FF2B5EF4-FFF2-40B4-BE49-F238E27FC236}">
-                <a16:creationId xmlns:a16="http://schemas.microsoft.com/office/drawing/2014/main" id="{63A1B8AB-03F3-BC4B-7D9F-9661A048F672}"/>
+          <p:cNvPr id="34" name="TextBox 33">
+            <a:extLst>
+              <a:ext uri="{FF2B5EF4-FFF2-40B4-BE49-F238E27FC236}">
+                <a16:creationId xmlns:a16="http://schemas.microsoft.com/office/drawing/2014/main" id="{D3D3999E-AD8A-6836-9C28-BD7448EEBF06}"/>
               </a:ext>
             </a:extLst>
           </p:cNvPr>
@@ -12006,10 +13462,10 @@
       </p:sp>
       <p:sp>
         <p:nvSpPr>
-          <p:cNvPr id="39" name="TextBox 38">
-            <a:extLst>
-              <a:ext uri="{FF2B5EF4-FFF2-40B4-BE49-F238E27FC236}">
-                <a16:creationId xmlns:a16="http://schemas.microsoft.com/office/drawing/2014/main" id="{076AA634-B2F2-949A-CA8A-2C24951082A6}"/>
+          <p:cNvPr id="35" name="TextBox 34">
+            <a:extLst>
+              <a:ext uri="{FF2B5EF4-FFF2-40B4-BE49-F238E27FC236}">
+                <a16:creationId xmlns:a16="http://schemas.microsoft.com/office/drawing/2014/main" id="{381BBBB7-C570-D0B8-7687-F2FA53094396}"/>
               </a:ext>
             </a:extLst>
           </p:cNvPr>
@@ -12050,10 +13506,10 @@
       </p:sp>
       <p:sp>
         <p:nvSpPr>
-          <p:cNvPr id="40" name="TextBox 39">
-            <a:extLst>
-              <a:ext uri="{FF2B5EF4-FFF2-40B4-BE49-F238E27FC236}">
-                <a16:creationId xmlns:a16="http://schemas.microsoft.com/office/drawing/2014/main" id="{3D598344-29AA-A8E3-DB2C-0EB0418BB3B3}"/>
+          <p:cNvPr id="36" name="TextBox 35">
+            <a:extLst>
+              <a:ext uri="{FF2B5EF4-FFF2-40B4-BE49-F238E27FC236}">
+                <a16:creationId xmlns:a16="http://schemas.microsoft.com/office/drawing/2014/main" id="{C35005FF-3274-20FC-BFC5-5052CA04DBE4}"/>
               </a:ext>
             </a:extLst>
           </p:cNvPr>
@@ -12094,10 +13550,10 @@
       </p:sp>
       <p:sp>
         <p:nvSpPr>
-          <p:cNvPr id="41" name="TextBox 40">
-            <a:extLst>
-              <a:ext uri="{FF2B5EF4-FFF2-40B4-BE49-F238E27FC236}">
-                <a16:creationId xmlns:a16="http://schemas.microsoft.com/office/drawing/2014/main" id="{EC87C30F-C57F-098C-49CC-183683F48932}"/>
+          <p:cNvPr id="37" name="TextBox 36">
+            <a:extLst>
+              <a:ext uri="{FF2B5EF4-FFF2-40B4-BE49-F238E27FC236}">
+                <a16:creationId xmlns:a16="http://schemas.microsoft.com/office/drawing/2014/main" id="{5F164962-58E4-CD47-0F96-187084255191}"/>
               </a:ext>
             </a:extLst>
           </p:cNvPr>
@@ -12138,10 +13594,10 @@
       </p:sp>
       <p:cxnSp>
         <p:nvCxnSpPr>
-          <p:cNvPr id="49" name="직선 연결선 48">
-            <a:extLst>
-              <a:ext uri="{FF2B5EF4-FFF2-40B4-BE49-F238E27FC236}">
-                <a16:creationId xmlns:a16="http://schemas.microsoft.com/office/drawing/2014/main" id="{66C8D924-5C6C-9203-3952-A3304362F586}"/>
+          <p:cNvPr id="38" name="직선 연결선 37">
+            <a:extLst>
+              <a:ext uri="{FF2B5EF4-FFF2-40B4-BE49-F238E27FC236}">
+                <a16:creationId xmlns:a16="http://schemas.microsoft.com/office/drawing/2014/main" id="{65658A71-3A3E-ABF0-BB32-C7962CBF475B}"/>
               </a:ext>
             </a:extLst>
           </p:cNvPr>
@@ -12181,10 +13637,10 @@
       </p:cxnSp>
       <p:cxnSp>
         <p:nvCxnSpPr>
-          <p:cNvPr id="50" name="직선 연결선 49">
-            <a:extLst>
-              <a:ext uri="{FF2B5EF4-FFF2-40B4-BE49-F238E27FC236}">
-                <a16:creationId xmlns:a16="http://schemas.microsoft.com/office/drawing/2014/main" id="{8430748E-2559-E9DA-3CFF-7B1354A7449C}"/>
+          <p:cNvPr id="39" name="직선 연결선 38">
+            <a:extLst>
+              <a:ext uri="{FF2B5EF4-FFF2-40B4-BE49-F238E27FC236}">
+                <a16:creationId xmlns:a16="http://schemas.microsoft.com/office/drawing/2014/main" id="{91C5CF27-A7B7-5577-A275-3517A5709EFE}"/>
               </a:ext>
             </a:extLst>
           </p:cNvPr>
@@ -12222,12 +13678,51 @@
           </a:fontRef>
         </p:style>
       </p:cxnSp>
-      <p:sp>
-        <p:nvSpPr>
-          <p:cNvPr id="53" name="TextBox 52">
-            <a:extLst>
-              <a:ext uri="{FF2B5EF4-FFF2-40B4-BE49-F238E27FC236}">
-                <a16:creationId xmlns:a16="http://schemas.microsoft.com/office/drawing/2014/main" id="{7DEB316E-1738-CA5C-2FC5-F459F6C7F4F2}"/>
+      <p:pic>
+        <p:nvPicPr>
+          <p:cNvPr id="40" name="그래픽 39" descr="구름 윤곽선">
+            <a:extLst>
+              <a:ext uri="{FF2B5EF4-FFF2-40B4-BE49-F238E27FC236}">
+                <a16:creationId xmlns:a16="http://schemas.microsoft.com/office/drawing/2014/main" id="{BB762530-57B5-AC53-379D-07F392CC9761}"/>
+              </a:ext>
+            </a:extLst>
+          </p:cNvPr>
+          <p:cNvPicPr>
+            <a:picLocks noChangeAspect="1"/>
+          </p:cNvPicPr>
+          <p:nvPr/>
+        </p:nvPicPr>
+        <p:blipFill>
+          <a:blip r:embed="rId4">
+            <a:extLst>
+              <a:ext uri="{28A0092B-C50C-407E-A947-70E740481C1C}">
+                <a14:useLocalDpi xmlns:a14="http://schemas.microsoft.com/office/drawing/2010/main" val="0"/>
+              </a:ext>
+              <a:ext uri="{96DAC541-7B7A-43D3-8B79-37D633B846F1}">
+                <asvg:svgBlip xmlns:asvg="http://schemas.microsoft.com/office/drawing/2016/SVG/main" r:embed="rId5"/>
+              </a:ext>
+            </a:extLst>
+          </a:blip>
+          <a:stretch>
+            <a:fillRect/>
+          </a:stretch>
+        </p:blipFill>
+        <p:spPr>
+          <a:xfrm>
+            <a:off x="4737819" y="1882142"/>
+            <a:ext cx="2717684" cy="2717684"/>
+          </a:xfrm>
+          <a:prstGeom prst="rect">
+            <a:avLst/>
+          </a:prstGeom>
+        </p:spPr>
+      </p:pic>
+      <p:sp>
+        <p:nvSpPr>
+          <p:cNvPr id="42" name="TextBox 41">
+            <a:extLst>
+              <a:ext uri="{FF2B5EF4-FFF2-40B4-BE49-F238E27FC236}">
+                <a16:creationId xmlns:a16="http://schemas.microsoft.com/office/drawing/2014/main" id="{F1A5B4FA-3EE3-5261-E03D-AAA78833E1A1}"/>
               </a:ext>
             </a:extLst>
           </p:cNvPr>
@@ -12285,7 +13780,7 @@
     </p:spTree>
     <p:extLst>
       <p:ext uri="{BB962C8B-B14F-4D97-AF65-F5344CB8AC3E}">
-        <p14:creationId xmlns:p14="http://schemas.microsoft.com/office/powerpoint/2010/main" val="3013097834"/>
+        <p14:creationId xmlns:p14="http://schemas.microsoft.com/office/powerpoint/2010/main" val="1974592816"/>
       </p:ext>
     </p:extLst>
   </p:cSld>
@@ -12350,7 +13845,7 @@
                   <a:schemeClr val="bg1"/>
                 </a:solidFill>
               </a:rPr>
-              <a:t>Static</a:t>
+              <a:t>NAT</a:t>
             </a:r>
             <a:r>
               <a:rPr lang="ko-KR" altLang="en-US" sz="3800" b="1" dirty="0">
@@ -12366,13 +13861,16 @@
                   <a:schemeClr val="bg1"/>
                 </a:solidFill>
               </a:rPr>
-              <a:t>NAT(Network Address Translation)</a:t>
-            </a:r>
-            <a:endParaRPr lang="ko-KR" altLang="en-US" sz="3800" b="1" dirty="0">
-              <a:solidFill>
-                <a:schemeClr val="bg1"/>
-              </a:solidFill>
-            </a:endParaRPr>
+              <a:t>Table</a:t>
+            </a:r>
+            <a:r>
+              <a:rPr lang="ko-KR" altLang="en-US" sz="3800" b="1" dirty="0">
+                <a:solidFill>
+                  <a:schemeClr val="bg1"/>
+                </a:solidFill>
+              </a:rPr>
+              <a:t> </a:t>
+            </a:r>
           </a:p>
         </p:txBody>
       </p:sp>
@@ -12394,8 +13892,8 @@
         </p:nvSpPr>
         <p:spPr>
           <a:xfrm>
-            <a:off x="838200" y="1825626"/>
-            <a:ext cx="10515600" cy="369332"/>
+            <a:off x="448676" y="3429000"/>
+            <a:ext cx="3143250" cy="369332"/>
           </a:xfrm>
         </p:spPr>
         <p:txBody>
@@ -12408,12 +13906,20 @@
               <a:buNone/>
             </a:pPr>
             <a:r>
+              <a:rPr lang="en-US" altLang="ko-KR" sz="2000" b="1" dirty="0">
+                <a:solidFill>
+                  <a:schemeClr val="bg1"/>
+                </a:solidFill>
+              </a:rPr>
+              <a:t>NAT</a:t>
+            </a:r>
+            <a:r>
               <a:rPr lang="ko-KR" altLang="en-US" sz="2000" b="1" dirty="0">
                 <a:solidFill>
                   <a:schemeClr val="bg1"/>
                 </a:solidFill>
               </a:rPr>
-              <a:t>정적 </a:t>
+              <a:t> </a:t>
             </a:r>
             <a:r>
               <a:rPr lang="en-US" altLang="ko-KR" sz="2000" b="1" dirty="0">
@@ -12421,7 +13927,7 @@
                   <a:schemeClr val="bg1"/>
                 </a:solidFill>
               </a:rPr>
-              <a:t>NAT </a:t>
+              <a:t>Table </a:t>
             </a:r>
             <a:r>
               <a:rPr lang="ko-KR" altLang="en-US" sz="2000" b="1" dirty="0">
@@ -12429,7 +13935,7 @@
                   <a:schemeClr val="bg1"/>
                 </a:solidFill>
               </a:rPr>
-              <a:t>토폴로지</a:t>
+              <a:t>명령어</a:t>
             </a:r>
             <a:endParaRPr lang="en-US" altLang="ko-KR" sz="2000" b="1" dirty="0">
               <a:solidFill>
@@ -12441,10 +13947,10 @@
       </p:sp>
       <p:pic>
         <p:nvPicPr>
-          <p:cNvPr id="28" name="그림 27">
-            <a:extLst>
-              <a:ext uri="{FF2B5EF4-FFF2-40B4-BE49-F238E27FC236}">
-                <a16:creationId xmlns:a16="http://schemas.microsoft.com/office/drawing/2014/main" id="{2DB2ECA1-E8C7-5FF6-FF7E-E56999E4CEA0}"/>
+          <p:cNvPr id="5" name="그림 4">
+            <a:extLst>
+              <a:ext uri="{FF2B5EF4-FFF2-40B4-BE49-F238E27FC236}">
+                <a16:creationId xmlns:a16="http://schemas.microsoft.com/office/drawing/2014/main" id="{55F31957-C648-0F35-1F54-F6A6A22B4D63}"/>
               </a:ext>
             </a:extLst>
           </p:cNvPr>
@@ -12461,8 +13967,8 @@
         </p:blipFill>
         <p:spPr>
           <a:xfrm>
-            <a:off x="0" y="2872096"/>
-            <a:ext cx="12192000" cy="2399489"/>
+            <a:off x="3591926" y="2593310"/>
+            <a:ext cx="8109284" cy="1671379"/>
           </a:xfrm>
           <a:prstGeom prst="rect">
             <a:avLst/>
@@ -12472,7 +13978,7 @@
     </p:spTree>
     <p:extLst>
       <p:ext uri="{BB962C8B-B14F-4D97-AF65-F5344CB8AC3E}">
-        <p14:creationId xmlns:p14="http://schemas.microsoft.com/office/powerpoint/2010/main" val="1823068760"/>
+        <p14:creationId xmlns:p14="http://schemas.microsoft.com/office/powerpoint/2010/main" val="1559985158"/>
       </p:ext>
     </p:extLst>
   </p:cSld>
